--- a/AIT_Template.pptx
+++ b/AIT_Template.pptx
@@ -3558,7 +3558,7 @@
           <a:graphicData uri="http://schemas.openxmlformats.org/presentationml/2006/ole">
             <mc:AlternateContent xmlns:mc="http://schemas.openxmlformats.org/markup-compatibility/2006">
               <mc:Choice xmlns:v="urn:schemas-microsoft-com:vml" Requires="v">
-                <p:oleObj spid="_x0000_s13987" name="ﾌﾘｰﾗﾝｽ 97 図形" r:id="rId17" imgW="20477" imgH="641447" progId="">
+                <p:oleObj spid="_x0000_s14016" name="ﾌﾘｰﾗﾝｽ 97 図形" r:id="rId17" imgW="20477" imgH="641447" progId="">
                   <p:embed/>
                 </p:oleObj>
               </mc:Choice>
@@ -5231,33 +5231,45 @@
           <a:bodyPr/>
           <a:lstStyle/>
           <a:p>
-            <a:r>
-              <a:rPr lang="en-US" dirty="0" err="1" smtClean="0">
+            <a:pPr>
+              <a:lnSpc>
+                <a:spcPct val="150000"/>
+              </a:lnSpc>
+            </a:pPr>
+            <a:r>
+              <a:rPr lang="en-US" b="1" dirty="0" err="1" smtClean="0">
                 <a:latin typeface="Times New Roman" panose="02020603050405020304" pitchFamily="18" charset="0"/>
                 <a:cs typeface="Times New Roman" panose="02020603050405020304" pitchFamily="18" charset="0"/>
               </a:rPr>
               <a:t>Giới</a:t>
             </a:r>
             <a:r>
+              <a:rPr lang="en-US" b="1" dirty="0" smtClean="0">
+                <a:latin typeface="Times New Roman" panose="02020603050405020304" pitchFamily="18" charset="0"/>
+                <a:cs typeface="Times New Roman" panose="02020603050405020304" pitchFamily="18" charset="0"/>
+              </a:rPr>
+              <a:t> </a:t>
+            </a:r>
+            <a:r>
+              <a:rPr lang="en-US" b="1" dirty="0" err="1" smtClean="0">
+                <a:latin typeface="Times New Roman" panose="02020603050405020304" pitchFamily="18" charset="0"/>
+                <a:cs typeface="Times New Roman" panose="02020603050405020304" pitchFamily="18" charset="0"/>
+              </a:rPr>
+              <a:t>thiệu</a:t>
+            </a:r>
+            <a:r>
+              <a:rPr lang="en-US" b="1" dirty="0" smtClean="0">
+                <a:latin typeface="Times New Roman" panose="02020603050405020304" pitchFamily="18" charset="0"/>
+                <a:cs typeface="Times New Roman" panose="02020603050405020304" pitchFamily="18" charset="0"/>
+              </a:rPr>
+              <a:t>:</a:t>
+            </a:r>
+            <a:r>
               <a:rPr lang="en-US" dirty="0" smtClean="0">
                 <a:latin typeface="Times New Roman" panose="02020603050405020304" pitchFamily="18" charset="0"/>
                 <a:cs typeface="Times New Roman" panose="02020603050405020304" pitchFamily="18" charset="0"/>
               </a:rPr>
-              <a:t> </a:t>
-            </a:r>
-            <a:r>
-              <a:rPr lang="en-US" dirty="0" err="1" smtClean="0">
-                <a:latin typeface="Times New Roman" panose="02020603050405020304" pitchFamily="18" charset="0"/>
-                <a:cs typeface="Times New Roman" panose="02020603050405020304" pitchFamily="18" charset="0"/>
-              </a:rPr>
-              <a:t>thiệu</a:t>
-            </a:r>
-            <a:r>
-              <a:rPr lang="en-US" dirty="0" smtClean="0">
-                <a:latin typeface="Times New Roman" panose="02020603050405020304" pitchFamily="18" charset="0"/>
-                <a:cs typeface="Times New Roman" panose="02020603050405020304" pitchFamily="18" charset="0"/>
-              </a:rPr>
-              <a:t>:</a:t>
+              <a:t/>
             </a:r>
             <a:br>
               <a:rPr lang="en-US" dirty="0" smtClean="0">
@@ -5299,6 +5311,11 @@
             </a:endParaRPr>
           </a:p>
           <a:p>
+            <a:pPr>
+              <a:lnSpc>
+                <a:spcPct val="150000"/>
+              </a:lnSpc>
+            </a:pPr>
             <a:endParaRPr lang="en-US" dirty="0" smtClean="0">
               <a:latin typeface="Times New Roman" panose="02020603050405020304" pitchFamily="18" charset="0"/>
               <a:cs typeface="Times New Roman" panose="02020603050405020304" pitchFamily="18" charset="0"/>
@@ -5513,6 +5530,11 @@
           <a:bodyPr/>
           <a:lstStyle/>
           <a:p>
+            <a:pPr>
+              <a:lnSpc>
+                <a:spcPct val="150000"/>
+              </a:lnSpc>
+            </a:pPr>
             <a:r>
               <a:rPr lang="en-US" b="1" dirty="0" err="1" smtClean="0">
                 <a:latin typeface="Times New Roman" panose="02020603050405020304" pitchFamily="18" charset="0"/>
@@ -5628,6 +5650,9 @@
           </a:p>
           <a:p>
             <a:pPr marL="548663" lvl="1" indent="-342900">
+              <a:lnSpc>
+                <a:spcPct val="150000"/>
+              </a:lnSpc>
               <a:buFont typeface="+mj-lt"/>
               <a:buAutoNum type="arabicPeriod"/>
             </a:pPr>
@@ -5729,6 +5754,9 @@
           </a:p>
           <a:p>
             <a:pPr marL="832825" lvl="2" indent="-342900">
+              <a:lnSpc>
+                <a:spcPct val="150000"/>
+              </a:lnSpc>
               <a:buFont typeface="+mj-lt"/>
               <a:buAutoNum type="alphaUcPeriod"/>
             </a:pPr>
@@ -5825,6 +5853,9 @@
           </a:p>
           <a:p>
             <a:pPr lvl="3">
+              <a:lnSpc>
+                <a:spcPct val="150000"/>
+              </a:lnSpc>
               <a:buFont typeface="Wingdings" panose="05000000000000000000" pitchFamily="2" charset="2"/>
               <a:buChar char="Ø"/>
             </a:pPr>
@@ -5873,6 +5904,9 @@
           </a:p>
           <a:p>
             <a:pPr lvl="3">
+              <a:lnSpc>
+                <a:spcPct val="150000"/>
+              </a:lnSpc>
               <a:buFont typeface="Wingdings" panose="05000000000000000000" pitchFamily="2" charset="2"/>
               <a:buChar char="Ø"/>
             </a:pPr>
@@ -5914,6 +5948,9 @@
           </a:p>
           <a:p>
             <a:pPr marL="832825" lvl="2" indent="-342900">
+              <a:lnSpc>
+                <a:spcPct val="150000"/>
+              </a:lnSpc>
               <a:buFont typeface="+mj-lt"/>
               <a:buAutoNum type="alphaUcPeriod"/>
             </a:pPr>
@@ -6010,6 +6047,9 @@
           </a:p>
           <a:p>
             <a:pPr lvl="3">
+              <a:lnSpc>
+                <a:spcPct val="150000"/>
+              </a:lnSpc>
               <a:buFont typeface="Wingdings" panose="05000000000000000000" pitchFamily="2" charset="2"/>
               <a:buChar char="Ø"/>
             </a:pPr>
@@ -6051,6 +6091,9 @@
           </a:p>
           <a:p>
             <a:pPr lvl="3">
+              <a:lnSpc>
+                <a:spcPct val="150000"/>
+              </a:lnSpc>
               <a:buFont typeface="Wingdings" panose="05000000000000000000" pitchFamily="2" charset="2"/>
               <a:buChar char="Ø"/>
             </a:pPr>
@@ -6092,6 +6135,9 @@
           </a:p>
           <a:p>
             <a:pPr marL="832825" lvl="2" indent="-342900">
+              <a:lnSpc>
+                <a:spcPct val="150000"/>
+              </a:lnSpc>
               <a:buFont typeface="+mj-lt"/>
               <a:buAutoNum type="alphaUcPeriod"/>
             </a:pPr>
@@ -6188,6 +6234,9 @@
           </a:p>
           <a:p>
             <a:pPr marL="832825" lvl="2" indent="-342900">
+              <a:lnSpc>
+                <a:spcPct val="150000"/>
+              </a:lnSpc>
               <a:buFont typeface="+mj-lt"/>
               <a:buAutoNum type="alphaUcPeriod"/>
             </a:pPr>
@@ -6303,6 +6352,13 @@
   <p:clrMapOvr>
     <a:masterClrMapping/>
   </p:clrMapOvr>
+  <p:timing>
+    <p:tnLst>
+      <p:par>
+        <p:cTn id="1" dur="indefinite" restart="never" nodeType="tmRoot"/>
+      </p:par>
+    </p:tnLst>
+  </p:timing>
 </p:sld>
 </file>
 
@@ -6427,6 +6483,11 @@
           <a:bodyPr/>
           <a:lstStyle/>
           <a:p>
+            <a:pPr>
+              <a:lnSpc>
+                <a:spcPct val="150000"/>
+              </a:lnSpc>
+            </a:pPr>
             <a:r>
               <a:rPr lang="en-US" b="1" dirty="0" err="1">
                 <a:latin typeface="Times New Roman" panose="02020603050405020304" pitchFamily="18" charset="0"/>
@@ -6549,6 +6610,9 @@
           </a:p>
           <a:p>
             <a:pPr marL="548663" lvl="1" indent="-342900">
+              <a:lnSpc>
+                <a:spcPct val="150000"/>
+              </a:lnSpc>
               <a:buFont typeface="+mj-lt"/>
               <a:buAutoNum type="arabicPeriod"/>
             </a:pPr>
@@ -6650,6 +6714,9 @@
           </a:p>
           <a:p>
             <a:pPr marL="548663" lvl="1" indent="-342900">
+              <a:lnSpc>
+                <a:spcPct val="150000"/>
+              </a:lnSpc>
               <a:buFont typeface="+mj-lt"/>
               <a:buAutoNum type="arabicPeriod"/>
             </a:pPr>
@@ -6737,6 +6804,9 @@
           </a:p>
           <a:p>
             <a:pPr marL="832825" lvl="2" indent="-342900">
+              <a:lnSpc>
+                <a:spcPct val="150000"/>
+              </a:lnSpc>
               <a:buFont typeface="+mj-lt"/>
               <a:buAutoNum type="alphaUcPeriod"/>
             </a:pPr>
@@ -6772,6 +6842,9 @@
           </a:p>
           <a:p>
             <a:pPr marL="832825" lvl="2" indent="-342900">
+              <a:lnSpc>
+                <a:spcPct val="150000"/>
+              </a:lnSpc>
               <a:buFont typeface="+mj-lt"/>
               <a:buAutoNum type="alphaUcPeriod"/>
             </a:pPr>
@@ -6807,6 +6880,9 @@
           </a:p>
           <a:p>
             <a:pPr marL="832825" lvl="2" indent="-342900">
+              <a:lnSpc>
+                <a:spcPct val="150000"/>
+              </a:lnSpc>
               <a:buFont typeface="+mj-lt"/>
               <a:buAutoNum type="alphaUcPeriod"/>
             </a:pPr>
@@ -6842,6 +6918,9 @@
           </a:p>
           <a:p>
             <a:pPr marL="832825" lvl="2" indent="-342900">
+              <a:lnSpc>
+                <a:spcPct val="150000"/>
+              </a:lnSpc>
               <a:buFont typeface="+mj-lt"/>
               <a:buAutoNum type="alphaUcPeriod"/>
             </a:pPr>
@@ -6877,6 +6956,9 @@
           </a:p>
           <a:p>
             <a:pPr marL="832825" lvl="2" indent="-342900">
+              <a:lnSpc>
+                <a:spcPct val="150000"/>
+              </a:lnSpc>
               <a:buFont typeface="+mj-lt"/>
               <a:buAutoNum type="alphaUcPeriod"/>
             </a:pPr>
@@ -6912,6 +6994,9 @@
           </a:p>
           <a:p>
             <a:pPr marL="832825" lvl="2" indent="-342900">
+              <a:lnSpc>
+                <a:spcPct val="150000"/>
+              </a:lnSpc>
               <a:buFont typeface="+mj-lt"/>
               <a:buAutoNum type="alphaUcPeriod"/>
             </a:pPr>
@@ -6947,6 +7032,9 @@
           </a:p>
           <a:p>
             <a:pPr marL="832825" lvl="2" indent="-342900">
+              <a:lnSpc>
+                <a:spcPct val="150000"/>
+              </a:lnSpc>
               <a:buFont typeface="+mj-lt"/>
               <a:buAutoNum type="alphaUcPeriod"/>
             </a:pPr>
@@ -6982,6 +7070,9 @@
           </a:p>
           <a:p>
             <a:pPr marL="832825" lvl="2" indent="-342900">
+              <a:lnSpc>
+                <a:spcPct val="150000"/>
+              </a:lnSpc>
               <a:buFont typeface="+mj-lt"/>
               <a:buAutoNum type="alphaUcPeriod"/>
             </a:pPr>
@@ -7017,6 +7108,9 @@
           </a:p>
           <a:p>
             <a:pPr marL="832825" lvl="2" indent="-342900">
+              <a:lnSpc>
+                <a:spcPct val="150000"/>
+              </a:lnSpc>
               <a:buFont typeface="+mj-lt"/>
               <a:buAutoNum type="alphaUcPeriod"/>
             </a:pPr>
@@ -7041,6 +7135,9 @@
           </a:p>
           <a:p>
             <a:pPr marL="832825" lvl="2" indent="-342900">
+              <a:lnSpc>
+                <a:spcPct val="150000"/>
+              </a:lnSpc>
               <a:buFont typeface="+mj-lt"/>
               <a:buAutoNum type="alphaUcPeriod"/>
             </a:pPr>
@@ -7050,6 +7147,11 @@
             </a:endParaRPr>
           </a:p>
           <a:p>
+            <a:pPr>
+              <a:lnSpc>
+                <a:spcPct val="150000"/>
+              </a:lnSpc>
+            </a:pPr>
             <a:endParaRPr lang="en-US" dirty="0">
               <a:latin typeface="Times New Roman" panose="02020603050405020304" pitchFamily="18" charset="0"/>
               <a:cs typeface="Times New Roman" panose="02020603050405020304" pitchFamily="18" charset="0"/>
@@ -7057,6 +7159,9 @@
           </a:p>
           <a:p>
             <a:pPr marL="342900" indent="-342900">
+              <a:lnSpc>
+                <a:spcPct val="150000"/>
+              </a:lnSpc>
               <a:buFont typeface="+mj-lt"/>
               <a:buAutoNum type="arabicPeriod"/>
             </a:pPr>
@@ -7242,6 +7347,11 @@
           <a:bodyPr/>
           <a:lstStyle/>
           <a:p>
+            <a:pPr>
+              <a:lnSpc>
+                <a:spcPct val="150000"/>
+              </a:lnSpc>
+            </a:pPr>
             <a:r>
               <a:rPr lang="en-US" b="1" dirty="0" smtClean="0">
                 <a:latin typeface="Times New Roman" panose="02020603050405020304" pitchFamily="18" charset="0"/>
@@ -7252,64 +7362,352 @@
           </a:p>
           <a:p>
             <a:pPr lvl="1">
+              <a:lnSpc>
+                <a:spcPct val="150000"/>
+              </a:lnSpc>
               <a:buFont typeface="Wingdings" panose="05000000000000000000" pitchFamily="2" charset="2"/>
               <a:buChar char="Ø"/>
             </a:pPr>
             <a:r>
-              <a:rPr lang="vi-VN" dirty="0">
+              <a:rPr lang="vi-VN" dirty="0" smtClean="0">
                 <a:latin typeface="Times New Roman" panose="02020603050405020304" pitchFamily="18" charset="0"/>
                 <a:cs typeface="Times New Roman" panose="02020603050405020304" pitchFamily="18" charset="0"/>
               </a:rPr>
               <a:t>Supervised learning là thuật toán dự đoán đầu ra (outcome) của một dữ liệu mới (new input) dựa trên các cặp (</a:t>
             </a:r>
             <a:r>
-              <a:rPr lang="vi-VN" i="1" dirty="0">
+              <a:rPr lang="vi-VN" i="1" dirty="0" smtClean="0">
                 <a:latin typeface="Times New Roman" panose="02020603050405020304" pitchFamily="18" charset="0"/>
                 <a:cs typeface="Times New Roman" panose="02020603050405020304" pitchFamily="18" charset="0"/>
               </a:rPr>
               <a:t>input, outcome</a:t>
             </a:r>
             <a:r>
-              <a:rPr lang="vi-VN" dirty="0">
+              <a:rPr lang="vi-VN" dirty="0" smtClean="0">
                 <a:latin typeface="Times New Roman" panose="02020603050405020304" pitchFamily="18" charset="0"/>
                 <a:cs typeface="Times New Roman" panose="02020603050405020304" pitchFamily="18" charset="0"/>
               </a:rPr>
               <a:t>) đã biết từ trước. Cặp dữ liệu này còn được gọi là (</a:t>
             </a:r>
             <a:r>
-              <a:rPr lang="vi-VN" i="1" dirty="0">
+              <a:rPr lang="vi-VN" i="1" dirty="0" smtClean="0">
                 <a:latin typeface="Times New Roman" panose="02020603050405020304" pitchFamily="18" charset="0"/>
                 <a:cs typeface="Times New Roman" panose="02020603050405020304" pitchFamily="18" charset="0"/>
               </a:rPr>
               <a:t>data, label</a:t>
             </a:r>
             <a:r>
-              <a:rPr lang="vi-VN" dirty="0">
-                <a:latin typeface="Times New Roman" panose="02020603050405020304" pitchFamily="18" charset="0"/>
-                <a:cs typeface="Times New Roman" panose="02020603050405020304" pitchFamily="18" charset="0"/>
-              </a:rPr>
-              <a:t>), tức (</a:t>
-            </a:r>
-            <a:r>
-              <a:rPr lang="vi-VN" i="1" dirty="0">
-                <a:latin typeface="Times New Roman" panose="02020603050405020304" pitchFamily="18" charset="0"/>
-                <a:cs typeface="Times New Roman" panose="02020603050405020304" pitchFamily="18" charset="0"/>
-              </a:rPr>
-              <a:t>dữ liệu, nhãn</a:t>
-            </a:r>
-            <a:r>
-              <a:rPr lang="vi-VN" dirty="0">
-                <a:latin typeface="Times New Roman" panose="02020603050405020304" pitchFamily="18" charset="0"/>
-                <a:cs typeface="Times New Roman" panose="02020603050405020304" pitchFamily="18" charset="0"/>
-              </a:rPr>
-              <a:t>). Supervised learning là nhóm phổ biến nhất trong các thuật toán Machine Learning</a:t>
-            </a:r>
+              <a:rPr lang="en-US" i="1" dirty="0" smtClean="0">
+                <a:latin typeface="Times New Roman" panose="02020603050405020304" pitchFamily="18" charset="0"/>
+                <a:cs typeface="Times New Roman" panose="02020603050405020304" pitchFamily="18" charset="0"/>
+              </a:rPr>
+              <a:t>).</a:t>
+            </a:r>
+          </a:p>
+          <a:p>
+            <a:pPr lvl="1">
+              <a:lnSpc>
+                <a:spcPct val="150000"/>
+              </a:lnSpc>
+              <a:buFont typeface="Wingdings" panose="05000000000000000000" pitchFamily="2" charset="2"/>
+              <a:buChar char="Ø"/>
+            </a:pPr>
             <a:r>
               <a:rPr lang="vi-VN" dirty="0" smtClean="0">
                 <a:latin typeface="Times New Roman" panose="02020603050405020304" pitchFamily="18" charset="0"/>
                 <a:cs typeface="Times New Roman" panose="02020603050405020304" pitchFamily="18" charset="0"/>
               </a:rPr>
-              <a:t>.</a:t>
+              <a:t>Một cách toán học, Supervised learning là khi chúng ra có một tập hợp biến đầu vào X={x1,x2,…,xN} và một tập hợp nhãn tương ứng Y={y1,y2,…,yN} trong đó xi,</a:t>
+            </a:r>
+            <a:r>
+              <a:rPr lang="en-US" dirty="0" smtClean="0">
+                <a:latin typeface="Times New Roman" panose="02020603050405020304" pitchFamily="18" charset="0"/>
+                <a:cs typeface="Times New Roman" panose="02020603050405020304" pitchFamily="18" charset="0"/>
+              </a:rPr>
+              <a:t> </a:t>
+            </a:r>
+            <a:r>
+              <a:rPr lang="vi-VN" dirty="0" smtClean="0">
+                <a:latin typeface="Times New Roman" panose="02020603050405020304" pitchFamily="18" charset="0"/>
+                <a:cs typeface="Times New Roman" panose="02020603050405020304" pitchFamily="18" charset="0"/>
+              </a:rPr>
+              <a:t>yi là các vector. Các cặp dữ liệu biết trước (xi,</a:t>
+            </a:r>
+            <a:r>
+              <a:rPr lang="en-US" dirty="0" smtClean="0">
+                <a:latin typeface="Times New Roman" panose="02020603050405020304" pitchFamily="18" charset="0"/>
+                <a:cs typeface="Times New Roman" panose="02020603050405020304" pitchFamily="18" charset="0"/>
+              </a:rPr>
+              <a:t> </a:t>
+            </a:r>
+            <a:r>
+              <a:rPr lang="vi-VN" dirty="0" smtClean="0">
+                <a:latin typeface="Times New Roman" panose="02020603050405020304" pitchFamily="18" charset="0"/>
+                <a:cs typeface="Times New Roman" panose="02020603050405020304" pitchFamily="18" charset="0"/>
+              </a:rPr>
+              <a:t>yi)∈X×Y được gọi là tập </a:t>
+            </a:r>
+            <a:r>
+              <a:rPr lang="vi-VN" i="1" dirty="0" smtClean="0">
+                <a:latin typeface="Times New Roman" panose="02020603050405020304" pitchFamily="18" charset="0"/>
+                <a:cs typeface="Times New Roman" panose="02020603050405020304" pitchFamily="18" charset="0"/>
+              </a:rPr>
+              <a:t>training data</a:t>
+            </a:r>
+            <a:r>
+              <a:rPr lang="vi-VN" dirty="0" smtClean="0">
+                <a:latin typeface="Times New Roman" panose="02020603050405020304" pitchFamily="18" charset="0"/>
+                <a:cs typeface="Times New Roman" panose="02020603050405020304" pitchFamily="18" charset="0"/>
+              </a:rPr>
+              <a:t> (dữ liệu huấn luyện). Từ tập traing data này, chúng ta cần tạo ra một hàm số ánh xạ mỗi phần tử từ tập X sang một phần tử (xấp xỉ) tương ứng của tập Y:</a:t>
+            </a:r>
+            <a:r>
+              <a:rPr lang="en-US" dirty="0" smtClean="0">
+                <a:latin typeface="Times New Roman" panose="02020603050405020304" pitchFamily="18" charset="0"/>
+                <a:cs typeface="Times New Roman" panose="02020603050405020304" pitchFamily="18" charset="0"/>
+              </a:rPr>
+              <a:t/>
+            </a:r>
+            <a:br>
+              <a:rPr lang="en-US" dirty="0" smtClean="0">
+                <a:latin typeface="Times New Roman" panose="02020603050405020304" pitchFamily="18" charset="0"/>
+                <a:cs typeface="Times New Roman" panose="02020603050405020304" pitchFamily="18" charset="0"/>
+              </a:rPr>
+            </a:br>
+            <a:r>
+              <a:rPr lang="en-US" dirty="0" smtClean="0">
+                <a:latin typeface="Times New Roman" panose="02020603050405020304" pitchFamily="18" charset="0"/>
+                <a:cs typeface="Times New Roman" panose="02020603050405020304" pitchFamily="18" charset="0"/>
+              </a:rPr>
+              <a:t>				</a:t>
+            </a:r>
+            <a:r>
+              <a:rPr lang="en-US" dirty="0" err="1" smtClean="0">
+                <a:latin typeface="Times New Roman" panose="02020603050405020304" pitchFamily="18" charset="0"/>
+                <a:cs typeface="Times New Roman" panose="02020603050405020304" pitchFamily="18" charset="0"/>
+              </a:rPr>
+              <a:t>yi</a:t>
+            </a:r>
+            <a:r>
+              <a:rPr lang="en-US" dirty="0" smtClean="0">
+                <a:latin typeface="Times New Roman" panose="02020603050405020304" pitchFamily="18" charset="0"/>
+                <a:cs typeface="Times New Roman" panose="02020603050405020304" pitchFamily="18" charset="0"/>
+              </a:rPr>
+              <a:t> ≈ f(xi),  ∀</a:t>
+            </a:r>
+            <a:r>
+              <a:rPr lang="en-US" dirty="0" err="1" smtClean="0">
+                <a:latin typeface="Times New Roman" panose="02020603050405020304" pitchFamily="18" charset="0"/>
+                <a:cs typeface="Times New Roman" panose="02020603050405020304" pitchFamily="18" charset="0"/>
+              </a:rPr>
+              <a:t>i</a:t>
+            </a:r>
+            <a:r>
+              <a:rPr lang="en-US" dirty="0" smtClean="0">
+                <a:latin typeface="Times New Roman" panose="02020603050405020304" pitchFamily="18" charset="0"/>
+                <a:cs typeface="Times New Roman" panose="02020603050405020304" pitchFamily="18" charset="0"/>
+              </a:rPr>
+              <a:t>=1,2,…,N</a:t>
+            </a:r>
+          </a:p>
+          <a:p>
+            <a:pPr lvl="1">
+              <a:lnSpc>
+                <a:spcPct val="150000"/>
+              </a:lnSpc>
+              <a:buFont typeface="Wingdings" panose="05000000000000000000" pitchFamily="2" charset="2"/>
+              <a:buChar char="Ø"/>
+            </a:pPr>
+            <a:r>
+              <a:rPr lang="en-US" dirty="0" err="1" smtClean="0">
+                <a:latin typeface="Times New Roman" panose="02020603050405020304" pitchFamily="18" charset="0"/>
+                <a:cs typeface="Times New Roman" panose="02020603050405020304" pitchFamily="18" charset="0"/>
+              </a:rPr>
+              <a:t>Các</a:t>
+            </a:r>
+            <a:r>
+              <a:rPr lang="en-US" dirty="0" smtClean="0">
+                <a:latin typeface="Times New Roman" panose="02020603050405020304" pitchFamily="18" charset="0"/>
+                <a:cs typeface="Times New Roman" panose="02020603050405020304" pitchFamily="18" charset="0"/>
+              </a:rPr>
+              <a:t> </a:t>
+            </a:r>
+            <a:r>
+              <a:rPr lang="en-US" dirty="0" err="1" smtClean="0">
+                <a:latin typeface="Times New Roman" panose="02020603050405020304" pitchFamily="18" charset="0"/>
+                <a:cs typeface="Times New Roman" panose="02020603050405020304" pitchFamily="18" charset="0"/>
+              </a:rPr>
+              <a:t>bài</a:t>
+            </a:r>
+            <a:r>
+              <a:rPr lang="en-US" dirty="0" smtClean="0">
+                <a:latin typeface="Times New Roman" panose="02020603050405020304" pitchFamily="18" charset="0"/>
+                <a:cs typeface="Times New Roman" panose="02020603050405020304" pitchFamily="18" charset="0"/>
+              </a:rPr>
+              <a:t> </a:t>
+            </a:r>
+            <a:r>
+              <a:rPr lang="en-US" dirty="0" err="1" smtClean="0">
+                <a:latin typeface="Times New Roman" panose="02020603050405020304" pitchFamily="18" charset="0"/>
+                <a:cs typeface="Times New Roman" panose="02020603050405020304" pitchFamily="18" charset="0"/>
+              </a:rPr>
+              <a:t>toán</a:t>
+            </a:r>
+            <a:r>
+              <a:rPr lang="en-US" dirty="0" smtClean="0">
+                <a:latin typeface="Times New Roman" panose="02020603050405020304" pitchFamily="18" charset="0"/>
+                <a:cs typeface="Times New Roman" panose="02020603050405020304" pitchFamily="18" charset="0"/>
+              </a:rPr>
+              <a:t> supervised learning chia </a:t>
+            </a:r>
+            <a:r>
+              <a:rPr lang="en-US" dirty="0" err="1" smtClean="0">
+                <a:latin typeface="Times New Roman" panose="02020603050405020304" pitchFamily="18" charset="0"/>
+                <a:cs typeface="Times New Roman" panose="02020603050405020304" pitchFamily="18" charset="0"/>
+              </a:rPr>
+              <a:t>làm</a:t>
+            </a:r>
+            <a:r>
+              <a:rPr lang="en-US" dirty="0" smtClean="0">
+                <a:latin typeface="Times New Roman" panose="02020603050405020304" pitchFamily="18" charset="0"/>
+                <a:cs typeface="Times New Roman" panose="02020603050405020304" pitchFamily="18" charset="0"/>
+              </a:rPr>
+              <a:t> </a:t>
+            </a:r>
+            <a:r>
+              <a:rPr lang="en-US" dirty="0" err="1" smtClean="0">
+                <a:latin typeface="Times New Roman" panose="02020603050405020304" pitchFamily="18" charset="0"/>
+                <a:cs typeface="Times New Roman" panose="02020603050405020304" pitchFamily="18" charset="0"/>
+              </a:rPr>
+              <a:t>hai</a:t>
+            </a:r>
+            <a:r>
+              <a:rPr lang="en-US" dirty="0" smtClean="0">
+                <a:latin typeface="Times New Roman" panose="02020603050405020304" pitchFamily="18" charset="0"/>
+                <a:cs typeface="Times New Roman" panose="02020603050405020304" pitchFamily="18" charset="0"/>
+              </a:rPr>
+              <a:t> </a:t>
+            </a:r>
+            <a:r>
+              <a:rPr lang="en-US" dirty="0" err="1" smtClean="0">
+                <a:latin typeface="Times New Roman" panose="02020603050405020304" pitchFamily="18" charset="0"/>
+                <a:cs typeface="Times New Roman" panose="02020603050405020304" pitchFamily="18" charset="0"/>
+              </a:rPr>
+              <a:t>loại</a:t>
+            </a:r>
+            <a:r>
+              <a:rPr lang="en-US" dirty="0" smtClean="0">
+                <a:latin typeface="Times New Roman" panose="02020603050405020304" pitchFamily="18" charset="0"/>
+                <a:cs typeface="Times New Roman" panose="02020603050405020304" pitchFamily="18" charset="0"/>
+              </a:rPr>
+              <a:t>:</a:t>
+            </a:r>
+          </a:p>
+          <a:p>
+            <a:pPr lvl="2">
+              <a:lnSpc>
+                <a:spcPct val="150000"/>
+              </a:lnSpc>
+              <a:buFont typeface="Wingdings" panose="05000000000000000000" pitchFamily="2" charset="2"/>
+              <a:buChar char="v"/>
+            </a:pPr>
+            <a:r>
+              <a:rPr lang="en-US" b="1" dirty="0" err="1" smtClean="0">
+                <a:latin typeface="Times New Roman" panose="02020603050405020304" pitchFamily="18" charset="0"/>
+                <a:cs typeface="Times New Roman" panose="02020603050405020304" pitchFamily="18" charset="0"/>
+              </a:rPr>
+              <a:t>Classfication</a:t>
+            </a:r>
+            <a:r>
+              <a:rPr lang="en-US" b="1" dirty="0" smtClean="0">
+                <a:latin typeface="Times New Roman" panose="02020603050405020304" pitchFamily="18" charset="0"/>
+                <a:cs typeface="Times New Roman" panose="02020603050405020304" pitchFamily="18" charset="0"/>
+              </a:rPr>
+              <a:t> (</a:t>
+            </a:r>
+            <a:r>
+              <a:rPr lang="en-US" b="1" dirty="0" err="1" smtClean="0">
+                <a:latin typeface="Times New Roman" panose="02020603050405020304" pitchFamily="18" charset="0"/>
+                <a:cs typeface="Times New Roman" panose="02020603050405020304" pitchFamily="18" charset="0"/>
+              </a:rPr>
+              <a:t>Phân</a:t>
+            </a:r>
+            <a:r>
+              <a:rPr lang="en-US" b="1" dirty="0" smtClean="0">
+                <a:latin typeface="Times New Roman" panose="02020603050405020304" pitchFamily="18" charset="0"/>
+                <a:cs typeface="Times New Roman" panose="02020603050405020304" pitchFamily="18" charset="0"/>
+              </a:rPr>
+              <a:t> </a:t>
+            </a:r>
+            <a:r>
+              <a:rPr lang="en-US" b="1" dirty="0" err="1" smtClean="0">
+                <a:latin typeface="Times New Roman" panose="02020603050405020304" pitchFamily="18" charset="0"/>
+                <a:cs typeface="Times New Roman" panose="02020603050405020304" pitchFamily="18" charset="0"/>
+              </a:rPr>
+              <a:t>loại</a:t>
+            </a:r>
+            <a:r>
+              <a:rPr lang="en-US" b="1" dirty="0" smtClean="0">
+                <a:latin typeface="Times New Roman" panose="02020603050405020304" pitchFamily="18" charset="0"/>
+                <a:cs typeface="Times New Roman" panose="02020603050405020304" pitchFamily="18" charset="0"/>
+              </a:rPr>
+              <a:t>)</a:t>
+            </a:r>
+            <a:r>
+              <a:rPr lang="en-US" dirty="0" smtClean="0">
+                <a:latin typeface="Times New Roman" panose="02020603050405020304" pitchFamily="18" charset="0"/>
+                <a:cs typeface="Times New Roman" panose="02020603050405020304" pitchFamily="18" charset="0"/>
+              </a:rPr>
+              <a:t>: </a:t>
+            </a:r>
+            <a:r>
+              <a:rPr lang="vi-VN" dirty="0" smtClean="0">
+                <a:latin typeface="Times New Roman" panose="02020603050405020304" pitchFamily="18" charset="0"/>
+                <a:cs typeface="Times New Roman" panose="02020603050405020304" pitchFamily="18" charset="0"/>
+              </a:rPr>
+              <a:t>Một bài toán được gọi là </a:t>
+            </a:r>
+            <a:r>
+              <a:rPr lang="vi-VN" i="1" dirty="0" smtClean="0">
+                <a:latin typeface="Times New Roman" panose="02020603050405020304" pitchFamily="18" charset="0"/>
+                <a:cs typeface="Times New Roman" panose="02020603050405020304" pitchFamily="18" charset="0"/>
+              </a:rPr>
+              <a:t>classification</a:t>
+            </a:r>
+            <a:r>
+              <a:rPr lang="vi-VN" dirty="0" smtClean="0">
+                <a:latin typeface="Times New Roman" panose="02020603050405020304" pitchFamily="18" charset="0"/>
+                <a:cs typeface="Times New Roman" panose="02020603050405020304" pitchFamily="18" charset="0"/>
+              </a:rPr>
+              <a:t> nếu các </a:t>
+            </a:r>
+            <a:r>
+              <a:rPr lang="vi-VN" i="1" dirty="0" smtClean="0">
+                <a:latin typeface="Times New Roman" panose="02020603050405020304" pitchFamily="18" charset="0"/>
+                <a:cs typeface="Times New Roman" panose="02020603050405020304" pitchFamily="18" charset="0"/>
+              </a:rPr>
+              <a:t>label</a:t>
+            </a:r>
+            <a:r>
+              <a:rPr lang="vi-VN" dirty="0" smtClean="0">
+                <a:latin typeface="Times New Roman" panose="02020603050405020304" pitchFamily="18" charset="0"/>
+                <a:cs typeface="Times New Roman" panose="02020603050405020304" pitchFamily="18" charset="0"/>
+              </a:rPr>
+              <a:t> của </a:t>
+            </a:r>
+            <a:r>
+              <a:rPr lang="vi-VN" i="1" dirty="0" smtClean="0">
+                <a:latin typeface="Times New Roman" panose="02020603050405020304" pitchFamily="18" charset="0"/>
+                <a:cs typeface="Times New Roman" panose="02020603050405020304" pitchFamily="18" charset="0"/>
+              </a:rPr>
+              <a:t>input data</a:t>
+            </a:r>
+            <a:r>
+              <a:rPr lang="vi-VN" dirty="0" smtClean="0">
+                <a:latin typeface="Times New Roman" panose="02020603050405020304" pitchFamily="18" charset="0"/>
+                <a:cs typeface="Times New Roman" panose="02020603050405020304" pitchFamily="18" charset="0"/>
+              </a:rPr>
+              <a:t> được chia thành một số hữu hạn nhóm.</a:t>
             </a:r>
             <a:endParaRPr lang="en-US" dirty="0" smtClean="0">
               <a:latin typeface="Times New Roman" panose="02020603050405020304" pitchFamily="18" charset="0"/>
@@ -7317,229 +7715,77 @@
             </a:endParaRPr>
           </a:p>
           <a:p>
-            <a:pPr lvl="1">
+            <a:pPr lvl="2">
+              <a:lnSpc>
+                <a:spcPct val="150000"/>
+              </a:lnSpc>
               <a:buFont typeface="Wingdings" panose="05000000000000000000" pitchFamily="2" charset="2"/>
-              <a:buChar char="Ø"/>
+              <a:buChar char="v"/>
             </a:pPr>
             <a:r>
-              <a:rPr lang="vi-VN" dirty="0">
-                <a:latin typeface="Times New Roman" panose="02020603050405020304" pitchFamily="18" charset="0"/>
-                <a:cs typeface="Times New Roman" panose="02020603050405020304" pitchFamily="18" charset="0"/>
-              </a:rPr>
-              <a:t>Một cách toán học, Supervised learning là khi chúng ra có một tập hợp biến đầu vào X={x1,x2,…,xN</a:t>
+              <a:rPr lang="en-US" b="1" dirty="0" smtClean="0">
+                <a:latin typeface="Times New Roman" panose="02020603050405020304" pitchFamily="18" charset="0"/>
+                <a:cs typeface="Times New Roman" panose="02020603050405020304" pitchFamily="18" charset="0"/>
+              </a:rPr>
+              <a:t>Regression (</a:t>
+            </a:r>
+            <a:r>
+              <a:rPr lang="en-US" b="1" dirty="0" err="1" smtClean="0">
+                <a:latin typeface="Times New Roman" panose="02020603050405020304" pitchFamily="18" charset="0"/>
+                <a:cs typeface="Times New Roman" panose="02020603050405020304" pitchFamily="18" charset="0"/>
+              </a:rPr>
+              <a:t>Hồi</a:t>
+            </a:r>
+            <a:r>
+              <a:rPr lang="en-US" b="1" dirty="0" smtClean="0">
+                <a:latin typeface="Times New Roman" panose="02020603050405020304" pitchFamily="18" charset="0"/>
+                <a:cs typeface="Times New Roman" panose="02020603050405020304" pitchFamily="18" charset="0"/>
+              </a:rPr>
+              <a:t> </a:t>
+            </a:r>
+            <a:r>
+              <a:rPr lang="en-US" b="1" dirty="0" err="1" smtClean="0">
+                <a:latin typeface="Times New Roman" panose="02020603050405020304" pitchFamily="18" charset="0"/>
+                <a:cs typeface="Times New Roman" panose="02020603050405020304" pitchFamily="18" charset="0"/>
+              </a:rPr>
+              <a:t>quy</a:t>
+            </a:r>
+            <a:r>
+              <a:rPr lang="en-US" b="1" dirty="0" smtClean="0">
+                <a:latin typeface="Times New Roman" panose="02020603050405020304" pitchFamily="18" charset="0"/>
+                <a:cs typeface="Times New Roman" panose="02020603050405020304" pitchFamily="18" charset="0"/>
+              </a:rPr>
+              <a:t>)</a:t>
+            </a:r>
+            <a:r>
+              <a:rPr lang="en-US" dirty="0" smtClean="0">
+                <a:latin typeface="Times New Roman" panose="02020603050405020304" pitchFamily="18" charset="0"/>
+                <a:cs typeface="Times New Roman" panose="02020603050405020304" pitchFamily="18" charset="0"/>
+              </a:rPr>
+              <a:t>: N</a:t>
             </a:r>
             <a:r>
               <a:rPr lang="vi-VN" dirty="0" smtClean="0">
                 <a:latin typeface="Times New Roman" panose="02020603050405020304" pitchFamily="18" charset="0"/>
                 <a:cs typeface="Times New Roman" panose="02020603050405020304" pitchFamily="18" charset="0"/>
               </a:rPr>
-              <a:t>}</a:t>
-            </a:r>
-            <a:r>
-              <a:rPr lang="vi-VN" dirty="0">
-                <a:latin typeface="Times New Roman" panose="02020603050405020304" pitchFamily="18" charset="0"/>
-                <a:cs typeface="Times New Roman" panose="02020603050405020304" pitchFamily="18" charset="0"/>
-              </a:rPr>
-              <a:t> và một tập hợp nhãn tương ứng Y={y1,y2,…,yN</a:t>
+              <a:t>ếu </a:t>
+            </a:r>
+            <a:r>
+              <a:rPr lang="vi-VN" i="1" dirty="0" smtClean="0">
+                <a:latin typeface="Times New Roman" panose="02020603050405020304" pitchFamily="18" charset="0"/>
+                <a:cs typeface="Times New Roman" panose="02020603050405020304" pitchFamily="18" charset="0"/>
+              </a:rPr>
+              <a:t>label</a:t>
             </a:r>
             <a:r>
               <a:rPr lang="vi-VN" dirty="0" smtClean="0">
                 <a:latin typeface="Times New Roman" panose="02020603050405020304" pitchFamily="18" charset="0"/>
                 <a:cs typeface="Times New Roman" panose="02020603050405020304" pitchFamily="18" charset="0"/>
               </a:rPr>
-              <a:t>} trong </a:t>
-            </a:r>
-            <a:r>
-              <a:rPr lang="vi-VN" dirty="0">
-                <a:latin typeface="Times New Roman" panose="02020603050405020304" pitchFamily="18" charset="0"/>
-                <a:cs typeface="Times New Roman" panose="02020603050405020304" pitchFamily="18" charset="0"/>
-              </a:rPr>
-              <a:t>đó </a:t>
-            </a:r>
-            <a:r>
-              <a:rPr lang="vi-VN" dirty="0" smtClean="0">
-                <a:latin typeface="Times New Roman" panose="02020603050405020304" pitchFamily="18" charset="0"/>
-                <a:cs typeface="Times New Roman" panose="02020603050405020304" pitchFamily="18" charset="0"/>
-              </a:rPr>
-              <a:t>xi,</a:t>
-            </a:r>
-            <a:r>
-              <a:rPr lang="en-US" dirty="0" smtClean="0">
-                <a:latin typeface="Times New Roman" panose="02020603050405020304" pitchFamily="18" charset="0"/>
-                <a:cs typeface="Times New Roman" panose="02020603050405020304" pitchFamily="18" charset="0"/>
-              </a:rPr>
-              <a:t> </a:t>
-            </a:r>
-            <a:r>
-              <a:rPr lang="vi-VN" dirty="0" smtClean="0">
-                <a:latin typeface="Times New Roman" panose="02020603050405020304" pitchFamily="18" charset="0"/>
-                <a:cs typeface="Times New Roman" panose="02020603050405020304" pitchFamily="18" charset="0"/>
-              </a:rPr>
-              <a:t>yi</a:t>
-            </a:r>
-            <a:r>
-              <a:rPr lang="vi-VN" dirty="0">
-                <a:latin typeface="Times New Roman" panose="02020603050405020304" pitchFamily="18" charset="0"/>
-                <a:cs typeface="Times New Roman" panose="02020603050405020304" pitchFamily="18" charset="0"/>
-              </a:rPr>
-              <a:t> là các vector. Các cặp dữ liệu biết trước </a:t>
-            </a:r>
-            <a:r>
-              <a:rPr lang="vi-VN" dirty="0" smtClean="0">
-                <a:latin typeface="Times New Roman" panose="02020603050405020304" pitchFamily="18" charset="0"/>
-                <a:cs typeface="Times New Roman" panose="02020603050405020304" pitchFamily="18" charset="0"/>
-              </a:rPr>
-              <a:t>(xi,</a:t>
-            </a:r>
-            <a:r>
-              <a:rPr lang="en-US" dirty="0" smtClean="0">
-                <a:latin typeface="Times New Roman" panose="02020603050405020304" pitchFamily="18" charset="0"/>
-                <a:cs typeface="Times New Roman" panose="02020603050405020304" pitchFamily="18" charset="0"/>
-              </a:rPr>
-              <a:t> </a:t>
-            </a:r>
-            <a:r>
-              <a:rPr lang="vi-VN" dirty="0" smtClean="0">
-                <a:latin typeface="Times New Roman" panose="02020603050405020304" pitchFamily="18" charset="0"/>
-                <a:cs typeface="Times New Roman" panose="02020603050405020304" pitchFamily="18" charset="0"/>
-              </a:rPr>
-              <a:t>yi)</a:t>
-            </a:r>
-            <a:r>
-              <a:rPr lang="vi-VN" dirty="0">
-                <a:latin typeface="Times New Roman" panose="02020603050405020304" pitchFamily="18" charset="0"/>
-                <a:cs typeface="Times New Roman" panose="02020603050405020304" pitchFamily="18" charset="0"/>
-              </a:rPr>
-              <a:t>∈</a:t>
-            </a:r>
-            <a:r>
-              <a:rPr lang="vi-VN" dirty="0" smtClean="0">
-                <a:latin typeface="Times New Roman" panose="02020603050405020304" pitchFamily="18" charset="0"/>
-                <a:cs typeface="Times New Roman" panose="02020603050405020304" pitchFamily="18" charset="0"/>
-              </a:rPr>
-              <a:t>X×Y</a:t>
-            </a:r>
-            <a:r>
-              <a:rPr lang="vi-VN" dirty="0">
-                <a:latin typeface="Times New Roman" panose="02020603050405020304" pitchFamily="18" charset="0"/>
-                <a:cs typeface="Times New Roman" panose="02020603050405020304" pitchFamily="18" charset="0"/>
-              </a:rPr>
-              <a:t> được gọi là tập </a:t>
-            </a:r>
-            <a:r>
-              <a:rPr lang="vi-VN" i="1" dirty="0">
-                <a:latin typeface="Times New Roman" panose="02020603050405020304" pitchFamily="18" charset="0"/>
-                <a:cs typeface="Times New Roman" panose="02020603050405020304" pitchFamily="18" charset="0"/>
-              </a:rPr>
-              <a:t>training data</a:t>
-            </a:r>
-            <a:r>
-              <a:rPr lang="vi-VN" dirty="0">
-                <a:latin typeface="Times New Roman" panose="02020603050405020304" pitchFamily="18" charset="0"/>
-                <a:cs typeface="Times New Roman" panose="02020603050405020304" pitchFamily="18" charset="0"/>
-              </a:rPr>
-              <a:t> (dữ liệu huấn luyện). Từ tập traing data này, chúng ta cần tạo ra một hàm số ánh xạ mỗi phần tử từ tập </a:t>
-            </a:r>
-            <a:r>
-              <a:rPr lang="vi-VN" dirty="0" smtClean="0">
-                <a:latin typeface="Times New Roman" panose="02020603050405020304" pitchFamily="18" charset="0"/>
-                <a:cs typeface="Times New Roman" panose="02020603050405020304" pitchFamily="18" charset="0"/>
-              </a:rPr>
-              <a:t>X</a:t>
-            </a:r>
-            <a:r>
-              <a:rPr lang="vi-VN" dirty="0">
-                <a:latin typeface="Times New Roman" panose="02020603050405020304" pitchFamily="18" charset="0"/>
-                <a:cs typeface="Times New Roman" panose="02020603050405020304" pitchFamily="18" charset="0"/>
-              </a:rPr>
-              <a:t> sang một phần tử (xấp xỉ) tương ứng của tập </a:t>
-            </a:r>
-            <a:r>
-              <a:rPr lang="vi-VN" dirty="0" smtClean="0">
-                <a:latin typeface="Times New Roman" panose="02020603050405020304" pitchFamily="18" charset="0"/>
-                <a:cs typeface="Times New Roman" panose="02020603050405020304" pitchFamily="18" charset="0"/>
-              </a:rPr>
-              <a:t>Y:</a:t>
-            </a:r>
-            <a:r>
-              <a:rPr lang="en-US" dirty="0" smtClean="0">
-                <a:latin typeface="Times New Roman" panose="02020603050405020304" pitchFamily="18" charset="0"/>
-                <a:cs typeface="Times New Roman" panose="02020603050405020304" pitchFamily="18" charset="0"/>
-              </a:rPr>
-              <a:t/>
-            </a:r>
-            <a:br>
-              <a:rPr lang="en-US" dirty="0" smtClean="0">
-                <a:latin typeface="Times New Roman" panose="02020603050405020304" pitchFamily="18" charset="0"/>
-                <a:cs typeface="Times New Roman" panose="02020603050405020304" pitchFamily="18" charset="0"/>
-              </a:rPr>
-            </a:br>
-            <a:r>
-              <a:rPr lang="en-US" dirty="0" smtClean="0">
-                <a:latin typeface="Times New Roman" panose="02020603050405020304" pitchFamily="18" charset="0"/>
-                <a:cs typeface="Times New Roman" panose="02020603050405020304" pitchFamily="18" charset="0"/>
-              </a:rPr>
-              <a:t>				</a:t>
-            </a:r>
-            <a:r>
-              <a:rPr lang="en-US" dirty="0" err="1" smtClean="0"/>
-              <a:t>yi</a:t>
-            </a:r>
-            <a:r>
-              <a:rPr lang="en-US" dirty="0" smtClean="0"/>
-              <a:t> ≈ f(xi</a:t>
-            </a:r>
-            <a:r>
-              <a:rPr lang="en-US" dirty="0"/>
-              <a:t>),  ∀</a:t>
-            </a:r>
-            <a:r>
-              <a:rPr lang="en-US" dirty="0" err="1"/>
-              <a:t>i</a:t>
-            </a:r>
-            <a:r>
-              <a:rPr lang="en-US" dirty="0"/>
-              <a:t>=1,2,…,</a:t>
-            </a:r>
-            <a:r>
-              <a:rPr lang="en-US" dirty="0" smtClean="0"/>
-              <a:t>N</a:t>
-            </a:r>
-          </a:p>
-          <a:p>
-            <a:pPr lvl="1">
-              <a:buFont typeface="Wingdings" panose="05000000000000000000" pitchFamily="2" charset="2"/>
-              <a:buChar char="Ø"/>
-            </a:pPr>
-            <a:r>
-              <a:rPr lang="en-US" dirty="0" err="1" smtClean="0">
-                <a:latin typeface="Times New Roman" panose="02020603050405020304" pitchFamily="18" charset="0"/>
-                <a:cs typeface="Times New Roman" panose="02020603050405020304" pitchFamily="18" charset="0"/>
-              </a:rPr>
-              <a:t>Ví</a:t>
-            </a:r>
-            <a:r>
-              <a:rPr lang="en-US" dirty="0" smtClean="0">
-                <a:latin typeface="Times New Roman" panose="02020603050405020304" pitchFamily="18" charset="0"/>
-                <a:cs typeface="Times New Roman" panose="02020603050405020304" pitchFamily="18" charset="0"/>
-              </a:rPr>
-              <a:t> </a:t>
-            </a:r>
-            <a:r>
-              <a:rPr lang="en-US" dirty="0" err="1" smtClean="0">
-                <a:latin typeface="Times New Roman" panose="02020603050405020304" pitchFamily="18" charset="0"/>
-                <a:cs typeface="Times New Roman" panose="02020603050405020304" pitchFamily="18" charset="0"/>
-              </a:rPr>
-              <a:t>dụ</a:t>
-            </a:r>
-            <a:r>
-              <a:rPr lang="en-US" dirty="0" smtClean="0">
-                <a:latin typeface="Times New Roman" panose="02020603050405020304" pitchFamily="18" charset="0"/>
-                <a:cs typeface="Times New Roman" panose="02020603050405020304" pitchFamily="18" charset="0"/>
-              </a:rPr>
-              <a:t>:</a:t>
-            </a:r>
-            <a:endParaRPr lang="en-US" dirty="0">
+              <a:t> không được chia thành các nhóm mà là một giá trị thực cụ thể. </a:t>
+            </a:r>
+            <a:endParaRPr lang="en-US" dirty="0" smtClean="0">
               <a:latin typeface="Times New Roman" panose="02020603050405020304" pitchFamily="18" charset="0"/>
               <a:cs typeface="Times New Roman" panose="02020603050405020304" pitchFamily="18" charset="0"/>
             </a:endParaRPr>
@@ -7716,6 +7962,11 @@
           <a:bodyPr/>
           <a:lstStyle/>
           <a:p>
+            <a:pPr>
+              <a:lnSpc>
+                <a:spcPct val="150000"/>
+              </a:lnSpc>
+            </a:pPr>
             <a:r>
               <a:rPr lang="en-US" b="1" dirty="0" err="1" smtClean="0">
                 <a:latin typeface="Times New Roman" panose="02020603050405020304" pitchFamily="18" charset="0"/>
@@ -7746,30 +7997,45 @@
             </a:r>
           </a:p>
           <a:p>
+            <a:pPr>
+              <a:lnSpc>
+                <a:spcPct val="150000"/>
+              </a:lnSpc>
+            </a:pPr>
             <a:endParaRPr lang="en-US" dirty="0" smtClean="0">
               <a:latin typeface="Times New Roman" panose="02020603050405020304" pitchFamily="18" charset="0"/>
               <a:cs typeface="Times New Roman" panose="02020603050405020304" pitchFamily="18" charset="0"/>
             </a:endParaRPr>
           </a:p>
           <a:p>
+            <a:pPr>
+              <a:lnSpc>
+                <a:spcPct val="150000"/>
+              </a:lnSpc>
+            </a:pPr>
             <a:endParaRPr lang="en-US" dirty="0">
               <a:latin typeface="Times New Roman" panose="02020603050405020304" pitchFamily="18" charset="0"/>
               <a:cs typeface="Times New Roman" panose="02020603050405020304" pitchFamily="18" charset="0"/>
             </a:endParaRPr>
           </a:p>
           <a:p>
+            <a:pPr>
+              <a:lnSpc>
+                <a:spcPct val="150000"/>
+              </a:lnSpc>
+            </a:pPr>
             <a:endParaRPr lang="en-US" dirty="0" smtClean="0">
               <a:latin typeface="Times New Roman" panose="02020603050405020304" pitchFamily="18" charset="0"/>
               <a:cs typeface="Times New Roman" panose="02020603050405020304" pitchFamily="18" charset="0"/>
             </a:endParaRPr>
           </a:p>
           <a:p>
-            <a:endParaRPr lang="en-US" dirty="0">
-              <a:latin typeface="Times New Roman" panose="02020603050405020304" pitchFamily="18" charset="0"/>
-              <a:cs typeface="Times New Roman" panose="02020603050405020304" pitchFamily="18" charset="0"/>
-            </a:endParaRPr>
-          </a:p>
-          <a:p>
+            <a:pPr marL="0" indent="0">
+              <a:lnSpc>
+                <a:spcPct val="150000"/>
+              </a:lnSpc>
+              <a:buNone/>
+            </a:pPr>
             <a:endParaRPr lang="en-US" dirty="0" smtClean="0">
               <a:latin typeface="Times New Roman" panose="02020603050405020304" pitchFamily="18" charset="0"/>
               <a:cs typeface="Times New Roman" panose="02020603050405020304" pitchFamily="18" charset="0"/>
@@ -7777,6 +8043,9 @@
           </a:p>
           <a:p>
             <a:pPr lvl="1">
+              <a:lnSpc>
+                <a:spcPct val="150000"/>
+              </a:lnSpc>
               <a:buFont typeface="Wingdings" panose="05000000000000000000" pitchFamily="2" charset="2"/>
               <a:buChar char="Ø"/>
             </a:pPr>
@@ -7821,6 +8090,11 @@
             </a:endParaRPr>
           </a:p>
           <a:p>
+            <a:pPr>
+              <a:lnSpc>
+                <a:spcPct val="150000"/>
+              </a:lnSpc>
+            </a:pPr>
             <a:endParaRPr lang="en-US" dirty="0" smtClean="0">
               <a:latin typeface="Times New Roman" panose="02020603050405020304" pitchFamily="18" charset="0"/>
               <a:cs typeface="Times New Roman" panose="02020603050405020304" pitchFamily="18" charset="0"/>
@@ -7828,6 +8102,9 @@
           </a:p>
           <a:p>
             <a:pPr lvl="1">
+              <a:lnSpc>
+                <a:spcPct val="150000"/>
+              </a:lnSpc>
               <a:buFont typeface="Wingdings" panose="05000000000000000000" pitchFamily="2" charset="2"/>
               <a:buChar char="Ø"/>
             </a:pPr>
@@ -7943,6 +8220,76 @@
           <a:bodyPr/>
           <a:lstStyle/>
           <a:p>
+            <a:r>
+              <a:rPr lang="en-US" dirty="0" err="1">
+                <a:latin typeface="Times New Roman" panose="02020603050405020304" pitchFamily="18" charset="0"/>
+                <a:cs typeface="Times New Roman" panose="02020603050405020304" pitchFamily="18" charset="0"/>
+              </a:rPr>
+              <a:t>Giới</a:t>
+            </a:r>
+            <a:r>
+              <a:rPr lang="en-US" dirty="0">
+                <a:latin typeface="Times New Roman" panose="02020603050405020304" pitchFamily="18" charset="0"/>
+                <a:cs typeface="Times New Roman" panose="02020603050405020304" pitchFamily="18" charset="0"/>
+              </a:rPr>
+              <a:t> </a:t>
+            </a:r>
+            <a:r>
+              <a:rPr lang="en-US" dirty="0" err="1">
+                <a:latin typeface="Times New Roman" panose="02020603050405020304" pitchFamily="18" charset="0"/>
+                <a:cs typeface="Times New Roman" panose="02020603050405020304" pitchFamily="18" charset="0"/>
+              </a:rPr>
+              <a:t>thiệu</a:t>
+            </a:r>
+            <a:r>
+              <a:rPr lang="en-US" dirty="0">
+                <a:latin typeface="Times New Roman" panose="02020603050405020304" pitchFamily="18" charset="0"/>
+                <a:cs typeface="Times New Roman" panose="02020603050405020304" pitchFamily="18" charset="0"/>
+              </a:rPr>
+              <a:t> </a:t>
+            </a:r>
+            <a:r>
+              <a:rPr lang="en-US" dirty="0" err="1">
+                <a:latin typeface="Times New Roman" panose="02020603050405020304" pitchFamily="18" charset="0"/>
+                <a:cs typeface="Times New Roman" panose="02020603050405020304" pitchFamily="18" charset="0"/>
+              </a:rPr>
+              <a:t>các</a:t>
+            </a:r>
+            <a:r>
+              <a:rPr lang="en-US" dirty="0">
+                <a:latin typeface="Times New Roman" panose="02020603050405020304" pitchFamily="18" charset="0"/>
+                <a:cs typeface="Times New Roman" panose="02020603050405020304" pitchFamily="18" charset="0"/>
+              </a:rPr>
+              <a:t> </a:t>
+            </a:r>
+            <a:r>
+              <a:rPr lang="en-US" dirty="0" err="1">
+                <a:latin typeface="Times New Roman" panose="02020603050405020304" pitchFamily="18" charset="0"/>
+                <a:cs typeface="Times New Roman" panose="02020603050405020304" pitchFamily="18" charset="0"/>
+              </a:rPr>
+              <a:t>thuật</a:t>
+            </a:r>
+            <a:r>
+              <a:rPr lang="en-US" dirty="0">
+                <a:latin typeface="Times New Roman" panose="02020603050405020304" pitchFamily="18" charset="0"/>
+                <a:cs typeface="Times New Roman" panose="02020603050405020304" pitchFamily="18" charset="0"/>
+              </a:rPr>
+              <a:t> </a:t>
+            </a:r>
+            <a:r>
+              <a:rPr lang="en-US" dirty="0" err="1">
+                <a:latin typeface="Times New Roman" panose="02020603050405020304" pitchFamily="18" charset="0"/>
+                <a:cs typeface="Times New Roman" panose="02020603050405020304" pitchFamily="18" charset="0"/>
+              </a:rPr>
+              <a:t>toán</a:t>
+            </a:r>
+            <a:r>
+              <a:rPr lang="en-US" dirty="0">
+                <a:latin typeface="Times New Roman" panose="02020603050405020304" pitchFamily="18" charset="0"/>
+                <a:cs typeface="Times New Roman" panose="02020603050405020304" pitchFamily="18" charset="0"/>
+              </a:rPr>
+              <a:t> ML</a:t>
+            </a:r>
             <a:endParaRPr lang="en-US" dirty="0"/>
           </a:p>
         </p:txBody>
@@ -7962,7 +8309,667 @@
           <a:bodyPr/>
           <a:lstStyle/>
           <a:p>
-            <a:endParaRPr lang="en-US"/>
+            <a:pPr>
+              <a:lnSpc>
+                <a:spcPct val="150000"/>
+              </a:lnSpc>
+            </a:pPr>
+            <a:r>
+              <a:rPr lang="en-US" b="1" dirty="0" smtClean="0">
+                <a:latin typeface="Times New Roman" panose="02020603050405020304" pitchFamily="18" charset="0"/>
+                <a:cs typeface="Times New Roman" panose="02020603050405020304" pitchFamily="18" charset="0"/>
+              </a:rPr>
+              <a:t>Unsupervised learning</a:t>
+            </a:r>
+          </a:p>
+          <a:p>
+            <a:pPr lvl="1">
+              <a:lnSpc>
+                <a:spcPct val="150000"/>
+              </a:lnSpc>
+              <a:buFont typeface="Wingdings" panose="05000000000000000000" pitchFamily="2" charset="2"/>
+              <a:buChar char="Ø"/>
+            </a:pPr>
+            <a:r>
+              <a:rPr lang="vi-VN" dirty="0">
+                <a:latin typeface="Times New Roman" panose="02020603050405020304" pitchFamily="18" charset="0"/>
+                <a:cs typeface="Times New Roman" panose="02020603050405020304" pitchFamily="18" charset="0"/>
+              </a:rPr>
+              <a:t>Trong thuật toán này, chúng ta không biết được </a:t>
+            </a:r>
+            <a:r>
+              <a:rPr lang="vi-VN" i="1" dirty="0">
+                <a:latin typeface="Times New Roman" panose="02020603050405020304" pitchFamily="18" charset="0"/>
+                <a:cs typeface="Times New Roman" panose="02020603050405020304" pitchFamily="18" charset="0"/>
+              </a:rPr>
+              <a:t>outcome</a:t>
+            </a:r>
+            <a:r>
+              <a:rPr lang="vi-VN" dirty="0">
+                <a:latin typeface="Times New Roman" panose="02020603050405020304" pitchFamily="18" charset="0"/>
+                <a:cs typeface="Times New Roman" panose="02020603050405020304" pitchFamily="18" charset="0"/>
+              </a:rPr>
+              <a:t> hay </a:t>
+            </a:r>
+            <a:r>
+              <a:rPr lang="vi-VN" i="1" dirty="0">
+                <a:latin typeface="Times New Roman" panose="02020603050405020304" pitchFamily="18" charset="0"/>
+                <a:cs typeface="Times New Roman" panose="02020603050405020304" pitchFamily="18" charset="0"/>
+              </a:rPr>
+              <a:t>nhãn</a:t>
+            </a:r>
+            <a:r>
+              <a:rPr lang="vi-VN" dirty="0">
+                <a:latin typeface="Times New Roman" panose="02020603050405020304" pitchFamily="18" charset="0"/>
+                <a:cs typeface="Times New Roman" panose="02020603050405020304" pitchFamily="18" charset="0"/>
+              </a:rPr>
+              <a:t> mà chỉ có dữ liệu đầu vào</a:t>
+            </a:r>
+            <a:r>
+              <a:rPr lang="vi-VN" dirty="0" smtClean="0">
+                <a:latin typeface="Times New Roman" panose="02020603050405020304" pitchFamily="18" charset="0"/>
+                <a:cs typeface="Times New Roman" panose="02020603050405020304" pitchFamily="18" charset="0"/>
+              </a:rPr>
+              <a:t>.</a:t>
+            </a:r>
+            <a:endParaRPr lang="en-US" dirty="0" smtClean="0">
+              <a:latin typeface="Times New Roman" panose="02020603050405020304" pitchFamily="18" charset="0"/>
+              <a:cs typeface="Times New Roman" panose="02020603050405020304" pitchFamily="18" charset="0"/>
+            </a:endParaRPr>
+          </a:p>
+          <a:p>
+            <a:pPr lvl="1">
+              <a:lnSpc>
+                <a:spcPct val="150000"/>
+              </a:lnSpc>
+              <a:buFont typeface="Wingdings" panose="05000000000000000000" pitchFamily="2" charset="2"/>
+              <a:buChar char="Ø"/>
+            </a:pPr>
+            <a:r>
+              <a:rPr lang="vi-VN" dirty="0">
+                <a:latin typeface="Times New Roman" panose="02020603050405020304" pitchFamily="18" charset="0"/>
+                <a:cs typeface="Times New Roman" panose="02020603050405020304" pitchFamily="18" charset="0"/>
+              </a:rPr>
+              <a:t>Một cách toán học, Unsupervised learning là khi chúng ta chỉ có dữ liệu vào </a:t>
+            </a:r>
+            <a:r>
+              <a:rPr lang="vi-VN" dirty="0" smtClean="0">
+                <a:latin typeface="Times New Roman" panose="02020603050405020304" pitchFamily="18" charset="0"/>
+                <a:cs typeface="Times New Roman" panose="02020603050405020304" pitchFamily="18" charset="0"/>
+              </a:rPr>
+              <a:t>X</a:t>
+            </a:r>
+            <a:r>
+              <a:rPr lang="vi-VN" dirty="0">
+                <a:latin typeface="Times New Roman" panose="02020603050405020304" pitchFamily="18" charset="0"/>
+                <a:cs typeface="Times New Roman" panose="02020603050405020304" pitchFamily="18" charset="0"/>
+              </a:rPr>
+              <a:t> mà không biết </a:t>
+            </a:r>
+            <a:r>
+              <a:rPr lang="vi-VN" i="1" dirty="0">
+                <a:latin typeface="Times New Roman" panose="02020603050405020304" pitchFamily="18" charset="0"/>
+                <a:cs typeface="Times New Roman" panose="02020603050405020304" pitchFamily="18" charset="0"/>
+              </a:rPr>
+              <a:t>nhãn</a:t>
+            </a:r>
+            <a:r>
+              <a:rPr lang="vi-VN" dirty="0">
+                <a:latin typeface="Times New Roman" panose="02020603050405020304" pitchFamily="18" charset="0"/>
+                <a:cs typeface="Times New Roman" panose="02020603050405020304" pitchFamily="18" charset="0"/>
+              </a:rPr>
+              <a:t> </a:t>
+            </a:r>
+            <a:r>
+              <a:rPr lang="vi-VN" dirty="0" smtClean="0">
+                <a:latin typeface="Times New Roman" panose="02020603050405020304" pitchFamily="18" charset="0"/>
+                <a:cs typeface="Times New Roman" panose="02020603050405020304" pitchFamily="18" charset="0"/>
+              </a:rPr>
+              <a:t>Y</a:t>
+            </a:r>
+            <a:r>
+              <a:rPr lang="vi-VN" dirty="0">
+                <a:latin typeface="Times New Roman" panose="02020603050405020304" pitchFamily="18" charset="0"/>
+                <a:cs typeface="Times New Roman" panose="02020603050405020304" pitchFamily="18" charset="0"/>
+              </a:rPr>
+              <a:t> tương </a:t>
+            </a:r>
+            <a:r>
+              <a:rPr lang="vi-VN" dirty="0" smtClean="0">
+                <a:latin typeface="Times New Roman" panose="02020603050405020304" pitchFamily="18" charset="0"/>
+                <a:cs typeface="Times New Roman" panose="02020603050405020304" pitchFamily="18" charset="0"/>
+              </a:rPr>
+              <a:t>ứng</a:t>
+            </a:r>
+            <a:r>
+              <a:rPr lang="en-US" dirty="0" smtClean="0">
+                <a:latin typeface="Times New Roman" panose="02020603050405020304" pitchFamily="18" charset="0"/>
+                <a:cs typeface="Times New Roman" panose="02020603050405020304" pitchFamily="18" charset="0"/>
+              </a:rPr>
+              <a:t>.</a:t>
+            </a:r>
+          </a:p>
+          <a:p>
+            <a:pPr lvl="1">
+              <a:lnSpc>
+                <a:spcPct val="150000"/>
+              </a:lnSpc>
+              <a:buFont typeface="Wingdings" panose="05000000000000000000" pitchFamily="2" charset="2"/>
+              <a:buChar char="Ø"/>
+            </a:pPr>
+            <a:r>
+              <a:rPr lang="vi-VN" dirty="0">
+                <a:latin typeface="Times New Roman" panose="02020603050405020304" pitchFamily="18" charset="0"/>
+                <a:cs typeface="Times New Roman" panose="02020603050405020304" pitchFamily="18" charset="0"/>
+              </a:rPr>
+              <a:t>Các bài toán Unsupervised learning được tiếp tục chia nhỏ thành hai loại</a:t>
+            </a:r>
+            <a:r>
+              <a:rPr lang="vi-VN" dirty="0" smtClean="0">
+                <a:latin typeface="Times New Roman" panose="02020603050405020304" pitchFamily="18" charset="0"/>
+                <a:cs typeface="Times New Roman" panose="02020603050405020304" pitchFamily="18" charset="0"/>
+              </a:rPr>
+              <a:t>:</a:t>
+            </a:r>
+            <a:endParaRPr lang="en-US" dirty="0" smtClean="0">
+              <a:latin typeface="Times New Roman" panose="02020603050405020304" pitchFamily="18" charset="0"/>
+              <a:cs typeface="Times New Roman" panose="02020603050405020304" pitchFamily="18" charset="0"/>
+            </a:endParaRPr>
+          </a:p>
+          <a:p>
+            <a:pPr lvl="2">
+              <a:lnSpc>
+                <a:spcPct val="150000"/>
+              </a:lnSpc>
+              <a:buFont typeface="Wingdings" panose="05000000000000000000" pitchFamily="2" charset="2"/>
+              <a:buChar char="v"/>
+            </a:pPr>
+            <a:r>
+              <a:rPr lang="en-US" b="1" dirty="0" smtClean="0">
+                <a:latin typeface="Times New Roman" panose="02020603050405020304" pitchFamily="18" charset="0"/>
+                <a:cs typeface="Times New Roman" panose="02020603050405020304" pitchFamily="18" charset="0"/>
+              </a:rPr>
+              <a:t>Clustering (</a:t>
+            </a:r>
+            <a:r>
+              <a:rPr lang="en-US" b="1" dirty="0" err="1" smtClean="0">
+                <a:latin typeface="Times New Roman" panose="02020603050405020304" pitchFamily="18" charset="0"/>
+                <a:cs typeface="Times New Roman" panose="02020603050405020304" pitchFamily="18" charset="0"/>
+              </a:rPr>
+              <a:t>Phân</a:t>
+            </a:r>
+            <a:r>
+              <a:rPr lang="en-US" b="1" dirty="0" smtClean="0">
+                <a:latin typeface="Times New Roman" panose="02020603050405020304" pitchFamily="18" charset="0"/>
+                <a:cs typeface="Times New Roman" panose="02020603050405020304" pitchFamily="18" charset="0"/>
+              </a:rPr>
+              <a:t> </a:t>
+            </a:r>
+            <a:r>
+              <a:rPr lang="en-US" b="1" dirty="0" err="1" smtClean="0">
+                <a:latin typeface="Times New Roman" panose="02020603050405020304" pitchFamily="18" charset="0"/>
+                <a:cs typeface="Times New Roman" panose="02020603050405020304" pitchFamily="18" charset="0"/>
+              </a:rPr>
+              <a:t>nhóm</a:t>
+            </a:r>
+            <a:r>
+              <a:rPr lang="en-US" b="1" dirty="0" smtClean="0">
+                <a:latin typeface="Times New Roman" panose="02020603050405020304" pitchFamily="18" charset="0"/>
+                <a:cs typeface="Times New Roman" panose="02020603050405020304" pitchFamily="18" charset="0"/>
+              </a:rPr>
+              <a:t>): </a:t>
+            </a:r>
+            <a:r>
+              <a:rPr lang="en-US" dirty="0" err="1">
+                <a:latin typeface="Times New Roman" panose="02020603050405020304" pitchFamily="18" charset="0"/>
+                <a:cs typeface="Times New Roman" panose="02020603050405020304" pitchFamily="18" charset="0"/>
+              </a:rPr>
+              <a:t>Một</a:t>
+            </a:r>
+            <a:r>
+              <a:rPr lang="en-US" dirty="0">
+                <a:latin typeface="Times New Roman" panose="02020603050405020304" pitchFamily="18" charset="0"/>
+                <a:cs typeface="Times New Roman" panose="02020603050405020304" pitchFamily="18" charset="0"/>
+              </a:rPr>
+              <a:t> </a:t>
+            </a:r>
+            <a:r>
+              <a:rPr lang="en-US" dirty="0" err="1">
+                <a:latin typeface="Times New Roman" panose="02020603050405020304" pitchFamily="18" charset="0"/>
+                <a:cs typeface="Times New Roman" panose="02020603050405020304" pitchFamily="18" charset="0"/>
+              </a:rPr>
+              <a:t>bài</a:t>
+            </a:r>
+            <a:r>
+              <a:rPr lang="en-US" dirty="0">
+                <a:latin typeface="Times New Roman" panose="02020603050405020304" pitchFamily="18" charset="0"/>
+                <a:cs typeface="Times New Roman" panose="02020603050405020304" pitchFamily="18" charset="0"/>
+              </a:rPr>
+              <a:t> </a:t>
+            </a:r>
+            <a:r>
+              <a:rPr lang="en-US" dirty="0" err="1">
+                <a:latin typeface="Times New Roman" panose="02020603050405020304" pitchFamily="18" charset="0"/>
+                <a:cs typeface="Times New Roman" panose="02020603050405020304" pitchFamily="18" charset="0"/>
+              </a:rPr>
+              <a:t>toán</a:t>
+            </a:r>
+            <a:r>
+              <a:rPr lang="en-US" dirty="0">
+                <a:latin typeface="Times New Roman" panose="02020603050405020304" pitchFamily="18" charset="0"/>
+                <a:cs typeface="Times New Roman" panose="02020603050405020304" pitchFamily="18" charset="0"/>
+              </a:rPr>
+              <a:t> </a:t>
+            </a:r>
+            <a:r>
+              <a:rPr lang="en-US" dirty="0" err="1">
+                <a:latin typeface="Times New Roman" panose="02020603050405020304" pitchFamily="18" charset="0"/>
+                <a:cs typeface="Times New Roman" panose="02020603050405020304" pitchFamily="18" charset="0"/>
+              </a:rPr>
+              <a:t>phân</a:t>
+            </a:r>
+            <a:r>
+              <a:rPr lang="en-US" dirty="0">
+                <a:latin typeface="Times New Roman" panose="02020603050405020304" pitchFamily="18" charset="0"/>
+                <a:cs typeface="Times New Roman" panose="02020603050405020304" pitchFamily="18" charset="0"/>
+              </a:rPr>
+              <a:t> </a:t>
+            </a:r>
+            <a:r>
+              <a:rPr lang="en-US" dirty="0" err="1">
+                <a:latin typeface="Times New Roman" panose="02020603050405020304" pitchFamily="18" charset="0"/>
+                <a:cs typeface="Times New Roman" panose="02020603050405020304" pitchFamily="18" charset="0"/>
+              </a:rPr>
+              <a:t>nhóm</a:t>
+            </a:r>
+            <a:r>
+              <a:rPr lang="en-US" dirty="0">
+                <a:latin typeface="Times New Roman" panose="02020603050405020304" pitchFamily="18" charset="0"/>
+                <a:cs typeface="Times New Roman" panose="02020603050405020304" pitchFamily="18" charset="0"/>
+              </a:rPr>
+              <a:t> </a:t>
+            </a:r>
+            <a:r>
+              <a:rPr lang="en-US" dirty="0" err="1">
+                <a:latin typeface="Times New Roman" panose="02020603050405020304" pitchFamily="18" charset="0"/>
+                <a:cs typeface="Times New Roman" panose="02020603050405020304" pitchFamily="18" charset="0"/>
+              </a:rPr>
+              <a:t>toàn</a:t>
+            </a:r>
+            <a:r>
+              <a:rPr lang="en-US" dirty="0">
+                <a:latin typeface="Times New Roman" panose="02020603050405020304" pitchFamily="18" charset="0"/>
+                <a:cs typeface="Times New Roman" panose="02020603050405020304" pitchFamily="18" charset="0"/>
+              </a:rPr>
+              <a:t> </a:t>
+            </a:r>
+            <a:r>
+              <a:rPr lang="en-US" dirty="0" err="1">
+                <a:latin typeface="Times New Roman" panose="02020603050405020304" pitchFamily="18" charset="0"/>
+                <a:cs typeface="Times New Roman" panose="02020603050405020304" pitchFamily="18" charset="0"/>
+              </a:rPr>
+              <a:t>bộ</a:t>
+            </a:r>
+            <a:r>
+              <a:rPr lang="en-US" dirty="0">
+                <a:latin typeface="Times New Roman" panose="02020603050405020304" pitchFamily="18" charset="0"/>
+                <a:cs typeface="Times New Roman" panose="02020603050405020304" pitchFamily="18" charset="0"/>
+              </a:rPr>
+              <a:t> </a:t>
+            </a:r>
+            <a:r>
+              <a:rPr lang="en-US" dirty="0" err="1">
+                <a:latin typeface="Times New Roman" panose="02020603050405020304" pitchFamily="18" charset="0"/>
+                <a:cs typeface="Times New Roman" panose="02020603050405020304" pitchFamily="18" charset="0"/>
+              </a:rPr>
+              <a:t>dữ</a:t>
+            </a:r>
+            <a:r>
+              <a:rPr lang="en-US" dirty="0">
+                <a:latin typeface="Times New Roman" panose="02020603050405020304" pitchFamily="18" charset="0"/>
+                <a:cs typeface="Times New Roman" panose="02020603050405020304" pitchFamily="18" charset="0"/>
+              </a:rPr>
+              <a:t> </a:t>
+            </a:r>
+            <a:r>
+              <a:rPr lang="en-US" dirty="0" err="1">
+                <a:latin typeface="Times New Roman" panose="02020603050405020304" pitchFamily="18" charset="0"/>
+                <a:cs typeface="Times New Roman" panose="02020603050405020304" pitchFamily="18" charset="0"/>
+              </a:rPr>
+              <a:t>liệu</a:t>
+            </a:r>
+            <a:r>
+              <a:rPr lang="en-US" dirty="0">
+                <a:latin typeface="Times New Roman" panose="02020603050405020304" pitchFamily="18" charset="0"/>
+                <a:cs typeface="Times New Roman" panose="02020603050405020304" pitchFamily="18" charset="0"/>
+              </a:rPr>
+              <a:t> </a:t>
+            </a:r>
+            <a:r>
+              <a:rPr lang="en-US" dirty="0" smtClean="0">
+                <a:latin typeface="Times New Roman" panose="02020603050405020304" pitchFamily="18" charset="0"/>
+                <a:cs typeface="Times New Roman" panose="02020603050405020304" pitchFamily="18" charset="0"/>
+              </a:rPr>
+              <a:t>X</a:t>
+            </a:r>
+            <a:r>
+              <a:rPr lang="en-US" dirty="0">
+                <a:latin typeface="Times New Roman" panose="02020603050405020304" pitchFamily="18" charset="0"/>
+                <a:cs typeface="Times New Roman" panose="02020603050405020304" pitchFamily="18" charset="0"/>
+              </a:rPr>
+              <a:t> </a:t>
+            </a:r>
+            <a:r>
+              <a:rPr lang="en-US" dirty="0" err="1">
+                <a:latin typeface="Times New Roman" panose="02020603050405020304" pitchFamily="18" charset="0"/>
+                <a:cs typeface="Times New Roman" panose="02020603050405020304" pitchFamily="18" charset="0"/>
+              </a:rPr>
+              <a:t>thành</a:t>
+            </a:r>
+            <a:r>
+              <a:rPr lang="en-US" dirty="0">
+                <a:latin typeface="Times New Roman" panose="02020603050405020304" pitchFamily="18" charset="0"/>
+                <a:cs typeface="Times New Roman" panose="02020603050405020304" pitchFamily="18" charset="0"/>
+              </a:rPr>
+              <a:t> </a:t>
+            </a:r>
+            <a:r>
+              <a:rPr lang="en-US" dirty="0" err="1">
+                <a:latin typeface="Times New Roman" panose="02020603050405020304" pitchFamily="18" charset="0"/>
+                <a:cs typeface="Times New Roman" panose="02020603050405020304" pitchFamily="18" charset="0"/>
+              </a:rPr>
+              <a:t>các</a:t>
+            </a:r>
+            <a:r>
+              <a:rPr lang="en-US" dirty="0">
+                <a:latin typeface="Times New Roman" panose="02020603050405020304" pitchFamily="18" charset="0"/>
+                <a:cs typeface="Times New Roman" panose="02020603050405020304" pitchFamily="18" charset="0"/>
+              </a:rPr>
+              <a:t> </a:t>
+            </a:r>
+            <a:r>
+              <a:rPr lang="en-US" dirty="0" err="1">
+                <a:latin typeface="Times New Roman" panose="02020603050405020304" pitchFamily="18" charset="0"/>
+                <a:cs typeface="Times New Roman" panose="02020603050405020304" pitchFamily="18" charset="0"/>
+              </a:rPr>
+              <a:t>nhóm</a:t>
+            </a:r>
+            <a:r>
+              <a:rPr lang="en-US" dirty="0">
+                <a:latin typeface="Times New Roman" panose="02020603050405020304" pitchFamily="18" charset="0"/>
+                <a:cs typeface="Times New Roman" panose="02020603050405020304" pitchFamily="18" charset="0"/>
+              </a:rPr>
+              <a:t> </a:t>
+            </a:r>
+            <a:r>
+              <a:rPr lang="en-US" dirty="0" err="1">
+                <a:latin typeface="Times New Roman" panose="02020603050405020304" pitchFamily="18" charset="0"/>
+                <a:cs typeface="Times New Roman" panose="02020603050405020304" pitchFamily="18" charset="0"/>
+              </a:rPr>
+              <a:t>nhỏ</a:t>
+            </a:r>
+            <a:r>
+              <a:rPr lang="en-US" dirty="0">
+                <a:latin typeface="Times New Roman" panose="02020603050405020304" pitchFamily="18" charset="0"/>
+                <a:cs typeface="Times New Roman" panose="02020603050405020304" pitchFamily="18" charset="0"/>
+              </a:rPr>
+              <a:t> </a:t>
+            </a:r>
+            <a:r>
+              <a:rPr lang="en-US" dirty="0" err="1">
+                <a:latin typeface="Times New Roman" panose="02020603050405020304" pitchFamily="18" charset="0"/>
+                <a:cs typeface="Times New Roman" panose="02020603050405020304" pitchFamily="18" charset="0"/>
+              </a:rPr>
+              <a:t>dựa</a:t>
+            </a:r>
+            <a:r>
+              <a:rPr lang="en-US" dirty="0">
+                <a:latin typeface="Times New Roman" panose="02020603050405020304" pitchFamily="18" charset="0"/>
+                <a:cs typeface="Times New Roman" panose="02020603050405020304" pitchFamily="18" charset="0"/>
+              </a:rPr>
+              <a:t> </a:t>
+            </a:r>
+            <a:r>
+              <a:rPr lang="en-US" dirty="0" err="1">
+                <a:latin typeface="Times New Roman" panose="02020603050405020304" pitchFamily="18" charset="0"/>
+                <a:cs typeface="Times New Roman" panose="02020603050405020304" pitchFamily="18" charset="0"/>
+              </a:rPr>
+              <a:t>trên</a:t>
+            </a:r>
+            <a:r>
+              <a:rPr lang="en-US" dirty="0">
+                <a:latin typeface="Times New Roman" panose="02020603050405020304" pitchFamily="18" charset="0"/>
+                <a:cs typeface="Times New Roman" panose="02020603050405020304" pitchFamily="18" charset="0"/>
+              </a:rPr>
+              <a:t> </a:t>
+            </a:r>
+            <a:r>
+              <a:rPr lang="en-US" dirty="0" err="1">
+                <a:latin typeface="Times New Roman" panose="02020603050405020304" pitchFamily="18" charset="0"/>
+                <a:cs typeface="Times New Roman" panose="02020603050405020304" pitchFamily="18" charset="0"/>
+              </a:rPr>
+              <a:t>sự</a:t>
+            </a:r>
+            <a:r>
+              <a:rPr lang="en-US" dirty="0">
+                <a:latin typeface="Times New Roman" panose="02020603050405020304" pitchFamily="18" charset="0"/>
+                <a:cs typeface="Times New Roman" panose="02020603050405020304" pitchFamily="18" charset="0"/>
+              </a:rPr>
+              <a:t> </a:t>
+            </a:r>
+            <a:r>
+              <a:rPr lang="en-US" dirty="0" err="1">
+                <a:latin typeface="Times New Roman" panose="02020603050405020304" pitchFamily="18" charset="0"/>
+                <a:cs typeface="Times New Roman" panose="02020603050405020304" pitchFamily="18" charset="0"/>
+              </a:rPr>
+              <a:t>liên</a:t>
+            </a:r>
+            <a:r>
+              <a:rPr lang="en-US" dirty="0">
+                <a:latin typeface="Times New Roman" panose="02020603050405020304" pitchFamily="18" charset="0"/>
+                <a:cs typeface="Times New Roman" panose="02020603050405020304" pitchFamily="18" charset="0"/>
+              </a:rPr>
+              <a:t> </a:t>
+            </a:r>
+            <a:r>
+              <a:rPr lang="en-US" dirty="0" err="1">
+                <a:latin typeface="Times New Roman" panose="02020603050405020304" pitchFamily="18" charset="0"/>
+                <a:cs typeface="Times New Roman" panose="02020603050405020304" pitchFamily="18" charset="0"/>
+              </a:rPr>
+              <a:t>quan</a:t>
+            </a:r>
+            <a:r>
+              <a:rPr lang="en-US" dirty="0">
+                <a:latin typeface="Times New Roman" panose="02020603050405020304" pitchFamily="18" charset="0"/>
+                <a:cs typeface="Times New Roman" panose="02020603050405020304" pitchFamily="18" charset="0"/>
+              </a:rPr>
+              <a:t> </a:t>
+            </a:r>
+            <a:r>
+              <a:rPr lang="en-US" dirty="0" err="1">
+                <a:latin typeface="Times New Roman" panose="02020603050405020304" pitchFamily="18" charset="0"/>
+                <a:cs typeface="Times New Roman" panose="02020603050405020304" pitchFamily="18" charset="0"/>
+              </a:rPr>
+              <a:t>giữa</a:t>
+            </a:r>
+            <a:r>
+              <a:rPr lang="en-US" dirty="0">
+                <a:latin typeface="Times New Roman" panose="02020603050405020304" pitchFamily="18" charset="0"/>
+                <a:cs typeface="Times New Roman" panose="02020603050405020304" pitchFamily="18" charset="0"/>
+              </a:rPr>
+              <a:t> </a:t>
+            </a:r>
+            <a:r>
+              <a:rPr lang="en-US" dirty="0" err="1">
+                <a:latin typeface="Times New Roman" panose="02020603050405020304" pitchFamily="18" charset="0"/>
+                <a:cs typeface="Times New Roman" panose="02020603050405020304" pitchFamily="18" charset="0"/>
+              </a:rPr>
+              <a:t>các</a:t>
+            </a:r>
+            <a:r>
+              <a:rPr lang="en-US" dirty="0">
+                <a:latin typeface="Times New Roman" panose="02020603050405020304" pitchFamily="18" charset="0"/>
+                <a:cs typeface="Times New Roman" panose="02020603050405020304" pitchFamily="18" charset="0"/>
+              </a:rPr>
+              <a:t> </a:t>
+            </a:r>
+            <a:r>
+              <a:rPr lang="en-US" dirty="0" err="1">
+                <a:latin typeface="Times New Roman" panose="02020603050405020304" pitchFamily="18" charset="0"/>
+                <a:cs typeface="Times New Roman" panose="02020603050405020304" pitchFamily="18" charset="0"/>
+              </a:rPr>
+              <a:t>dữ</a:t>
+            </a:r>
+            <a:r>
+              <a:rPr lang="en-US" dirty="0">
+                <a:latin typeface="Times New Roman" panose="02020603050405020304" pitchFamily="18" charset="0"/>
+                <a:cs typeface="Times New Roman" panose="02020603050405020304" pitchFamily="18" charset="0"/>
+              </a:rPr>
+              <a:t> </a:t>
+            </a:r>
+            <a:r>
+              <a:rPr lang="en-US" dirty="0" err="1">
+                <a:latin typeface="Times New Roman" panose="02020603050405020304" pitchFamily="18" charset="0"/>
+                <a:cs typeface="Times New Roman" panose="02020603050405020304" pitchFamily="18" charset="0"/>
+              </a:rPr>
+              <a:t>liệu</a:t>
+            </a:r>
+            <a:r>
+              <a:rPr lang="en-US" dirty="0">
+                <a:latin typeface="Times New Roman" panose="02020603050405020304" pitchFamily="18" charset="0"/>
+                <a:cs typeface="Times New Roman" panose="02020603050405020304" pitchFamily="18" charset="0"/>
+              </a:rPr>
+              <a:t> </a:t>
+            </a:r>
+            <a:r>
+              <a:rPr lang="en-US" dirty="0" err="1">
+                <a:latin typeface="Times New Roman" panose="02020603050405020304" pitchFamily="18" charset="0"/>
+                <a:cs typeface="Times New Roman" panose="02020603050405020304" pitchFamily="18" charset="0"/>
+              </a:rPr>
+              <a:t>trong</a:t>
+            </a:r>
+            <a:r>
+              <a:rPr lang="en-US" dirty="0">
+                <a:latin typeface="Times New Roman" panose="02020603050405020304" pitchFamily="18" charset="0"/>
+                <a:cs typeface="Times New Roman" panose="02020603050405020304" pitchFamily="18" charset="0"/>
+              </a:rPr>
+              <a:t> </a:t>
+            </a:r>
+            <a:r>
+              <a:rPr lang="en-US" dirty="0" err="1">
+                <a:latin typeface="Times New Roman" panose="02020603050405020304" pitchFamily="18" charset="0"/>
+                <a:cs typeface="Times New Roman" panose="02020603050405020304" pitchFamily="18" charset="0"/>
+              </a:rPr>
+              <a:t>mỗi</a:t>
+            </a:r>
+            <a:r>
+              <a:rPr lang="en-US" dirty="0">
+                <a:latin typeface="Times New Roman" panose="02020603050405020304" pitchFamily="18" charset="0"/>
+                <a:cs typeface="Times New Roman" panose="02020603050405020304" pitchFamily="18" charset="0"/>
+              </a:rPr>
+              <a:t> </a:t>
+            </a:r>
+            <a:r>
+              <a:rPr lang="en-US" dirty="0" err="1">
+                <a:latin typeface="Times New Roman" panose="02020603050405020304" pitchFamily="18" charset="0"/>
+                <a:cs typeface="Times New Roman" panose="02020603050405020304" pitchFamily="18" charset="0"/>
+              </a:rPr>
+              <a:t>nhóm</a:t>
+            </a:r>
+            <a:r>
+              <a:rPr lang="en-US" dirty="0" smtClean="0">
+                <a:latin typeface="Times New Roman" panose="02020603050405020304" pitchFamily="18" charset="0"/>
+                <a:cs typeface="Times New Roman" panose="02020603050405020304" pitchFamily="18" charset="0"/>
+              </a:rPr>
+              <a:t>.</a:t>
+            </a:r>
+          </a:p>
+          <a:p>
+            <a:pPr lvl="2">
+              <a:lnSpc>
+                <a:spcPct val="150000"/>
+              </a:lnSpc>
+              <a:buFont typeface="Wingdings" panose="05000000000000000000" pitchFamily="2" charset="2"/>
+              <a:buChar char="v"/>
+            </a:pPr>
+            <a:r>
+              <a:rPr lang="en-US" b="1" dirty="0" err="1" smtClean="0">
+                <a:latin typeface="Times New Roman" panose="02020603050405020304" pitchFamily="18" charset="0"/>
+                <a:cs typeface="Times New Roman" panose="02020603050405020304" pitchFamily="18" charset="0"/>
+              </a:rPr>
+              <a:t>Associatin</a:t>
+            </a:r>
+            <a:r>
+              <a:rPr lang="en-US" b="1" dirty="0" smtClean="0">
+                <a:latin typeface="Times New Roman" panose="02020603050405020304" pitchFamily="18" charset="0"/>
+                <a:cs typeface="Times New Roman" panose="02020603050405020304" pitchFamily="18" charset="0"/>
+              </a:rPr>
+              <a:t> (</a:t>
+            </a:r>
+            <a:r>
+              <a:rPr lang="en-US" b="1" dirty="0" err="1" smtClean="0">
+                <a:latin typeface="Times New Roman" panose="02020603050405020304" pitchFamily="18" charset="0"/>
+                <a:cs typeface="Times New Roman" panose="02020603050405020304" pitchFamily="18" charset="0"/>
+              </a:rPr>
+              <a:t>Liên</a:t>
+            </a:r>
+            <a:r>
+              <a:rPr lang="en-US" b="1" dirty="0" smtClean="0">
+                <a:latin typeface="Times New Roman" panose="02020603050405020304" pitchFamily="18" charset="0"/>
+                <a:cs typeface="Times New Roman" panose="02020603050405020304" pitchFamily="18" charset="0"/>
+              </a:rPr>
+              <a:t> </a:t>
+            </a:r>
+            <a:r>
+              <a:rPr lang="en-US" b="1" dirty="0" err="1" smtClean="0">
+                <a:latin typeface="Times New Roman" panose="02020603050405020304" pitchFamily="18" charset="0"/>
+                <a:cs typeface="Times New Roman" panose="02020603050405020304" pitchFamily="18" charset="0"/>
+              </a:rPr>
+              <a:t>kết</a:t>
+            </a:r>
+            <a:r>
+              <a:rPr lang="en-US" b="1" dirty="0" smtClean="0">
+                <a:latin typeface="Times New Roman" panose="02020603050405020304" pitchFamily="18" charset="0"/>
+                <a:cs typeface="Times New Roman" panose="02020603050405020304" pitchFamily="18" charset="0"/>
+              </a:rPr>
+              <a:t>): </a:t>
+            </a:r>
+            <a:r>
+              <a:rPr lang="vi-VN" dirty="0">
+                <a:latin typeface="Times New Roman" panose="02020603050405020304" pitchFamily="18" charset="0"/>
+                <a:cs typeface="Times New Roman" panose="02020603050405020304" pitchFamily="18" charset="0"/>
+              </a:rPr>
+              <a:t>Là bài toán khi chúng ta muốn khám phá ra một quy luật dựa trên nhiều dữ liệu cho </a:t>
+            </a:r>
+            <a:r>
+              <a:rPr lang="vi-VN" dirty="0" smtClean="0">
+                <a:latin typeface="Times New Roman" panose="02020603050405020304" pitchFamily="18" charset="0"/>
+                <a:cs typeface="Times New Roman" panose="02020603050405020304" pitchFamily="18" charset="0"/>
+              </a:rPr>
+              <a:t>trước</a:t>
+            </a:r>
+            <a:r>
+              <a:rPr lang="en-US" dirty="0" smtClean="0">
+                <a:latin typeface="Times New Roman" panose="02020603050405020304" pitchFamily="18" charset="0"/>
+                <a:cs typeface="Times New Roman" panose="02020603050405020304" pitchFamily="18" charset="0"/>
+              </a:rPr>
+              <a:t>.</a:t>
+            </a:r>
+            <a:endParaRPr lang="en-US" b="1" dirty="0" smtClean="0">
+              <a:latin typeface="Times New Roman" panose="02020603050405020304" pitchFamily="18" charset="0"/>
+              <a:cs typeface="Times New Roman" panose="02020603050405020304" pitchFamily="18" charset="0"/>
+            </a:endParaRPr>
+          </a:p>
+          <a:p>
+            <a:pPr>
+              <a:lnSpc>
+                <a:spcPct val="150000"/>
+              </a:lnSpc>
+            </a:pPr>
+            <a:endParaRPr lang="en-US" b="1" dirty="0">
+              <a:latin typeface="Times New Roman" panose="02020603050405020304" pitchFamily="18" charset="0"/>
+              <a:cs typeface="Times New Roman" panose="02020603050405020304" pitchFamily="18" charset="0"/>
+            </a:endParaRPr>
           </a:p>
         </p:txBody>
       </p:sp>
@@ -8047,6 +9054,76 @@
           <a:bodyPr/>
           <a:lstStyle/>
           <a:p>
+            <a:r>
+              <a:rPr lang="en-US" dirty="0" err="1">
+                <a:latin typeface="Times New Roman" panose="02020603050405020304" pitchFamily="18" charset="0"/>
+                <a:cs typeface="Times New Roman" panose="02020603050405020304" pitchFamily="18" charset="0"/>
+              </a:rPr>
+              <a:t>Giới</a:t>
+            </a:r>
+            <a:r>
+              <a:rPr lang="en-US" dirty="0">
+                <a:latin typeface="Times New Roman" panose="02020603050405020304" pitchFamily="18" charset="0"/>
+                <a:cs typeface="Times New Roman" panose="02020603050405020304" pitchFamily="18" charset="0"/>
+              </a:rPr>
+              <a:t> </a:t>
+            </a:r>
+            <a:r>
+              <a:rPr lang="en-US" dirty="0" err="1">
+                <a:latin typeface="Times New Roman" panose="02020603050405020304" pitchFamily="18" charset="0"/>
+                <a:cs typeface="Times New Roman" panose="02020603050405020304" pitchFamily="18" charset="0"/>
+              </a:rPr>
+              <a:t>thiệu</a:t>
+            </a:r>
+            <a:r>
+              <a:rPr lang="en-US" dirty="0">
+                <a:latin typeface="Times New Roman" panose="02020603050405020304" pitchFamily="18" charset="0"/>
+                <a:cs typeface="Times New Roman" panose="02020603050405020304" pitchFamily="18" charset="0"/>
+              </a:rPr>
+              <a:t> </a:t>
+            </a:r>
+            <a:r>
+              <a:rPr lang="en-US" dirty="0" err="1">
+                <a:latin typeface="Times New Roman" panose="02020603050405020304" pitchFamily="18" charset="0"/>
+                <a:cs typeface="Times New Roman" panose="02020603050405020304" pitchFamily="18" charset="0"/>
+              </a:rPr>
+              <a:t>các</a:t>
+            </a:r>
+            <a:r>
+              <a:rPr lang="en-US" dirty="0">
+                <a:latin typeface="Times New Roman" panose="02020603050405020304" pitchFamily="18" charset="0"/>
+                <a:cs typeface="Times New Roman" panose="02020603050405020304" pitchFamily="18" charset="0"/>
+              </a:rPr>
+              <a:t> </a:t>
+            </a:r>
+            <a:r>
+              <a:rPr lang="en-US" dirty="0" err="1">
+                <a:latin typeface="Times New Roman" panose="02020603050405020304" pitchFamily="18" charset="0"/>
+                <a:cs typeface="Times New Roman" panose="02020603050405020304" pitchFamily="18" charset="0"/>
+              </a:rPr>
+              <a:t>thuật</a:t>
+            </a:r>
+            <a:r>
+              <a:rPr lang="en-US" dirty="0">
+                <a:latin typeface="Times New Roman" panose="02020603050405020304" pitchFamily="18" charset="0"/>
+                <a:cs typeface="Times New Roman" panose="02020603050405020304" pitchFamily="18" charset="0"/>
+              </a:rPr>
+              <a:t> </a:t>
+            </a:r>
+            <a:r>
+              <a:rPr lang="en-US" dirty="0" err="1">
+                <a:latin typeface="Times New Roman" panose="02020603050405020304" pitchFamily="18" charset="0"/>
+                <a:cs typeface="Times New Roman" panose="02020603050405020304" pitchFamily="18" charset="0"/>
+              </a:rPr>
+              <a:t>toán</a:t>
+            </a:r>
+            <a:r>
+              <a:rPr lang="en-US" dirty="0">
+                <a:latin typeface="Times New Roman" panose="02020603050405020304" pitchFamily="18" charset="0"/>
+                <a:cs typeface="Times New Roman" panose="02020603050405020304" pitchFamily="18" charset="0"/>
+              </a:rPr>
+              <a:t> ML</a:t>
+            </a:r>
             <a:endParaRPr lang="en-US" dirty="0"/>
           </a:p>
         </p:txBody>
@@ -8066,7 +9143,43 @@
           <a:bodyPr/>
           <a:lstStyle/>
           <a:p>
-            <a:endParaRPr lang="en-US"/>
+            <a:pPr>
+              <a:lnSpc>
+                <a:spcPct val="150000"/>
+              </a:lnSpc>
+            </a:pPr>
+            <a:r>
+              <a:rPr lang="en-US" b="1" dirty="0" err="1" smtClean="0">
+                <a:latin typeface="Times New Roman" panose="02020603050405020304" pitchFamily="18" charset="0"/>
+                <a:cs typeface="Times New Roman" panose="02020603050405020304" pitchFamily="18" charset="0"/>
+              </a:rPr>
+              <a:t>Ví</a:t>
+            </a:r>
+            <a:r>
+              <a:rPr lang="en-US" b="1" dirty="0" smtClean="0">
+                <a:latin typeface="Times New Roman" panose="02020603050405020304" pitchFamily="18" charset="0"/>
+                <a:cs typeface="Times New Roman" panose="02020603050405020304" pitchFamily="18" charset="0"/>
+              </a:rPr>
+              <a:t> </a:t>
+            </a:r>
+            <a:r>
+              <a:rPr lang="en-US" b="1" dirty="0" err="1" smtClean="0">
+                <a:latin typeface="Times New Roman" panose="02020603050405020304" pitchFamily="18" charset="0"/>
+                <a:cs typeface="Times New Roman" panose="02020603050405020304" pitchFamily="18" charset="0"/>
+              </a:rPr>
+              <a:t>dụ</a:t>
+            </a:r>
+            <a:r>
+              <a:rPr lang="en-US" b="1" dirty="0" smtClean="0">
+                <a:latin typeface="Times New Roman" panose="02020603050405020304" pitchFamily="18" charset="0"/>
+                <a:cs typeface="Times New Roman" panose="02020603050405020304" pitchFamily="18" charset="0"/>
+              </a:rPr>
+              <a:t>:</a:t>
+            </a:r>
+            <a:endParaRPr lang="en-US" b="1" dirty="0">
+              <a:latin typeface="Times New Roman" panose="02020603050405020304" pitchFamily="18" charset="0"/>
+              <a:cs typeface="Times New Roman" panose="02020603050405020304" pitchFamily="18" charset="0"/>
+            </a:endParaRPr>
           </a:p>
         </p:txBody>
       </p:sp>
@@ -8170,7 +9283,7 @@
           <a:bodyPr/>
           <a:lstStyle/>
           <a:p>
-            <a:endParaRPr lang="en-US"/>
+            <a:endParaRPr lang="en-US" dirty="0"/>
           </a:p>
         </p:txBody>
       </p:sp>

--- a/AIT_Template.pptx
+++ b/AIT_Template.pptx
@@ -5,10 +5,10 @@
     <p:sldMasterId id="2147483657" r:id="rId1"/>
   </p:sldMasterIdLst>
   <p:notesMasterIdLst>
-    <p:notesMasterId r:id="rId13"/>
+    <p:notesMasterId r:id="rId14"/>
   </p:notesMasterIdLst>
   <p:handoutMasterIdLst>
-    <p:handoutMasterId r:id="rId14"/>
+    <p:handoutMasterId r:id="rId15"/>
   </p:handoutMasterIdLst>
   <p:sldIdLst>
     <p:sldId id="256" r:id="rId2"/>
@@ -19,9 +19,10 @@
     <p:sldId id="261" r:id="rId7"/>
     <p:sldId id="262" r:id="rId8"/>
     <p:sldId id="263" r:id="rId9"/>
-    <p:sldId id="264" r:id="rId10"/>
-    <p:sldId id="265" r:id="rId11"/>
-    <p:sldId id="266" r:id="rId12"/>
+    <p:sldId id="267" r:id="rId10"/>
+    <p:sldId id="264" r:id="rId11"/>
+    <p:sldId id="265" r:id="rId12"/>
+    <p:sldId id="266" r:id="rId13"/>
   </p:sldIdLst>
   <p:sldSz cx="9144000" cy="6858000" type="screen4x3"/>
   <p:notesSz cx="6805613" cy="9939338"/>
@@ -3558,7 +3559,7 @@
           <a:graphicData uri="http://schemas.openxmlformats.org/presentationml/2006/ole">
             <mc:AlternateContent xmlns:mc="http://schemas.openxmlformats.org/markup-compatibility/2006">
               <mc:Choice xmlns:v="urn:schemas-microsoft-com:vml" Requires="v">
-                <p:oleObj spid="_x0000_s14016" name="ﾌﾘｰﾗﾝｽ 97 図形" r:id="rId17" imgW="20477" imgH="641447" progId="">
+                <p:oleObj spid="_x0000_s14025" name="ﾌﾘｰﾗﾝｽ 97 図形" r:id="rId17" imgW="20477" imgH="641447" progId="">
                   <p:embed/>
                 </p:oleObj>
               </mc:Choice>
@@ -4959,6 +4960,13 @@
           <a:bodyPr/>
           <a:lstStyle/>
           <a:p>
+            <a:r>
+              <a:rPr lang="en-US" dirty="0" smtClean="0">
+                <a:latin typeface="Times New Roman" panose="02020603050405020304" pitchFamily="18" charset="0"/>
+                <a:cs typeface="Times New Roman" panose="02020603050405020304" pitchFamily="18" charset="0"/>
+              </a:rPr>
+              <a:t>Supervised learning</a:t>
+            </a:r>
             <a:endParaRPr lang="en-US" dirty="0"/>
           </a:p>
         </p:txBody>
@@ -4978,7 +4986,40 @@
           <a:bodyPr/>
           <a:lstStyle/>
           <a:p>
-            <a:endParaRPr lang="en-US"/>
+            <a:r>
+              <a:rPr lang="en-US" b="1" dirty="0" err="1" smtClean="0">
+                <a:latin typeface="Times New Roman" panose="02020603050405020304" pitchFamily="18" charset="0"/>
+                <a:cs typeface="Times New Roman" panose="02020603050405020304" pitchFamily="18" charset="0"/>
+              </a:rPr>
+              <a:t>Ví</a:t>
+            </a:r>
+            <a:r>
+              <a:rPr lang="en-US" b="1" dirty="0" smtClean="0">
+                <a:latin typeface="Times New Roman" panose="02020603050405020304" pitchFamily="18" charset="0"/>
+                <a:cs typeface="Times New Roman" panose="02020603050405020304" pitchFamily="18" charset="0"/>
+              </a:rPr>
+              <a:t> </a:t>
+            </a:r>
+            <a:r>
+              <a:rPr lang="en-US" b="1" dirty="0" err="1" smtClean="0">
+                <a:latin typeface="Times New Roman" panose="02020603050405020304" pitchFamily="18" charset="0"/>
+                <a:cs typeface="Times New Roman" panose="02020603050405020304" pitchFamily="18" charset="0"/>
+              </a:rPr>
+              <a:t>dụ</a:t>
+            </a:r>
+            <a:r>
+              <a:rPr lang="en-US" b="1" dirty="0" smtClean="0">
+                <a:latin typeface="Times New Roman" panose="02020603050405020304" pitchFamily="18" charset="0"/>
+                <a:cs typeface="Times New Roman" panose="02020603050405020304" pitchFamily="18" charset="0"/>
+              </a:rPr>
+              <a:t>:</a:t>
+            </a:r>
+          </a:p>
+          <a:p>
+            <a:endParaRPr lang="en-US" b="1" dirty="0">
+              <a:latin typeface="Times New Roman" panose="02020603050405020304" pitchFamily="18" charset="0"/>
+              <a:cs typeface="Times New Roman" panose="02020603050405020304" pitchFamily="18" charset="0"/>
+            </a:endParaRPr>
           </a:p>
         </p:txBody>
       </p:sp>
@@ -5014,7 +5055,7 @@
     </p:spTree>
     <p:extLst>
       <p:ext uri="{BB962C8B-B14F-4D97-AF65-F5344CB8AC3E}">
-        <p14:creationId xmlns:p14="http://schemas.microsoft.com/office/powerpoint/2010/main" val="19856058"/>
+        <p14:creationId xmlns:p14="http://schemas.microsoft.com/office/powerpoint/2010/main" val="747263665"/>
       </p:ext>
     </p:extLst>
   </p:cSld>
@@ -5110,6 +5151,110 @@
                 <a:defRPr/>
               </a:pPr>
               <a:t>10</a:t>
+            </a:fld>
+            <a:endParaRPr lang="en-US" altLang="ja-JP"/>
+          </a:p>
+        </p:txBody>
+      </p:sp>
+    </p:spTree>
+    <p:extLst>
+      <p:ext uri="{BB962C8B-B14F-4D97-AF65-F5344CB8AC3E}">
+        <p14:creationId xmlns:p14="http://schemas.microsoft.com/office/powerpoint/2010/main" val="19856058"/>
+      </p:ext>
+    </p:extLst>
+  </p:cSld>
+  <p:clrMapOvr>
+    <a:masterClrMapping/>
+  </p:clrMapOvr>
+  <p:timing>
+    <p:tnLst>
+      <p:par>
+        <p:cTn id="1" dur="indefinite" restart="never" nodeType="tmRoot"/>
+      </p:par>
+    </p:tnLst>
+  </p:timing>
+</p:sld>
+</file>
+
+<file path=ppt/slides/slide12.xml><?xml version="1.0" encoding="utf-8"?>
+<p:sld xmlns:a="http://schemas.openxmlformats.org/drawingml/2006/main" xmlns:r="http://schemas.openxmlformats.org/officeDocument/2006/relationships" xmlns:p="http://schemas.openxmlformats.org/presentationml/2006/main">
+  <p:cSld>
+    <p:spTree>
+      <p:nvGrpSpPr>
+        <p:cNvPr id="1" name=""/>
+        <p:cNvGrpSpPr/>
+        <p:nvPr/>
+      </p:nvGrpSpPr>
+      <p:grpSpPr>
+        <a:xfrm>
+          <a:off x="0" y="0"/>
+          <a:ext cx="0" cy="0"/>
+          <a:chOff x="0" y="0"/>
+          <a:chExt cx="0" cy="0"/>
+        </a:xfrm>
+      </p:grpSpPr>
+      <p:sp>
+        <p:nvSpPr>
+          <p:cNvPr id="2" name="Title 1"/>
+          <p:cNvSpPr>
+            <a:spLocks noGrp="1"/>
+          </p:cNvSpPr>
+          <p:nvPr>
+            <p:ph type="title"/>
+          </p:nvPr>
+        </p:nvSpPr>
+        <p:spPr/>
+        <p:txBody>
+          <a:bodyPr/>
+          <a:lstStyle/>
+          <a:p>
+            <a:endParaRPr lang="en-US" dirty="0"/>
+          </a:p>
+        </p:txBody>
+      </p:sp>
+      <p:sp>
+        <p:nvSpPr>
+          <p:cNvPr id="3" name="Content Placeholder 2"/>
+          <p:cNvSpPr>
+            <a:spLocks noGrp="1"/>
+          </p:cNvSpPr>
+          <p:nvPr>
+            <p:ph idx="1"/>
+          </p:nvPr>
+        </p:nvSpPr>
+        <p:spPr/>
+        <p:txBody>
+          <a:bodyPr/>
+          <a:lstStyle/>
+          <a:p>
+            <a:endParaRPr lang="en-US"/>
+          </a:p>
+        </p:txBody>
+      </p:sp>
+      <p:sp>
+        <p:nvSpPr>
+          <p:cNvPr id="4" name="Slide Number Placeholder 3"/>
+          <p:cNvSpPr>
+            <a:spLocks noGrp="1"/>
+          </p:cNvSpPr>
+          <p:nvPr>
+            <p:ph type="sldNum" sz="quarter" idx="10"/>
+          </p:nvPr>
+        </p:nvSpPr>
+        <p:spPr/>
+        <p:txBody>
+          <a:bodyPr/>
+          <a:lstStyle/>
+          <a:p>
+            <a:pPr>
+              <a:defRPr/>
+            </a:pPr>
+            <a:fld id="{DF7D7A9D-6521-4C9C-B98B-0A8DAB95E158}" type="slidenum">
+              <a:rPr lang="en-US" altLang="ja-JP" smtClean="0"/>
+              <a:pPr>
+                <a:defRPr/>
+              </a:pPr>
+              <a:t>11</a:t>
             </a:fld>
             <a:endParaRPr lang="en-US" altLang="ja-JP"/>
           </a:p>
@@ -9149,32 +9294,54 @@
               </a:lnSpc>
             </a:pPr>
             <a:r>
-              <a:rPr lang="en-US" b="1" dirty="0" err="1" smtClean="0">
-                <a:latin typeface="Times New Roman" panose="02020603050405020304" pitchFamily="18" charset="0"/>
-                <a:cs typeface="Times New Roman" panose="02020603050405020304" pitchFamily="18" charset="0"/>
-              </a:rPr>
-              <a:t>Ví</a:t>
-            </a:r>
-            <a:r>
               <a:rPr lang="en-US" b="1" dirty="0" smtClean="0">
                 <a:latin typeface="Times New Roman" panose="02020603050405020304" pitchFamily="18" charset="0"/>
                 <a:cs typeface="Times New Roman" panose="02020603050405020304" pitchFamily="18" charset="0"/>
               </a:rPr>
-              <a:t> </a:t>
-            </a:r>
-            <a:r>
-              <a:rPr lang="en-US" b="1" dirty="0" err="1" smtClean="0">
-                <a:latin typeface="Times New Roman" panose="02020603050405020304" pitchFamily="18" charset="0"/>
-                <a:cs typeface="Times New Roman" panose="02020603050405020304" pitchFamily="18" charset="0"/>
-              </a:rPr>
-              <a:t>dụ</a:t>
-            </a:r>
-            <a:r>
-              <a:rPr lang="en-US" b="1" dirty="0" smtClean="0">
-                <a:latin typeface="Times New Roman" panose="02020603050405020304" pitchFamily="18" charset="0"/>
-                <a:cs typeface="Times New Roman" panose="02020603050405020304" pitchFamily="18" charset="0"/>
-              </a:rPr>
-              <a:t>:</a:t>
+              <a:t>Semi-Supervised Learning</a:t>
+            </a:r>
+          </a:p>
+          <a:p>
+            <a:pPr lvl="1">
+              <a:lnSpc>
+                <a:spcPct val="150000"/>
+              </a:lnSpc>
+              <a:buFont typeface="Wingdings" panose="05000000000000000000" pitchFamily="2" charset="2"/>
+              <a:buChar char="Ø"/>
+            </a:pPr>
+            <a:r>
+              <a:rPr lang="vi-VN" dirty="0">
+                <a:latin typeface="Times New Roman" panose="02020603050405020304" pitchFamily="18" charset="0"/>
+                <a:cs typeface="Times New Roman" panose="02020603050405020304" pitchFamily="18" charset="0"/>
+              </a:rPr>
+              <a:t>Các bài toán khi chúng ta có một lượng lớn dữ liệu XX nhưng chỉ một phần trong chúng được gán nhãn được gọi là Semi-Supervised Learning. Những bài toán thuộc nhóm này nằm giữa hai nhóm được nêu bên trên</a:t>
+            </a:r>
+            <a:r>
+              <a:rPr lang="vi-VN" dirty="0" smtClean="0">
+                <a:latin typeface="Times New Roman" panose="02020603050405020304" pitchFamily="18" charset="0"/>
+                <a:cs typeface="Times New Roman" panose="02020603050405020304" pitchFamily="18" charset="0"/>
+              </a:rPr>
+              <a:t>.</a:t>
+            </a:r>
+            <a:endParaRPr lang="en-US" dirty="0" smtClean="0">
+              <a:latin typeface="Times New Roman" panose="02020603050405020304" pitchFamily="18" charset="0"/>
+              <a:cs typeface="Times New Roman" panose="02020603050405020304" pitchFamily="18" charset="0"/>
+            </a:endParaRPr>
+          </a:p>
+          <a:p>
+            <a:pPr lvl="1">
+              <a:lnSpc>
+                <a:spcPct val="150000"/>
+              </a:lnSpc>
+              <a:buFont typeface="Wingdings" panose="05000000000000000000" pitchFamily="2" charset="2"/>
+              <a:buChar char="Ø"/>
+            </a:pPr>
+            <a:r>
+              <a:rPr lang="vi-VN" dirty="0" smtClean="0">
+                <a:latin typeface="Times New Roman" panose="02020603050405020304" pitchFamily="18" charset="0"/>
+                <a:cs typeface="Times New Roman" panose="02020603050405020304" pitchFamily="18" charset="0"/>
+              </a:rPr>
+              <a:t>Một ví dụ điển hình của nhóm này là chỉ có một phần ảnh hoặc văn bản được gán nhãn (ví dụ bức ảnh về người, động vật hoặc các văn bản khoa học, chính trị) và phần lớn các bức ảnh/văn bản khác chưa được gán nhãn được thu thập từ internet. Thực tế cho thấy rất nhiều các bài toán Machine Learning thuộc vào nhóm này vì việc thu thập dữ liệu có nhãn tốn rất nhiều thời gian và có chi phí cao. Rất nhiều loại dữ liệu thậm chí cần phải có chuyên gia mới gán nhãn được (ảnh y học chẳng hạn). Ngược lại, dữ liệu chưa có nhãn có thể được thu thập với chi phí thấp từ internet.</a:t>
             </a:r>
             <a:endParaRPr lang="en-US" b="1" dirty="0">
               <a:latin typeface="Times New Roman" panose="02020603050405020304" pitchFamily="18" charset="0"/>
@@ -9264,6 +9431,76 @@
           <a:bodyPr/>
           <a:lstStyle/>
           <a:p>
+            <a:r>
+              <a:rPr lang="en-US" dirty="0" err="1">
+                <a:latin typeface="Times New Roman" panose="02020603050405020304" pitchFamily="18" charset="0"/>
+                <a:cs typeface="Times New Roman" panose="02020603050405020304" pitchFamily="18" charset="0"/>
+              </a:rPr>
+              <a:t>Giới</a:t>
+            </a:r>
+            <a:r>
+              <a:rPr lang="en-US" dirty="0">
+                <a:latin typeface="Times New Roman" panose="02020603050405020304" pitchFamily="18" charset="0"/>
+                <a:cs typeface="Times New Roman" panose="02020603050405020304" pitchFamily="18" charset="0"/>
+              </a:rPr>
+              <a:t> </a:t>
+            </a:r>
+            <a:r>
+              <a:rPr lang="en-US" dirty="0" err="1">
+                <a:latin typeface="Times New Roman" panose="02020603050405020304" pitchFamily="18" charset="0"/>
+                <a:cs typeface="Times New Roman" panose="02020603050405020304" pitchFamily="18" charset="0"/>
+              </a:rPr>
+              <a:t>thiệu</a:t>
+            </a:r>
+            <a:r>
+              <a:rPr lang="en-US" dirty="0">
+                <a:latin typeface="Times New Roman" panose="02020603050405020304" pitchFamily="18" charset="0"/>
+                <a:cs typeface="Times New Roman" panose="02020603050405020304" pitchFamily="18" charset="0"/>
+              </a:rPr>
+              <a:t> </a:t>
+            </a:r>
+            <a:r>
+              <a:rPr lang="en-US" dirty="0" err="1">
+                <a:latin typeface="Times New Roman" panose="02020603050405020304" pitchFamily="18" charset="0"/>
+                <a:cs typeface="Times New Roman" panose="02020603050405020304" pitchFamily="18" charset="0"/>
+              </a:rPr>
+              <a:t>các</a:t>
+            </a:r>
+            <a:r>
+              <a:rPr lang="en-US" dirty="0">
+                <a:latin typeface="Times New Roman" panose="02020603050405020304" pitchFamily="18" charset="0"/>
+                <a:cs typeface="Times New Roman" panose="02020603050405020304" pitchFamily="18" charset="0"/>
+              </a:rPr>
+              <a:t> </a:t>
+            </a:r>
+            <a:r>
+              <a:rPr lang="en-US" dirty="0" err="1">
+                <a:latin typeface="Times New Roman" panose="02020603050405020304" pitchFamily="18" charset="0"/>
+                <a:cs typeface="Times New Roman" panose="02020603050405020304" pitchFamily="18" charset="0"/>
+              </a:rPr>
+              <a:t>thuật</a:t>
+            </a:r>
+            <a:r>
+              <a:rPr lang="en-US" dirty="0">
+                <a:latin typeface="Times New Roman" panose="02020603050405020304" pitchFamily="18" charset="0"/>
+                <a:cs typeface="Times New Roman" panose="02020603050405020304" pitchFamily="18" charset="0"/>
+              </a:rPr>
+              <a:t> </a:t>
+            </a:r>
+            <a:r>
+              <a:rPr lang="en-US" dirty="0" err="1">
+                <a:latin typeface="Times New Roman" panose="02020603050405020304" pitchFamily="18" charset="0"/>
+                <a:cs typeface="Times New Roman" panose="02020603050405020304" pitchFamily="18" charset="0"/>
+              </a:rPr>
+              <a:t>toán</a:t>
+            </a:r>
+            <a:r>
+              <a:rPr lang="en-US" dirty="0">
+                <a:latin typeface="Times New Roman" panose="02020603050405020304" pitchFamily="18" charset="0"/>
+                <a:cs typeface="Times New Roman" panose="02020603050405020304" pitchFamily="18" charset="0"/>
+              </a:rPr>
+              <a:t> ML</a:t>
+            </a:r>
             <a:endParaRPr lang="en-US" dirty="0"/>
           </a:p>
         </p:txBody>
@@ -9283,7 +9520,117 @@
           <a:bodyPr/>
           <a:lstStyle/>
           <a:p>
-            <a:endParaRPr lang="en-US" dirty="0"/>
+            <a:r>
+              <a:rPr lang="en-US" b="1" dirty="0" smtClean="0">
+                <a:latin typeface="Times New Roman" panose="02020603050405020304" pitchFamily="18" charset="0"/>
+                <a:cs typeface="Times New Roman" panose="02020603050405020304" pitchFamily="18" charset="0"/>
+              </a:rPr>
+              <a:t>Reinforcement Learning (</a:t>
+            </a:r>
+            <a:r>
+              <a:rPr lang="en-US" b="1" dirty="0" err="1" smtClean="0">
+                <a:latin typeface="Times New Roman" panose="02020603050405020304" pitchFamily="18" charset="0"/>
+                <a:cs typeface="Times New Roman" panose="02020603050405020304" pitchFamily="18" charset="0"/>
+              </a:rPr>
+              <a:t>Học</a:t>
+            </a:r>
+            <a:r>
+              <a:rPr lang="en-US" b="1" dirty="0" smtClean="0">
+                <a:latin typeface="Times New Roman" panose="02020603050405020304" pitchFamily="18" charset="0"/>
+                <a:cs typeface="Times New Roman" panose="02020603050405020304" pitchFamily="18" charset="0"/>
+              </a:rPr>
+              <a:t> </a:t>
+            </a:r>
+            <a:r>
+              <a:rPr lang="en-US" b="1" dirty="0" err="1" smtClean="0">
+                <a:latin typeface="Times New Roman" panose="02020603050405020304" pitchFamily="18" charset="0"/>
+                <a:cs typeface="Times New Roman" panose="02020603050405020304" pitchFamily="18" charset="0"/>
+              </a:rPr>
+              <a:t>củng</a:t>
+            </a:r>
+            <a:r>
+              <a:rPr lang="en-US" b="1" dirty="0" smtClean="0">
+                <a:latin typeface="Times New Roman" panose="02020603050405020304" pitchFamily="18" charset="0"/>
+                <a:cs typeface="Times New Roman" panose="02020603050405020304" pitchFamily="18" charset="0"/>
+              </a:rPr>
+              <a:t> </a:t>
+            </a:r>
+            <a:r>
+              <a:rPr lang="en-US" b="1" dirty="0" err="1" smtClean="0">
+                <a:latin typeface="Times New Roman" panose="02020603050405020304" pitchFamily="18" charset="0"/>
+                <a:cs typeface="Times New Roman" panose="02020603050405020304" pitchFamily="18" charset="0"/>
+              </a:rPr>
+              <a:t>cố</a:t>
+            </a:r>
+            <a:r>
+              <a:rPr lang="en-US" b="1" dirty="0" smtClean="0">
+                <a:latin typeface="Times New Roman" panose="02020603050405020304" pitchFamily="18" charset="0"/>
+                <a:cs typeface="Times New Roman" panose="02020603050405020304" pitchFamily="18" charset="0"/>
+              </a:rPr>
+              <a:t>)</a:t>
+            </a:r>
+          </a:p>
+          <a:p>
+            <a:pPr lvl="1">
+              <a:buFont typeface="Wingdings" panose="05000000000000000000" pitchFamily="2" charset="2"/>
+              <a:buChar char="Ø"/>
+            </a:pPr>
+            <a:r>
+              <a:rPr lang="vi-VN" dirty="0">
+                <a:latin typeface="Times New Roman" panose="02020603050405020304" pitchFamily="18" charset="0"/>
+                <a:cs typeface="Times New Roman" panose="02020603050405020304" pitchFamily="18" charset="0"/>
+              </a:rPr>
+              <a:t>Reinforcement learning là các bài toán giúp cho một hệ thống tự động xác định hành vi dựa trên hoàn cảnh để đạt được lợi ích cao nhất (maximizing the performance). Hiện tại, Reinforcement learning chủ yếu được áp dụng vào Lý Thuyết Trò Chơi (Game Theory), các thuật toán cần xác định nước đi tiếp theo để đạt được điểm số cao nhất</a:t>
+            </a:r>
+            <a:r>
+              <a:rPr lang="vi-VN" dirty="0" smtClean="0">
+                <a:latin typeface="Times New Roman" panose="02020603050405020304" pitchFamily="18" charset="0"/>
+                <a:cs typeface="Times New Roman" panose="02020603050405020304" pitchFamily="18" charset="0"/>
+              </a:rPr>
+              <a:t>.</a:t>
+            </a:r>
+            <a:endParaRPr lang="en-US" dirty="0" smtClean="0">
+              <a:latin typeface="Times New Roman" panose="02020603050405020304" pitchFamily="18" charset="0"/>
+              <a:cs typeface="Times New Roman" panose="02020603050405020304" pitchFamily="18" charset="0"/>
+            </a:endParaRPr>
+          </a:p>
+          <a:p>
+            <a:pPr lvl="1">
+              <a:buFont typeface="Wingdings" panose="05000000000000000000" pitchFamily="2" charset="2"/>
+              <a:buChar char="Ø"/>
+            </a:pPr>
+            <a:r>
+              <a:rPr lang="en-US" dirty="0" err="1" smtClean="0">
+                <a:latin typeface="Times New Roman" panose="02020603050405020304" pitchFamily="18" charset="0"/>
+                <a:cs typeface="Times New Roman" panose="02020603050405020304" pitchFamily="18" charset="0"/>
+              </a:rPr>
+              <a:t>Ví</a:t>
+            </a:r>
+            <a:r>
+              <a:rPr lang="en-US" dirty="0" smtClean="0">
+                <a:latin typeface="Times New Roman" panose="02020603050405020304" pitchFamily="18" charset="0"/>
+                <a:cs typeface="Times New Roman" panose="02020603050405020304" pitchFamily="18" charset="0"/>
+              </a:rPr>
+              <a:t> </a:t>
+            </a:r>
+            <a:r>
+              <a:rPr lang="en-US" dirty="0" err="1" smtClean="0">
+                <a:latin typeface="Times New Roman" panose="02020603050405020304" pitchFamily="18" charset="0"/>
+                <a:cs typeface="Times New Roman" panose="02020603050405020304" pitchFamily="18" charset="0"/>
+              </a:rPr>
+              <a:t>dụ</a:t>
+            </a:r>
+            <a:r>
+              <a:rPr lang="en-US" dirty="0" smtClean="0">
+                <a:latin typeface="Times New Roman" panose="02020603050405020304" pitchFamily="18" charset="0"/>
+                <a:cs typeface="Times New Roman" panose="02020603050405020304" pitchFamily="18" charset="0"/>
+              </a:rPr>
+              <a:t>:</a:t>
+            </a:r>
+            <a:endParaRPr lang="en-US" dirty="0">
+              <a:latin typeface="Times New Roman" panose="02020603050405020304" pitchFamily="18" charset="0"/>
+              <a:cs typeface="Times New Roman" panose="02020603050405020304" pitchFamily="18" charset="0"/>
+            </a:endParaRPr>
           </a:p>
         </p:txBody>
       </p:sp>
@@ -9316,10 +9663,34 @@
           </a:p>
         </p:txBody>
       </p:sp>
+      <p:pic>
+        <p:nvPicPr>
+          <p:cNvPr id="5" name="Picture 4"/>
+          <p:cNvPicPr>
+            <a:picLocks noChangeAspect="1"/>
+          </p:cNvPicPr>
+          <p:nvPr/>
+        </p:nvPicPr>
+        <p:blipFill>
+          <a:blip r:embed="rId2"/>
+          <a:stretch>
+            <a:fillRect/>
+          </a:stretch>
+        </p:blipFill>
+        <p:spPr>
+          <a:xfrm>
+            <a:off x="950771" y="2991299"/>
+            <a:ext cx="6341316" cy="3257101"/>
+          </a:xfrm>
+          <a:prstGeom prst="rect">
+            <a:avLst/>
+          </a:prstGeom>
+        </p:spPr>
+      </p:pic>
     </p:spTree>
     <p:extLst>
       <p:ext uri="{BB962C8B-B14F-4D97-AF65-F5344CB8AC3E}">
-        <p14:creationId xmlns:p14="http://schemas.microsoft.com/office/powerpoint/2010/main" val="747263665"/>
+        <p14:creationId xmlns:p14="http://schemas.microsoft.com/office/powerpoint/2010/main" val="3683149295"/>
       </p:ext>
     </p:extLst>
   </p:cSld>

--- a/AIT_Template.pptx
+++ b/AIT_Template.pptx
@@ -5,10 +5,10 @@
     <p:sldMasterId id="2147483657" r:id="rId1"/>
   </p:sldMasterIdLst>
   <p:notesMasterIdLst>
-    <p:notesMasterId r:id="rId14"/>
+    <p:notesMasterId r:id="rId25"/>
   </p:notesMasterIdLst>
   <p:handoutMasterIdLst>
-    <p:handoutMasterId r:id="rId15"/>
+    <p:handoutMasterId r:id="rId26"/>
   </p:handoutMasterIdLst>
   <p:sldIdLst>
     <p:sldId id="256" r:id="rId2"/>
@@ -22,7 +22,18 @@
     <p:sldId id="267" r:id="rId10"/>
     <p:sldId id="264" r:id="rId11"/>
     <p:sldId id="265" r:id="rId12"/>
-    <p:sldId id="266" r:id="rId13"/>
+    <p:sldId id="268" r:id="rId13"/>
+    <p:sldId id="266" r:id="rId14"/>
+    <p:sldId id="269" r:id="rId15"/>
+    <p:sldId id="270" r:id="rId16"/>
+    <p:sldId id="273" r:id="rId17"/>
+    <p:sldId id="272" r:id="rId18"/>
+    <p:sldId id="271" r:id="rId19"/>
+    <p:sldId id="274" r:id="rId20"/>
+    <p:sldId id="278" r:id="rId21"/>
+    <p:sldId id="275" r:id="rId22"/>
+    <p:sldId id="276" r:id="rId23"/>
+    <p:sldId id="277" r:id="rId24"/>
   </p:sldIdLst>
   <p:sldSz cx="9144000" cy="6858000" type="screen4x3"/>
   <p:notesSz cx="6805613" cy="9939338"/>
@@ -3559,7 +3570,7 @@
           <a:graphicData uri="http://schemas.openxmlformats.org/presentationml/2006/ole">
             <mc:AlternateContent xmlns:mc="http://schemas.openxmlformats.org/markup-compatibility/2006">
               <mc:Choice xmlns:v="urn:schemas-microsoft-com:vml" Requires="v">
-                <p:oleObj spid="_x0000_s14025" name="ﾌﾘｰﾗﾝｽ 97 図形" r:id="rId17" imgW="20477" imgH="641447" progId="">
+                <p:oleObj spid="_x0000_s14122" name="ﾌﾘｰﾗﾝｽ 97 図形" r:id="rId17" imgW="20477" imgH="641447" progId="">
                   <p:embed/>
                 </p:oleObj>
               </mc:Choice>
@@ -4973,58 +4984,6 @@
       </p:sp>
       <p:sp>
         <p:nvSpPr>
-          <p:cNvPr id="3" name="Content Placeholder 2"/>
-          <p:cNvSpPr>
-            <a:spLocks noGrp="1"/>
-          </p:cNvSpPr>
-          <p:nvPr>
-            <p:ph idx="1"/>
-          </p:nvPr>
-        </p:nvSpPr>
-        <p:spPr/>
-        <p:txBody>
-          <a:bodyPr/>
-          <a:lstStyle/>
-          <a:p>
-            <a:r>
-              <a:rPr lang="en-US" b="1" dirty="0" err="1" smtClean="0">
-                <a:latin typeface="Times New Roman" panose="02020603050405020304" pitchFamily="18" charset="0"/>
-                <a:cs typeface="Times New Roman" panose="02020603050405020304" pitchFamily="18" charset="0"/>
-              </a:rPr>
-              <a:t>Ví</a:t>
-            </a:r>
-            <a:r>
-              <a:rPr lang="en-US" b="1" dirty="0" smtClean="0">
-                <a:latin typeface="Times New Roman" panose="02020603050405020304" pitchFamily="18" charset="0"/>
-                <a:cs typeface="Times New Roman" panose="02020603050405020304" pitchFamily="18" charset="0"/>
-              </a:rPr>
-              <a:t> </a:t>
-            </a:r>
-            <a:r>
-              <a:rPr lang="en-US" b="1" dirty="0" err="1" smtClean="0">
-                <a:latin typeface="Times New Roman" panose="02020603050405020304" pitchFamily="18" charset="0"/>
-                <a:cs typeface="Times New Roman" panose="02020603050405020304" pitchFamily="18" charset="0"/>
-              </a:rPr>
-              <a:t>dụ</a:t>
-            </a:r>
-            <a:r>
-              <a:rPr lang="en-US" b="1" dirty="0" smtClean="0">
-                <a:latin typeface="Times New Roman" panose="02020603050405020304" pitchFamily="18" charset="0"/>
-                <a:cs typeface="Times New Roman" panose="02020603050405020304" pitchFamily="18" charset="0"/>
-              </a:rPr>
-              <a:t>:</a:t>
-            </a:r>
-          </a:p>
-          <a:p>
-            <a:endParaRPr lang="en-US" b="1" dirty="0">
-              <a:latin typeface="Times New Roman" panose="02020603050405020304" pitchFamily="18" charset="0"/>
-              <a:cs typeface="Times New Roman" panose="02020603050405020304" pitchFamily="18" charset="0"/>
-            </a:endParaRPr>
-          </a:p>
-        </p:txBody>
-      </p:sp>
-      <p:sp>
-        <p:nvSpPr>
           <p:cNvPr id="4" name="Slide Number Placeholder 3"/>
           <p:cNvSpPr>
             <a:spLocks noGrp="1"/>
@@ -5052,6 +5011,59 @@
           </a:p>
         </p:txBody>
       </p:sp>
+      <p:sp>
+        <p:nvSpPr>
+          <p:cNvPr id="7" name="Content Placeholder 6"/>
+          <p:cNvSpPr>
+            <a:spLocks noGrp="1"/>
+          </p:cNvSpPr>
+          <p:nvPr>
+            <p:ph idx="1"/>
+          </p:nvPr>
+        </p:nvSpPr>
+        <p:spPr/>
+        <p:txBody>
+          <a:bodyPr/>
+          <a:lstStyle/>
+          <a:p>
+            <a:r>
+              <a:rPr lang="en-US" b="1" dirty="0" smtClean="0">
+                <a:latin typeface="Times New Roman" panose="02020603050405020304" pitchFamily="18" charset="0"/>
+                <a:cs typeface="Times New Roman" panose="02020603050405020304" pitchFamily="18" charset="0"/>
+              </a:rPr>
+              <a:t>Train data</a:t>
+            </a:r>
+            <a:endParaRPr lang="en-US" b="1" dirty="0">
+              <a:latin typeface="Times New Roman" panose="02020603050405020304" pitchFamily="18" charset="0"/>
+              <a:cs typeface="Times New Roman" panose="02020603050405020304" pitchFamily="18" charset="0"/>
+            </a:endParaRPr>
+          </a:p>
+        </p:txBody>
+      </p:sp>
+      <p:pic>
+        <p:nvPicPr>
+          <p:cNvPr id="8" name="Picture 7"/>
+          <p:cNvPicPr>
+            <a:picLocks noChangeAspect="1"/>
+          </p:cNvPicPr>
+          <p:nvPr/>
+        </p:nvPicPr>
+        <p:blipFill>
+          <a:blip r:embed="rId2"/>
+          <a:stretch>
+            <a:fillRect/>
+          </a:stretch>
+        </p:blipFill>
+        <p:spPr>
+          <a:xfrm>
+            <a:off x="532034" y="1340710"/>
+            <a:ext cx="8084694" cy="4547640"/>
+          </a:xfrm>
+          <a:prstGeom prst="rect">
+            <a:avLst/>
+          </a:prstGeom>
+        </p:spPr>
+      </p:pic>
     </p:spTree>
     <p:extLst>
       <p:ext uri="{BB962C8B-B14F-4D97-AF65-F5344CB8AC3E}">
@@ -5104,6 +5116,13 @@
           <a:bodyPr/>
           <a:lstStyle/>
           <a:p>
+            <a:r>
+              <a:rPr lang="en-US" dirty="0">
+                <a:latin typeface="Times New Roman" panose="02020603050405020304" pitchFamily="18" charset="0"/>
+                <a:cs typeface="Times New Roman" panose="02020603050405020304" pitchFamily="18" charset="0"/>
+              </a:rPr>
+              <a:t>Supervised learning</a:t>
+            </a:r>
             <a:endParaRPr lang="en-US" dirty="0"/>
           </a:p>
         </p:txBody>
@@ -5123,7 +5142,20 @@
           <a:bodyPr/>
           <a:lstStyle/>
           <a:p>
-            <a:endParaRPr lang="en-US"/>
+            <a:r>
+              <a:rPr lang="en-US" b="1" dirty="0" err="1" smtClean="0">
+                <a:latin typeface="Times New Roman" panose="02020603050405020304" pitchFamily="18" charset="0"/>
+                <a:cs typeface="Times New Roman" panose="02020603050405020304" pitchFamily="18" charset="0"/>
+              </a:rPr>
+              <a:t>Mạng</a:t>
+            </a:r>
+            <a:r>
+              <a:rPr lang="en-US" b="1" dirty="0" smtClean="0">
+                <a:latin typeface="Times New Roman" panose="02020603050405020304" pitchFamily="18" charset="0"/>
+                <a:cs typeface="Times New Roman" panose="02020603050405020304" pitchFamily="18" charset="0"/>
+              </a:rPr>
+              <a:t> neural network (Fully connected)</a:t>
+            </a:r>
           </a:p>
         </p:txBody>
       </p:sp>
@@ -5156,6 +5188,30 @@
           </a:p>
         </p:txBody>
       </p:sp>
+      <p:pic>
+        <p:nvPicPr>
+          <p:cNvPr id="8" name="Picture 7"/>
+          <p:cNvPicPr>
+            <a:picLocks noChangeAspect="1"/>
+          </p:cNvPicPr>
+          <p:nvPr/>
+        </p:nvPicPr>
+        <p:blipFill>
+          <a:blip r:embed="rId2"/>
+          <a:stretch>
+            <a:fillRect/>
+          </a:stretch>
+        </p:blipFill>
+        <p:spPr>
+          <a:xfrm>
+            <a:off x="950771" y="1268700"/>
+            <a:ext cx="7235410" cy="3700989"/>
+          </a:xfrm>
+          <a:prstGeom prst="rect">
+            <a:avLst/>
+          </a:prstGeom>
+        </p:spPr>
+      </p:pic>
     </p:spTree>
     <p:extLst>
       <p:ext uri="{BB962C8B-B14F-4D97-AF65-F5344CB8AC3E}">
@@ -5195,6 +5251,137 @@
       </p:grpSpPr>
       <p:sp>
         <p:nvSpPr>
+          <p:cNvPr id="3" name="Content Placeholder 2"/>
+          <p:cNvSpPr>
+            <a:spLocks noGrp="1"/>
+          </p:cNvSpPr>
+          <p:nvPr>
+            <p:ph idx="1"/>
+          </p:nvPr>
+        </p:nvSpPr>
+        <p:spPr/>
+        <p:txBody>
+          <a:bodyPr/>
+          <a:lstStyle/>
+          <a:p>
+            <a:r>
+              <a:rPr lang="en-US" b="1" dirty="0" smtClean="0">
+                <a:latin typeface="Times New Roman" panose="02020603050405020304" pitchFamily="18" charset="0"/>
+                <a:cs typeface="Times New Roman" panose="02020603050405020304" pitchFamily="18" charset="0"/>
+              </a:rPr>
+              <a:t>Units</a:t>
+            </a:r>
+          </a:p>
+          <a:p>
+            <a:endParaRPr lang="en-US" b="1" dirty="0">
+              <a:latin typeface="Times New Roman" panose="02020603050405020304" pitchFamily="18" charset="0"/>
+              <a:cs typeface="Times New Roman" panose="02020603050405020304" pitchFamily="18" charset="0"/>
+            </a:endParaRPr>
+          </a:p>
+          <a:p>
+            <a:endParaRPr lang="en-US" b="1" dirty="0" smtClean="0">
+              <a:latin typeface="Times New Roman" panose="02020603050405020304" pitchFamily="18" charset="0"/>
+              <a:cs typeface="Times New Roman" panose="02020603050405020304" pitchFamily="18" charset="0"/>
+            </a:endParaRPr>
+          </a:p>
+          <a:p>
+            <a:pPr marL="0" indent="0">
+              <a:buNone/>
+            </a:pPr>
+            <a:endParaRPr lang="en-US" b="1" dirty="0" smtClean="0">
+              <a:latin typeface="Times New Roman" panose="02020603050405020304" pitchFamily="18" charset="0"/>
+              <a:cs typeface="Times New Roman" panose="02020603050405020304" pitchFamily="18" charset="0"/>
+            </a:endParaRPr>
+          </a:p>
+          <a:p>
+            <a:pPr marL="0" indent="0">
+              <a:buNone/>
+            </a:pPr>
+            <a:endParaRPr lang="en-US" b="1" dirty="0" smtClean="0">
+              <a:latin typeface="Times New Roman" panose="02020603050405020304" pitchFamily="18" charset="0"/>
+              <a:cs typeface="Times New Roman" panose="02020603050405020304" pitchFamily="18" charset="0"/>
+            </a:endParaRPr>
+          </a:p>
+          <a:p>
+            <a:r>
+              <a:rPr lang="en-US" b="1" dirty="0" smtClean="0">
+                <a:latin typeface="Times New Roman" panose="02020603050405020304" pitchFamily="18" charset="0"/>
+                <a:cs typeface="Times New Roman" panose="02020603050405020304" pitchFamily="18" charset="0"/>
+              </a:rPr>
+              <a:t>Weights </a:t>
+            </a:r>
+            <a:r>
+              <a:rPr lang="en-US" b="1" dirty="0" err="1">
+                <a:latin typeface="Times New Roman" panose="02020603050405020304" pitchFamily="18" charset="0"/>
+                <a:cs typeface="Times New Roman" panose="02020603050405020304" pitchFamily="18" charset="0"/>
+              </a:rPr>
+              <a:t>và</a:t>
+            </a:r>
+            <a:r>
+              <a:rPr lang="en-US" b="1" dirty="0">
+                <a:latin typeface="Times New Roman" panose="02020603050405020304" pitchFamily="18" charset="0"/>
+                <a:cs typeface="Times New Roman" panose="02020603050405020304" pitchFamily="18" charset="0"/>
+              </a:rPr>
+              <a:t> </a:t>
+            </a:r>
+            <a:r>
+              <a:rPr lang="en-US" b="1" dirty="0" smtClean="0">
+                <a:latin typeface="Times New Roman" panose="02020603050405020304" pitchFamily="18" charset="0"/>
+                <a:cs typeface="Times New Roman" panose="02020603050405020304" pitchFamily="18" charset="0"/>
+              </a:rPr>
+              <a:t>Biases</a:t>
+            </a:r>
+          </a:p>
+          <a:p>
+            <a:endParaRPr lang="en-US" b="1" dirty="0">
+              <a:latin typeface="Times New Roman" panose="02020603050405020304" pitchFamily="18" charset="0"/>
+              <a:cs typeface="Times New Roman" panose="02020603050405020304" pitchFamily="18" charset="0"/>
+            </a:endParaRPr>
+          </a:p>
+          <a:p>
+            <a:endParaRPr lang="en-US" b="1" dirty="0" smtClean="0">
+              <a:latin typeface="Times New Roman" panose="02020603050405020304" pitchFamily="18" charset="0"/>
+              <a:cs typeface="Times New Roman" panose="02020603050405020304" pitchFamily="18" charset="0"/>
+            </a:endParaRPr>
+          </a:p>
+          <a:p>
+            <a:pPr marL="0" indent="0">
+              <a:buNone/>
+            </a:pPr>
+            <a:endParaRPr lang="en-US" b="1" dirty="0" smtClean="0">
+              <a:latin typeface="Times New Roman" panose="02020603050405020304" pitchFamily="18" charset="0"/>
+              <a:cs typeface="Times New Roman" panose="02020603050405020304" pitchFamily="18" charset="0"/>
+            </a:endParaRPr>
+          </a:p>
+          <a:p>
+            <a:pPr marL="0" indent="0">
+              <a:buNone/>
+            </a:pPr>
+            <a:endParaRPr lang="en-US" b="1" dirty="0">
+              <a:latin typeface="Times New Roman" panose="02020603050405020304" pitchFamily="18" charset="0"/>
+              <a:cs typeface="Times New Roman" panose="02020603050405020304" pitchFamily="18" charset="0"/>
+            </a:endParaRPr>
+          </a:p>
+          <a:p>
+            <a:r>
+              <a:rPr lang="en-US" b="1" dirty="0">
+                <a:latin typeface="Times New Roman" panose="02020603050405020304" pitchFamily="18" charset="0"/>
+                <a:cs typeface="Times New Roman" panose="02020603050405020304" pitchFamily="18" charset="0"/>
+              </a:rPr>
+              <a:t>Activation </a:t>
+            </a:r>
+            <a:r>
+              <a:rPr lang="en-US" b="1" dirty="0" smtClean="0">
+                <a:latin typeface="Times New Roman" panose="02020603050405020304" pitchFamily="18" charset="0"/>
+                <a:cs typeface="Times New Roman" panose="02020603050405020304" pitchFamily="18" charset="0"/>
+              </a:rPr>
+              <a:t>functions</a:t>
+            </a:r>
+          </a:p>
+        </p:txBody>
+      </p:sp>
+      <p:sp>
+        <p:nvSpPr>
           <p:cNvPr id="2" name="Title 1"/>
           <p:cNvSpPr>
             <a:spLocks noGrp="1"/>
@@ -5208,6 +5395,177 @@
           <a:bodyPr/>
           <a:lstStyle/>
           <a:p>
+            <a:r>
+              <a:rPr lang="en-US" dirty="0">
+                <a:latin typeface="Times New Roman" panose="02020603050405020304" pitchFamily="18" charset="0"/>
+                <a:cs typeface="Times New Roman" panose="02020603050405020304" pitchFamily="18" charset="0"/>
+              </a:rPr>
+              <a:t>Supervised learning</a:t>
+            </a:r>
+            <a:endParaRPr lang="en-US" dirty="0"/>
+          </a:p>
+        </p:txBody>
+      </p:sp>
+      <p:sp>
+        <p:nvSpPr>
+          <p:cNvPr id="4" name="Slide Number Placeholder 3"/>
+          <p:cNvSpPr>
+            <a:spLocks noGrp="1"/>
+          </p:cNvSpPr>
+          <p:nvPr>
+            <p:ph type="sldNum" sz="quarter" idx="10"/>
+          </p:nvPr>
+        </p:nvSpPr>
+        <p:spPr/>
+        <p:txBody>
+          <a:bodyPr/>
+          <a:lstStyle/>
+          <a:p>
+            <a:pPr>
+              <a:defRPr/>
+            </a:pPr>
+            <a:fld id="{DF7D7A9D-6521-4C9C-B98B-0A8DAB95E158}" type="slidenum">
+              <a:rPr lang="en-US" altLang="ja-JP" smtClean="0"/>
+              <a:pPr>
+                <a:defRPr/>
+              </a:pPr>
+              <a:t>11</a:t>
+            </a:fld>
+            <a:endParaRPr lang="en-US" altLang="ja-JP"/>
+          </a:p>
+        </p:txBody>
+      </p:sp>
+      <p:pic>
+        <p:nvPicPr>
+          <p:cNvPr id="6" name="Picture 5"/>
+          <p:cNvPicPr>
+            <a:picLocks noChangeAspect="1"/>
+          </p:cNvPicPr>
+          <p:nvPr/>
+        </p:nvPicPr>
+        <p:blipFill>
+          <a:blip r:embed="rId2"/>
+          <a:stretch>
+            <a:fillRect/>
+          </a:stretch>
+        </p:blipFill>
+        <p:spPr>
+          <a:xfrm>
+            <a:off x="3274216" y="5581650"/>
+            <a:ext cx="2600325" cy="533400"/>
+          </a:xfrm>
+          <a:prstGeom prst="rect">
+            <a:avLst/>
+          </a:prstGeom>
+        </p:spPr>
+      </p:pic>
+      <p:pic>
+        <p:nvPicPr>
+          <p:cNvPr id="7" name="Picture 6"/>
+          <p:cNvPicPr>
+            <a:picLocks noChangeAspect="1"/>
+          </p:cNvPicPr>
+          <p:nvPr/>
+        </p:nvPicPr>
+        <p:blipFill>
+          <a:blip r:embed="rId3"/>
+          <a:stretch>
+            <a:fillRect/>
+          </a:stretch>
+        </p:blipFill>
+        <p:spPr>
+          <a:xfrm>
+            <a:off x="573879" y="3527735"/>
+            <a:ext cx="8001000" cy="1647825"/>
+          </a:xfrm>
+          <a:prstGeom prst="rect">
+            <a:avLst/>
+          </a:prstGeom>
+        </p:spPr>
+      </p:pic>
+      <p:pic>
+        <p:nvPicPr>
+          <p:cNvPr id="8" name="Picture 7"/>
+          <p:cNvPicPr>
+            <a:picLocks noChangeAspect="1"/>
+          </p:cNvPicPr>
+          <p:nvPr/>
+        </p:nvPicPr>
+        <p:blipFill>
+          <a:blip r:embed="rId4"/>
+          <a:stretch>
+            <a:fillRect/>
+          </a:stretch>
+        </p:blipFill>
+        <p:spPr>
+          <a:xfrm>
+            <a:off x="521492" y="1268700"/>
+            <a:ext cx="8105775" cy="1657350"/>
+          </a:xfrm>
+          <a:prstGeom prst="rect">
+            <a:avLst/>
+          </a:prstGeom>
+        </p:spPr>
+      </p:pic>
+    </p:spTree>
+    <p:extLst>
+      <p:ext uri="{BB962C8B-B14F-4D97-AF65-F5344CB8AC3E}">
+        <p14:creationId xmlns:p14="http://schemas.microsoft.com/office/powerpoint/2010/main" val="2966627476"/>
+      </p:ext>
+    </p:extLst>
+  </p:cSld>
+  <p:clrMapOvr>
+    <a:masterClrMapping/>
+  </p:clrMapOvr>
+  <p:timing>
+    <p:tnLst>
+      <p:par>
+        <p:cTn id="1" dur="indefinite" restart="never" nodeType="tmRoot"/>
+      </p:par>
+    </p:tnLst>
+  </p:timing>
+</p:sld>
+</file>
+
+<file path=ppt/slides/slide13.xml><?xml version="1.0" encoding="utf-8"?>
+<p:sld xmlns:a="http://schemas.openxmlformats.org/drawingml/2006/main" xmlns:r="http://schemas.openxmlformats.org/officeDocument/2006/relationships" xmlns:p="http://schemas.openxmlformats.org/presentationml/2006/main">
+  <p:cSld>
+    <p:spTree>
+      <p:nvGrpSpPr>
+        <p:cNvPr id="1" name=""/>
+        <p:cNvGrpSpPr/>
+        <p:nvPr/>
+      </p:nvGrpSpPr>
+      <p:grpSpPr>
+        <a:xfrm>
+          <a:off x="0" y="0"/>
+          <a:ext cx="0" cy="0"/>
+          <a:chOff x="0" y="0"/>
+          <a:chExt cx="0" cy="0"/>
+        </a:xfrm>
+      </p:grpSpPr>
+      <p:sp>
+        <p:nvSpPr>
+          <p:cNvPr id="2" name="Title 1"/>
+          <p:cNvSpPr>
+            <a:spLocks noGrp="1"/>
+          </p:cNvSpPr>
+          <p:nvPr>
+            <p:ph type="title"/>
+          </p:nvPr>
+        </p:nvSpPr>
+        <p:spPr/>
+        <p:txBody>
+          <a:bodyPr/>
+          <a:lstStyle/>
+          <a:p>
+            <a:r>
+              <a:rPr lang="en-US" dirty="0">
+                <a:latin typeface="Times New Roman" panose="02020603050405020304" pitchFamily="18" charset="0"/>
+                <a:cs typeface="Times New Roman" panose="02020603050405020304" pitchFamily="18" charset="0"/>
+              </a:rPr>
+              <a:t>Supervised learning</a:t>
+            </a:r>
             <a:endParaRPr lang="en-US" dirty="0"/>
           </a:p>
         </p:txBody>
@@ -5227,7 +5585,13 @@
           <a:bodyPr/>
           <a:lstStyle/>
           <a:p>
-            <a:endParaRPr lang="en-US"/>
+            <a:pPr marL="0" indent="0">
+              <a:buNone/>
+            </a:pPr>
+            <a:endParaRPr lang="en-US" dirty="0">
+              <a:latin typeface="Times New Roman" panose="02020603050405020304" pitchFamily="18" charset="0"/>
+              <a:cs typeface="Times New Roman" panose="02020603050405020304" pitchFamily="18" charset="0"/>
+            </a:endParaRPr>
           </a:p>
         </p:txBody>
       </p:sp>
@@ -5254,7 +5618,2323 @@
               <a:pPr>
                 <a:defRPr/>
               </a:pPr>
-              <a:t>11</a:t>
+              <a:t>12</a:t>
+            </a:fld>
+            <a:endParaRPr lang="en-US" altLang="ja-JP"/>
+          </a:p>
+        </p:txBody>
+      </p:sp>
+      <p:pic>
+        <p:nvPicPr>
+          <p:cNvPr id="5" name="Picture 4"/>
+          <p:cNvPicPr>
+            <a:picLocks noChangeAspect="1"/>
+          </p:cNvPicPr>
+          <p:nvPr/>
+        </p:nvPicPr>
+        <p:blipFill>
+          <a:blip r:embed="rId2"/>
+          <a:stretch>
+            <a:fillRect/>
+          </a:stretch>
+        </p:blipFill>
+        <p:spPr>
+          <a:xfrm>
+            <a:off x="71438" y="836640"/>
+            <a:ext cx="8985158" cy="5411760"/>
+          </a:xfrm>
+          <a:prstGeom prst="rect">
+            <a:avLst/>
+          </a:prstGeom>
+        </p:spPr>
+      </p:pic>
+    </p:spTree>
+    <p:extLst>
+      <p:ext uri="{BB962C8B-B14F-4D97-AF65-F5344CB8AC3E}">
+        <p14:creationId xmlns:p14="http://schemas.microsoft.com/office/powerpoint/2010/main" val="1072070373"/>
+      </p:ext>
+    </p:extLst>
+  </p:cSld>
+  <p:clrMapOvr>
+    <a:masterClrMapping/>
+  </p:clrMapOvr>
+  <p:timing>
+    <p:tnLst>
+      <p:par>
+        <p:cTn id="1" dur="indefinite" restart="never" nodeType="tmRoot"/>
+      </p:par>
+    </p:tnLst>
+  </p:timing>
+</p:sld>
+</file>
+
+<file path=ppt/slides/slide14.xml><?xml version="1.0" encoding="utf-8"?>
+<p:sld xmlns:a="http://schemas.openxmlformats.org/drawingml/2006/main" xmlns:r="http://schemas.openxmlformats.org/officeDocument/2006/relationships" xmlns:p="http://schemas.openxmlformats.org/presentationml/2006/main">
+  <p:cSld>
+    <p:spTree>
+      <p:nvGrpSpPr>
+        <p:cNvPr id="1" name=""/>
+        <p:cNvGrpSpPr/>
+        <p:nvPr/>
+      </p:nvGrpSpPr>
+      <p:grpSpPr>
+        <a:xfrm>
+          <a:off x="0" y="0"/>
+          <a:ext cx="0" cy="0"/>
+          <a:chOff x="0" y="0"/>
+          <a:chExt cx="0" cy="0"/>
+        </a:xfrm>
+      </p:grpSpPr>
+      <p:sp>
+        <p:nvSpPr>
+          <p:cNvPr id="2" name="Title 1"/>
+          <p:cNvSpPr>
+            <a:spLocks noGrp="1"/>
+          </p:cNvSpPr>
+          <p:nvPr>
+            <p:ph type="title"/>
+          </p:nvPr>
+        </p:nvSpPr>
+        <p:spPr/>
+        <p:txBody>
+          <a:bodyPr/>
+          <a:lstStyle/>
+          <a:p>
+            <a:r>
+              <a:rPr lang="en-US" dirty="0">
+                <a:latin typeface="Times New Roman" panose="02020603050405020304" pitchFamily="18" charset="0"/>
+                <a:cs typeface="Times New Roman" panose="02020603050405020304" pitchFamily="18" charset="0"/>
+              </a:rPr>
+              <a:t>Supervised learning</a:t>
+            </a:r>
+            <a:endParaRPr lang="en-US" dirty="0"/>
+          </a:p>
+        </p:txBody>
+      </p:sp>
+      <mc:AlternateContent xmlns:mc="http://schemas.openxmlformats.org/markup-compatibility/2006">
+        <mc:Choice xmlns:a14="http://schemas.microsoft.com/office/drawing/2010/main" Requires="a14">
+          <p:sp>
+            <p:nvSpPr>
+              <p:cNvPr id="3" name="Content Placeholder 2"/>
+              <p:cNvSpPr>
+                <a:spLocks noGrp="1"/>
+              </p:cNvSpPr>
+              <p:nvPr>
+                <p:ph idx="1"/>
+              </p:nvPr>
+            </p:nvSpPr>
+            <p:spPr/>
+            <p:txBody>
+              <a:bodyPr/>
+              <a:lstStyle/>
+              <a:p>
+                <a:r>
+                  <a:rPr lang="en-US" b="1" dirty="0" smtClean="0">
+                    <a:latin typeface="Times New Roman" panose="02020603050405020304" pitchFamily="18" charset="0"/>
+                    <a:cs typeface="Times New Roman" panose="02020603050405020304" pitchFamily="18" charset="0"/>
+                  </a:rPr>
+                  <a:t>Feed forward</a:t>
+                </a:r>
+              </a:p>
+              <a:p>
+                <a:pPr lvl="1">
+                  <a:buFont typeface="Wingdings" panose="05000000000000000000" pitchFamily="2" charset="2"/>
+                  <a:buChar char="Ø"/>
+                </a:pPr>
+                <a:r>
+                  <a:rPr lang="en-US" dirty="0" smtClean="0">
+                    <a:latin typeface="Times New Roman" panose="02020603050405020304" pitchFamily="18" charset="0"/>
+                    <a:cs typeface="Times New Roman" panose="02020603050405020304" pitchFamily="18" charset="0"/>
+                  </a:rPr>
+                  <a:t>Ở </a:t>
+                </a:r>
+                <a:r>
+                  <a:rPr lang="en-US" dirty="0" err="1" smtClean="0">
+                    <a:latin typeface="Times New Roman" panose="02020603050405020304" pitchFamily="18" charset="0"/>
+                    <a:cs typeface="Times New Roman" panose="02020603050405020304" pitchFamily="18" charset="0"/>
+                  </a:rPr>
+                  <a:t>bước</a:t>
+                </a:r>
+                <a:r>
+                  <a:rPr lang="en-US" dirty="0" smtClean="0">
+                    <a:latin typeface="Times New Roman" panose="02020603050405020304" pitchFamily="18" charset="0"/>
+                    <a:cs typeface="Times New Roman" panose="02020603050405020304" pitchFamily="18" charset="0"/>
+                  </a:rPr>
+                  <a:t> </a:t>
+                </a:r>
+                <a:r>
+                  <a:rPr lang="en-US" dirty="0" err="1" smtClean="0">
+                    <a:latin typeface="Times New Roman" panose="02020603050405020304" pitchFamily="18" charset="0"/>
+                    <a:cs typeface="Times New Roman" panose="02020603050405020304" pitchFamily="18" charset="0"/>
+                  </a:rPr>
+                  <a:t>này</a:t>
+                </a:r>
+                <a:r>
+                  <a:rPr lang="en-US" dirty="0" smtClean="0">
+                    <a:latin typeface="Times New Roman" panose="02020603050405020304" pitchFamily="18" charset="0"/>
+                    <a:cs typeface="Times New Roman" panose="02020603050405020304" pitchFamily="18" charset="0"/>
+                  </a:rPr>
+                  <a:t>, ta </a:t>
+                </a:r>
+                <a:r>
+                  <a:rPr lang="en-US" dirty="0" err="1" smtClean="0">
+                    <a:latin typeface="Times New Roman" panose="02020603050405020304" pitchFamily="18" charset="0"/>
+                    <a:cs typeface="Times New Roman" panose="02020603050405020304" pitchFamily="18" charset="0"/>
+                  </a:rPr>
+                  <a:t>đi</a:t>
+                </a:r>
+                <a:r>
+                  <a:rPr lang="en-US" dirty="0" smtClean="0">
+                    <a:latin typeface="Times New Roman" panose="02020603050405020304" pitchFamily="18" charset="0"/>
+                    <a:cs typeface="Times New Roman" panose="02020603050405020304" pitchFamily="18" charset="0"/>
+                  </a:rPr>
+                  <a:t> </a:t>
+                </a:r>
+                <a:r>
+                  <a:rPr lang="en-US" dirty="0" err="1" smtClean="0">
+                    <a:latin typeface="Times New Roman" panose="02020603050405020304" pitchFamily="18" charset="0"/>
+                    <a:cs typeface="Times New Roman" panose="02020603050405020304" pitchFamily="18" charset="0"/>
+                  </a:rPr>
+                  <a:t>tính</a:t>
+                </a:r>
+                <a:r>
+                  <a:rPr lang="en-US" dirty="0" smtClean="0">
+                    <a:latin typeface="Times New Roman" panose="02020603050405020304" pitchFamily="18" charset="0"/>
+                    <a:cs typeface="Times New Roman" panose="02020603050405020304" pitchFamily="18" charset="0"/>
+                  </a:rPr>
+                  <a:t> output </a:t>
+                </a:r>
+                <a:r>
+                  <a:rPr lang="en-US" dirty="0" err="1" smtClean="0">
+                    <a:latin typeface="Times New Roman" panose="02020603050405020304" pitchFamily="18" charset="0"/>
+                    <a:cs typeface="Times New Roman" panose="02020603050405020304" pitchFamily="18" charset="0"/>
+                  </a:rPr>
+                  <a:t>với</a:t>
+                </a:r>
+                <a:r>
+                  <a:rPr lang="en-US" dirty="0" smtClean="0">
+                    <a:latin typeface="Times New Roman" panose="02020603050405020304" pitchFamily="18" charset="0"/>
+                    <a:cs typeface="Times New Roman" panose="02020603050405020304" pitchFamily="18" charset="0"/>
+                  </a:rPr>
+                  <a:t> W </a:t>
+                </a:r>
+                <a:r>
+                  <a:rPr lang="en-US" dirty="0" err="1" smtClean="0">
+                    <a:latin typeface="Times New Roman" panose="02020603050405020304" pitchFamily="18" charset="0"/>
+                    <a:cs typeface="Times New Roman" panose="02020603050405020304" pitchFamily="18" charset="0"/>
+                  </a:rPr>
+                  <a:t>và</a:t>
+                </a:r>
+                <a:r>
+                  <a:rPr lang="en-US" dirty="0" smtClean="0">
+                    <a:latin typeface="Times New Roman" panose="02020603050405020304" pitchFamily="18" charset="0"/>
+                    <a:cs typeface="Times New Roman" panose="02020603050405020304" pitchFamily="18" charset="0"/>
+                  </a:rPr>
+                  <a:t> b </a:t>
+                </a:r>
+                <a:r>
+                  <a:rPr lang="en-US" dirty="0" err="1" smtClean="0">
+                    <a:latin typeface="Times New Roman" panose="02020603050405020304" pitchFamily="18" charset="0"/>
+                    <a:cs typeface="Times New Roman" panose="02020603050405020304" pitchFamily="18" charset="0"/>
+                  </a:rPr>
+                  <a:t>đã</a:t>
+                </a:r>
+                <a:r>
+                  <a:rPr lang="en-US" dirty="0" smtClean="0">
+                    <a:latin typeface="Times New Roman" panose="02020603050405020304" pitchFamily="18" charset="0"/>
+                    <a:cs typeface="Times New Roman" panose="02020603050405020304" pitchFamily="18" charset="0"/>
+                  </a:rPr>
+                  <a:t> </a:t>
+                </a:r>
+                <a:r>
+                  <a:rPr lang="en-US" dirty="0" err="1" smtClean="0">
+                    <a:latin typeface="Times New Roman" panose="02020603050405020304" pitchFamily="18" charset="0"/>
+                    <a:cs typeface="Times New Roman" panose="02020603050405020304" pitchFamily="18" charset="0"/>
+                  </a:rPr>
+                  <a:t>có</a:t>
+                </a:r>
+                <a:r>
+                  <a:rPr lang="en-US" dirty="0" smtClean="0">
+                    <a:latin typeface="Times New Roman" panose="02020603050405020304" pitchFamily="18" charset="0"/>
+                    <a:cs typeface="Times New Roman" panose="02020603050405020304" pitchFamily="18" charset="0"/>
+                  </a:rPr>
+                  <a:t> </a:t>
+                </a:r>
+                <a:r>
+                  <a:rPr lang="en-US" dirty="0" err="1" smtClean="0">
+                    <a:latin typeface="Times New Roman" panose="02020603050405020304" pitchFamily="18" charset="0"/>
+                    <a:cs typeface="Times New Roman" panose="02020603050405020304" pitchFamily="18" charset="0"/>
+                  </a:rPr>
+                  <a:t>trong</a:t>
+                </a:r>
+                <a:r>
+                  <a:rPr lang="en-US" dirty="0" smtClean="0">
+                    <a:latin typeface="Times New Roman" panose="02020603050405020304" pitchFamily="18" charset="0"/>
+                    <a:cs typeface="Times New Roman" panose="02020603050405020304" pitchFamily="18" charset="0"/>
+                  </a:rPr>
+                  <a:t> </a:t>
+                </a:r>
+                <a:r>
+                  <a:rPr lang="en-US" dirty="0" err="1" smtClean="0">
+                    <a:latin typeface="Times New Roman" panose="02020603050405020304" pitchFamily="18" charset="0"/>
+                    <a:cs typeface="Times New Roman" panose="02020603050405020304" pitchFamily="18" charset="0"/>
+                  </a:rPr>
+                  <a:t>đồ</a:t>
+                </a:r>
+                <a:r>
+                  <a:rPr lang="en-US" dirty="0" smtClean="0">
+                    <a:latin typeface="Times New Roman" panose="02020603050405020304" pitchFamily="18" charset="0"/>
+                    <a:cs typeface="Times New Roman" panose="02020603050405020304" pitchFamily="18" charset="0"/>
+                  </a:rPr>
+                  <a:t> </a:t>
+                </a:r>
+                <a:r>
+                  <a:rPr lang="en-US" dirty="0" err="1" smtClean="0">
+                    <a:latin typeface="Times New Roman" panose="02020603050405020304" pitchFamily="18" charset="0"/>
+                    <a:cs typeface="Times New Roman" panose="02020603050405020304" pitchFamily="18" charset="0"/>
+                  </a:rPr>
+                  <a:t>thị</a:t>
+                </a:r>
+                <a:r>
+                  <a:rPr lang="en-US" dirty="0" smtClean="0">
+                    <a:latin typeface="Times New Roman" panose="02020603050405020304" pitchFamily="18" charset="0"/>
+                    <a:cs typeface="Times New Roman" panose="02020603050405020304" pitchFamily="18" charset="0"/>
+                  </a:rPr>
+                  <a:t>.</a:t>
+                </a:r>
+              </a:p>
+              <a:p>
+                <a:pPr lvl="1">
+                  <a:buFont typeface="Wingdings" panose="05000000000000000000" pitchFamily="2" charset="2"/>
+                  <a:buChar char="Ø"/>
+                </a:pPr>
+                <a:endParaRPr lang="en-US" dirty="0">
+                  <a:latin typeface="Times New Roman" panose="02020603050405020304" pitchFamily="18" charset="0"/>
+                  <a:cs typeface="Times New Roman" panose="02020603050405020304" pitchFamily="18" charset="0"/>
+                </a:endParaRPr>
+              </a:p>
+              <a:p>
+                <a:pPr lvl="1">
+                  <a:buFont typeface="Wingdings" panose="05000000000000000000" pitchFamily="2" charset="2"/>
+                  <a:buChar char="Ø"/>
+                </a:pPr>
+                <a:endParaRPr lang="en-US" dirty="0" smtClean="0">
+                  <a:latin typeface="Times New Roman" panose="02020603050405020304" pitchFamily="18" charset="0"/>
+                  <a:cs typeface="Times New Roman" panose="02020603050405020304" pitchFamily="18" charset="0"/>
+                </a:endParaRPr>
+              </a:p>
+              <a:p>
+                <a:pPr lvl="1">
+                  <a:buFont typeface="Wingdings" panose="05000000000000000000" pitchFamily="2" charset="2"/>
+                  <a:buChar char="Ø"/>
+                </a:pPr>
+                <a:endParaRPr lang="en-US" dirty="0">
+                  <a:latin typeface="Times New Roman" panose="02020603050405020304" pitchFamily="18" charset="0"/>
+                  <a:cs typeface="Times New Roman" panose="02020603050405020304" pitchFamily="18" charset="0"/>
+                </a:endParaRPr>
+              </a:p>
+              <a:p>
+                <a:pPr lvl="1">
+                  <a:buFont typeface="Wingdings" panose="05000000000000000000" pitchFamily="2" charset="2"/>
+                  <a:buChar char="Ø"/>
+                </a:pPr>
+                <a:endParaRPr lang="en-US" dirty="0">
+                  <a:latin typeface="Times New Roman" panose="02020603050405020304" pitchFamily="18" charset="0"/>
+                  <a:cs typeface="Times New Roman" panose="02020603050405020304" pitchFamily="18" charset="0"/>
+                </a:endParaRPr>
+              </a:p>
+              <a:p>
+                <a:pPr lvl="1">
+                  <a:buFont typeface="Wingdings" panose="05000000000000000000" pitchFamily="2" charset="2"/>
+                  <a:buChar char="Ø"/>
+                </a:pPr>
+                <a:endParaRPr lang="en-US" dirty="0">
+                  <a:latin typeface="Times New Roman" panose="02020603050405020304" pitchFamily="18" charset="0"/>
+                  <a:cs typeface="Times New Roman" panose="02020603050405020304" pitchFamily="18" charset="0"/>
+                </a:endParaRPr>
+              </a:p>
+              <a:p>
+                <a:pPr lvl="1">
+                  <a:buFont typeface="Wingdings" panose="05000000000000000000" pitchFamily="2" charset="2"/>
+                  <a:buChar char="Ø"/>
+                </a:pPr>
+                <a:r>
+                  <a:rPr lang="en-US" dirty="0" err="1" smtClean="0">
+                    <a:latin typeface="Times New Roman" panose="02020603050405020304" pitchFamily="18" charset="0"/>
+                    <a:cs typeface="Times New Roman" panose="02020603050405020304" pitchFamily="18" charset="0"/>
+                  </a:rPr>
+                  <a:t>Từ</a:t>
+                </a:r>
+                <a:r>
+                  <a:rPr lang="en-US" dirty="0" smtClean="0">
+                    <a:latin typeface="Times New Roman" panose="02020603050405020304" pitchFamily="18" charset="0"/>
+                    <a:cs typeface="Times New Roman" panose="02020603050405020304" pitchFamily="18" charset="0"/>
+                  </a:rPr>
+                  <a:t> </a:t>
+                </a:r>
+                <a:r>
+                  <a:rPr lang="en-US" dirty="0" err="1" smtClean="0">
+                    <a:latin typeface="Times New Roman" panose="02020603050405020304" pitchFamily="18" charset="0"/>
+                    <a:cs typeface="Times New Roman" panose="02020603050405020304" pitchFamily="18" charset="0"/>
+                  </a:rPr>
+                  <a:t>đó</a:t>
+                </a:r>
+                <a:r>
+                  <a:rPr lang="en-US" dirty="0" smtClean="0">
+                    <a:latin typeface="Times New Roman" panose="02020603050405020304" pitchFamily="18" charset="0"/>
+                    <a:cs typeface="Times New Roman" panose="02020603050405020304" pitchFamily="18" charset="0"/>
+                  </a:rPr>
+                  <a:t> ta </a:t>
+                </a:r>
+                <a:r>
+                  <a:rPr lang="en-US" dirty="0" err="1" smtClean="0">
+                    <a:latin typeface="Times New Roman" panose="02020603050405020304" pitchFamily="18" charset="0"/>
+                    <a:cs typeface="Times New Roman" panose="02020603050405020304" pitchFamily="18" charset="0"/>
+                  </a:rPr>
+                  <a:t>tính</a:t>
+                </a:r>
+                <a:r>
+                  <a:rPr lang="en-US" dirty="0" smtClean="0">
+                    <a:latin typeface="Times New Roman" panose="02020603050405020304" pitchFamily="18" charset="0"/>
+                    <a:cs typeface="Times New Roman" panose="02020603050405020304" pitchFamily="18" charset="0"/>
+                  </a:rPr>
+                  <a:t> </a:t>
+                </a:r>
+                <a:r>
+                  <a:rPr lang="en-US" dirty="0" err="1" smtClean="0">
+                    <a:latin typeface="Times New Roman" panose="02020603050405020304" pitchFamily="18" charset="0"/>
+                    <a:cs typeface="Times New Roman" panose="02020603050405020304" pitchFamily="18" charset="0"/>
+                  </a:rPr>
+                  <a:t>được</a:t>
+                </a:r>
+                <a:r>
+                  <a:rPr lang="en-US" dirty="0" smtClean="0">
+                    <a:latin typeface="Times New Roman" panose="02020603050405020304" pitchFamily="18" charset="0"/>
+                    <a:cs typeface="Times New Roman" panose="02020603050405020304" pitchFamily="18" charset="0"/>
+                  </a:rPr>
+                  <a:t> </a:t>
+                </a:r>
+                <a14:m>
+                  <m:oMath xmlns:m="http://schemas.openxmlformats.org/officeDocument/2006/math">
+                    <m:sSub>
+                      <m:sSubPr>
+                        <m:ctrlPr>
+                          <a:rPr lang="en-US" b="0" i="1" smtClean="0">
+                            <a:latin typeface="Cambria Math" panose="02040503050406030204" pitchFamily="18" charset="0"/>
+                            <a:cs typeface="Times New Roman" panose="02020603050405020304" pitchFamily="18" charset="0"/>
+                          </a:rPr>
+                        </m:ctrlPr>
+                      </m:sSubPr>
+                      <m:e>
+                        <m:r>
+                          <a:rPr lang="en-US" b="0" i="1" smtClean="0">
+                            <a:latin typeface="Cambria Math" panose="02040503050406030204" pitchFamily="18" charset="0"/>
+                            <a:cs typeface="Times New Roman" panose="02020603050405020304" pitchFamily="18" charset="0"/>
+                          </a:rPr>
+                          <m:t>𝐸</m:t>
+                        </m:r>
+                      </m:e>
+                      <m:sub>
+                        <m:r>
+                          <a:rPr lang="en-US" b="0" i="1" smtClean="0">
+                            <a:latin typeface="Cambria Math" panose="02040503050406030204" pitchFamily="18" charset="0"/>
+                            <a:cs typeface="Times New Roman" panose="02020603050405020304" pitchFamily="18" charset="0"/>
+                          </a:rPr>
+                          <m:t>𝑡𝑜𝑡𝑎𝑙</m:t>
+                        </m:r>
+                      </m:sub>
+                    </m:sSub>
+                  </m:oMath>
+                </a14:m>
+                <a:r>
+                  <a:rPr lang="en-US" dirty="0" smtClean="0">
+                    <a:latin typeface="Times New Roman" panose="02020603050405020304" pitchFamily="18" charset="0"/>
+                    <a:cs typeface="Times New Roman" panose="02020603050405020304" pitchFamily="18" charset="0"/>
+                  </a:rPr>
+                  <a:t>(Loss): </a:t>
+                </a:r>
+              </a:p>
+            </p:txBody>
+          </p:sp>
+        </mc:Choice>
+        <mc:Fallback>
+          <p:sp>
+            <p:nvSpPr>
+              <p:cNvPr id="3" name="Content Placeholder 2"/>
+              <p:cNvSpPr>
+                <a:spLocks noGrp="1" noRot="1" noChangeAspect="1" noMove="1" noResize="1" noEditPoints="1" noAdjustHandles="1" noChangeArrowheads="1" noChangeShapeType="1" noTextEdit="1"/>
+              </p:cNvSpPr>
+              <p:nvPr>
+                <p:ph idx="1"/>
+              </p:nvPr>
+            </p:nvSpPr>
+            <p:spPr>
+              <a:blipFill>
+                <a:blip r:embed="rId2"/>
+                <a:stretch>
+                  <a:fillRect l="-474" t="-1239"/>
+                </a:stretch>
+              </a:blipFill>
+            </p:spPr>
+            <p:txBody>
+              <a:bodyPr/>
+              <a:lstStyle/>
+              <a:p>
+                <a:r>
+                  <a:rPr lang="en-US">
+                    <a:noFill/>
+                  </a:rPr>
+                  <a:t> </a:t>
+                </a:r>
+              </a:p>
+            </p:txBody>
+          </p:sp>
+        </mc:Fallback>
+      </mc:AlternateContent>
+      <p:sp>
+        <p:nvSpPr>
+          <p:cNvPr id="4" name="Slide Number Placeholder 3"/>
+          <p:cNvSpPr>
+            <a:spLocks noGrp="1"/>
+          </p:cNvSpPr>
+          <p:nvPr>
+            <p:ph type="sldNum" sz="quarter" idx="10"/>
+          </p:nvPr>
+        </p:nvSpPr>
+        <p:spPr/>
+        <p:txBody>
+          <a:bodyPr/>
+          <a:lstStyle/>
+          <a:p>
+            <a:pPr>
+              <a:defRPr/>
+            </a:pPr>
+            <a:fld id="{DF7D7A9D-6521-4C9C-B98B-0A8DAB95E158}" type="slidenum">
+              <a:rPr lang="en-US" altLang="ja-JP" smtClean="0"/>
+              <a:pPr>
+                <a:defRPr/>
+              </a:pPr>
+              <a:t>13</a:t>
+            </a:fld>
+            <a:endParaRPr lang="en-US" altLang="ja-JP"/>
+          </a:p>
+        </p:txBody>
+      </p:sp>
+      <p:pic>
+        <p:nvPicPr>
+          <p:cNvPr id="6" name="Picture 5"/>
+          <p:cNvPicPr>
+            <a:picLocks noChangeAspect="1"/>
+          </p:cNvPicPr>
+          <p:nvPr/>
+        </p:nvPicPr>
+        <p:blipFill>
+          <a:blip r:embed="rId3"/>
+          <a:stretch>
+            <a:fillRect/>
+          </a:stretch>
+        </p:blipFill>
+        <p:spPr>
+          <a:xfrm>
+            <a:off x="2621756" y="1700760"/>
+            <a:ext cx="3905250" cy="1685925"/>
+          </a:xfrm>
+          <a:prstGeom prst="rect">
+            <a:avLst/>
+          </a:prstGeom>
+        </p:spPr>
+      </p:pic>
+      <p:pic>
+        <p:nvPicPr>
+          <p:cNvPr id="7" name="Picture 6"/>
+          <p:cNvPicPr>
+            <a:picLocks noChangeAspect="1"/>
+          </p:cNvPicPr>
+          <p:nvPr/>
+        </p:nvPicPr>
+        <p:blipFill>
+          <a:blip r:embed="rId4"/>
+          <a:stretch>
+            <a:fillRect/>
+          </a:stretch>
+        </p:blipFill>
+        <p:spPr>
+          <a:xfrm>
+            <a:off x="2912945" y="3933070"/>
+            <a:ext cx="4181475" cy="1266825"/>
+          </a:xfrm>
+          <a:prstGeom prst="rect">
+            <a:avLst/>
+          </a:prstGeom>
+        </p:spPr>
+      </p:pic>
+    </p:spTree>
+    <p:extLst>
+      <p:ext uri="{BB962C8B-B14F-4D97-AF65-F5344CB8AC3E}">
+        <p14:creationId xmlns:p14="http://schemas.microsoft.com/office/powerpoint/2010/main" val="417764987"/>
+      </p:ext>
+    </p:extLst>
+  </p:cSld>
+  <p:clrMapOvr>
+    <a:masterClrMapping/>
+  </p:clrMapOvr>
+  <p:timing>
+    <p:tnLst>
+      <p:par>
+        <p:cTn id="1" dur="indefinite" restart="never" nodeType="tmRoot"/>
+      </p:par>
+    </p:tnLst>
+  </p:timing>
+</p:sld>
+</file>
+
+<file path=ppt/slides/slide15.xml><?xml version="1.0" encoding="utf-8"?>
+<p:sld xmlns:a="http://schemas.openxmlformats.org/drawingml/2006/main" xmlns:r="http://schemas.openxmlformats.org/officeDocument/2006/relationships" xmlns:p="http://schemas.openxmlformats.org/presentationml/2006/main">
+  <p:cSld>
+    <p:spTree>
+      <p:nvGrpSpPr>
+        <p:cNvPr id="1" name=""/>
+        <p:cNvGrpSpPr/>
+        <p:nvPr/>
+      </p:nvGrpSpPr>
+      <p:grpSpPr>
+        <a:xfrm>
+          <a:off x="0" y="0"/>
+          <a:ext cx="0" cy="0"/>
+          <a:chOff x="0" y="0"/>
+          <a:chExt cx="0" cy="0"/>
+        </a:xfrm>
+      </p:grpSpPr>
+      <p:sp>
+        <p:nvSpPr>
+          <p:cNvPr id="2" name="Title 1"/>
+          <p:cNvSpPr>
+            <a:spLocks noGrp="1"/>
+          </p:cNvSpPr>
+          <p:nvPr>
+            <p:ph type="title"/>
+          </p:nvPr>
+        </p:nvSpPr>
+        <p:spPr/>
+        <p:txBody>
+          <a:bodyPr/>
+          <a:lstStyle/>
+          <a:p>
+            <a:r>
+              <a:rPr lang="en-US" dirty="0">
+                <a:latin typeface="Times New Roman" panose="02020603050405020304" pitchFamily="18" charset="0"/>
+                <a:cs typeface="Times New Roman" panose="02020603050405020304" pitchFamily="18" charset="0"/>
+              </a:rPr>
+              <a:t>Supervised learning</a:t>
+            </a:r>
+            <a:endParaRPr lang="en-US" dirty="0"/>
+          </a:p>
+        </p:txBody>
+      </p:sp>
+      <p:sp>
+        <p:nvSpPr>
+          <p:cNvPr id="3" name="Content Placeholder 2"/>
+          <p:cNvSpPr>
+            <a:spLocks noGrp="1"/>
+          </p:cNvSpPr>
+          <p:nvPr>
+            <p:ph idx="1"/>
+          </p:nvPr>
+        </p:nvSpPr>
+        <p:spPr/>
+        <p:txBody>
+          <a:bodyPr/>
+          <a:lstStyle/>
+          <a:p>
+            <a:r>
+              <a:rPr lang="en-US" b="1" dirty="0" smtClean="0">
+                <a:latin typeface="Times New Roman" panose="02020603050405020304" pitchFamily="18" charset="0"/>
+                <a:cs typeface="Times New Roman" panose="02020603050405020304" pitchFamily="18" charset="0"/>
+              </a:rPr>
+              <a:t>Back </a:t>
+            </a:r>
+            <a:r>
+              <a:rPr lang="en-US" b="1" dirty="0" smtClean="0">
+                <a:latin typeface="Times New Roman" panose="02020603050405020304" pitchFamily="18" charset="0"/>
+                <a:cs typeface="Times New Roman" panose="02020603050405020304" pitchFamily="18" charset="0"/>
+              </a:rPr>
+              <a:t>propagation</a:t>
+            </a:r>
+          </a:p>
+          <a:p>
+            <a:pPr lvl="1">
+              <a:buFont typeface="Wingdings" panose="05000000000000000000" pitchFamily="2" charset="2"/>
+              <a:buChar char="Ø"/>
+            </a:pPr>
+            <a:r>
+              <a:rPr lang="en-US" dirty="0" smtClean="0">
+                <a:latin typeface="Times New Roman" panose="02020603050405020304" pitchFamily="18" charset="0"/>
+                <a:cs typeface="Times New Roman" panose="02020603050405020304" pitchFamily="18" charset="0"/>
+              </a:rPr>
+              <a:t>Ta </a:t>
+            </a:r>
+            <a:r>
+              <a:rPr lang="en-US" dirty="0" err="1" smtClean="0">
+                <a:latin typeface="Times New Roman" panose="02020603050405020304" pitchFamily="18" charset="0"/>
+                <a:cs typeface="Times New Roman" panose="02020603050405020304" pitchFamily="18" charset="0"/>
+              </a:rPr>
+              <a:t>dùng</a:t>
+            </a:r>
+            <a:r>
+              <a:rPr lang="en-US" dirty="0" smtClean="0">
+                <a:latin typeface="Times New Roman" panose="02020603050405020304" pitchFamily="18" charset="0"/>
+                <a:cs typeface="Times New Roman" panose="02020603050405020304" pitchFamily="18" charset="0"/>
+              </a:rPr>
+              <a:t> </a:t>
+            </a:r>
+            <a:r>
+              <a:rPr lang="en-US" dirty="0" err="1" smtClean="0">
+                <a:latin typeface="Times New Roman" panose="02020603050405020304" pitchFamily="18" charset="0"/>
+                <a:cs typeface="Times New Roman" panose="02020603050405020304" pitchFamily="18" charset="0"/>
+              </a:rPr>
+              <a:t>các</a:t>
+            </a:r>
+            <a:r>
+              <a:rPr lang="en-US" dirty="0" smtClean="0">
+                <a:latin typeface="Times New Roman" panose="02020603050405020304" pitchFamily="18" charset="0"/>
+                <a:cs typeface="Times New Roman" panose="02020603050405020304" pitchFamily="18" charset="0"/>
+              </a:rPr>
+              <a:t> </a:t>
+            </a:r>
+            <a:r>
+              <a:rPr lang="en-US" dirty="0" err="1" smtClean="0">
+                <a:latin typeface="Times New Roman" panose="02020603050405020304" pitchFamily="18" charset="0"/>
+                <a:cs typeface="Times New Roman" panose="02020603050405020304" pitchFamily="18" charset="0"/>
+              </a:rPr>
+              <a:t>giá</a:t>
+            </a:r>
+            <a:r>
+              <a:rPr lang="en-US" dirty="0" smtClean="0">
+                <a:latin typeface="Times New Roman" panose="02020603050405020304" pitchFamily="18" charset="0"/>
+                <a:cs typeface="Times New Roman" panose="02020603050405020304" pitchFamily="18" charset="0"/>
+              </a:rPr>
+              <a:t> E </a:t>
+            </a:r>
+            <a:r>
+              <a:rPr lang="en-US" dirty="0" err="1" smtClean="0">
+                <a:latin typeface="Times New Roman" panose="02020603050405020304" pitchFamily="18" charset="0"/>
+                <a:cs typeface="Times New Roman" panose="02020603050405020304" pitchFamily="18" charset="0"/>
+              </a:rPr>
+              <a:t>đã</a:t>
+            </a:r>
+            <a:r>
+              <a:rPr lang="en-US" dirty="0" smtClean="0">
+                <a:latin typeface="Times New Roman" panose="02020603050405020304" pitchFamily="18" charset="0"/>
+                <a:cs typeface="Times New Roman" panose="02020603050405020304" pitchFamily="18" charset="0"/>
+              </a:rPr>
+              <a:t> </a:t>
+            </a:r>
+            <a:r>
+              <a:rPr lang="en-US" dirty="0" err="1" smtClean="0">
+                <a:latin typeface="Times New Roman" panose="02020603050405020304" pitchFamily="18" charset="0"/>
+                <a:cs typeface="Times New Roman" panose="02020603050405020304" pitchFamily="18" charset="0"/>
+              </a:rPr>
+              <a:t>tính</a:t>
+            </a:r>
+            <a:r>
+              <a:rPr lang="en-US" dirty="0" smtClean="0">
+                <a:latin typeface="Times New Roman" panose="02020603050405020304" pitchFamily="18" charset="0"/>
+                <a:cs typeface="Times New Roman" panose="02020603050405020304" pitchFamily="18" charset="0"/>
+              </a:rPr>
+              <a:t> </a:t>
+            </a:r>
+            <a:r>
+              <a:rPr lang="en-US" dirty="0" err="1" smtClean="0">
+                <a:latin typeface="Times New Roman" panose="02020603050405020304" pitchFamily="18" charset="0"/>
+                <a:cs typeface="Times New Roman" panose="02020603050405020304" pitchFamily="18" charset="0"/>
+              </a:rPr>
+              <a:t>được</a:t>
+            </a:r>
+            <a:r>
+              <a:rPr lang="en-US" dirty="0" smtClean="0">
+                <a:latin typeface="Times New Roman" panose="02020603050405020304" pitchFamily="18" charset="0"/>
+                <a:cs typeface="Times New Roman" panose="02020603050405020304" pitchFamily="18" charset="0"/>
+              </a:rPr>
+              <a:t> </a:t>
+            </a:r>
+            <a:r>
+              <a:rPr lang="en-US" dirty="0" err="1" smtClean="0">
+                <a:latin typeface="Times New Roman" panose="02020603050405020304" pitchFamily="18" charset="0"/>
+                <a:cs typeface="Times New Roman" panose="02020603050405020304" pitchFamily="18" charset="0"/>
+              </a:rPr>
+              <a:t>để</a:t>
+            </a:r>
+            <a:r>
+              <a:rPr lang="en-US" dirty="0" smtClean="0">
+                <a:latin typeface="Times New Roman" panose="02020603050405020304" pitchFamily="18" charset="0"/>
+                <a:cs typeface="Times New Roman" panose="02020603050405020304" pitchFamily="18" charset="0"/>
+              </a:rPr>
+              <a:t> </a:t>
+            </a:r>
+            <a:r>
+              <a:rPr lang="en-US" dirty="0" err="1" smtClean="0">
+                <a:latin typeface="Times New Roman" panose="02020603050405020304" pitchFamily="18" charset="0"/>
+                <a:cs typeface="Times New Roman" panose="02020603050405020304" pitchFamily="18" charset="0"/>
+              </a:rPr>
+              <a:t>tính</a:t>
+            </a:r>
+            <a:r>
+              <a:rPr lang="en-US" dirty="0" smtClean="0">
+                <a:latin typeface="Times New Roman" panose="02020603050405020304" pitchFamily="18" charset="0"/>
+                <a:cs typeface="Times New Roman" panose="02020603050405020304" pitchFamily="18" charset="0"/>
+              </a:rPr>
+              <a:t> </a:t>
+            </a:r>
+            <a:r>
+              <a:rPr lang="en-US" dirty="0" err="1" smtClean="0">
+                <a:latin typeface="Times New Roman" panose="02020603050405020304" pitchFamily="18" charset="0"/>
+                <a:cs typeface="Times New Roman" panose="02020603050405020304" pitchFamily="18" charset="0"/>
+              </a:rPr>
+              <a:t>lại</a:t>
+            </a:r>
+            <a:r>
+              <a:rPr lang="en-US" dirty="0" smtClean="0">
+                <a:latin typeface="Times New Roman" panose="02020603050405020304" pitchFamily="18" charset="0"/>
+                <a:cs typeface="Times New Roman" panose="02020603050405020304" pitchFamily="18" charset="0"/>
+              </a:rPr>
+              <a:t> </a:t>
+            </a:r>
+            <a:r>
+              <a:rPr lang="en-US" dirty="0" err="1" smtClean="0">
+                <a:latin typeface="Times New Roman" panose="02020603050405020304" pitchFamily="18" charset="0"/>
+                <a:cs typeface="Times New Roman" panose="02020603050405020304" pitchFamily="18" charset="0"/>
+              </a:rPr>
+              <a:t>giá</a:t>
+            </a:r>
+            <a:r>
+              <a:rPr lang="en-US" dirty="0" smtClean="0">
+                <a:latin typeface="Times New Roman" panose="02020603050405020304" pitchFamily="18" charset="0"/>
+                <a:cs typeface="Times New Roman" panose="02020603050405020304" pitchFamily="18" charset="0"/>
+              </a:rPr>
+              <a:t> </a:t>
+            </a:r>
+            <a:r>
+              <a:rPr lang="en-US" dirty="0" err="1" smtClean="0">
+                <a:latin typeface="Times New Roman" panose="02020603050405020304" pitchFamily="18" charset="0"/>
+                <a:cs typeface="Times New Roman" panose="02020603050405020304" pitchFamily="18" charset="0"/>
+              </a:rPr>
+              <a:t>trị</a:t>
+            </a:r>
+            <a:r>
+              <a:rPr lang="en-US" dirty="0" smtClean="0">
+                <a:latin typeface="Times New Roman" panose="02020603050405020304" pitchFamily="18" charset="0"/>
+                <a:cs typeface="Times New Roman" panose="02020603050405020304" pitchFamily="18" charset="0"/>
+              </a:rPr>
+              <a:t> W. </a:t>
+            </a:r>
+            <a:r>
+              <a:rPr lang="en-US" dirty="0" err="1" smtClean="0">
+                <a:latin typeface="Times New Roman" panose="02020603050405020304" pitchFamily="18" charset="0"/>
+                <a:cs typeface="Times New Roman" panose="02020603050405020304" pitchFamily="18" charset="0"/>
+              </a:rPr>
+              <a:t>Sử</a:t>
+            </a:r>
+            <a:r>
+              <a:rPr lang="en-US" dirty="0" smtClean="0">
+                <a:latin typeface="Times New Roman" panose="02020603050405020304" pitchFamily="18" charset="0"/>
+                <a:cs typeface="Times New Roman" panose="02020603050405020304" pitchFamily="18" charset="0"/>
+              </a:rPr>
+              <a:t> </a:t>
+            </a:r>
+            <a:r>
+              <a:rPr lang="en-US" dirty="0" err="1" smtClean="0">
+                <a:latin typeface="Times New Roman" panose="02020603050405020304" pitchFamily="18" charset="0"/>
+                <a:cs typeface="Times New Roman" panose="02020603050405020304" pitchFamily="18" charset="0"/>
+              </a:rPr>
+              <a:t>dụng</a:t>
+            </a:r>
+            <a:r>
+              <a:rPr lang="en-US" dirty="0" smtClean="0">
+                <a:latin typeface="Times New Roman" panose="02020603050405020304" pitchFamily="18" charset="0"/>
+                <a:cs typeface="Times New Roman" panose="02020603050405020304" pitchFamily="18" charset="0"/>
+              </a:rPr>
+              <a:t> </a:t>
+            </a:r>
+            <a:r>
+              <a:rPr lang="en-US" dirty="0" err="1" smtClean="0">
+                <a:latin typeface="Times New Roman" panose="02020603050405020304" pitchFamily="18" charset="0"/>
+                <a:cs typeface="Times New Roman" panose="02020603050405020304" pitchFamily="18" charset="0"/>
+              </a:rPr>
+              <a:t>thuật</a:t>
+            </a:r>
+            <a:r>
+              <a:rPr lang="en-US" dirty="0" smtClean="0">
+                <a:latin typeface="Times New Roman" panose="02020603050405020304" pitchFamily="18" charset="0"/>
+                <a:cs typeface="Times New Roman" panose="02020603050405020304" pitchFamily="18" charset="0"/>
+              </a:rPr>
+              <a:t> </a:t>
+            </a:r>
+            <a:r>
+              <a:rPr lang="en-US" dirty="0" err="1" smtClean="0">
+                <a:latin typeface="Times New Roman" panose="02020603050405020304" pitchFamily="18" charset="0"/>
+                <a:cs typeface="Times New Roman" panose="02020603050405020304" pitchFamily="18" charset="0"/>
+              </a:rPr>
+              <a:t>toán</a:t>
+            </a:r>
+            <a:r>
+              <a:rPr lang="en-US" dirty="0" smtClean="0">
+                <a:latin typeface="Times New Roman" panose="02020603050405020304" pitchFamily="18" charset="0"/>
+                <a:cs typeface="Times New Roman" panose="02020603050405020304" pitchFamily="18" charset="0"/>
+              </a:rPr>
+              <a:t> Gradient </a:t>
+            </a:r>
+            <a:r>
+              <a:rPr lang="en-US" dirty="0" err="1" smtClean="0">
+                <a:latin typeface="Times New Roman" panose="02020603050405020304" pitchFamily="18" charset="0"/>
+                <a:cs typeface="Times New Roman" panose="02020603050405020304" pitchFamily="18" charset="0"/>
+              </a:rPr>
+              <a:t>Desent</a:t>
+            </a:r>
+            <a:endParaRPr lang="en-US" dirty="0">
+              <a:latin typeface="Times New Roman" panose="02020603050405020304" pitchFamily="18" charset="0"/>
+              <a:cs typeface="Times New Roman" panose="02020603050405020304" pitchFamily="18" charset="0"/>
+            </a:endParaRPr>
+          </a:p>
+          <a:p>
+            <a:endParaRPr lang="en-US" dirty="0">
+              <a:latin typeface="Times New Roman" panose="02020603050405020304" pitchFamily="18" charset="0"/>
+              <a:cs typeface="Times New Roman" panose="02020603050405020304" pitchFamily="18" charset="0"/>
+            </a:endParaRPr>
+          </a:p>
+        </p:txBody>
+      </p:sp>
+      <p:sp>
+        <p:nvSpPr>
+          <p:cNvPr id="4" name="Slide Number Placeholder 3"/>
+          <p:cNvSpPr>
+            <a:spLocks noGrp="1"/>
+          </p:cNvSpPr>
+          <p:nvPr>
+            <p:ph type="sldNum" sz="quarter" idx="10"/>
+          </p:nvPr>
+        </p:nvSpPr>
+        <p:spPr/>
+        <p:txBody>
+          <a:bodyPr/>
+          <a:lstStyle/>
+          <a:p>
+            <a:pPr>
+              <a:defRPr/>
+            </a:pPr>
+            <a:fld id="{DF7D7A9D-6521-4C9C-B98B-0A8DAB95E158}" type="slidenum">
+              <a:rPr lang="en-US" altLang="ja-JP" smtClean="0"/>
+              <a:pPr>
+                <a:defRPr/>
+              </a:pPr>
+              <a:t>14</a:t>
+            </a:fld>
+            <a:endParaRPr lang="en-US" altLang="ja-JP"/>
+          </a:p>
+        </p:txBody>
+      </p:sp>
+      <p:pic>
+        <p:nvPicPr>
+          <p:cNvPr id="6" name="Picture 2">
+            <a:extLst>
+              <a:ext uri="{FF2B5EF4-FFF2-40B4-BE49-F238E27FC236}">
+                <a16:creationId xmlns:a16="http://schemas.microsoft.com/office/drawing/2014/main" id="{10B0E773-656A-4B47-8031-9A967F9014BD}"/>
+              </a:ext>
+            </a:extLst>
+          </p:cNvPr>
+          <p:cNvPicPr>
+            <a:picLocks noChangeAspect="1" noChangeArrowheads="1"/>
+          </p:cNvPicPr>
+          <p:nvPr/>
+        </p:nvPicPr>
+        <p:blipFill>
+          <a:blip r:embed="rId2">
+            <a:extLst>
+              <a:ext uri="{28A0092B-C50C-407E-A947-70E740481C1C}">
+                <a14:useLocalDpi xmlns:a14="http://schemas.microsoft.com/office/drawing/2010/main" val="0"/>
+              </a:ext>
+            </a:extLst>
+          </a:blip>
+          <a:srcRect/>
+          <a:stretch>
+            <a:fillRect/>
+          </a:stretch>
+        </p:blipFill>
+        <p:spPr bwMode="auto">
+          <a:xfrm>
+            <a:off x="1907630" y="1676400"/>
+            <a:ext cx="5829300" cy="4705350"/>
+          </a:xfrm>
+          <a:prstGeom prst="rect">
+            <a:avLst/>
+          </a:prstGeom>
+          <a:noFill/>
+          <a:extLst>
+            <a:ext uri="{909E8E84-426E-40DD-AFC4-6F175D3DCCD1}">
+              <a14:hiddenFill xmlns:a14="http://schemas.microsoft.com/office/drawing/2010/main">
+                <a:solidFill>
+                  <a:srgbClr val="FFFFFF"/>
+                </a:solidFill>
+              </a14:hiddenFill>
+            </a:ext>
+          </a:extLst>
+        </p:spPr>
+      </p:pic>
+    </p:spTree>
+    <p:extLst>
+      <p:ext uri="{BB962C8B-B14F-4D97-AF65-F5344CB8AC3E}">
+        <p14:creationId xmlns:p14="http://schemas.microsoft.com/office/powerpoint/2010/main" val="1590221657"/>
+      </p:ext>
+    </p:extLst>
+  </p:cSld>
+  <p:clrMapOvr>
+    <a:masterClrMapping/>
+  </p:clrMapOvr>
+  <p:timing>
+    <p:tnLst>
+      <p:par>
+        <p:cTn id="1" dur="indefinite" restart="never" nodeType="tmRoot"/>
+      </p:par>
+    </p:tnLst>
+  </p:timing>
+</p:sld>
+</file>
+
+<file path=ppt/slides/slide16.xml><?xml version="1.0" encoding="utf-8"?>
+<p:sld xmlns:a="http://schemas.openxmlformats.org/drawingml/2006/main" xmlns:r="http://schemas.openxmlformats.org/officeDocument/2006/relationships" xmlns:p="http://schemas.openxmlformats.org/presentationml/2006/main">
+  <p:cSld>
+    <p:spTree>
+      <p:nvGrpSpPr>
+        <p:cNvPr id="1" name=""/>
+        <p:cNvGrpSpPr/>
+        <p:nvPr/>
+      </p:nvGrpSpPr>
+      <p:grpSpPr>
+        <a:xfrm>
+          <a:off x="0" y="0"/>
+          <a:ext cx="0" cy="0"/>
+          <a:chOff x="0" y="0"/>
+          <a:chExt cx="0" cy="0"/>
+        </a:xfrm>
+      </p:grpSpPr>
+      <p:sp>
+        <p:nvSpPr>
+          <p:cNvPr id="2" name="Title 1"/>
+          <p:cNvSpPr>
+            <a:spLocks noGrp="1"/>
+          </p:cNvSpPr>
+          <p:nvPr>
+            <p:ph type="title"/>
+          </p:nvPr>
+        </p:nvSpPr>
+        <p:spPr/>
+        <p:txBody>
+          <a:bodyPr/>
+          <a:lstStyle/>
+          <a:p>
+            <a:r>
+              <a:rPr lang="en-US" dirty="0" err="1" smtClean="0">
+                <a:latin typeface="Times New Roman" panose="02020603050405020304" pitchFamily="18" charset="0"/>
+                <a:cs typeface="Times New Roman" panose="02020603050405020304" pitchFamily="18" charset="0"/>
+              </a:rPr>
+              <a:t>Chatbot</a:t>
+            </a:r>
+            <a:endParaRPr lang="en-US" dirty="0"/>
+          </a:p>
+        </p:txBody>
+      </p:sp>
+      <p:sp>
+        <p:nvSpPr>
+          <p:cNvPr id="3" name="Content Placeholder 2"/>
+          <p:cNvSpPr>
+            <a:spLocks noGrp="1"/>
+          </p:cNvSpPr>
+          <p:nvPr>
+            <p:ph idx="1"/>
+          </p:nvPr>
+        </p:nvSpPr>
+        <p:spPr/>
+        <p:txBody>
+          <a:bodyPr/>
+          <a:lstStyle/>
+          <a:p>
+            <a:pPr>
+              <a:lnSpc>
+                <a:spcPct val="150000"/>
+              </a:lnSpc>
+            </a:pPr>
+            <a:r>
+              <a:rPr lang="en-US" dirty="0" err="1" smtClean="0">
+                <a:latin typeface="Times New Roman" panose="02020603050405020304" pitchFamily="18" charset="0"/>
+                <a:cs typeface="Times New Roman" panose="02020603050405020304" pitchFamily="18" charset="0"/>
+              </a:rPr>
+              <a:t>Bài</a:t>
+            </a:r>
+            <a:r>
+              <a:rPr lang="en-US" dirty="0" smtClean="0">
+                <a:latin typeface="Times New Roman" panose="02020603050405020304" pitchFamily="18" charset="0"/>
+                <a:cs typeface="Times New Roman" panose="02020603050405020304" pitchFamily="18" charset="0"/>
+              </a:rPr>
+              <a:t> </a:t>
+            </a:r>
+            <a:r>
+              <a:rPr lang="en-US" dirty="0" err="1" smtClean="0">
+                <a:latin typeface="Times New Roman" panose="02020603050405020304" pitchFamily="18" charset="0"/>
+                <a:cs typeface="Times New Roman" panose="02020603050405020304" pitchFamily="18" charset="0"/>
+              </a:rPr>
+              <a:t>toán</a:t>
+            </a:r>
+            <a:r>
+              <a:rPr lang="en-US" dirty="0" smtClean="0">
+                <a:latin typeface="Times New Roman" panose="02020603050405020304" pitchFamily="18" charset="0"/>
+                <a:cs typeface="Times New Roman" panose="02020603050405020304" pitchFamily="18" charset="0"/>
+              </a:rPr>
+              <a:t> </a:t>
+            </a:r>
+            <a:r>
+              <a:rPr lang="en-US" dirty="0" err="1" smtClean="0">
+                <a:latin typeface="Times New Roman" panose="02020603050405020304" pitchFamily="18" charset="0"/>
+                <a:cs typeface="Times New Roman" panose="02020603050405020304" pitchFamily="18" charset="0"/>
+              </a:rPr>
+              <a:t>đặt</a:t>
+            </a:r>
+            <a:r>
+              <a:rPr lang="en-US" dirty="0" smtClean="0">
+                <a:latin typeface="Times New Roman" panose="02020603050405020304" pitchFamily="18" charset="0"/>
+                <a:cs typeface="Times New Roman" panose="02020603050405020304" pitchFamily="18" charset="0"/>
+              </a:rPr>
+              <a:t> </a:t>
+            </a:r>
+            <a:r>
+              <a:rPr lang="en-US" dirty="0" err="1" smtClean="0">
+                <a:latin typeface="Times New Roman" panose="02020603050405020304" pitchFamily="18" charset="0"/>
+                <a:cs typeface="Times New Roman" panose="02020603050405020304" pitchFamily="18" charset="0"/>
+              </a:rPr>
+              <a:t>ra</a:t>
+            </a:r>
+            <a:endParaRPr lang="en-US" dirty="0" smtClean="0">
+              <a:latin typeface="Times New Roman" panose="02020603050405020304" pitchFamily="18" charset="0"/>
+              <a:cs typeface="Times New Roman" panose="02020603050405020304" pitchFamily="18" charset="0"/>
+            </a:endParaRPr>
+          </a:p>
+          <a:p>
+            <a:pPr lvl="1">
+              <a:lnSpc>
+                <a:spcPct val="150000"/>
+              </a:lnSpc>
+              <a:buFont typeface="Wingdings" panose="05000000000000000000" pitchFamily="2" charset="2"/>
+              <a:buChar char="Ø"/>
+            </a:pPr>
+            <a:r>
+              <a:rPr lang="en-US" dirty="0" err="1" smtClean="0">
+                <a:latin typeface="Times New Roman" panose="02020603050405020304" pitchFamily="18" charset="0"/>
+                <a:cs typeface="Times New Roman" panose="02020603050405020304" pitchFamily="18" charset="0"/>
+              </a:rPr>
+              <a:t>Người</a:t>
+            </a:r>
+            <a:r>
+              <a:rPr lang="en-US" dirty="0" smtClean="0">
+                <a:latin typeface="Times New Roman" panose="02020603050405020304" pitchFamily="18" charset="0"/>
+                <a:cs typeface="Times New Roman" panose="02020603050405020304" pitchFamily="18" charset="0"/>
+              </a:rPr>
+              <a:t> </a:t>
+            </a:r>
+            <a:r>
+              <a:rPr lang="en-US" dirty="0" err="1" smtClean="0">
+                <a:latin typeface="Times New Roman" panose="02020603050405020304" pitchFamily="18" charset="0"/>
+                <a:cs typeface="Times New Roman" panose="02020603050405020304" pitchFamily="18" charset="0"/>
+              </a:rPr>
+              <a:t>dùng</a:t>
+            </a:r>
+            <a:r>
+              <a:rPr lang="en-US" dirty="0" smtClean="0">
+                <a:latin typeface="Times New Roman" panose="02020603050405020304" pitchFamily="18" charset="0"/>
+                <a:cs typeface="Times New Roman" panose="02020603050405020304" pitchFamily="18" charset="0"/>
+              </a:rPr>
+              <a:t> </a:t>
+            </a:r>
+            <a:r>
+              <a:rPr lang="en-US" dirty="0" err="1" smtClean="0">
+                <a:latin typeface="Times New Roman" panose="02020603050405020304" pitchFamily="18" charset="0"/>
+                <a:cs typeface="Times New Roman" panose="02020603050405020304" pitchFamily="18" charset="0"/>
+              </a:rPr>
+              <a:t>nhập</a:t>
+            </a:r>
+            <a:r>
+              <a:rPr lang="en-US" dirty="0" smtClean="0">
+                <a:latin typeface="Times New Roman" panose="02020603050405020304" pitchFamily="18" charset="0"/>
+                <a:cs typeface="Times New Roman" panose="02020603050405020304" pitchFamily="18" charset="0"/>
+              </a:rPr>
+              <a:t> </a:t>
+            </a:r>
+            <a:r>
+              <a:rPr lang="en-US" dirty="0" err="1" smtClean="0">
+                <a:latin typeface="Times New Roman" panose="02020603050405020304" pitchFamily="18" charset="0"/>
+                <a:cs typeface="Times New Roman" panose="02020603050405020304" pitchFamily="18" charset="0"/>
+              </a:rPr>
+              <a:t>vào</a:t>
+            </a:r>
+            <a:r>
+              <a:rPr lang="en-US" dirty="0" smtClean="0">
+                <a:latin typeface="Times New Roman" panose="02020603050405020304" pitchFamily="18" charset="0"/>
+                <a:cs typeface="Times New Roman" panose="02020603050405020304" pitchFamily="18" charset="0"/>
+              </a:rPr>
+              <a:t> </a:t>
+            </a:r>
+            <a:r>
+              <a:rPr lang="en-US" dirty="0" err="1" smtClean="0">
+                <a:latin typeface="Times New Roman" panose="02020603050405020304" pitchFamily="18" charset="0"/>
+                <a:cs typeface="Times New Roman" panose="02020603050405020304" pitchFamily="18" charset="0"/>
+              </a:rPr>
+              <a:t>một</a:t>
+            </a:r>
+            <a:r>
+              <a:rPr lang="en-US" dirty="0" smtClean="0">
+                <a:latin typeface="Times New Roman" panose="02020603050405020304" pitchFamily="18" charset="0"/>
+                <a:cs typeface="Times New Roman" panose="02020603050405020304" pitchFamily="18" charset="0"/>
+              </a:rPr>
+              <a:t> </a:t>
+            </a:r>
+            <a:r>
+              <a:rPr lang="en-US" dirty="0" err="1" smtClean="0">
+                <a:latin typeface="Times New Roman" panose="02020603050405020304" pitchFamily="18" charset="0"/>
+                <a:cs typeface="Times New Roman" panose="02020603050405020304" pitchFamily="18" charset="0"/>
+              </a:rPr>
+              <a:t>câu</a:t>
+            </a:r>
+            <a:r>
+              <a:rPr lang="en-US" dirty="0" smtClean="0">
+                <a:latin typeface="Times New Roman" panose="02020603050405020304" pitchFamily="18" charset="0"/>
+                <a:cs typeface="Times New Roman" panose="02020603050405020304" pitchFamily="18" charset="0"/>
+              </a:rPr>
+              <a:t> </a:t>
+            </a:r>
+            <a:r>
+              <a:rPr lang="en-US" dirty="0" err="1" smtClean="0">
+                <a:latin typeface="Times New Roman" panose="02020603050405020304" pitchFamily="18" charset="0"/>
+                <a:cs typeface="Times New Roman" panose="02020603050405020304" pitchFamily="18" charset="0"/>
+              </a:rPr>
+              <a:t>hỏi</a:t>
+            </a:r>
+            <a:r>
+              <a:rPr lang="en-US" dirty="0" smtClean="0">
+                <a:latin typeface="Times New Roman" panose="02020603050405020304" pitchFamily="18" charset="0"/>
+                <a:cs typeface="Times New Roman" panose="02020603050405020304" pitchFamily="18" charset="0"/>
+              </a:rPr>
+              <a:t>, </a:t>
+            </a:r>
+            <a:r>
+              <a:rPr lang="en-US" dirty="0" err="1" smtClean="0">
+                <a:latin typeface="Times New Roman" panose="02020603050405020304" pitchFamily="18" charset="0"/>
+                <a:cs typeface="Times New Roman" panose="02020603050405020304" pitchFamily="18" charset="0"/>
+              </a:rPr>
+              <a:t>muốn</a:t>
+            </a:r>
+            <a:r>
+              <a:rPr lang="en-US" dirty="0" smtClean="0">
+                <a:latin typeface="Times New Roman" panose="02020603050405020304" pitchFamily="18" charset="0"/>
+                <a:cs typeface="Times New Roman" panose="02020603050405020304" pitchFamily="18" charset="0"/>
+              </a:rPr>
+              <a:t> bot </a:t>
+            </a:r>
+            <a:r>
+              <a:rPr lang="en-US" dirty="0" err="1" smtClean="0">
+                <a:latin typeface="Times New Roman" panose="02020603050405020304" pitchFamily="18" charset="0"/>
+                <a:cs typeface="Times New Roman" panose="02020603050405020304" pitchFamily="18" charset="0"/>
+              </a:rPr>
+              <a:t>trả</a:t>
+            </a:r>
+            <a:r>
+              <a:rPr lang="en-US" dirty="0" smtClean="0">
+                <a:latin typeface="Times New Roman" panose="02020603050405020304" pitchFamily="18" charset="0"/>
+                <a:cs typeface="Times New Roman" panose="02020603050405020304" pitchFamily="18" charset="0"/>
+              </a:rPr>
+              <a:t> </a:t>
+            </a:r>
+            <a:r>
+              <a:rPr lang="en-US" dirty="0" err="1" smtClean="0">
+                <a:latin typeface="Times New Roman" panose="02020603050405020304" pitchFamily="18" charset="0"/>
+                <a:cs typeface="Times New Roman" panose="02020603050405020304" pitchFamily="18" charset="0"/>
+              </a:rPr>
+              <a:t>lời</a:t>
+            </a:r>
+            <a:r>
+              <a:rPr lang="en-US" dirty="0" smtClean="0">
+                <a:latin typeface="Times New Roman" panose="02020603050405020304" pitchFamily="18" charset="0"/>
+                <a:cs typeface="Times New Roman" panose="02020603050405020304" pitchFamily="18" charset="0"/>
+              </a:rPr>
+              <a:t> </a:t>
+            </a:r>
+            <a:r>
+              <a:rPr lang="en-US" dirty="0" err="1" smtClean="0">
+                <a:latin typeface="Times New Roman" panose="02020603050405020304" pitchFamily="18" charset="0"/>
+                <a:cs typeface="Times New Roman" panose="02020603050405020304" pitchFamily="18" charset="0"/>
+              </a:rPr>
+              <a:t>câu</a:t>
+            </a:r>
+            <a:r>
+              <a:rPr lang="en-US" dirty="0" smtClean="0">
+                <a:latin typeface="Times New Roman" panose="02020603050405020304" pitchFamily="18" charset="0"/>
+                <a:cs typeface="Times New Roman" panose="02020603050405020304" pitchFamily="18" charset="0"/>
+              </a:rPr>
+              <a:t> </a:t>
+            </a:r>
+            <a:r>
+              <a:rPr lang="en-US" dirty="0" err="1" smtClean="0">
+                <a:latin typeface="Times New Roman" panose="02020603050405020304" pitchFamily="18" charset="0"/>
+                <a:cs typeface="Times New Roman" panose="02020603050405020304" pitchFamily="18" charset="0"/>
+              </a:rPr>
+              <a:t>hỏi</a:t>
+            </a:r>
+            <a:r>
+              <a:rPr lang="en-US" dirty="0" smtClean="0">
+                <a:latin typeface="Times New Roman" panose="02020603050405020304" pitchFamily="18" charset="0"/>
+                <a:cs typeface="Times New Roman" panose="02020603050405020304" pitchFamily="18" charset="0"/>
+              </a:rPr>
+              <a:t>. </a:t>
+            </a:r>
+            <a:r>
+              <a:rPr lang="en-US" dirty="0" err="1" smtClean="0">
+                <a:latin typeface="Times New Roman" panose="02020603050405020304" pitchFamily="18" charset="0"/>
+                <a:cs typeface="Times New Roman" panose="02020603050405020304" pitchFamily="18" charset="0"/>
+              </a:rPr>
+              <a:t>Đồng</a:t>
+            </a:r>
+            <a:r>
+              <a:rPr lang="en-US" dirty="0" smtClean="0">
+                <a:latin typeface="Times New Roman" panose="02020603050405020304" pitchFamily="18" charset="0"/>
+                <a:cs typeface="Times New Roman" panose="02020603050405020304" pitchFamily="18" charset="0"/>
+              </a:rPr>
+              <a:t> </a:t>
+            </a:r>
+            <a:r>
+              <a:rPr lang="en-US" dirty="0" err="1" smtClean="0">
+                <a:latin typeface="Times New Roman" panose="02020603050405020304" pitchFamily="18" charset="0"/>
+                <a:cs typeface="Times New Roman" panose="02020603050405020304" pitchFamily="18" charset="0"/>
+              </a:rPr>
+              <a:t>thời</a:t>
+            </a:r>
+            <a:r>
+              <a:rPr lang="en-US" dirty="0" smtClean="0">
+                <a:latin typeface="Times New Roman" panose="02020603050405020304" pitchFamily="18" charset="0"/>
+                <a:cs typeface="Times New Roman" panose="02020603050405020304" pitchFamily="18" charset="0"/>
+              </a:rPr>
+              <a:t>, bot </a:t>
+            </a:r>
+            <a:r>
+              <a:rPr lang="en-US" dirty="0" err="1" smtClean="0">
+                <a:latin typeface="Times New Roman" panose="02020603050405020304" pitchFamily="18" charset="0"/>
+                <a:cs typeface="Times New Roman" panose="02020603050405020304" pitchFamily="18" charset="0"/>
+              </a:rPr>
+              <a:t>cũng</a:t>
+            </a:r>
+            <a:r>
+              <a:rPr lang="en-US" dirty="0" smtClean="0">
+                <a:latin typeface="Times New Roman" panose="02020603050405020304" pitchFamily="18" charset="0"/>
+                <a:cs typeface="Times New Roman" panose="02020603050405020304" pitchFamily="18" charset="0"/>
+              </a:rPr>
+              <a:t> </a:t>
+            </a:r>
+            <a:r>
+              <a:rPr lang="en-US" dirty="0" err="1" smtClean="0">
+                <a:latin typeface="Times New Roman" panose="02020603050405020304" pitchFamily="18" charset="0"/>
+                <a:cs typeface="Times New Roman" panose="02020603050405020304" pitchFamily="18" charset="0"/>
+              </a:rPr>
+              <a:t>hỏi</a:t>
+            </a:r>
+            <a:r>
+              <a:rPr lang="en-US" dirty="0" smtClean="0">
+                <a:latin typeface="Times New Roman" panose="02020603050405020304" pitchFamily="18" charset="0"/>
+                <a:cs typeface="Times New Roman" panose="02020603050405020304" pitchFamily="18" charset="0"/>
+              </a:rPr>
+              <a:t> </a:t>
+            </a:r>
+            <a:r>
+              <a:rPr lang="en-US" dirty="0" err="1" smtClean="0">
+                <a:latin typeface="Times New Roman" panose="02020603050405020304" pitchFamily="18" charset="0"/>
+                <a:cs typeface="Times New Roman" panose="02020603050405020304" pitchFamily="18" charset="0"/>
+              </a:rPr>
+              <a:t>và</a:t>
+            </a:r>
+            <a:r>
+              <a:rPr lang="en-US" dirty="0" smtClean="0">
+                <a:latin typeface="Times New Roman" panose="02020603050405020304" pitchFamily="18" charset="0"/>
+                <a:cs typeface="Times New Roman" panose="02020603050405020304" pitchFamily="18" charset="0"/>
+              </a:rPr>
+              <a:t> </a:t>
+            </a:r>
+            <a:r>
+              <a:rPr lang="en-US" dirty="0" err="1" smtClean="0">
+                <a:latin typeface="Times New Roman" panose="02020603050405020304" pitchFamily="18" charset="0"/>
+                <a:cs typeface="Times New Roman" panose="02020603050405020304" pitchFamily="18" charset="0"/>
+              </a:rPr>
+              <a:t>người</a:t>
+            </a:r>
+            <a:r>
+              <a:rPr lang="en-US" dirty="0" smtClean="0">
+                <a:latin typeface="Times New Roman" panose="02020603050405020304" pitchFamily="18" charset="0"/>
+                <a:cs typeface="Times New Roman" panose="02020603050405020304" pitchFamily="18" charset="0"/>
+              </a:rPr>
+              <a:t> </a:t>
+            </a:r>
+            <a:r>
+              <a:rPr lang="en-US" dirty="0" err="1" smtClean="0">
+                <a:latin typeface="Times New Roman" panose="02020603050405020304" pitchFamily="18" charset="0"/>
+                <a:cs typeface="Times New Roman" panose="02020603050405020304" pitchFamily="18" charset="0"/>
+              </a:rPr>
+              <a:t>dùng</a:t>
+            </a:r>
+            <a:r>
+              <a:rPr lang="en-US" dirty="0" smtClean="0">
+                <a:latin typeface="Times New Roman" panose="02020603050405020304" pitchFamily="18" charset="0"/>
+                <a:cs typeface="Times New Roman" panose="02020603050405020304" pitchFamily="18" charset="0"/>
+              </a:rPr>
+              <a:t> </a:t>
+            </a:r>
+            <a:r>
+              <a:rPr lang="en-US" dirty="0" err="1" smtClean="0">
+                <a:latin typeface="Times New Roman" panose="02020603050405020304" pitchFamily="18" charset="0"/>
+                <a:cs typeface="Times New Roman" panose="02020603050405020304" pitchFamily="18" charset="0"/>
+              </a:rPr>
+              <a:t>có</a:t>
+            </a:r>
+            <a:r>
+              <a:rPr lang="en-US" dirty="0" smtClean="0">
+                <a:latin typeface="Times New Roman" panose="02020603050405020304" pitchFamily="18" charset="0"/>
+                <a:cs typeface="Times New Roman" panose="02020603050405020304" pitchFamily="18" charset="0"/>
+              </a:rPr>
+              <a:t> </a:t>
+            </a:r>
+            <a:r>
+              <a:rPr lang="en-US" dirty="0" err="1" smtClean="0">
+                <a:latin typeface="Times New Roman" panose="02020603050405020304" pitchFamily="18" charset="0"/>
+                <a:cs typeface="Times New Roman" panose="02020603050405020304" pitchFamily="18" charset="0"/>
+              </a:rPr>
+              <a:t>thể</a:t>
+            </a:r>
+            <a:r>
+              <a:rPr lang="en-US" dirty="0" smtClean="0">
+                <a:latin typeface="Times New Roman" panose="02020603050405020304" pitchFamily="18" charset="0"/>
+                <a:cs typeface="Times New Roman" panose="02020603050405020304" pitchFamily="18" charset="0"/>
+              </a:rPr>
+              <a:t> </a:t>
+            </a:r>
+            <a:r>
+              <a:rPr lang="en-US" dirty="0" err="1" smtClean="0">
+                <a:latin typeface="Times New Roman" panose="02020603050405020304" pitchFamily="18" charset="0"/>
+                <a:cs typeface="Times New Roman" panose="02020603050405020304" pitchFamily="18" charset="0"/>
+              </a:rPr>
+              <a:t>trả</a:t>
+            </a:r>
+            <a:r>
+              <a:rPr lang="en-US" dirty="0" smtClean="0">
+                <a:latin typeface="Times New Roman" panose="02020603050405020304" pitchFamily="18" charset="0"/>
+                <a:cs typeface="Times New Roman" panose="02020603050405020304" pitchFamily="18" charset="0"/>
+              </a:rPr>
+              <a:t> </a:t>
+            </a:r>
+            <a:r>
+              <a:rPr lang="en-US" dirty="0" err="1" smtClean="0">
+                <a:latin typeface="Times New Roman" panose="02020603050405020304" pitchFamily="18" charset="0"/>
+                <a:cs typeface="Times New Roman" panose="02020603050405020304" pitchFamily="18" charset="0"/>
+              </a:rPr>
+              <a:t>lời</a:t>
+            </a:r>
+            <a:r>
+              <a:rPr lang="en-US" dirty="0" smtClean="0">
+                <a:latin typeface="Times New Roman" panose="02020603050405020304" pitchFamily="18" charset="0"/>
+                <a:cs typeface="Times New Roman" panose="02020603050405020304" pitchFamily="18" charset="0"/>
+              </a:rPr>
+              <a:t> </a:t>
+            </a:r>
+            <a:r>
+              <a:rPr lang="en-US" dirty="0" err="1" smtClean="0">
+                <a:latin typeface="Times New Roman" panose="02020603050405020304" pitchFamily="18" charset="0"/>
+                <a:cs typeface="Times New Roman" panose="02020603050405020304" pitchFamily="18" charset="0"/>
+              </a:rPr>
+              <a:t>được</a:t>
+            </a:r>
+            <a:r>
+              <a:rPr lang="en-US" dirty="0" smtClean="0">
+                <a:latin typeface="Times New Roman" panose="02020603050405020304" pitchFamily="18" charset="0"/>
+                <a:cs typeface="Times New Roman" panose="02020603050405020304" pitchFamily="18" charset="0"/>
+              </a:rPr>
+              <a:t>.</a:t>
+            </a:r>
+          </a:p>
+          <a:p>
+            <a:pPr lvl="1">
+              <a:lnSpc>
+                <a:spcPct val="150000"/>
+              </a:lnSpc>
+              <a:buFont typeface="Wingdings" panose="05000000000000000000" pitchFamily="2" charset="2"/>
+              <a:buChar char="Ø"/>
+            </a:pPr>
+            <a:r>
+              <a:rPr lang="en-US" dirty="0" err="1" smtClean="0">
+                <a:latin typeface="Times New Roman" panose="02020603050405020304" pitchFamily="18" charset="0"/>
+                <a:cs typeface="Times New Roman" panose="02020603050405020304" pitchFamily="18" charset="0"/>
+              </a:rPr>
+              <a:t>Nội</a:t>
+            </a:r>
+            <a:r>
+              <a:rPr lang="en-US" dirty="0" smtClean="0">
+                <a:latin typeface="Times New Roman" panose="02020603050405020304" pitchFamily="18" charset="0"/>
+                <a:cs typeface="Times New Roman" panose="02020603050405020304" pitchFamily="18" charset="0"/>
+              </a:rPr>
+              <a:t> dung </a:t>
+            </a:r>
+            <a:r>
+              <a:rPr lang="en-US" dirty="0" err="1" smtClean="0">
+                <a:latin typeface="Times New Roman" panose="02020603050405020304" pitchFamily="18" charset="0"/>
+                <a:cs typeface="Times New Roman" panose="02020603050405020304" pitchFamily="18" charset="0"/>
+              </a:rPr>
+              <a:t>hội</a:t>
+            </a:r>
+            <a:r>
+              <a:rPr lang="en-US" dirty="0" smtClean="0">
+                <a:latin typeface="Times New Roman" panose="02020603050405020304" pitchFamily="18" charset="0"/>
+                <a:cs typeface="Times New Roman" panose="02020603050405020304" pitchFamily="18" charset="0"/>
+              </a:rPr>
+              <a:t> </a:t>
+            </a:r>
+            <a:r>
+              <a:rPr lang="en-US" dirty="0" err="1" smtClean="0">
+                <a:latin typeface="Times New Roman" panose="02020603050405020304" pitchFamily="18" charset="0"/>
+                <a:cs typeface="Times New Roman" panose="02020603050405020304" pitchFamily="18" charset="0"/>
+              </a:rPr>
+              <a:t>thoại</a:t>
+            </a:r>
+            <a:r>
+              <a:rPr lang="en-US" dirty="0" smtClean="0">
+                <a:latin typeface="Times New Roman" panose="02020603050405020304" pitchFamily="18" charset="0"/>
+                <a:cs typeface="Times New Roman" panose="02020603050405020304" pitchFamily="18" charset="0"/>
+              </a:rPr>
+              <a:t> </a:t>
+            </a:r>
+            <a:r>
+              <a:rPr lang="en-US" dirty="0" err="1" smtClean="0">
+                <a:latin typeface="Times New Roman" panose="02020603050405020304" pitchFamily="18" charset="0"/>
+                <a:cs typeface="Times New Roman" panose="02020603050405020304" pitchFamily="18" charset="0"/>
+              </a:rPr>
+              <a:t>giữa</a:t>
+            </a:r>
+            <a:r>
+              <a:rPr lang="en-US" dirty="0" smtClean="0">
+                <a:latin typeface="Times New Roman" panose="02020603050405020304" pitchFamily="18" charset="0"/>
+                <a:cs typeface="Times New Roman" panose="02020603050405020304" pitchFamily="18" charset="0"/>
+              </a:rPr>
+              <a:t> </a:t>
+            </a:r>
+            <a:r>
+              <a:rPr lang="en-US" dirty="0" err="1" smtClean="0">
+                <a:latin typeface="Times New Roman" panose="02020603050405020304" pitchFamily="18" charset="0"/>
+                <a:cs typeface="Times New Roman" panose="02020603050405020304" pitchFamily="18" charset="0"/>
+              </a:rPr>
+              <a:t>người</a:t>
+            </a:r>
+            <a:r>
+              <a:rPr lang="en-US" dirty="0" smtClean="0">
+                <a:latin typeface="Times New Roman" panose="02020603050405020304" pitchFamily="18" charset="0"/>
+                <a:cs typeface="Times New Roman" panose="02020603050405020304" pitchFamily="18" charset="0"/>
+              </a:rPr>
+              <a:t> </a:t>
+            </a:r>
+            <a:r>
+              <a:rPr lang="en-US" dirty="0" err="1" smtClean="0">
+                <a:latin typeface="Times New Roman" panose="02020603050405020304" pitchFamily="18" charset="0"/>
+                <a:cs typeface="Times New Roman" panose="02020603050405020304" pitchFamily="18" charset="0"/>
+              </a:rPr>
+              <a:t>và</a:t>
+            </a:r>
+            <a:r>
+              <a:rPr lang="en-US" dirty="0" smtClean="0">
+                <a:latin typeface="Times New Roman" panose="02020603050405020304" pitchFamily="18" charset="0"/>
+                <a:cs typeface="Times New Roman" panose="02020603050405020304" pitchFamily="18" charset="0"/>
+              </a:rPr>
+              <a:t> bot </a:t>
+            </a:r>
+            <a:r>
+              <a:rPr lang="en-US" dirty="0" err="1" smtClean="0">
+                <a:latin typeface="Times New Roman" panose="02020603050405020304" pitchFamily="18" charset="0"/>
+                <a:cs typeface="Times New Roman" panose="02020603050405020304" pitchFamily="18" charset="0"/>
+              </a:rPr>
+              <a:t>sẽ</a:t>
+            </a:r>
+            <a:r>
+              <a:rPr lang="en-US" dirty="0" smtClean="0">
+                <a:latin typeface="Times New Roman" panose="02020603050405020304" pitchFamily="18" charset="0"/>
+                <a:cs typeface="Times New Roman" panose="02020603050405020304" pitchFamily="18" charset="0"/>
+              </a:rPr>
+              <a:t> </a:t>
+            </a:r>
+            <a:r>
+              <a:rPr lang="en-US" dirty="0" err="1" smtClean="0">
+                <a:latin typeface="Times New Roman" panose="02020603050405020304" pitchFamily="18" charset="0"/>
+                <a:cs typeface="Times New Roman" panose="02020603050405020304" pitchFamily="18" charset="0"/>
+              </a:rPr>
+              <a:t>liên</a:t>
+            </a:r>
+            <a:r>
+              <a:rPr lang="en-US" dirty="0" smtClean="0">
+                <a:latin typeface="Times New Roman" panose="02020603050405020304" pitchFamily="18" charset="0"/>
+                <a:cs typeface="Times New Roman" panose="02020603050405020304" pitchFamily="18" charset="0"/>
+              </a:rPr>
+              <a:t> </a:t>
+            </a:r>
+            <a:r>
+              <a:rPr lang="en-US" dirty="0" err="1" smtClean="0">
+                <a:latin typeface="Times New Roman" panose="02020603050405020304" pitchFamily="18" charset="0"/>
+                <a:cs typeface="Times New Roman" panose="02020603050405020304" pitchFamily="18" charset="0"/>
+              </a:rPr>
+              <a:t>quan</a:t>
+            </a:r>
+            <a:r>
+              <a:rPr lang="en-US" dirty="0" smtClean="0">
+                <a:latin typeface="Times New Roman" panose="02020603050405020304" pitchFamily="18" charset="0"/>
+                <a:cs typeface="Times New Roman" panose="02020603050405020304" pitchFamily="18" charset="0"/>
+              </a:rPr>
+              <a:t> </a:t>
+            </a:r>
+            <a:r>
+              <a:rPr lang="en-US" dirty="0" err="1" smtClean="0">
+                <a:latin typeface="Times New Roman" panose="02020603050405020304" pitchFamily="18" charset="0"/>
+                <a:cs typeface="Times New Roman" panose="02020603050405020304" pitchFamily="18" charset="0"/>
+              </a:rPr>
+              <a:t>đến</a:t>
+            </a:r>
+            <a:r>
+              <a:rPr lang="en-US" dirty="0" smtClean="0">
+                <a:latin typeface="Times New Roman" panose="02020603050405020304" pitchFamily="18" charset="0"/>
+                <a:cs typeface="Times New Roman" panose="02020603050405020304" pitchFamily="18" charset="0"/>
+              </a:rPr>
+              <a:t> </a:t>
+            </a:r>
+            <a:r>
+              <a:rPr lang="en-US" dirty="0" err="1" smtClean="0">
+                <a:latin typeface="Times New Roman" panose="02020603050405020304" pitchFamily="18" charset="0"/>
+                <a:cs typeface="Times New Roman" panose="02020603050405020304" pitchFamily="18" charset="0"/>
+              </a:rPr>
+              <a:t>thông</a:t>
+            </a:r>
+            <a:r>
+              <a:rPr lang="en-US" dirty="0" smtClean="0">
+                <a:latin typeface="Times New Roman" panose="02020603050405020304" pitchFamily="18" charset="0"/>
+                <a:cs typeface="Times New Roman" panose="02020603050405020304" pitchFamily="18" charset="0"/>
+              </a:rPr>
+              <a:t> tin </a:t>
+            </a:r>
+            <a:r>
+              <a:rPr lang="en-US" dirty="0" err="1" smtClean="0">
+                <a:latin typeface="Times New Roman" panose="02020603050405020304" pitchFamily="18" charset="0"/>
+                <a:cs typeface="Times New Roman" panose="02020603050405020304" pitchFamily="18" charset="0"/>
+              </a:rPr>
+              <a:t>công</a:t>
+            </a:r>
+            <a:r>
+              <a:rPr lang="en-US" dirty="0" smtClean="0">
+                <a:latin typeface="Times New Roman" panose="02020603050405020304" pitchFamily="18" charset="0"/>
+                <a:cs typeface="Times New Roman" panose="02020603050405020304" pitchFamily="18" charset="0"/>
+              </a:rPr>
+              <a:t> ty AIT, </a:t>
+            </a:r>
+            <a:r>
+              <a:rPr lang="en-US" dirty="0" err="1" smtClean="0">
+                <a:latin typeface="Times New Roman" panose="02020603050405020304" pitchFamily="18" charset="0"/>
+                <a:cs typeface="Times New Roman" panose="02020603050405020304" pitchFamily="18" charset="0"/>
+              </a:rPr>
+              <a:t>tuyển</a:t>
+            </a:r>
+            <a:r>
+              <a:rPr lang="en-US" dirty="0" smtClean="0">
+                <a:latin typeface="Times New Roman" panose="02020603050405020304" pitchFamily="18" charset="0"/>
+                <a:cs typeface="Times New Roman" panose="02020603050405020304" pitchFamily="18" charset="0"/>
+              </a:rPr>
+              <a:t> </a:t>
+            </a:r>
+            <a:r>
+              <a:rPr lang="en-US" dirty="0" err="1" smtClean="0">
+                <a:latin typeface="Times New Roman" panose="02020603050405020304" pitchFamily="18" charset="0"/>
+                <a:cs typeface="Times New Roman" panose="02020603050405020304" pitchFamily="18" charset="0"/>
+              </a:rPr>
+              <a:t>dụng</a:t>
+            </a:r>
+            <a:r>
+              <a:rPr lang="en-US" dirty="0" smtClean="0">
+                <a:latin typeface="Times New Roman" panose="02020603050405020304" pitchFamily="18" charset="0"/>
+                <a:cs typeface="Times New Roman" panose="02020603050405020304" pitchFamily="18" charset="0"/>
+              </a:rPr>
+              <a:t>, </a:t>
+            </a:r>
+            <a:r>
+              <a:rPr lang="en-US" dirty="0" err="1" smtClean="0">
+                <a:latin typeface="Times New Roman" panose="02020603050405020304" pitchFamily="18" charset="0"/>
+                <a:cs typeface="Times New Roman" panose="02020603050405020304" pitchFamily="18" charset="0"/>
+              </a:rPr>
+              <a:t>khách</a:t>
+            </a:r>
+            <a:r>
+              <a:rPr lang="en-US" dirty="0" smtClean="0">
+                <a:latin typeface="Times New Roman" panose="02020603050405020304" pitchFamily="18" charset="0"/>
+                <a:cs typeface="Times New Roman" panose="02020603050405020304" pitchFamily="18" charset="0"/>
+              </a:rPr>
+              <a:t> </a:t>
+            </a:r>
+            <a:r>
+              <a:rPr lang="en-US" dirty="0" err="1" smtClean="0">
+                <a:latin typeface="Times New Roman" panose="02020603050405020304" pitchFamily="18" charset="0"/>
+                <a:cs typeface="Times New Roman" panose="02020603050405020304" pitchFamily="18" charset="0"/>
+              </a:rPr>
+              <a:t>hàng</a:t>
+            </a:r>
+            <a:r>
+              <a:rPr lang="en-US" dirty="0" smtClean="0">
+                <a:latin typeface="Times New Roman" panose="02020603050405020304" pitchFamily="18" charset="0"/>
+                <a:cs typeface="Times New Roman" panose="02020603050405020304" pitchFamily="18" charset="0"/>
+              </a:rPr>
+              <a:t>.</a:t>
+            </a:r>
+          </a:p>
+          <a:p>
+            <a:pPr>
+              <a:lnSpc>
+                <a:spcPct val="150000"/>
+              </a:lnSpc>
+            </a:pPr>
+            <a:r>
+              <a:rPr lang="en-US" dirty="0" err="1" smtClean="0">
+                <a:latin typeface="Times New Roman" panose="02020603050405020304" pitchFamily="18" charset="0"/>
+                <a:cs typeface="Times New Roman" panose="02020603050405020304" pitchFamily="18" charset="0"/>
+              </a:rPr>
+              <a:t>Hướng</a:t>
+            </a:r>
+            <a:r>
+              <a:rPr lang="en-US" dirty="0" smtClean="0">
+                <a:latin typeface="Times New Roman" panose="02020603050405020304" pitchFamily="18" charset="0"/>
+                <a:cs typeface="Times New Roman" panose="02020603050405020304" pitchFamily="18" charset="0"/>
+              </a:rPr>
+              <a:t> </a:t>
+            </a:r>
+            <a:r>
+              <a:rPr lang="en-US" dirty="0" err="1" smtClean="0">
+                <a:latin typeface="Times New Roman" panose="02020603050405020304" pitchFamily="18" charset="0"/>
+                <a:cs typeface="Times New Roman" panose="02020603050405020304" pitchFamily="18" charset="0"/>
+              </a:rPr>
+              <a:t>giải</a:t>
+            </a:r>
+            <a:r>
+              <a:rPr lang="en-US" dirty="0" smtClean="0">
+                <a:latin typeface="Times New Roman" panose="02020603050405020304" pitchFamily="18" charset="0"/>
+                <a:cs typeface="Times New Roman" panose="02020603050405020304" pitchFamily="18" charset="0"/>
+              </a:rPr>
+              <a:t> </a:t>
+            </a:r>
+            <a:r>
+              <a:rPr lang="en-US" dirty="0" err="1" smtClean="0">
+                <a:latin typeface="Times New Roman" panose="02020603050405020304" pitchFamily="18" charset="0"/>
+                <a:cs typeface="Times New Roman" panose="02020603050405020304" pitchFamily="18" charset="0"/>
+              </a:rPr>
+              <a:t>quyết</a:t>
+            </a:r>
+            <a:endParaRPr lang="en-US" dirty="0" smtClean="0">
+              <a:latin typeface="Times New Roman" panose="02020603050405020304" pitchFamily="18" charset="0"/>
+              <a:cs typeface="Times New Roman" panose="02020603050405020304" pitchFamily="18" charset="0"/>
+            </a:endParaRPr>
+          </a:p>
+          <a:p>
+            <a:pPr lvl="1">
+              <a:lnSpc>
+                <a:spcPct val="150000"/>
+              </a:lnSpc>
+              <a:buFont typeface="Wingdings" panose="05000000000000000000" pitchFamily="2" charset="2"/>
+              <a:buChar char="Ø"/>
+            </a:pPr>
+            <a:r>
+              <a:rPr lang="en-US" dirty="0" err="1" smtClean="0">
+                <a:latin typeface="Times New Roman" panose="02020603050405020304" pitchFamily="18" charset="0"/>
+                <a:cs typeface="Times New Roman" panose="02020603050405020304" pitchFamily="18" charset="0"/>
+              </a:rPr>
+              <a:t>Sử</a:t>
+            </a:r>
+            <a:r>
+              <a:rPr lang="en-US" dirty="0" smtClean="0">
+                <a:latin typeface="Times New Roman" panose="02020603050405020304" pitchFamily="18" charset="0"/>
+                <a:cs typeface="Times New Roman" panose="02020603050405020304" pitchFamily="18" charset="0"/>
+              </a:rPr>
+              <a:t> </a:t>
+            </a:r>
+            <a:r>
+              <a:rPr lang="en-US" dirty="0" err="1" smtClean="0">
+                <a:latin typeface="Times New Roman" panose="02020603050405020304" pitchFamily="18" charset="0"/>
+                <a:cs typeface="Times New Roman" panose="02020603050405020304" pitchFamily="18" charset="0"/>
+              </a:rPr>
+              <a:t>dụng</a:t>
+            </a:r>
+            <a:r>
+              <a:rPr lang="en-US" dirty="0" smtClean="0">
+                <a:latin typeface="Times New Roman" panose="02020603050405020304" pitchFamily="18" charset="0"/>
+                <a:cs typeface="Times New Roman" panose="02020603050405020304" pitchFamily="18" charset="0"/>
+              </a:rPr>
+              <a:t> </a:t>
+            </a:r>
+            <a:r>
+              <a:rPr lang="en-US" dirty="0" err="1" smtClean="0">
+                <a:latin typeface="Times New Roman" panose="02020603050405020304" pitchFamily="18" charset="0"/>
+                <a:cs typeface="Times New Roman" panose="02020603050405020304" pitchFamily="18" charset="0"/>
+              </a:rPr>
+              <a:t>thuật</a:t>
+            </a:r>
+            <a:r>
+              <a:rPr lang="en-US" dirty="0" smtClean="0">
+                <a:latin typeface="Times New Roman" panose="02020603050405020304" pitchFamily="18" charset="0"/>
+                <a:cs typeface="Times New Roman" panose="02020603050405020304" pitchFamily="18" charset="0"/>
+              </a:rPr>
+              <a:t> </a:t>
+            </a:r>
+            <a:r>
+              <a:rPr lang="en-US" dirty="0" err="1" smtClean="0">
+                <a:latin typeface="Times New Roman" panose="02020603050405020304" pitchFamily="18" charset="0"/>
+                <a:cs typeface="Times New Roman" panose="02020603050405020304" pitchFamily="18" charset="0"/>
+              </a:rPr>
+              <a:t>toán</a:t>
+            </a:r>
+            <a:r>
+              <a:rPr lang="en-US" dirty="0" smtClean="0">
+                <a:latin typeface="Times New Roman" panose="02020603050405020304" pitchFamily="18" charset="0"/>
+                <a:cs typeface="Times New Roman" panose="02020603050405020304" pitchFamily="18" charset="0"/>
+              </a:rPr>
+              <a:t> </a:t>
+            </a:r>
+            <a:r>
+              <a:rPr lang="en-US" dirty="0" err="1" smtClean="0">
+                <a:latin typeface="Times New Roman" panose="02020603050405020304" pitchFamily="18" charset="0"/>
+                <a:cs typeface="Times New Roman" panose="02020603050405020304" pitchFamily="18" charset="0"/>
+              </a:rPr>
+              <a:t>BoW</a:t>
+            </a:r>
+            <a:r>
+              <a:rPr lang="en-US" dirty="0" smtClean="0">
+                <a:latin typeface="Times New Roman" panose="02020603050405020304" pitchFamily="18" charset="0"/>
+                <a:cs typeface="Times New Roman" panose="02020603050405020304" pitchFamily="18" charset="0"/>
+              </a:rPr>
+              <a:t> </a:t>
+            </a:r>
+            <a:r>
+              <a:rPr lang="en-US" dirty="0" err="1" smtClean="0">
+                <a:latin typeface="Times New Roman" panose="02020603050405020304" pitchFamily="18" charset="0"/>
+                <a:cs typeface="Times New Roman" panose="02020603050405020304" pitchFamily="18" charset="0"/>
+              </a:rPr>
+              <a:t>để</a:t>
+            </a:r>
+            <a:r>
+              <a:rPr lang="en-US" dirty="0" smtClean="0">
+                <a:latin typeface="Times New Roman" panose="02020603050405020304" pitchFamily="18" charset="0"/>
+                <a:cs typeface="Times New Roman" panose="02020603050405020304" pitchFamily="18" charset="0"/>
+              </a:rPr>
+              <a:t> </a:t>
+            </a:r>
+            <a:r>
+              <a:rPr lang="en-US" dirty="0" err="1" smtClean="0">
+                <a:latin typeface="Times New Roman" panose="02020603050405020304" pitchFamily="18" charset="0"/>
+                <a:cs typeface="Times New Roman" panose="02020603050405020304" pitchFamily="18" charset="0"/>
+              </a:rPr>
+              <a:t>chuyển</a:t>
+            </a:r>
+            <a:r>
+              <a:rPr lang="en-US" dirty="0" smtClean="0">
+                <a:latin typeface="Times New Roman" panose="02020603050405020304" pitchFamily="18" charset="0"/>
+                <a:cs typeface="Times New Roman" panose="02020603050405020304" pitchFamily="18" charset="0"/>
+              </a:rPr>
+              <a:t> </a:t>
+            </a:r>
+            <a:r>
+              <a:rPr lang="en-US" dirty="0" err="1" smtClean="0">
+                <a:latin typeface="Times New Roman" panose="02020603050405020304" pitchFamily="18" charset="0"/>
+                <a:cs typeface="Times New Roman" panose="02020603050405020304" pitchFamily="18" charset="0"/>
+              </a:rPr>
+              <a:t>các</a:t>
+            </a:r>
+            <a:r>
+              <a:rPr lang="en-US" dirty="0" smtClean="0">
+                <a:latin typeface="Times New Roman" panose="02020603050405020304" pitchFamily="18" charset="0"/>
+                <a:cs typeface="Times New Roman" panose="02020603050405020304" pitchFamily="18" charset="0"/>
+              </a:rPr>
+              <a:t> sentence </a:t>
+            </a:r>
+            <a:r>
+              <a:rPr lang="en-US" dirty="0" err="1" smtClean="0">
+                <a:latin typeface="Times New Roman" panose="02020603050405020304" pitchFamily="18" charset="0"/>
+                <a:cs typeface="Times New Roman" panose="02020603050405020304" pitchFamily="18" charset="0"/>
+              </a:rPr>
+              <a:t>thành</a:t>
+            </a:r>
+            <a:r>
+              <a:rPr lang="en-US" dirty="0" smtClean="0">
+                <a:latin typeface="Times New Roman" panose="02020603050405020304" pitchFamily="18" charset="0"/>
+                <a:cs typeface="Times New Roman" panose="02020603050405020304" pitchFamily="18" charset="0"/>
+              </a:rPr>
+              <a:t> </a:t>
+            </a:r>
+            <a:r>
+              <a:rPr lang="en-US" dirty="0" err="1" smtClean="0">
+                <a:latin typeface="Times New Roman" panose="02020603050405020304" pitchFamily="18" charset="0"/>
+                <a:cs typeface="Times New Roman" panose="02020603050405020304" pitchFamily="18" charset="0"/>
+              </a:rPr>
+              <a:t>các</a:t>
+            </a:r>
+            <a:r>
+              <a:rPr lang="en-US" dirty="0" smtClean="0">
+                <a:latin typeface="Times New Roman" panose="02020603050405020304" pitchFamily="18" charset="0"/>
+                <a:cs typeface="Times New Roman" panose="02020603050405020304" pitchFamily="18" charset="0"/>
+              </a:rPr>
+              <a:t> vector </a:t>
+            </a:r>
+            <a:r>
+              <a:rPr lang="en-US" dirty="0" err="1" smtClean="0">
+                <a:latin typeface="Times New Roman" panose="02020603050405020304" pitchFamily="18" charset="0"/>
+                <a:cs typeface="Times New Roman" panose="02020603050405020304" pitchFamily="18" charset="0"/>
+              </a:rPr>
+              <a:t>đặc</a:t>
+            </a:r>
+            <a:r>
+              <a:rPr lang="en-US" dirty="0" smtClean="0">
+                <a:latin typeface="Times New Roman" panose="02020603050405020304" pitchFamily="18" charset="0"/>
+                <a:cs typeface="Times New Roman" panose="02020603050405020304" pitchFamily="18" charset="0"/>
+              </a:rPr>
+              <a:t> </a:t>
+            </a:r>
+            <a:r>
+              <a:rPr lang="en-US" dirty="0" err="1" smtClean="0">
+                <a:latin typeface="Times New Roman" panose="02020603050405020304" pitchFamily="18" charset="0"/>
+                <a:cs typeface="Times New Roman" panose="02020603050405020304" pitchFamily="18" charset="0"/>
+              </a:rPr>
+              <a:t>trưng</a:t>
+            </a:r>
+            <a:r>
+              <a:rPr lang="en-US" dirty="0" smtClean="0">
+                <a:latin typeface="Times New Roman" panose="02020603050405020304" pitchFamily="18" charset="0"/>
+                <a:cs typeface="Times New Roman" panose="02020603050405020304" pitchFamily="18" charset="0"/>
+              </a:rPr>
+              <a:t>.</a:t>
+            </a:r>
+          </a:p>
+          <a:p>
+            <a:pPr lvl="1">
+              <a:lnSpc>
+                <a:spcPct val="150000"/>
+              </a:lnSpc>
+              <a:buFont typeface="Wingdings" panose="05000000000000000000" pitchFamily="2" charset="2"/>
+              <a:buChar char="Ø"/>
+            </a:pPr>
+            <a:r>
+              <a:rPr lang="en-US" dirty="0" err="1" smtClean="0">
+                <a:latin typeface="Times New Roman" panose="02020603050405020304" pitchFamily="18" charset="0"/>
+                <a:cs typeface="Times New Roman" panose="02020603050405020304" pitchFamily="18" charset="0"/>
+              </a:rPr>
+              <a:t>Đưa</a:t>
+            </a:r>
+            <a:r>
+              <a:rPr lang="en-US" dirty="0" smtClean="0">
+                <a:latin typeface="Times New Roman" panose="02020603050405020304" pitchFamily="18" charset="0"/>
+                <a:cs typeface="Times New Roman" panose="02020603050405020304" pitchFamily="18" charset="0"/>
+              </a:rPr>
+              <a:t> </a:t>
+            </a:r>
+            <a:r>
+              <a:rPr lang="en-US" dirty="0" err="1" smtClean="0">
+                <a:latin typeface="Times New Roman" panose="02020603050405020304" pitchFamily="18" charset="0"/>
+                <a:cs typeface="Times New Roman" panose="02020603050405020304" pitchFamily="18" charset="0"/>
+              </a:rPr>
+              <a:t>các</a:t>
+            </a:r>
+            <a:r>
+              <a:rPr lang="en-US" dirty="0" smtClean="0">
+                <a:latin typeface="Times New Roman" panose="02020603050405020304" pitchFamily="18" charset="0"/>
+                <a:cs typeface="Times New Roman" panose="02020603050405020304" pitchFamily="18" charset="0"/>
+              </a:rPr>
+              <a:t> vector </a:t>
+            </a:r>
+            <a:r>
+              <a:rPr lang="en-US" dirty="0" err="1" smtClean="0">
+                <a:latin typeface="Times New Roman" panose="02020603050405020304" pitchFamily="18" charset="0"/>
+                <a:cs typeface="Times New Roman" panose="02020603050405020304" pitchFamily="18" charset="0"/>
+              </a:rPr>
+              <a:t>đặc</a:t>
+            </a:r>
+            <a:r>
+              <a:rPr lang="en-US" dirty="0" smtClean="0">
+                <a:latin typeface="Times New Roman" panose="02020603050405020304" pitchFamily="18" charset="0"/>
+                <a:cs typeface="Times New Roman" panose="02020603050405020304" pitchFamily="18" charset="0"/>
+              </a:rPr>
+              <a:t> </a:t>
+            </a:r>
+            <a:r>
+              <a:rPr lang="en-US" dirty="0" err="1" smtClean="0">
+                <a:latin typeface="Times New Roman" panose="02020603050405020304" pitchFamily="18" charset="0"/>
+                <a:cs typeface="Times New Roman" panose="02020603050405020304" pitchFamily="18" charset="0"/>
+              </a:rPr>
+              <a:t>trưng</a:t>
+            </a:r>
+            <a:r>
+              <a:rPr lang="en-US" dirty="0" smtClean="0">
+                <a:latin typeface="Times New Roman" panose="02020603050405020304" pitchFamily="18" charset="0"/>
+                <a:cs typeface="Times New Roman" panose="02020603050405020304" pitchFamily="18" charset="0"/>
+              </a:rPr>
+              <a:t> </a:t>
+            </a:r>
+            <a:r>
+              <a:rPr lang="en-US" dirty="0" err="1" smtClean="0">
+                <a:latin typeface="Times New Roman" panose="02020603050405020304" pitchFamily="18" charset="0"/>
+                <a:cs typeface="Times New Roman" panose="02020603050405020304" pitchFamily="18" charset="0"/>
+              </a:rPr>
+              <a:t>đó</a:t>
+            </a:r>
+            <a:r>
+              <a:rPr lang="en-US" dirty="0" smtClean="0">
+                <a:latin typeface="Times New Roman" panose="02020603050405020304" pitchFamily="18" charset="0"/>
+                <a:cs typeface="Times New Roman" panose="02020603050405020304" pitchFamily="18" charset="0"/>
+              </a:rPr>
+              <a:t> </a:t>
+            </a:r>
+            <a:r>
+              <a:rPr lang="en-US" dirty="0" err="1" smtClean="0">
+                <a:latin typeface="Times New Roman" panose="02020603050405020304" pitchFamily="18" charset="0"/>
+                <a:cs typeface="Times New Roman" panose="02020603050405020304" pitchFamily="18" charset="0"/>
+              </a:rPr>
+              <a:t>vào</a:t>
+            </a:r>
+            <a:r>
+              <a:rPr lang="en-US" dirty="0" smtClean="0">
+                <a:latin typeface="Times New Roman" panose="02020603050405020304" pitchFamily="18" charset="0"/>
+                <a:cs typeface="Times New Roman" panose="02020603050405020304" pitchFamily="18" charset="0"/>
+              </a:rPr>
+              <a:t> neural network </a:t>
+            </a:r>
+            <a:r>
+              <a:rPr lang="en-US" dirty="0" err="1" smtClean="0">
+                <a:latin typeface="Times New Roman" panose="02020603050405020304" pitchFamily="18" charset="0"/>
+                <a:cs typeface="Times New Roman" panose="02020603050405020304" pitchFamily="18" charset="0"/>
+              </a:rPr>
+              <a:t>để</a:t>
+            </a:r>
+            <a:r>
+              <a:rPr lang="en-US" dirty="0" smtClean="0">
+                <a:latin typeface="Times New Roman" panose="02020603050405020304" pitchFamily="18" charset="0"/>
+                <a:cs typeface="Times New Roman" panose="02020603050405020304" pitchFamily="18" charset="0"/>
+              </a:rPr>
+              <a:t> train data.</a:t>
+            </a:r>
+          </a:p>
+          <a:p>
+            <a:pPr>
+              <a:lnSpc>
+                <a:spcPct val="150000"/>
+              </a:lnSpc>
+            </a:pPr>
+            <a:r>
+              <a:rPr lang="en-US" dirty="0" smtClean="0">
+                <a:latin typeface="Times New Roman" panose="02020603050405020304" pitchFamily="18" charset="0"/>
+                <a:cs typeface="Times New Roman" panose="02020603050405020304" pitchFamily="18" charset="0"/>
+              </a:rPr>
+              <a:t>Bot </a:t>
+            </a:r>
+            <a:r>
+              <a:rPr lang="en-US" dirty="0" err="1" smtClean="0">
+                <a:latin typeface="Times New Roman" panose="02020603050405020304" pitchFamily="18" charset="0"/>
+                <a:cs typeface="Times New Roman" panose="02020603050405020304" pitchFamily="18" charset="0"/>
+              </a:rPr>
+              <a:t>phải</a:t>
+            </a:r>
+            <a:r>
+              <a:rPr lang="en-US" dirty="0" smtClean="0">
+                <a:latin typeface="Times New Roman" panose="02020603050405020304" pitchFamily="18" charset="0"/>
+                <a:cs typeface="Times New Roman" panose="02020603050405020304" pitchFamily="18" charset="0"/>
+              </a:rPr>
+              <a:t> </a:t>
+            </a:r>
+            <a:r>
+              <a:rPr lang="en-US" dirty="0" err="1" smtClean="0">
+                <a:latin typeface="Times New Roman" panose="02020603050405020304" pitchFamily="18" charset="0"/>
+                <a:cs typeface="Times New Roman" panose="02020603050405020304" pitchFamily="18" charset="0"/>
+              </a:rPr>
+              <a:t>đảm</a:t>
+            </a:r>
+            <a:r>
+              <a:rPr lang="en-US" dirty="0" smtClean="0">
+                <a:latin typeface="Times New Roman" panose="02020603050405020304" pitchFamily="18" charset="0"/>
+                <a:cs typeface="Times New Roman" panose="02020603050405020304" pitchFamily="18" charset="0"/>
+              </a:rPr>
+              <a:t> </a:t>
+            </a:r>
+            <a:r>
+              <a:rPr lang="en-US" dirty="0" err="1" smtClean="0">
+                <a:latin typeface="Times New Roman" panose="02020603050405020304" pitchFamily="18" charset="0"/>
+                <a:cs typeface="Times New Roman" panose="02020603050405020304" pitchFamily="18" charset="0"/>
+              </a:rPr>
+              <a:t>bảo</a:t>
+            </a:r>
+            <a:r>
+              <a:rPr lang="en-US" dirty="0" smtClean="0">
+                <a:latin typeface="Times New Roman" panose="02020603050405020304" pitchFamily="18" charset="0"/>
+                <a:cs typeface="Times New Roman" panose="02020603050405020304" pitchFamily="18" charset="0"/>
+              </a:rPr>
+              <a:t> </a:t>
+            </a:r>
+            <a:r>
+              <a:rPr lang="en-US" dirty="0" err="1" smtClean="0">
+                <a:latin typeface="Times New Roman" panose="02020603050405020304" pitchFamily="18" charset="0"/>
+                <a:cs typeface="Times New Roman" panose="02020603050405020304" pitchFamily="18" charset="0"/>
+              </a:rPr>
+              <a:t>được</a:t>
+            </a:r>
+            <a:r>
+              <a:rPr lang="en-US" dirty="0" smtClean="0">
+                <a:latin typeface="Times New Roman" panose="02020603050405020304" pitchFamily="18" charset="0"/>
+                <a:cs typeface="Times New Roman" panose="02020603050405020304" pitchFamily="18" charset="0"/>
+              </a:rPr>
+              <a:t> </a:t>
+            </a:r>
+            <a:r>
+              <a:rPr lang="en-US" dirty="0" err="1" smtClean="0">
+                <a:latin typeface="Times New Roman" panose="02020603050405020304" pitchFamily="18" charset="0"/>
+                <a:cs typeface="Times New Roman" panose="02020603050405020304" pitchFamily="18" charset="0"/>
+              </a:rPr>
+              <a:t>các</a:t>
+            </a:r>
+            <a:r>
+              <a:rPr lang="en-US" dirty="0" smtClean="0">
+                <a:latin typeface="Times New Roman" panose="02020603050405020304" pitchFamily="18" charset="0"/>
+                <a:cs typeface="Times New Roman" panose="02020603050405020304" pitchFamily="18" charset="0"/>
+              </a:rPr>
+              <a:t> </a:t>
+            </a:r>
+            <a:r>
+              <a:rPr lang="en-US" dirty="0" err="1" smtClean="0">
+                <a:latin typeface="Times New Roman" panose="02020603050405020304" pitchFamily="18" charset="0"/>
+                <a:cs typeface="Times New Roman" panose="02020603050405020304" pitchFamily="18" charset="0"/>
+              </a:rPr>
+              <a:t>tính</a:t>
+            </a:r>
+            <a:r>
+              <a:rPr lang="en-US" dirty="0" smtClean="0">
+                <a:latin typeface="Times New Roman" panose="02020603050405020304" pitchFamily="18" charset="0"/>
+                <a:cs typeface="Times New Roman" panose="02020603050405020304" pitchFamily="18" charset="0"/>
+              </a:rPr>
+              <a:t> </a:t>
+            </a:r>
+            <a:r>
+              <a:rPr lang="en-US" dirty="0" err="1" smtClean="0">
+                <a:latin typeface="Times New Roman" panose="02020603050405020304" pitchFamily="18" charset="0"/>
+                <a:cs typeface="Times New Roman" panose="02020603050405020304" pitchFamily="18" charset="0"/>
+              </a:rPr>
+              <a:t>chất</a:t>
+            </a:r>
+            <a:endParaRPr lang="en-US" dirty="0" smtClean="0">
+              <a:latin typeface="Times New Roman" panose="02020603050405020304" pitchFamily="18" charset="0"/>
+              <a:cs typeface="Times New Roman" panose="02020603050405020304" pitchFamily="18" charset="0"/>
+            </a:endParaRPr>
+          </a:p>
+          <a:p>
+            <a:pPr lvl="1">
+              <a:lnSpc>
+                <a:spcPct val="150000"/>
+              </a:lnSpc>
+              <a:buFont typeface="Wingdings" panose="05000000000000000000" pitchFamily="2" charset="2"/>
+              <a:buChar char="Ø"/>
+            </a:pPr>
+            <a:r>
+              <a:rPr lang="en-US" dirty="0" err="1" smtClean="0">
+                <a:latin typeface="Times New Roman" panose="02020603050405020304" pitchFamily="18" charset="0"/>
+                <a:cs typeface="Times New Roman" panose="02020603050405020304" pitchFamily="18" charset="0"/>
+              </a:rPr>
+              <a:t>Đảm</a:t>
+            </a:r>
+            <a:r>
+              <a:rPr lang="en-US" dirty="0" smtClean="0">
+                <a:latin typeface="Times New Roman" panose="02020603050405020304" pitchFamily="18" charset="0"/>
+                <a:cs typeface="Times New Roman" panose="02020603050405020304" pitchFamily="18" charset="0"/>
+              </a:rPr>
+              <a:t> </a:t>
+            </a:r>
+            <a:r>
+              <a:rPr lang="en-US" dirty="0" err="1" smtClean="0">
+                <a:latin typeface="Times New Roman" panose="02020603050405020304" pitchFamily="18" charset="0"/>
+                <a:cs typeface="Times New Roman" panose="02020603050405020304" pitchFamily="18" charset="0"/>
+              </a:rPr>
+              <a:t>bảo</a:t>
+            </a:r>
+            <a:r>
+              <a:rPr lang="en-US" dirty="0" smtClean="0">
+                <a:latin typeface="Times New Roman" panose="02020603050405020304" pitchFamily="18" charset="0"/>
+                <a:cs typeface="Times New Roman" panose="02020603050405020304" pitchFamily="18" charset="0"/>
+              </a:rPr>
+              <a:t> </a:t>
+            </a:r>
+            <a:r>
+              <a:rPr lang="en-US" dirty="0" err="1" smtClean="0">
+                <a:latin typeface="Times New Roman" panose="02020603050405020304" pitchFamily="18" charset="0"/>
+                <a:cs typeface="Times New Roman" panose="02020603050405020304" pitchFamily="18" charset="0"/>
+              </a:rPr>
+              <a:t>tính</a:t>
+            </a:r>
+            <a:r>
+              <a:rPr lang="en-US" dirty="0" smtClean="0">
+                <a:latin typeface="Times New Roman" panose="02020603050405020304" pitchFamily="18" charset="0"/>
+                <a:cs typeface="Times New Roman" panose="02020603050405020304" pitchFamily="18" charset="0"/>
+              </a:rPr>
+              <a:t> </a:t>
+            </a:r>
+            <a:r>
+              <a:rPr lang="en-US" dirty="0" err="1" smtClean="0">
+                <a:latin typeface="Times New Roman" panose="02020603050405020304" pitchFamily="18" charset="0"/>
+                <a:cs typeface="Times New Roman" panose="02020603050405020304" pitchFamily="18" charset="0"/>
+              </a:rPr>
+              <a:t>hỏi</a:t>
+            </a:r>
+            <a:r>
+              <a:rPr lang="en-US" dirty="0" smtClean="0">
+                <a:latin typeface="Times New Roman" panose="02020603050405020304" pitchFamily="18" charset="0"/>
+                <a:cs typeface="Times New Roman" panose="02020603050405020304" pitchFamily="18" charset="0"/>
+              </a:rPr>
+              <a:t> </a:t>
+            </a:r>
+            <a:r>
+              <a:rPr lang="en-US" dirty="0" err="1" smtClean="0">
+                <a:latin typeface="Times New Roman" panose="02020603050405020304" pitchFamily="18" charset="0"/>
+                <a:cs typeface="Times New Roman" panose="02020603050405020304" pitchFamily="18" charset="0"/>
+              </a:rPr>
+              <a:t>đáp</a:t>
+            </a:r>
+            <a:r>
+              <a:rPr lang="en-US" dirty="0" smtClean="0">
+                <a:latin typeface="Times New Roman" panose="02020603050405020304" pitchFamily="18" charset="0"/>
+                <a:cs typeface="Times New Roman" panose="02020603050405020304" pitchFamily="18" charset="0"/>
+              </a:rPr>
+              <a:t> </a:t>
+            </a:r>
+            <a:r>
+              <a:rPr lang="en-US" dirty="0" err="1" smtClean="0">
+                <a:latin typeface="Times New Roman" panose="02020603050405020304" pitchFamily="18" charset="0"/>
+                <a:cs typeface="Times New Roman" panose="02020603050405020304" pitchFamily="18" charset="0"/>
+              </a:rPr>
+              <a:t>theo</a:t>
+            </a:r>
+            <a:r>
+              <a:rPr lang="en-US" dirty="0" smtClean="0">
+                <a:latin typeface="Times New Roman" panose="02020603050405020304" pitchFamily="18" charset="0"/>
+                <a:cs typeface="Times New Roman" panose="02020603050405020304" pitchFamily="18" charset="0"/>
+              </a:rPr>
+              <a:t> </a:t>
+            </a:r>
+            <a:r>
+              <a:rPr lang="en-US" dirty="0" err="1" smtClean="0">
+                <a:latin typeface="Times New Roman" panose="02020603050405020304" pitchFamily="18" charset="0"/>
+                <a:cs typeface="Times New Roman" panose="02020603050405020304" pitchFamily="18" charset="0"/>
+              </a:rPr>
+              <a:t>ngữ</a:t>
+            </a:r>
+            <a:r>
+              <a:rPr lang="en-US" dirty="0" smtClean="0">
+                <a:latin typeface="Times New Roman" panose="02020603050405020304" pitchFamily="18" charset="0"/>
+                <a:cs typeface="Times New Roman" panose="02020603050405020304" pitchFamily="18" charset="0"/>
+              </a:rPr>
+              <a:t> </a:t>
+            </a:r>
+            <a:r>
+              <a:rPr lang="en-US" dirty="0" err="1" smtClean="0">
+                <a:latin typeface="Times New Roman" panose="02020603050405020304" pitchFamily="18" charset="0"/>
+                <a:cs typeface="Times New Roman" panose="02020603050405020304" pitchFamily="18" charset="0"/>
+              </a:rPr>
+              <a:t>cảnh</a:t>
+            </a:r>
+            <a:r>
+              <a:rPr lang="en-US" dirty="0" smtClean="0">
+                <a:latin typeface="Times New Roman" panose="02020603050405020304" pitchFamily="18" charset="0"/>
+                <a:cs typeface="Times New Roman" panose="02020603050405020304" pitchFamily="18" charset="0"/>
+              </a:rPr>
+              <a:t>.</a:t>
+            </a:r>
+          </a:p>
+          <a:p>
+            <a:pPr lvl="1">
+              <a:lnSpc>
+                <a:spcPct val="150000"/>
+              </a:lnSpc>
+              <a:buFont typeface="Wingdings" panose="05000000000000000000" pitchFamily="2" charset="2"/>
+              <a:buChar char="Ø"/>
+            </a:pPr>
+            <a:r>
+              <a:rPr lang="en-US" dirty="0" err="1" smtClean="0">
+                <a:latin typeface="Times New Roman" panose="02020603050405020304" pitchFamily="18" charset="0"/>
+                <a:cs typeface="Times New Roman" panose="02020603050405020304" pitchFamily="18" charset="0"/>
+              </a:rPr>
+              <a:t>Trả</a:t>
+            </a:r>
+            <a:r>
+              <a:rPr lang="en-US" dirty="0" smtClean="0">
+                <a:latin typeface="Times New Roman" panose="02020603050405020304" pitchFamily="18" charset="0"/>
+                <a:cs typeface="Times New Roman" panose="02020603050405020304" pitchFamily="18" charset="0"/>
+              </a:rPr>
+              <a:t> </a:t>
+            </a:r>
+            <a:r>
+              <a:rPr lang="en-US" dirty="0" err="1" smtClean="0">
+                <a:latin typeface="Times New Roman" panose="02020603050405020304" pitchFamily="18" charset="0"/>
+                <a:cs typeface="Times New Roman" panose="02020603050405020304" pitchFamily="18" charset="0"/>
+              </a:rPr>
+              <a:t>lời</a:t>
+            </a:r>
+            <a:r>
+              <a:rPr lang="en-US" dirty="0" smtClean="0">
+                <a:latin typeface="Times New Roman" panose="02020603050405020304" pitchFamily="18" charset="0"/>
+                <a:cs typeface="Times New Roman" panose="02020603050405020304" pitchFamily="18" charset="0"/>
+              </a:rPr>
+              <a:t> </a:t>
+            </a:r>
+            <a:r>
+              <a:rPr lang="en-US" dirty="0" err="1" smtClean="0">
+                <a:latin typeface="Times New Roman" panose="02020603050405020304" pitchFamily="18" charset="0"/>
+                <a:cs typeface="Times New Roman" panose="02020603050405020304" pitchFamily="18" charset="0"/>
+              </a:rPr>
+              <a:t>nhanh</a:t>
+            </a:r>
+            <a:r>
+              <a:rPr lang="en-US" dirty="0" smtClean="0">
+                <a:latin typeface="Times New Roman" panose="02020603050405020304" pitchFamily="18" charset="0"/>
+                <a:cs typeface="Times New Roman" panose="02020603050405020304" pitchFamily="18" charset="0"/>
+              </a:rPr>
+              <a:t>.</a:t>
+            </a:r>
+            <a:endParaRPr lang="en-US" dirty="0" smtClean="0">
+              <a:latin typeface="Times New Roman" panose="02020603050405020304" pitchFamily="18" charset="0"/>
+              <a:cs typeface="Times New Roman" panose="02020603050405020304" pitchFamily="18" charset="0"/>
+            </a:endParaRPr>
+          </a:p>
+        </p:txBody>
+      </p:sp>
+      <p:sp>
+        <p:nvSpPr>
+          <p:cNvPr id="4" name="Slide Number Placeholder 3"/>
+          <p:cNvSpPr>
+            <a:spLocks noGrp="1"/>
+          </p:cNvSpPr>
+          <p:nvPr>
+            <p:ph type="sldNum" sz="quarter" idx="10"/>
+          </p:nvPr>
+        </p:nvSpPr>
+        <p:spPr/>
+        <p:txBody>
+          <a:bodyPr/>
+          <a:lstStyle/>
+          <a:p>
+            <a:pPr>
+              <a:defRPr/>
+            </a:pPr>
+            <a:fld id="{DF7D7A9D-6521-4C9C-B98B-0A8DAB95E158}" type="slidenum">
+              <a:rPr lang="en-US" altLang="ja-JP" smtClean="0"/>
+              <a:pPr>
+                <a:defRPr/>
+              </a:pPr>
+              <a:t>15</a:t>
             </a:fld>
             <a:endParaRPr lang="en-US" altLang="ja-JP"/>
           </a:p>
@@ -5263,7 +7943,2080 @@
     </p:spTree>
     <p:extLst>
       <p:ext uri="{BB962C8B-B14F-4D97-AF65-F5344CB8AC3E}">
-        <p14:creationId xmlns:p14="http://schemas.microsoft.com/office/powerpoint/2010/main" val="1072070373"/>
+        <p14:creationId xmlns:p14="http://schemas.microsoft.com/office/powerpoint/2010/main" val="3569627933"/>
+      </p:ext>
+    </p:extLst>
+  </p:cSld>
+  <p:clrMapOvr>
+    <a:masterClrMapping/>
+  </p:clrMapOvr>
+  <p:timing>
+    <p:tnLst>
+      <p:par>
+        <p:cTn id="1" dur="indefinite" restart="never" nodeType="tmRoot"/>
+      </p:par>
+    </p:tnLst>
+  </p:timing>
+</p:sld>
+</file>
+
+<file path=ppt/slides/slide17.xml><?xml version="1.0" encoding="utf-8"?>
+<p:sld xmlns:a="http://schemas.openxmlformats.org/drawingml/2006/main" xmlns:r="http://schemas.openxmlformats.org/officeDocument/2006/relationships" xmlns:p="http://schemas.openxmlformats.org/presentationml/2006/main">
+  <p:cSld>
+    <p:spTree>
+      <p:nvGrpSpPr>
+        <p:cNvPr id="1" name=""/>
+        <p:cNvGrpSpPr/>
+        <p:nvPr/>
+      </p:nvGrpSpPr>
+      <p:grpSpPr>
+        <a:xfrm>
+          <a:off x="0" y="0"/>
+          <a:ext cx="0" cy="0"/>
+          <a:chOff x="0" y="0"/>
+          <a:chExt cx="0" cy="0"/>
+        </a:xfrm>
+      </p:grpSpPr>
+      <p:sp>
+        <p:nvSpPr>
+          <p:cNvPr id="2" name="Title 1"/>
+          <p:cNvSpPr>
+            <a:spLocks noGrp="1"/>
+          </p:cNvSpPr>
+          <p:nvPr>
+            <p:ph type="title"/>
+          </p:nvPr>
+        </p:nvSpPr>
+        <p:spPr/>
+        <p:txBody>
+          <a:bodyPr/>
+          <a:lstStyle/>
+          <a:p>
+            <a:r>
+              <a:rPr lang="en-US" dirty="0" err="1" smtClean="0">
+                <a:latin typeface="Times New Roman" panose="02020603050405020304" pitchFamily="18" charset="0"/>
+                <a:cs typeface="Times New Roman" panose="02020603050405020304" pitchFamily="18" charset="0"/>
+              </a:rPr>
+              <a:t>Chatbot</a:t>
+            </a:r>
+            <a:endParaRPr lang="en-US" dirty="0"/>
+          </a:p>
+        </p:txBody>
+      </p:sp>
+      <p:sp>
+        <p:nvSpPr>
+          <p:cNvPr id="3" name="Content Placeholder 2"/>
+          <p:cNvSpPr>
+            <a:spLocks noGrp="1"/>
+          </p:cNvSpPr>
+          <p:nvPr>
+            <p:ph idx="1"/>
+          </p:nvPr>
+        </p:nvSpPr>
+        <p:spPr/>
+        <p:txBody>
+          <a:bodyPr/>
+          <a:lstStyle/>
+          <a:p>
+            <a:r>
+              <a:rPr lang="en-US" dirty="0" err="1" smtClean="0">
+                <a:latin typeface="Times New Roman" panose="02020603050405020304" pitchFamily="18" charset="0"/>
+                <a:cs typeface="Times New Roman" panose="02020603050405020304" pitchFamily="18" charset="0"/>
+              </a:rPr>
+              <a:t>Hiện</a:t>
+            </a:r>
+            <a:r>
+              <a:rPr lang="en-US" dirty="0" smtClean="0">
+                <a:latin typeface="Times New Roman" panose="02020603050405020304" pitchFamily="18" charset="0"/>
+                <a:cs typeface="Times New Roman" panose="02020603050405020304" pitchFamily="18" charset="0"/>
+              </a:rPr>
+              <a:t> </a:t>
+            </a:r>
+            <a:r>
+              <a:rPr lang="en-US" dirty="0" err="1" smtClean="0">
+                <a:latin typeface="Times New Roman" panose="02020603050405020304" pitchFamily="18" charset="0"/>
+                <a:cs typeface="Times New Roman" panose="02020603050405020304" pitchFamily="18" charset="0"/>
+              </a:rPr>
+              <a:t>tại</a:t>
+            </a:r>
+            <a:r>
+              <a:rPr lang="en-US" dirty="0" smtClean="0">
+                <a:latin typeface="Times New Roman" panose="02020603050405020304" pitchFamily="18" charset="0"/>
+                <a:cs typeface="Times New Roman" panose="02020603050405020304" pitchFamily="18" charset="0"/>
+              </a:rPr>
+              <a:t>, bot </a:t>
+            </a:r>
+            <a:r>
+              <a:rPr lang="en-US" dirty="0" err="1" smtClean="0">
+                <a:latin typeface="Times New Roman" panose="02020603050405020304" pitchFamily="18" charset="0"/>
+                <a:cs typeface="Times New Roman" panose="02020603050405020304" pitchFamily="18" charset="0"/>
+              </a:rPr>
+              <a:t>đã</a:t>
+            </a:r>
+            <a:r>
+              <a:rPr lang="en-US" dirty="0" smtClean="0">
+                <a:latin typeface="Times New Roman" panose="02020603050405020304" pitchFamily="18" charset="0"/>
+                <a:cs typeface="Times New Roman" panose="02020603050405020304" pitchFamily="18" charset="0"/>
+              </a:rPr>
+              <a:t> </a:t>
+            </a:r>
+            <a:r>
+              <a:rPr lang="en-US" dirty="0" err="1" smtClean="0">
+                <a:latin typeface="Times New Roman" panose="02020603050405020304" pitchFamily="18" charset="0"/>
+                <a:cs typeface="Times New Roman" panose="02020603050405020304" pitchFamily="18" charset="0"/>
+              </a:rPr>
+              <a:t>có</a:t>
+            </a:r>
+            <a:r>
+              <a:rPr lang="en-US" dirty="0" smtClean="0">
+                <a:latin typeface="Times New Roman" panose="02020603050405020304" pitchFamily="18" charset="0"/>
+                <a:cs typeface="Times New Roman" panose="02020603050405020304" pitchFamily="18" charset="0"/>
+              </a:rPr>
+              <a:t> </a:t>
+            </a:r>
+            <a:r>
+              <a:rPr lang="en-US" dirty="0" err="1" smtClean="0">
+                <a:latin typeface="Times New Roman" panose="02020603050405020304" pitchFamily="18" charset="0"/>
+                <a:cs typeface="Times New Roman" panose="02020603050405020304" pitchFamily="18" charset="0"/>
+              </a:rPr>
+              <a:t>thể</a:t>
+            </a:r>
+            <a:r>
+              <a:rPr lang="en-US" dirty="0" smtClean="0">
+                <a:latin typeface="Times New Roman" panose="02020603050405020304" pitchFamily="18" charset="0"/>
+                <a:cs typeface="Times New Roman" panose="02020603050405020304" pitchFamily="18" charset="0"/>
+              </a:rPr>
+              <a:t> </a:t>
+            </a:r>
+            <a:r>
+              <a:rPr lang="en-US" dirty="0" err="1" smtClean="0">
+                <a:latin typeface="Times New Roman" panose="02020603050405020304" pitchFamily="18" charset="0"/>
+                <a:cs typeface="Times New Roman" panose="02020603050405020304" pitchFamily="18" charset="0"/>
+              </a:rPr>
+              <a:t>làm</a:t>
+            </a:r>
+            <a:r>
+              <a:rPr lang="en-US" dirty="0" smtClean="0">
+                <a:latin typeface="Times New Roman" panose="02020603050405020304" pitchFamily="18" charset="0"/>
+                <a:cs typeface="Times New Roman" panose="02020603050405020304" pitchFamily="18" charset="0"/>
+              </a:rPr>
+              <a:t> </a:t>
+            </a:r>
+            <a:r>
+              <a:rPr lang="en-US" dirty="0" err="1" smtClean="0">
+                <a:latin typeface="Times New Roman" panose="02020603050405020304" pitchFamily="18" charset="0"/>
+                <a:cs typeface="Times New Roman" panose="02020603050405020304" pitchFamily="18" charset="0"/>
+              </a:rPr>
+              <a:t>được</a:t>
+            </a:r>
+            <a:r>
+              <a:rPr lang="en-US" dirty="0" smtClean="0">
+                <a:latin typeface="Times New Roman" panose="02020603050405020304" pitchFamily="18" charset="0"/>
+                <a:cs typeface="Times New Roman" panose="02020603050405020304" pitchFamily="18" charset="0"/>
+              </a:rPr>
+              <a:t> </a:t>
+            </a:r>
+            <a:r>
+              <a:rPr lang="en-US" dirty="0" err="1" smtClean="0">
+                <a:latin typeface="Times New Roman" panose="02020603050405020304" pitchFamily="18" charset="0"/>
+                <a:cs typeface="Times New Roman" panose="02020603050405020304" pitchFamily="18" charset="0"/>
+              </a:rPr>
+              <a:t>những</a:t>
+            </a:r>
+            <a:r>
+              <a:rPr lang="en-US" dirty="0" smtClean="0">
+                <a:latin typeface="Times New Roman" panose="02020603050405020304" pitchFamily="18" charset="0"/>
+                <a:cs typeface="Times New Roman" panose="02020603050405020304" pitchFamily="18" charset="0"/>
+              </a:rPr>
+              <a:t> </a:t>
+            </a:r>
+            <a:r>
+              <a:rPr lang="en-US" dirty="0" err="1" smtClean="0">
+                <a:latin typeface="Times New Roman" panose="02020603050405020304" pitchFamily="18" charset="0"/>
+                <a:cs typeface="Times New Roman" panose="02020603050405020304" pitchFamily="18" charset="0"/>
+              </a:rPr>
+              <a:t>việc</a:t>
+            </a:r>
+            <a:r>
+              <a:rPr lang="en-US" dirty="0" smtClean="0">
+                <a:latin typeface="Times New Roman" panose="02020603050405020304" pitchFamily="18" charset="0"/>
+                <a:cs typeface="Times New Roman" panose="02020603050405020304" pitchFamily="18" charset="0"/>
+              </a:rPr>
+              <a:t> </a:t>
+            </a:r>
+            <a:r>
+              <a:rPr lang="en-US" dirty="0" err="1" smtClean="0">
+                <a:latin typeface="Times New Roman" panose="02020603050405020304" pitchFamily="18" charset="0"/>
+                <a:cs typeface="Times New Roman" panose="02020603050405020304" pitchFamily="18" charset="0"/>
+              </a:rPr>
+              <a:t>cơ</a:t>
+            </a:r>
+            <a:r>
+              <a:rPr lang="en-US" dirty="0" smtClean="0">
+                <a:latin typeface="Times New Roman" panose="02020603050405020304" pitchFamily="18" charset="0"/>
+                <a:cs typeface="Times New Roman" panose="02020603050405020304" pitchFamily="18" charset="0"/>
+              </a:rPr>
+              <a:t> </a:t>
+            </a:r>
+            <a:r>
+              <a:rPr lang="en-US" dirty="0" err="1" smtClean="0">
+                <a:latin typeface="Times New Roman" panose="02020603050405020304" pitchFamily="18" charset="0"/>
+                <a:cs typeface="Times New Roman" panose="02020603050405020304" pitchFamily="18" charset="0"/>
+              </a:rPr>
+              <a:t>bản</a:t>
+            </a:r>
+            <a:r>
+              <a:rPr lang="en-US" dirty="0" smtClean="0">
+                <a:latin typeface="Times New Roman" panose="02020603050405020304" pitchFamily="18" charset="0"/>
+                <a:cs typeface="Times New Roman" panose="02020603050405020304" pitchFamily="18" charset="0"/>
+              </a:rPr>
+              <a:t> </a:t>
+            </a:r>
+            <a:r>
+              <a:rPr lang="en-US" dirty="0" err="1" smtClean="0">
+                <a:latin typeface="Times New Roman" panose="02020603050405020304" pitchFamily="18" charset="0"/>
+                <a:cs typeface="Times New Roman" panose="02020603050405020304" pitchFamily="18" charset="0"/>
+              </a:rPr>
+              <a:t>sau</a:t>
+            </a:r>
+            <a:endParaRPr lang="en-US" dirty="0">
+              <a:latin typeface="Times New Roman" panose="02020603050405020304" pitchFamily="18" charset="0"/>
+              <a:cs typeface="Times New Roman" panose="02020603050405020304" pitchFamily="18" charset="0"/>
+            </a:endParaRPr>
+          </a:p>
+          <a:p>
+            <a:pPr lvl="1">
+              <a:buFont typeface="Wingdings" panose="05000000000000000000" pitchFamily="2" charset="2"/>
+              <a:buChar char="Ø"/>
+            </a:pPr>
+            <a:r>
+              <a:rPr lang="en-US" dirty="0" err="1" smtClean="0">
+                <a:latin typeface="Times New Roman" panose="02020603050405020304" pitchFamily="18" charset="0"/>
+                <a:cs typeface="Times New Roman" panose="02020603050405020304" pitchFamily="18" charset="0"/>
+              </a:rPr>
+              <a:t>Cung</a:t>
+            </a:r>
+            <a:r>
+              <a:rPr lang="en-US" dirty="0" smtClean="0">
+                <a:latin typeface="Times New Roman" panose="02020603050405020304" pitchFamily="18" charset="0"/>
+                <a:cs typeface="Times New Roman" panose="02020603050405020304" pitchFamily="18" charset="0"/>
+              </a:rPr>
+              <a:t> </a:t>
+            </a:r>
+            <a:r>
+              <a:rPr lang="en-US" dirty="0" err="1" smtClean="0">
+                <a:latin typeface="Times New Roman" panose="02020603050405020304" pitchFamily="18" charset="0"/>
+                <a:cs typeface="Times New Roman" panose="02020603050405020304" pitchFamily="18" charset="0"/>
+              </a:rPr>
+              <a:t>cấp</a:t>
+            </a:r>
+            <a:r>
+              <a:rPr lang="en-US" dirty="0" smtClean="0">
+                <a:latin typeface="Times New Roman" panose="02020603050405020304" pitchFamily="18" charset="0"/>
+                <a:cs typeface="Times New Roman" panose="02020603050405020304" pitchFamily="18" charset="0"/>
+              </a:rPr>
+              <a:t> </a:t>
+            </a:r>
+            <a:r>
+              <a:rPr lang="en-US" dirty="0" err="1" smtClean="0">
+                <a:latin typeface="Times New Roman" panose="02020603050405020304" pitchFamily="18" charset="0"/>
+                <a:cs typeface="Times New Roman" panose="02020603050405020304" pitchFamily="18" charset="0"/>
+              </a:rPr>
+              <a:t>thông</a:t>
+            </a:r>
+            <a:r>
+              <a:rPr lang="en-US" dirty="0" smtClean="0">
+                <a:latin typeface="Times New Roman" panose="02020603050405020304" pitchFamily="18" charset="0"/>
+                <a:cs typeface="Times New Roman" panose="02020603050405020304" pitchFamily="18" charset="0"/>
+              </a:rPr>
+              <a:t> tin </a:t>
+            </a:r>
+            <a:r>
+              <a:rPr lang="en-US" dirty="0" err="1" smtClean="0">
+                <a:latin typeface="Times New Roman" panose="02020603050405020304" pitchFamily="18" charset="0"/>
+                <a:cs typeface="Times New Roman" panose="02020603050405020304" pitchFamily="18" charset="0"/>
+              </a:rPr>
+              <a:t>về</a:t>
+            </a:r>
+            <a:r>
+              <a:rPr lang="en-US" dirty="0" smtClean="0">
+                <a:latin typeface="Times New Roman" panose="02020603050405020304" pitchFamily="18" charset="0"/>
+                <a:cs typeface="Times New Roman" panose="02020603050405020304" pitchFamily="18" charset="0"/>
+              </a:rPr>
+              <a:t> </a:t>
+            </a:r>
+            <a:r>
+              <a:rPr lang="en-US" dirty="0" err="1" smtClean="0">
+                <a:latin typeface="Times New Roman" panose="02020603050405020304" pitchFamily="18" charset="0"/>
+                <a:cs typeface="Times New Roman" panose="02020603050405020304" pitchFamily="18" charset="0"/>
+              </a:rPr>
+              <a:t>công</a:t>
+            </a:r>
+            <a:r>
+              <a:rPr lang="en-US" dirty="0" smtClean="0">
+                <a:latin typeface="Times New Roman" panose="02020603050405020304" pitchFamily="18" charset="0"/>
+                <a:cs typeface="Times New Roman" panose="02020603050405020304" pitchFamily="18" charset="0"/>
+              </a:rPr>
+              <a:t> ty, </a:t>
+            </a:r>
+            <a:r>
+              <a:rPr lang="en-US" dirty="0" err="1" smtClean="0">
+                <a:latin typeface="Times New Roman" panose="02020603050405020304" pitchFamily="18" charset="0"/>
+                <a:cs typeface="Times New Roman" panose="02020603050405020304" pitchFamily="18" charset="0"/>
+              </a:rPr>
+              <a:t>tuyển</a:t>
+            </a:r>
+            <a:r>
+              <a:rPr lang="en-US" dirty="0" smtClean="0">
+                <a:latin typeface="Times New Roman" panose="02020603050405020304" pitchFamily="18" charset="0"/>
+                <a:cs typeface="Times New Roman" panose="02020603050405020304" pitchFamily="18" charset="0"/>
+              </a:rPr>
+              <a:t> </a:t>
+            </a:r>
+            <a:r>
+              <a:rPr lang="en-US" dirty="0" err="1" smtClean="0">
+                <a:latin typeface="Times New Roman" panose="02020603050405020304" pitchFamily="18" charset="0"/>
+                <a:cs typeface="Times New Roman" panose="02020603050405020304" pitchFamily="18" charset="0"/>
+              </a:rPr>
+              <a:t>dụng</a:t>
+            </a:r>
+            <a:r>
+              <a:rPr lang="en-US" dirty="0" smtClean="0">
+                <a:latin typeface="Times New Roman" panose="02020603050405020304" pitchFamily="18" charset="0"/>
+                <a:cs typeface="Times New Roman" panose="02020603050405020304" pitchFamily="18" charset="0"/>
+              </a:rPr>
+              <a:t>.</a:t>
+            </a:r>
+          </a:p>
+          <a:p>
+            <a:pPr lvl="1">
+              <a:buFont typeface="Wingdings" panose="05000000000000000000" pitchFamily="2" charset="2"/>
+              <a:buChar char="Ø"/>
+            </a:pPr>
+            <a:r>
+              <a:rPr lang="en-US" dirty="0" err="1" smtClean="0">
+                <a:latin typeface="Times New Roman" panose="02020603050405020304" pitchFamily="18" charset="0"/>
+                <a:cs typeface="Times New Roman" panose="02020603050405020304" pitchFamily="18" charset="0"/>
+              </a:rPr>
+              <a:t>Có</a:t>
+            </a:r>
+            <a:r>
+              <a:rPr lang="en-US" dirty="0" smtClean="0">
+                <a:latin typeface="Times New Roman" panose="02020603050405020304" pitchFamily="18" charset="0"/>
+                <a:cs typeface="Times New Roman" panose="02020603050405020304" pitchFamily="18" charset="0"/>
+              </a:rPr>
+              <a:t> </a:t>
+            </a:r>
+            <a:r>
+              <a:rPr lang="en-US" dirty="0" err="1" smtClean="0">
+                <a:latin typeface="Times New Roman" panose="02020603050405020304" pitchFamily="18" charset="0"/>
+                <a:cs typeface="Times New Roman" panose="02020603050405020304" pitchFamily="18" charset="0"/>
+              </a:rPr>
+              <a:t>thể</a:t>
+            </a:r>
+            <a:r>
+              <a:rPr lang="en-US" dirty="0" smtClean="0">
+                <a:latin typeface="Times New Roman" panose="02020603050405020304" pitchFamily="18" charset="0"/>
+                <a:cs typeface="Times New Roman" panose="02020603050405020304" pitchFamily="18" charset="0"/>
+              </a:rPr>
+              <a:t> </a:t>
+            </a:r>
+            <a:r>
+              <a:rPr lang="en-US" dirty="0" err="1" smtClean="0">
+                <a:latin typeface="Times New Roman" panose="02020603050405020304" pitchFamily="18" charset="0"/>
+                <a:cs typeface="Times New Roman" panose="02020603050405020304" pitchFamily="18" charset="0"/>
+              </a:rPr>
+              <a:t>hỏi</a:t>
+            </a:r>
+            <a:r>
+              <a:rPr lang="en-US" dirty="0" smtClean="0">
+                <a:latin typeface="Times New Roman" panose="02020603050405020304" pitchFamily="18" charset="0"/>
+                <a:cs typeface="Times New Roman" panose="02020603050405020304" pitchFamily="18" charset="0"/>
+              </a:rPr>
+              <a:t> </a:t>
+            </a:r>
+            <a:r>
+              <a:rPr lang="en-US" dirty="0" err="1" smtClean="0">
+                <a:latin typeface="Times New Roman" panose="02020603050405020304" pitchFamily="18" charset="0"/>
+                <a:cs typeface="Times New Roman" panose="02020603050405020304" pitchFamily="18" charset="0"/>
+              </a:rPr>
+              <a:t>lại</a:t>
+            </a:r>
+            <a:r>
+              <a:rPr lang="en-US" dirty="0" smtClean="0">
+                <a:latin typeface="Times New Roman" panose="02020603050405020304" pitchFamily="18" charset="0"/>
+                <a:cs typeface="Times New Roman" panose="02020603050405020304" pitchFamily="18" charset="0"/>
+              </a:rPr>
+              <a:t> </a:t>
+            </a:r>
+            <a:r>
+              <a:rPr lang="en-US" dirty="0" err="1" smtClean="0">
+                <a:latin typeface="Times New Roman" panose="02020603050405020304" pitchFamily="18" charset="0"/>
+                <a:cs typeface="Times New Roman" panose="02020603050405020304" pitchFamily="18" charset="0"/>
+              </a:rPr>
+              <a:t>người</a:t>
+            </a:r>
+            <a:r>
+              <a:rPr lang="en-US" dirty="0" smtClean="0">
+                <a:latin typeface="Times New Roman" panose="02020603050405020304" pitchFamily="18" charset="0"/>
+                <a:cs typeface="Times New Roman" panose="02020603050405020304" pitchFamily="18" charset="0"/>
+              </a:rPr>
+              <a:t> </a:t>
+            </a:r>
+            <a:r>
+              <a:rPr lang="en-US" dirty="0" err="1" smtClean="0">
+                <a:latin typeface="Times New Roman" panose="02020603050405020304" pitchFamily="18" charset="0"/>
+                <a:cs typeface="Times New Roman" panose="02020603050405020304" pitchFamily="18" charset="0"/>
+              </a:rPr>
+              <a:t>dùng</a:t>
+            </a:r>
+            <a:r>
+              <a:rPr lang="en-US" dirty="0" smtClean="0">
+                <a:latin typeface="Times New Roman" panose="02020603050405020304" pitchFamily="18" charset="0"/>
+                <a:cs typeface="Times New Roman" panose="02020603050405020304" pitchFamily="18" charset="0"/>
+              </a:rPr>
+              <a:t> </a:t>
+            </a:r>
+            <a:r>
+              <a:rPr lang="en-US" dirty="0" err="1" smtClean="0">
+                <a:latin typeface="Times New Roman" panose="02020603050405020304" pitchFamily="18" charset="0"/>
+                <a:cs typeface="Times New Roman" panose="02020603050405020304" pitchFamily="18" charset="0"/>
+              </a:rPr>
+              <a:t>về</a:t>
+            </a:r>
+            <a:r>
+              <a:rPr lang="en-US" dirty="0" smtClean="0">
+                <a:latin typeface="Times New Roman" panose="02020603050405020304" pitchFamily="18" charset="0"/>
+                <a:cs typeface="Times New Roman" panose="02020603050405020304" pitchFamily="18" charset="0"/>
+              </a:rPr>
+              <a:t> </a:t>
+            </a:r>
+            <a:r>
+              <a:rPr lang="en-US" dirty="0" err="1" smtClean="0">
+                <a:latin typeface="Times New Roman" panose="02020603050405020304" pitchFamily="18" charset="0"/>
+                <a:cs typeface="Times New Roman" panose="02020603050405020304" pitchFamily="18" charset="0"/>
+              </a:rPr>
+              <a:t>những</a:t>
+            </a:r>
+            <a:r>
+              <a:rPr lang="en-US" dirty="0" smtClean="0">
+                <a:latin typeface="Times New Roman" panose="02020603050405020304" pitchFamily="18" charset="0"/>
+                <a:cs typeface="Times New Roman" panose="02020603050405020304" pitchFamily="18" charset="0"/>
+              </a:rPr>
+              <a:t> </a:t>
+            </a:r>
+            <a:r>
+              <a:rPr lang="en-US" dirty="0" err="1" smtClean="0">
+                <a:latin typeface="Times New Roman" panose="02020603050405020304" pitchFamily="18" charset="0"/>
+                <a:cs typeface="Times New Roman" panose="02020603050405020304" pitchFamily="18" charset="0"/>
+              </a:rPr>
+              <a:t>vấn</a:t>
+            </a:r>
+            <a:r>
+              <a:rPr lang="en-US" dirty="0" smtClean="0">
+                <a:latin typeface="Times New Roman" panose="02020603050405020304" pitchFamily="18" charset="0"/>
+                <a:cs typeface="Times New Roman" panose="02020603050405020304" pitchFamily="18" charset="0"/>
+              </a:rPr>
+              <a:t> </a:t>
+            </a:r>
+            <a:r>
+              <a:rPr lang="en-US" dirty="0" err="1" smtClean="0">
+                <a:latin typeface="Times New Roman" panose="02020603050405020304" pitchFamily="18" charset="0"/>
+                <a:cs typeface="Times New Roman" panose="02020603050405020304" pitchFamily="18" charset="0"/>
+              </a:rPr>
+              <a:t>đề</a:t>
+            </a:r>
+            <a:r>
+              <a:rPr lang="en-US" dirty="0" smtClean="0">
+                <a:latin typeface="Times New Roman" panose="02020603050405020304" pitchFamily="18" charset="0"/>
+                <a:cs typeface="Times New Roman" panose="02020603050405020304" pitchFamily="18" charset="0"/>
+              </a:rPr>
+              <a:t> </a:t>
+            </a:r>
+            <a:r>
+              <a:rPr lang="en-US" dirty="0" err="1" smtClean="0">
+                <a:latin typeface="Times New Roman" panose="02020603050405020304" pitchFamily="18" charset="0"/>
+                <a:cs typeface="Times New Roman" panose="02020603050405020304" pitchFamily="18" charset="0"/>
+              </a:rPr>
+              <a:t>khác</a:t>
+            </a:r>
+            <a:r>
+              <a:rPr lang="en-US" dirty="0" smtClean="0">
+                <a:latin typeface="Times New Roman" panose="02020603050405020304" pitchFamily="18" charset="0"/>
+                <a:cs typeface="Times New Roman" panose="02020603050405020304" pitchFamily="18" charset="0"/>
+              </a:rPr>
+              <a:t> </a:t>
+            </a:r>
+            <a:r>
+              <a:rPr lang="en-US" dirty="0" err="1" smtClean="0">
+                <a:latin typeface="Times New Roman" panose="02020603050405020304" pitchFamily="18" charset="0"/>
+                <a:cs typeface="Times New Roman" panose="02020603050405020304" pitchFamily="18" charset="0"/>
+              </a:rPr>
+              <a:t>nhau</a:t>
+            </a:r>
+            <a:r>
+              <a:rPr lang="en-US" dirty="0" smtClean="0">
+                <a:latin typeface="Times New Roman" panose="02020603050405020304" pitchFamily="18" charset="0"/>
+                <a:cs typeface="Times New Roman" panose="02020603050405020304" pitchFamily="18" charset="0"/>
+              </a:rPr>
+              <a:t>.</a:t>
+            </a:r>
+            <a:endParaRPr lang="en-US" dirty="0" smtClean="0">
+              <a:latin typeface="Times New Roman" panose="02020603050405020304" pitchFamily="18" charset="0"/>
+              <a:cs typeface="Times New Roman" panose="02020603050405020304" pitchFamily="18" charset="0"/>
+            </a:endParaRPr>
+          </a:p>
+          <a:p>
+            <a:pPr lvl="1">
+              <a:buFont typeface="Wingdings" panose="05000000000000000000" pitchFamily="2" charset="2"/>
+              <a:buChar char="Ø"/>
+            </a:pPr>
+            <a:endParaRPr lang="en-US" dirty="0">
+              <a:latin typeface="Times New Roman" panose="02020603050405020304" pitchFamily="18" charset="0"/>
+              <a:cs typeface="Times New Roman" panose="02020603050405020304" pitchFamily="18" charset="0"/>
+            </a:endParaRPr>
+          </a:p>
+        </p:txBody>
+      </p:sp>
+      <p:sp>
+        <p:nvSpPr>
+          <p:cNvPr id="4" name="Slide Number Placeholder 3"/>
+          <p:cNvSpPr>
+            <a:spLocks noGrp="1"/>
+          </p:cNvSpPr>
+          <p:nvPr>
+            <p:ph type="sldNum" sz="quarter" idx="10"/>
+          </p:nvPr>
+        </p:nvSpPr>
+        <p:spPr/>
+        <p:txBody>
+          <a:bodyPr/>
+          <a:lstStyle/>
+          <a:p>
+            <a:pPr>
+              <a:defRPr/>
+            </a:pPr>
+            <a:fld id="{DF7D7A9D-6521-4C9C-B98B-0A8DAB95E158}" type="slidenum">
+              <a:rPr lang="en-US" altLang="ja-JP" smtClean="0"/>
+              <a:pPr>
+                <a:defRPr/>
+              </a:pPr>
+              <a:t>16</a:t>
+            </a:fld>
+            <a:endParaRPr lang="en-US" altLang="ja-JP"/>
+          </a:p>
+        </p:txBody>
+      </p:sp>
+    </p:spTree>
+    <p:extLst>
+      <p:ext uri="{BB962C8B-B14F-4D97-AF65-F5344CB8AC3E}">
+        <p14:creationId xmlns:p14="http://schemas.microsoft.com/office/powerpoint/2010/main" val="170967910"/>
+      </p:ext>
+    </p:extLst>
+  </p:cSld>
+  <p:clrMapOvr>
+    <a:masterClrMapping/>
+  </p:clrMapOvr>
+  <p:timing>
+    <p:tnLst>
+      <p:par>
+        <p:cTn id="1" dur="indefinite" restart="never" nodeType="tmRoot"/>
+      </p:par>
+    </p:tnLst>
+  </p:timing>
+</p:sld>
+</file>
+
+<file path=ppt/slides/slide18.xml><?xml version="1.0" encoding="utf-8"?>
+<p:sld xmlns:a="http://schemas.openxmlformats.org/drawingml/2006/main" xmlns:r="http://schemas.openxmlformats.org/officeDocument/2006/relationships" xmlns:p="http://schemas.openxmlformats.org/presentationml/2006/main">
+  <p:cSld>
+    <p:spTree>
+      <p:nvGrpSpPr>
+        <p:cNvPr id="1" name=""/>
+        <p:cNvGrpSpPr/>
+        <p:nvPr/>
+      </p:nvGrpSpPr>
+      <p:grpSpPr>
+        <a:xfrm>
+          <a:off x="0" y="0"/>
+          <a:ext cx="0" cy="0"/>
+          <a:chOff x="0" y="0"/>
+          <a:chExt cx="0" cy="0"/>
+        </a:xfrm>
+      </p:grpSpPr>
+      <p:sp>
+        <p:nvSpPr>
+          <p:cNvPr id="2" name="Title 1"/>
+          <p:cNvSpPr>
+            <a:spLocks noGrp="1"/>
+          </p:cNvSpPr>
+          <p:nvPr>
+            <p:ph type="title"/>
+          </p:nvPr>
+        </p:nvSpPr>
+        <p:spPr/>
+        <p:txBody>
+          <a:bodyPr/>
+          <a:lstStyle/>
+          <a:p>
+            <a:r>
+              <a:rPr lang="en-US" dirty="0" err="1" smtClean="0">
+                <a:latin typeface="Times New Roman" panose="02020603050405020304" pitchFamily="18" charset="0"/>
+                <a:cs typeface="Times New Roman" panose="02020603050405020304" pitchFamily="18" charset="0"/>
+              </a:rPr>
+              <a:t>Chatbot</a:t>
+            </a:r>
+            <a:endParaRPr lang="en-US" dirty="0"/>
+          </a:p>
+        </p:txBody>
+      </p:sp>
+      <p:sp>
+        <p:nvSpPr>
+          <p:cNvPr id="3" name="Content Placeholder 2"/>
+          <p:cNvSpPr>
+            <a:spLocks noGrp="1"/>
+          </p:cNvSpPr>
+          <p:nvPr>
+            <p:ph idx="1"/>
+          </p:nvPr>
+        </p:nvSpPr>
+        <p:spPr/>
+        <p:txBody>
+          <a:bodyPr/>
+          <a:lstStyle/>
+          <a:p>
+            <a:r>
+              <a:rPr lang="en-US" b="1" dirty="0" smtClean="0">
+                <a:latin typeface="Times New Roman" panose="02020603050405020304" pitchFamily="18" charset="0"/>
+                <a:cs typeface="Times New Roman" panose="02020603050405020304" pitchFamily="18" charset="0"/>
+              </a:rPr>
+              <a:t>Frontend</a:t>
+            </a:r>
+          </a:p>
+          <a:p>
+            <a:pPr lvl="1">
+              <a:buFont typeface="Wingdings" panose="05000000000000000000" pitchFamily="2" charset="2"/>
+              <a:buChar char="Ø"/>
+            </a:pPr>
+            <a:r>
+              <a:rPr lang="en-US" dirty="0" err="1" smtClean="0">
+                <a:latin typeface="Times New Roman" panose="02020603050405020304" pitchFamily="18" charset="0"/>
+                <a:cs typeface="Times New Roman" panose="02020603050405020304" pitchFamily="18" charset="0"/>
+              </a:rPr>
+              <a:t>NodeJs</a:t>
+            </a:r>
+            <a:endParaRPr lang="en-US" dirty="0" smtClean="0">
+              <a:latin typeface="Times New Roman" panose="02020603050405020304" pitchFamily="18" charset="0"/>
+              <a:cs typeface="Times New Roman" panose="02020603050405020304" pitchFamily="18" charset="0"/>
+            </a:endParaRPr>
+          </a:p>
+          <a:p>
+            <a:pPr lvl="1">
+              <a:buFont typeface="Wingdings" panose="05000000000000000000" pitchFamily="2" charset="2"/>
+              <a:buChar char="Ø"/>
+            </a:pPr>
+            <a:r>
+              <a:rPr lang="en-US" dirty="0" smtClean="0">
+                <a:latin typeface="Times New Roman" panose="02020603050405020304" pitchFamily="18" charset="0"/>
+                <a:cs typeface="Times New Roman" panose="02020603050405020304" pitchFamily="18" charset="0"/>
+              </a:rPr>
+              <a:t>Socket.io</a:t>
+            </a:r>
+          </a:p>
+          <a:p>
+            <a:pPr lvl="1">
+              <a:buFont typeface="Wingdings" panose="05000000000000000000" pitchFamily="2" charset="2"/>
+              <a:buChar char="Ø"/>
+            </a:pPr>
+            <a:r>
+              <a:rPr lang="en-US" dirty="0" smtClean="0">
+                <a:latin typeface="Times New Roman" panose="02020603050405020304" pitchFamily="18" charset="0"/>
+                <a:cs typeface="Times New Roman" panose="02020603050405020304" pitchFamily="18" charset="0"/>
+              </a:rPr>
+              <a:t>Request-Promise</a:t>
+            </a:r>
+            <a:endParaRPr lang="en-US" dirty="0">
+              <a:latin typeface="Times New Roman" panose="02020603050405020304" pitchFamily="18" charset="0"/>
+              <a:cs typeface="Times New Roman" panose="02020603050405020304" pitchFamily="18" charset="0"/>
+            </a:endParaRPr>
+          </a:p>
+          <a:p>
+            <a:r>
+              <a:rPr lang="en-US" b="1" dirty="0" smtClean="0">
+                <a:latin typeface="Times New Roman" panose="02020603050405020304" pitchFamily="18" charset="0"/>
+                <a:cs typeface="Times New Roman" panose="02020603050405020304" pitchFamily="18" charset="0"/>
+              </a:rPr>
+              <a:t>Backend</a:t>
+            </a:r>
+          </a:p>
+          <a:p>
+            <a:pPr lvl="1">
+              <a:buFont typeface="Wingdings" panose="05000000000000000000" pitchFamily="2" charset="2"/>
+              <a:buChar char="Ø"/>
+            </a:pPr>
+            <a:r>
+              <a:rPr lang="en-US" dirty="0" smtClean="0">
+                <a:latin typeface="Times New Roman" panose="02020603050405020304" pitchFamily="18" charset="0"/>
+                <a:cs typeface="Times New Roman" panose="02020603050405020304" pitchFamily="18" charset="0"/>
+              </a:rPr>
+              <a:t>Python</a:t>
+            </a:r>
+          </a:p>
+          <a:p>
+            <a:pPr lvl="1">
+              <a:buFont typeface="Wingdings" panose="05000000000000000000" pitchFamily="2" charset="2"/>
+              <a:buChar char="Ø"/>
+            </a:pPr>
+            <a:r>
+              <a:rPr lang="en-US" dirty="0" smtClean="0">
+                <a:latin typeface="Times New Roman" panose="02020603050405020304" pitchFamily="18" charset="0"/>
+                <a:cs typeface="Times New Roman" panose="02020603050405020304" pitchFamily="18" charset="0"/>
+              </a:rPr>
+              <a:t>Flask</a:t>
+            </a:r>
+          </a:p>
+          <a:p>
+            <a:r>
+              <a:rPr lang="en-US" b="1" dirty="0" smtClean="0">
+                <a:latin typeface="Times New Roman" panose="02020603050405020304" pitchFamily="18" charset="0"/>
+                <a:cs typeface="Times New Roman" panose="02020603050405020304" pitchFamily="18" charset="0"/>
+              </a:rPr>
+              <a:t>Database</a:t>
+            </a:r>
+          </a:p>
+          <a:p>
+            <a:pPr lvl="1">
+              <a:buFont typeface="Wingdings" panose="05000000000000000000" pitchFamily="2" charset="2"/>
+              <a:buChar char="Ø"/>
+            </a:pPr>
+            <a:r>
+              <a:rPr lang="en-US" dirty="0" smtClean="0">
+                <a:latin typeface="Times New Roman" panose="02020603050405020304" pitchFamily="18" charset="0"/>
+                <a:cs typeface="Times New Roman" panose="02020603050405020304" pitchFamily="18" charset="0"/>
+              </a:rPr>
+              <a:t>Csv</a:t>
+            </a:r>
+          </a:p>
+          <a:p>
+            <a:pPr lvl="1">
+              <a:buFont typeface="Wingdings" panose="05000000000000000000" pitchFamily="2" charset="2"/>
+              <a:buChar char="Ø"/>
+            </a:pPr>
+            <a:r>
+              <a:rPr lang="en-US" dirty="0" err="1" smtClean="0">
+                <a:latin typeface="Times New Roman" panose="02020603050405020304" pitchFamily="18" charset="0"/>
+                <a:cs typeface="Times New Roman" panose="02020603050405020304" pitchFamily="18" charset="0"/>
+              </a:rPr>
+              <a:t>Json</a:t>
+            </a:r>
+            <a:endParaRPr lang="en-US" dirty="0" smtClean="0">
+              <a:latin typeface="Times New Roman" panose="02020603050405020304" pitchFamily="18" charset="0"/>
+              <a:cs typeface="Times New Roman" panose="02020603050405020304" pitchFamily="18" charset="0"/>
+            </a:endParaRPr>
+          </a:p>
+          <a:p>
+            <a:r>
+              <a:rPr lang="en-US" b="1" dirty="0" smtClean="0">
+                <a:latin typeface="Times New Roman" panose="02020603050405020304" pitchFamily="18" charset="0"/>
+                <a:cs typeface="Times New Roman" panose="02020603050405020304" pitchFamily="18" charset="0"/>
+              </a:rPr>
+              <a:t>Training data</a:t>
+            </a:r>
+          </a:p>
+          <a:p>
+            <a:pPr lvl="1">
+              <a:buFont typeface="Wingdings" panose="05000000000000000000" pitchFamily="2" charset="2"/>
+              <a:buChar char="Ø"/>
+            </a:pPr>
+            <a:r>
+              <a:rPr lang="en-US" dirty="0" err="1" smtClean="0">
+                <a:latin typeface="Times New Roman" panose="02020603050405020304" pitchFamily="18" charset="0"/>
+                <a:cs typeface="Times New Roman" panose="02020603050405020304" pitchFamily="18" charset="0"/>
+              </a:rPr>
+              <a:t>Tflearn</a:t>
+            </a:r>
+            <a:endParaRPr lang="en-US" dirty="0" smtClean="0">
+              <a:latin typeface="Times New Roman" panose="02020603050405020304" pitchFamily="18" charset="0"/>
+              <a:cs typeface="Times New Roman" panose="02020603050405020304" pitchFamily="18" charset="0"/>
+            </a:endParaRPr>
+          </a:p>
+          <a:p>
+            <a:pPr lvl="1">
+              <a:buFont typeface="Wingdings" panose="05000000000000000000" pitchFamily="2" charset="2"/>
+              <a:buChar char="Ø"/>
+            </a:pPr>
+            <a:r>
+              <a:rPr lang="en-US" dirty="0" err="1" smtClean="0">
+                <a:latin typeface="Times New Roman" panose="02020603050405020304" pitchFamily="18" charset="0"/>
+                <a:cs typeface="Times New Roman" panose="02020603050405020304" pitchFamily="18" charset="0"/>
+              </a:rPr>
+              <a:t>Nltk</a:t>
+            </a:r>
+            <a:endParaRPr lang="en-US" dirty="0" smtClean="0">
+              <a:latin typeface="Times New Roman" panose="02020603050405020304" pitchFamily="18" charset="0"/>
+              <a:cs typeface="Times New Roman" panose="02020603050405020304" pitchFamily="18" charset="0"/>
+            </a:endParaRPr>
+          </a:p>
+        </p:txBody>
+      </p:sp>
+      <p:sp>
+        <p:nvSpPr>
+          <p:cNvPr id="4" name="Slide Number Placeholder 3"/>
+          <p:cNvSpPr>
+            <a:spLocks noGrp="1"/>
+          </p:cNvSpPr>
+          <p:nvPr>
+            <p:ph type="sldNum" sz="quarter" idx="10"/>
+          </p:nvPr>
+        </p:nvSpPr>
+        <p:spPr/>
+        <p:txBody>
+          <a:bodyPr/>
+          <a:lstStyle/>
+          <a:p>
+            <a:pPr>
+              <a:defRPr/>
+            </a:pPr>
+            <a:fld id="{DF7D7A9D-6521-4C9C-B98B-0A8DAB95E158}" type="slidenum">
+              <a:rPr lang="en-US" altLang="ja-JP" smtClean="0"/>
+              <a:pPr>
+                <a:defRPr/>
+              </a:pPr>
+              <a:t>17</a:t>
+            </a:fld>
+            <a:endParaRPr lang="en-US" altLang="ja-JP"/>
+          </a:p>
+        </p:txBody>
+      </p:sp>
+    </p:spTree>
+    <p:extLst>
+      <p:ext uri="{BB962C8B-B14F-4D97-AF65-F5344CB8AC3E}">
+        <p14:creationId xmlns:p14="http://schemas.microsoft.com/office/powerpoint/2010/main" val="1643675175"/>
+      </p:ext>
+    </p:extLst>
+  </p:cSld>
+  <p:clrMapOvr>
+    <a:masterClrMapping/>
+  </p:clrMapOvr>
+  <p:timing>
+    <p:tnLst>
+      <p:par>
+        <p:cTn id="1" dur="indefinite" restart="never" nodeType="tmRoot"/>
+      </p:par>
+    </p:tnLst>
+  </p:timing>
+</p:sld>
+</file>
+
+<file path=ppt/slides/slide19.xml><?xml version="1.0" encoding="utf-8"?>
+<p:sld xmlns:a="http://schemas.openxmlformats.org/drawingml/2006/main" xmlns:r="http://schemas.openxmlformats.org/officeDocument/2006/relationships" xmlns:p="http://schemas.openxmlformats.org/presentationml/2006/main">
+  <p:cSld>
+    <p:spTree>
+      <p:nvGrpSpPr>
+        <p:cNvPr id="1" name=""/>
+        <p:cNvGrpSpPr/>
+        <p:nvPr/>
+      </p:nvGrpSpPr>
+      <p:grpSpPr>
+        <a:xfrm>
+          <a:off x="0" y="0"/>
+          <a:ext cx="0" cy="0"/>
+          <a:chOff x="0" y="0"/>
+          <a:chExt cx="0" cy="0"/>
+        </a:xfrm>
+      </p:grpSpPr>
+      <p:sp>
+        <p:nvSpPr>
+          <p:cNvPr id="2" name="Title 1"/>
+          <p:cNvSpPr>
+            <a:spLocks noGrp="1"/>
+          </p:cNvSpPr>
+          <p:nvPr>
+            <p:ph type="title"/>
+          </p:nvPr>
+        </p:nvSpPr>
+        <p:spPr/>
+        <p:txBody>
+          <a:bodyPr/>
+          <a:lstStyle/>
+          <a:p>
+            <a:r>
+              <a:rPr lang="en-US" dirty="0" err="1" smtClean="0">
+                <a:latin typeface="Times New Roman" panose="02020603050405020304" pitchFamily="18" charset="0"/>
+                <a:cs typeface="Times New Roman" panose="02020603050405020304" pitchFamily="18" charset="0"/>
+              </a:rPr>
+              <a:t>Chatbot</a:t>
+            </a:r>
+            <a:endParaRPr lang="en-US" dirty="0"/>
+          </a:p>
+        </p:txBody>
+      </p:sp>
+      <p:sp>
+        <p:nvSpPr>
+          <p:cNvPr id="3" name="Content Placeholder 2"/>
+          <p:cNvSpPr>
+            <a:spLocks noGrp="1"/>
+          </p:cNvSpPr>
+          <p:nvPr>
+            <p:ph idx="1"/>
+          </p:nvPr>
+        </p:nvSpPr>
+        <p:spPr/>
+        <p:txBody>
+          <a:bodyPr/>
+          <a:lstStyle/>
+          <a:p>
+            <a:r>
+              <a:rPr lang="en-US" b="1" dirty="0" smtClean="0">
+                <a:latin typeface="Times New Roman" panose="02020603050405020304" pitchFamily="18" charset="0"/>
+                <a:cs typeface="Times New Roman" panose="02020603050405020304" pitchFamily="18" charset="0"/>
+              </a:rPr>
+              <a:t>Database</a:t>
+            </a:r>
+          </a:p>
+          <a:p>
+            <a:pPr lvl="1">
+              <a:buFont typeface="Wingdings" panose="05000000000000000000" pitchFamily="2" charset="2"/>
+              <a:buChar char="Ø"/>
+            </a:pPr>
+            <a:r>
+              <a:rPr lang="en-US" dirty="0" err="1" smtClean="0">
+                <a:latin typeface="Times New Roman" panose="02020603050405020304" pitchFamily="18" charset="0"/>
+                <a:cs typeface="Times New Roman" panose="02020603050405020304" pitchFamily="18" charset="0"/>
+              </a:rPr>
+              <a:t>Các</a:t>
+            </a:r>
+            <a:r>
+              <a:rPr lang="en-US" dirty="0" smtClean="0">
+                <a:latin typeface="Times New Roman" panose="02020603050405020304" pitchFamily="18" charset="0"/>
+                <a:cs typeface="Times New Roman" panose="02020603050405020304" pitchFamily="18" charset="0"/>
+              </a:rPr>
+              <a:t> </a:t>
+            </a:r>
+            <a:r>
+              <a:rPr lang="en-US" dirty="0" err="1" smtClean="0">
+                <a:latin typeface="Times New Roman" panose="02020603050405020304" pitchFamily="18" charset="0"/>
+                <a:cs typeface="Times New Roman" panose="02020603050405020304" pitchFamily="18" charset="0"/>
+              </a:rPr>
+              <a:t>thẻ</a:t>
+            </a:r>
+            <a:r>
+              <a:rPr lang="en-US" dirty="0" smtClean="0">
+                <a:latin typeface="Times New Roman" panose="02020603050405020304" pitchFamily="18" charset="0"/>
+                <a:cs typeface="Times New Roman" panose="02020603050405020304" pitchFamily="18" charset="0"/>
+              </a:rPr>
+              <a:t> </a:t>
+            </a:r>
+            <a:r>
+              <a:rPr lang="en-US" dirty="0" err="1" smtClean="0">
+                <a:latin typeface="Times New Roman" panose="02020603050405020304" pitchFamily="18" charset="0"/>
+                <a:cs typeface="Times New Roman" panose="02020603050405020304" pitchFamily="18" charset="0"/>
+              </a:rPr>
+              <a:t>của</a:t>
+            </a:r>
+            <a:r>
+              <a:rPr lang="en-US" dirty="0" smtClean="0">
+                <a:latin typeface="Times New Roman" panose="02020603050405020304" pitchFamily="18" charset="0"/>
+                <a:cs typeface="Times New Roman" panose="02020603050405020304" pitchFamily="18" charset="0"/>
+              </a:rPr>
+              <a:t> database</a:t>
+            </a:r>
+          </a:p>
+          <a:p>
+            <a:pPr lvl="2">
+              <a:buFont typeface="Arial" panose="020B0604020202020204" pitchFamily="34" charset="0"/>
+              <a:buChar char="•"/>
+            </a:pPr>
+            <a:r>
+              <a:rPr lang="en-US" dirty="0">
+                <a:latin typeface="Times New Roman" panose="02020603050405020304" pitchFamily="18" charset="0"/>
+                <a:cs typeface="Times New Roman" panose="02020603050405020304" pitchFamily="18" charset="0"/>
+              </a:rPr>
+              <a:t>t</a:t>
+            </a:r>
+            <a:r>
+              <a:rPr lang="en-US" dirty="0" smtClean="0">
+                <a:latin typeface="Times New Roman" panose="02020603050405020304" pitchFamily="18" charset="0"/>
+                <a:cs typeface="Times New Roman" panose="02020603050405020304" pitchFamily="18" charset="0"/>
+              </a:rPr>
+              <a:t>ag: </a:t>
+            </a:r>
+            <a:r>
+              <a:rPr lang="en-US" dirty="0" err="1" smtClean="0">
+                <a:latin typeface="Times New Roman" panose="02020603050405020304" pitchFamily="18" charset="0"/>
+                <a:cs typeface="Times New Roman" panose="02020603050405020304" pitchFamily="18" charset="0"/>
+              </a:rPr>
+              <a:t>Dùng</a:t>
+            </a:r>
+            <a:r>
+              <a:rPr lang="en-US" dirty="0" smtClean="0">
+                <a:latin typeface="Times New Roman" panose="02020603050405020304" pitchFamily="18" charset="0"/>
+                <a:cs typeface="Times New Roman" panose="02020603050405020304" pitchFamily="18" charset="0"/>
+              </a:rPr>
+              <a:t> </a:t>
+            </a:r>
+            <a:r>
+              <a:rPr lang="en-US" dirty="0" err="1" smtClean="0">
+                <a:latin typeface="Times New Roman" panose="02020603050405020304" pitchFamily="18" charset="0"/>
+                <a:cs typeface="Times New Roman" panose="02020603050405020304" pitchFamily="18" charset="0"/>
+              </a:rPr>
+              <a:t>để</a:t>
+            </a:r>
+            <a:r>
+              <a:rPr lang="en-US" dirty="0" smtClean="0">
+                <a:latin typeface="Times New Roman" panose="02020603050405020304" pitchFamily="18" charset="0"/>
+                <a:cs typeface="Times New Roman" panose="02020603050405020304" pitchFamily="18" charset="0"/>
+              </a:rPr>
+              <a:t> </a:t>
+            </a:r>
+            <a:r>
+              <a:rPr lang="en-US" dirty="0" err="1" smtClean="0">
+                <a:latin typeface="Times New Roman" panose="02020603050405020304" pitchFamily="18" charset="0"/>
+                <a:cs typeface="Times New Roman" panose="02020603050405020304" pitchFamily="18" charset="0"/>
+              </a:rPr>
+              <a:t>phân</a:t>
+            </a:r>
+            <a:r>
+              <a:rPr lang="en-US" dirty="0" smtClean="0">
+                <a:latin typeface="Times New Roman" panose="02020603050405020304" pitchFamily="18" charset="0"/>
+                <a:cs typeface="Times New Roman" panose="02020603050405020304" pitchFamily="18" charset="0"/>
+              </a:rPr>
+              <a:t> </a:t>
+            </a:r>
+            <a:r>
+              <a:rPr lang="en-US" dirty="0" err="1" smtClean="0">
+                <a:latin typeface="Times New Roman" panose="02020603050405020304" pitchFamily="18" charset="0"/>
+                <a:cs typeface="Times New Roman" panose="02020603050405020304" pitchFamily="18" charset="0"/>
+              </a:rPr>
+              <a:t>lớp</a:t>
+            </a:r>
+            <a:r>
+              <a:rPr lang="en-US" dirty="0" smtClean="0">
+                <a:latin typeface="Times New Roman" panose="02020603050405020304" pitchFamily="18" charset="0"/>
+                <a:cs typeface="Times New Roman" panose="02020603050405020304" pitchFamily="18" charset="0"/>
+              </a:rPr>
+              <a:t> </a:t>
+            </a:r>
+            <a:r>
+              <a:rPr lang="en-US" dirty="0" err="1" smtClean="0">
+                <a:latin typeface="Times New Roman" panose="02020603050405020304" pitchFamily="18" charset="0"/>
+                <a:cs typeface="Times New Roman" panose="02020603050405020304" pitchFamily="18" charset="0"/>
+              </a:rPr>
+              <a:t>các</a:t>
+            </a:r>
+            <a:r>
+              <a:rPr lang="en-US" dirty="0" smtClean="0">
+                <a:latin typeface="Times New Roman" panose="02020603050405020304" pitchFamily="18" charset="0"/>
+                <a:cs typeface="Times New Roman" panose="02020603050405020304" pitchFamily="18" charset="0"/>
+              </a:rPr>
+              <a:t> </a:t>
+            </a:r>
+            <a:r>
+              <a:rPr lang="en-US" dirty="0" err="1" smtClean="0">
+                <a:latin typeface="Times New Roman" panose="02020603050405020304" pitchFamily="18" charset="0"/>
+                <a:cs typeface="Times New Roman" panose="02020603050405020304" pitchFamily="18" charset="0"/>
+              </a:rPr>
+              <a:t>câu</a:t>
+            </a:r>
+            <a:r>
+              <a:rPr lang="en-US" dirty="0" smtClean="0">
+                <a:latin typeface="Times New Roman" panose="02020603050405020304" pitchFamily="18" charset="0"/>
+                <a:cs typeface="Times New Roman" panose="02020603050405020304" pitchFamily="18" charset="0"/>
+              </a:rPr>
+              <a:t>.</a:t>
+            </a:r>
+          </a:p>
+          <a:p>
+            <a:pPr lvl="2">
+              <a:buFont typeface="Arial" panose="020B0604020202020204" pitchFamily="34" charset="0"/>
+              <a:buChar char="•"/>
+            </a:pPr>
+            <a:r>
+              <a:rPr lang="en-US" dirty="0" smtClean="0">
+                <a:latin typeface="Times New Roman" panose="02020603050405020304" pitchFamily="18" charset="0"/>
+                <a:cs typeface="Times New Roman" panose="02020603050405020304" pitchFamily="18" charset="0"/>
+              </a:rPr>
+              <a:t>patterns: </a:t>
+            </a:r>
+            <a:r>
+              <a:rPr lang="en-US" dirty="0" err="1" smtClean="0">
+                <a:latin typeface="Times New Roman" panose="02020603050405020304" pitchFamily="18" charset="0"/>
+                <a:cs typeface="Times New Roman" panose="02020603050405020304" pitchFamily="18" charset="0"/>
+              </a:rPr>
+              <a:t>Các</a:t>
+            </a:r>
+            <a:r>
+              <a:rPr lang="en-US" dirty="0" smtClean="0">
+                <a:latin typeface="Times New Roman" panose="02020603050405020304" pitchFamily="18" charset="0"/>
+                <a:cs typeface="Times New Roman" panose="02020603050405020304" pitchFamily="18" charset="0"/>
+              </a:rPr>
+              <a:t> </a:t>
+            </a:r>
+            <a:r>
+              <a:rPr lang="en-US" dirty="0" err="1" smtClean="0">
+                <a:latin typeface="Times New Roman" panose="02020603050405020304" pitchFamily="18" charset="0"/>
+                <a:cs typeface="Times New Roman" panose="02020603050405020304" pitchFamily="18" charset="0"/>
+              </a:rPr>
+              <a:t>mẫu</a:t>
+            </a:r>
+            <a:r>
+              <a:rPr lang="en-US" dirty="0" smtClean="0">
+                <a:latin typeface="Times New Roman" panose="02020603050405020304" pitchFamily="18" charset="0"/>
+                <a:cs typeface="Times New Roman" panose="02020603050405020304" pitchFamily="18" charset="0"/>
+              </a:rPr>
+              <a:t> </a:t>
+            </a:r>
+            <a:r>
+              <a:rPr lang="en-US" dirty="0" err="1" smtClean="0">
+                <a:latin typeface="Times New Roman" panose="02020603050405020304" pitchFamily="18" charset="0"/>
+                <a:cs typeface="Times New Roman" panose="02020603050405020304" pitchFamily="18" charset="0"/>
+              </a:rPr>
+              <a:t>câu</a:t>
+            </a:r>
+            <a:r>
+              <a:rPr lang="en-US" dirty="0" smtClean="0">
+                <a:latin typeface="Times New Roman" panose="02020603050405020304" pitchFamily="18" charset="0"/>
+                <a:cs typeface="Times New Roman" panose="02020603050405020304" pitchFamily="18" charset="0"/>
+              </a:rPr>
+              <a:t> </a:t>
+            </a:r>
+            <a:r>
+              <a:rPr lang="en-US" dirty="0" err="1" smtClean="0">
+                <a:latin typeface="Times New Roman" panose="02020603050405020304" pitchFamily="18" charset="0"/>
+                <a:cs typeface="Times New Roman" panose="02020603050405020304" pitchFamily="18" charset="0"/>
+              </a:rPr>
+              <a:t>có</a:t>
+            </a:r>
+            <a:r>
+              <a:rPr lang="en-US" dirty="0" smtClean="0">
+                <a:latin typeface="Times New Roman" panose="02020603050405020304" pitchFamily="18" charset="0"/>
+                <a:cs typeface="Times New Roman" panose="02020603050405020304" pitchFamily="18" charset="0"/>
+              </a:rPr>
+              <a:t> </a:t>
+            </a:r>
+            <a:r>
+              <a:rPr lang="en-US" dirty="0" err="1" smtClean="0">
+                <a:latin typeface="Times New Roman" panose="02020603050405020304" pitchFamily="18" charset="0"/>
+                <a:cs typeface="Times New Roman" panose="02020603050405020304" pitchFamily="18" charset="0"/>
+              </a:rPr>
+              <a:t>sẵn</a:t>
+            </a:r>
+            <a:r>
+              <a:rPr lang="en-US" dirty="0" smtClean="0">
+                <a:latin typeface="Times New Roman" panose="02020603050405020304" pitchFamily="18" charset="0"/>
+                <a:cs typeface="Times New Roman" panose="02020603050405020304" pitchFamily="18" charset="0"/>
+              </a:rPr>
+              <a:t>.</a:t>
+            </a:r>
+          </a:p>
+          <a:p>
+            <a:pPr lvl="2">
+              <a:buFont typeface="Arial" panose="020B0604020202020204" pitchFamily="34" charset="0"/>
+              <a:buChar char="•"/>
+            </a:pPr>
+            <a:r>
+              <a:rPr lang="en-US" dirty="0" smtClean="0">
+                <a:latin typeface="Times New Roman" panose="02020603050405020304" pitchFamily="18" charset="0"/>
+                <a:cs typeface="Times New Roman" panose="02020603050405020304" pitchFamily="18" charset="0"/>
+              </a:rPr>
+              <a:t>responses: </a:t>
+            </a:r>
+            <a:r>
+              <a:rPr lang="en-US" dirty="0" err="1" smtClean="0">
+                <a:latin typeface="Times New Roman" panose="02020603050405020304" pitchFamily="18" charset="0"/>
+                <a:cs typeface="Times New Roman" panose="02020603050405020304" pitchFamily="18" charset="0"/>
+              </a:rPr>
+              <a:t>Các</a:t>
+            </a:r>
+            <a:r>
+              <a:rPr lang="en-US" dirty="0" smtClean="0">
+                <a:latin typeface="Times New Roman" panose="02020603050405020304" pitchFamily="18" charset="0"/>
+                <a:cs typeface="Times New Roman" panose="02020603050405020304" pitchFamily="18" charset="0"/>
+              </a:rPr>
+              <a:t> </a:t>
+            </a:r>
+            <a:r>
+              <a:rPr lang="en-US" dirty="0" err="1" smtClean="0">
+                <a:latin typeface="Times New Roman" panose="02020603050405020304" pitchFamily="18" charset="0"/>
+                <a:cs typeface="Times New Roman" panose="02020603050405020304" pitchFamily="18" charset="0"/>
+              </a:rPr>
+              <a:t>câu</a:t>
+            </a:r>
+            <a:r>
+              <a:rPr lang="en-US" dirty="0" smtClean="0">
+                <a:latin typeface="Times New Roman" panose="02020603050405020304" pitchFamily="18" charset="0"/>
+                <a:cs typeface="Times New Roman" panose="02020603050405020304" pitchFamily="18" charset="0"/>
+              </a:rPr>
+              <a:t> </a:t>
+            </a:r>
+            <a:r>
+              <a:rPr lang="en-US" dirty="0" err="1" smtClean="0">
+                <a:latin typeface="Times New Roman" panose="02020603050405020304" pitchFamily="18" charset="0"/>
+                <a:cs typeface="Times New Roman" panose="02020603050405020304" pitchFamily="18" charset="0"/>
+              </a:rPr>
+              <a:t>trả</a:t>
+            </a:r>
+            <a:r>
+              <a:rPr lang="en-US" dirty="0" smtClean="0">
+                <a:latin typeface="Times New Roman" panose="02020603050405020304" pitchFamily="18" charset="0"/>
+                <a:cs typeface="Times New Roman" panose="02020603050405020304" pitchFamily="18" charset="0"/>
+              </a:rPr>
+              <a:t> </a:t>
+            </a:r>
+            <a:r>
+              <a:rPr lang="en-US" dirty="0" err="1" smtClean="0">
+                <a:latin typeface="Times New Roman" panose="02020603050405020304" pitchFamily="18" charset="0"/>
+                <a:cs typeface="Times New Roman" panose="02020603050405020304" pitchFamily="18" charset="0"/>
+              </a:rPr>
+              <a:t>lời</a:t>
+            </a:r>
+            <a:r>
+              <a:rPr lang="en-US" dirty="0" smtClean="0">
+                <a:latin typeface="Times New Roman" panose="02020603050405020304" pitchFamily="18" charset="0"/>
+                <a:cs typeface="Times New Roman" panose="02020603050405020304" pitchFamily="18" charset="0"/>
+              </a:rPr>
+              <a:t>.</a:t>
+            </a:r>
+          </a:p>
+          <a:p>
+            <a:pPr lvl="2">
+              <a:buFont typeface="Arial" panose="020B0604020202020204" pitchFamily="34" charset="0"/>
+              <a:buChar char="•"/>
+            </a:pPr>
+            <a:r>
+              <a:rPr lang="en-US" dirty="0" smtClean="0">
+                <a:latin typeface="Times New Roman" panose="02020603050405020304" pitchFamily="18" charset="0"/>
+                <a:cs typeface="Times New Roman" panose="02020603050405020304" pitchFamily="18" charset="0"/>
+              </a:rPr>
+              <a:t>question: </a:t>
+            </a:r>
+            <a:r>
+              <a:rPr lang="en-US" dirty="0" err="1" smtClean="0">
+                <a:latin typeface="Times New Roman" panose="02020603050405020304" pitchFamily="18" charset="0"/>
+                <a:cs typeface="Times New Roman" panose="02020603050405020304" pitchFamily="18" charset="0"/>
+              </a:rPr>
+              <a:t>Câu</a:t>
+            </a:r>
+            <a:r>
+              <a:rPr lang="en-US" dirty="0" smtClean="0">
+                <a:latin typeface="Times New Roman" panose="02020603050405020304" pitchFamily="18" charset="0"/>
+                <a:cs typeface="Times New Roman" panose="02020603050405020304" pitchFamily="18" charset="0"/>
+              </a:rPr>
+              <a:t> </a:t>
+            </a:r>
+            <a:r>
+              <a:rPr lang="en-US" dirty="0" err="1" smtClean="0">
+                <a:latin typeface="Times New Roman" panose="02020603050405020304" pitchFamily="18" charset="0"/>
+                <a:cs typeface="Times New Roman" panose="02020603050405020304" pitchFamily="18" charset="0"/>
+              </a:rPr>
+              <a:t>hỏi</a:t>
+            </a:r>
+            <a:r>
+              <a:rPr lang="en-US" dirty="0" smtClean="0">
+                <a:latin typeface="Times New Roman" panose="02020603050405020304" pitchFamily="18" charset="0"/>
+                <a:cs typeface="Times New Roman" panose="02020603050405020304" pitchFamily="18" charset="0"/>
+              </a:rPr>
+              <a:t>.</a:t>
+            </a:r>
+          </a:p>
+          <a:p>
+            <a:pPr lvl="2">
+              <a:buFont typeface="Arial" panose="020B0604020202020204" pitchFamily="34" charset="0"/>
+              <a:buChar char="•"/>
+            </a:pPr>
+            <a:r>
+              <a:rPr lang="en-US" dirty="0" err="1" smtClean="0">
+                <a:latin typeface="Times New Roman" panose="02020603050405020304" pitchFamily="18" charset="0"/>
+                <a:cs typeface="Times New Roman" panose="02020603050405020304" pitchFamily="18" charset="0"/>
+              </a:rPr>
+              <a:t>selectList</a:t>
+            </a:r>
+            <a:r>
+              <a:rPr lang="en-US" dirty="0" smtClean="0">
+                <a:latin typeface="Times New Roman" panose="02020603050405020304" pitchFamily="18" charset="0"/>
+                <a:cs typeface="Times New Roman" panose="02020603050405020304" pitchFamily="18" charset="0"/>
+              </a:rPr>
+              <a:t>: </a:t>
+            </a:r>
+            <a:r>
+              <a:rPr lang="en-US" dirty="0" err="1" smtClean="0">
+                <a:latin typeface="Times New Roman" panose="02020603050405020304" pitchFamily="18" charset="0"/>
+                <a:cs typeface="Times New Roman" panose="02020603050405020304" pitchFamily="18" charset="0"/>
+              </a:rPr>
+              <a:t>Các</a:t>
+            </a:r>
+            <a:r>
+              <a:rPr lang="en-US" dirty="0" smtClean="0">
+                <a:latin typeface="Times New Roman" panose="02020603050405020304" pitchFamily="18" charset="0"/>
+                <a:cs typeface="Times New Roman" panose="02020603050405020304" pitchFamily="18" charset="0"/>
+              </a:rPr>
+              <a:t> </a:t>
+            </a:r>
+            <a:r>
+              <a:rPr lang="en-US" dirty="0" err="1" smtClean="0">
+                <a:latin typeface="Times New Roman" panose="02020603050405020304" pitchFamily="18" charset="0"/>
+                <a:cs typeface="Times New Roman" panose="02020603050405020304" pitchFamily="18" charset="0"/>
+              </a:rPr>
+              <a:t>câu</a:t>
+            </a:r>
+            <a:r>
+              <a:rPr lang="en-US" dirty="0" smtClean="0">
+                <a:latin typeface="Times New Roman" panose="02020603050405020304" pitchFamily="18" charset="0"/>
+                <a:cs typeface="Times New Roman" panose="02020603050405020304" pitchFamily="18" charset="0"/>
+              </a:rPr>
+              <a:t> </a:t>
+            </a:r>
+            <a:r>
+              <a:rPr lang="en-US" dirty="0" err="1" smtClean="0">
+                <a:latin typeface="Times New Roman" panose="02020603050405020304" pitchFamily="18" charset="0"/>
+                <a:cs typeface="Times New Roman" panose="02020603050405020304" pitchFamily="18" charset="0"/>
+              </a:rPr>
+              <a:t>trả</a:t>
+            </a:r>
+            <a:r>
+              <a:rPr lang="en-US" dirty="0" smtClean="0">
+                <a:latin typeface="Times New Roman" panose="02020603050405020304" pitchFamily="18" charset="0"/>
+                <a:cs typeface="Times New Roman" panose="02020603050405020304" pitchFamily="18" charset="0"/>
+              </a:rPr>
+              <a:t> </a:t>
+            </a:r>
+            <a:r>
+              <a:rPr lang="en-US" dirty="0" err="1" smtClean="0">
+                <a:latin typeface="Times New Roman" panose="02020603050405020304" pitchFamily="18" charset="0"/>
+                <a:cs typeface="Times New Roman" panose="02020603050405020304" pitchFamily="18" charset="0"/>
+              </a:rPr>
+              <a:t>lời</a:t>
+            </a:r>
+            <a:r>
+              <a:rPr lang="en-US" dirty="0" smtClean="0">
+                <a:latin typeface="Times New Roman" panose="02020603050405020304" pitchFamily="18" charset="0"/>
+                <a:cs typeface="Times New Roman" panose="02020603050405020304" pitchFamily="18" charset="0"/>
+              </a:rPr>
+              <a:t> </a:t>
+            </a:r>
+            <a:r>
+              <a:rPr lang="en-US" dirty="0" err="1" smtClean="0">
+                <a:latin typeface="Times New Roman" panose="02020603050405020304" pitchFamily="18" charset="0"/>
+                <a:cs typeface="Times New Roman" panose="02020603050405020304" pitchFamily="18" charset="0"/>
+              </a:rPr>
+              <a:t>cho</a:t>
+            </a:r>
+            <a:r>
+              <a:rPr lang="en-US" dirty="0" smtClean="0">
+                <a:latin typeface="Times New Roman" panose="02020603050405020304" pitchFamily="18" charset="0"/>
+                <a:cs typeface="Times New Roman" panose="02020603050405020304" pitchFamily="18" charset="0"/>
+              </a:rPr>
+              <a:t> </a:t>
+            </a:r>
+            <a:r>
+              <a:rPr lang="en-US" dirty="0" err="1" smtClean="0">
+                <a:latin typeface="Times New Roman" panose="02020603050405020304" pitchFamily="18" charset="0"/>
+                <a:cs typeface="Times New Roman" panose="02020603050405020304" pitchFamily="18" charset="0"/>
+              </a:rPr>
+              <a:t>câu</a:t>
+            </a:r>
+            <a:r>
+              <a:rPr lang="en-US" dirty="0" smtClean="0">
+                <a:latin typeface="Times New Roman" panose="02020603050405020304" pitchFamily="18" charset="0"/>
+                <a:cs typeface="Times New Roman" panose="02020603050405020304" pitchFamily="18" charset="0"/>
+              </a:rPr>
+              <a:t> </a:t>
+            </a:r>
+            <a:r>
+              <a:rPr lang="en-US" dirty="0" err="1" smtClean="0">
+                <a:latin typeface="Times New Roman" panose="02020603050405020304" pitchFamily="18" charset="0"/>
+                <a:cs typeface="Times New Roman" panose="02020603050405020304" pitchFamily="18" charset="0"/>
+              </a:rPr>
+              <a:t>hỏi</a:t>
+            </a:r>
+            <a:r>
+              <a:rPr lang="en-US" dirty="0" smtClean="0">
+                <a:latin typeface="Times New Roman" panose="02020603050405020304" pitchFamily="18" charset="0"/>
+                <a:cs typeface="Times New Roman" panose="02020603050405020304" pitchFamily="18" charset="0"/>
+              </a:rPr>
+              <a:t> </a:t>
+            </a:r>
+            <a:r>
+              <a:rPr lang="en-US" dirty="0" err="1" smtClean="0">
+                <a:latin typeface="Times New Roman" panose="02020603050405020304" pitchFamily="18" charset="0"/>
+                <a:cs typeface="Times New Roman" panose="02020603050405020304" pitchFamily="18" charset="0"/>
+              </a:rPr>
+              <a:t>để</a:t>
+            </a:r>
+            <a:r>
+              <a:rPr lang="en-US" dirty="0" smtClean="0">
+                <a:latin typeface="Times New Roman" panose="02020603050405020304" pitchFamily="18" charset="0"/>
+                <a:cs typeface="Times New Roman" panose="02020603050405020304" pitchFamily="18" charset="0"/>
+              </a:rPr>
+              <a:t> </a:t>
+            </a:r>
+            <a:r>
+              <a:rPr lang="en-US" dirty="0" err="1" smtClean="0">
+                <a:latin typeface="Times New Roman" panose="02020603050405020304" pitchFamily="18" charset="0"/>
+                <a:cs typeface="Times New Roman" panose="02020603050405020304" pitchFamily="18" charset="0"/>
+              </a:rPr>
+              <a:t>người</a:t>
+            </a:r>
+            <a:r>
+              <a:rPr lang="en-US" dirty="0" smtClean="0">
+                <a:latin typeface="Times New Roman" panose="02020603050405020304" pitchFamily="18" charset="0"/>
+                <a:cs typeface="Times New Roman" panose="02020603050405020304" pitchFamily="18" charset="0"/>
+              </a:rPr>
+              <a:t> </a:t>
+            </a:r>
+            <a:r>
+              <a:rPr lang="en-US" dirty="0" err="1" smtClean="0">
+                <a:latin typeface="Times New Roman" panose="02020603050405020304" pitchFamily="18" charset="0"/>
+                <a:cs typeface="Times New Roman" panose="02020603050405020304" pitchFamily="18" charset="0"/>
+              </a:rPr>
+              <a:t>dùng</a:t>
+            </a:r>
+            <a:r>
+              <a:rPr lang="en-US" dirty="0" smtClean="0">
+                <a:latin typeface="Times New Roman" panose="02020603050405020304" pitchFamily="18" charset="0"/>
+                <a:cs typeface="Times New Roman" panose="02020603050405020304" pitchFamily="18" charset="0"/>
+              </a:rPr>
+              <a:t> </a:t>
+            </a:r>
+            <a:r>
+              <a:rPr lang="en-US" dirty="0" err="1" smtClean="0">
+                <a:latin typeface="Times New Roman" panose="02020603050405020304" pitchFamily="18" charset="0"/>
+                <a:cs typeface="Times New Roman" panose="02020603050405020304" pitchFamily="18" charset="0"/>
+              </a:rPr>
+              <a:t>lựa</a:t>
+            </a:r>
+            <a:r>
+              <a:rPr lang="en-US" dirty="0" smtClean="0">
+                <a:latin typeface="Times New Roman" panose="02020603050405020304" pitchFamily="18" charset="0"/>
+                <a:cs typeface="Times New Roman" panose="02020603050405020304" pitchFamily="18" charset="0"/>
+              </a:rPr>
+              <a:t> </a:t>
+            </a:r>
+            <a:r>
+              <a:rPr lang="en-US" dirty="0" err="1" smtClean="0">
+                <a:latin typeface="Times New Roman" panose="02020603050405020304" pitchFamily="18" charset="0"/>
+                <a:cs typeface="Times New Roman" panose="02020603050405020304" pitchFamily="18" charset="0"/>
+              </a:rPr>
+              <a:t>chọn</a:t>
+            </a:r>
+            <a:r>
+              <a:rPr lang="en-US" dirty="0" smtClean="0">
+                <a:latin typeface="Times New Roman" panose="02020603050405020304" pitchFamily="18" charset="0"/>
+                <a:cs typeface="Times New Roman" panose="02020603050405020304" pitchFamily="18" charset="0"/>
+              </a:rPr>
+              <a:t>.</a:t>
+            </a:r>
+          </a:p>
+          <a:p>
+            <a:pPr lvl="2">
+              <a:buFont typeface="Arial" panose="020B0604020202020204" pitchFamily="34" charset="0"/>
+              <a:buChar char="•"/>
+            </a:pPr>
+            <a:r>
+              <a:rPr lang="en-US" dirty="0" smtClean="0">
+                <a:latin typeface="Times New Roman" panose="02020603050405020304" pitchFamily="18" charset="0"/>
+                <a:cs typeface="Times New Roman" panose="02020603050405020304" pitchFamily="18" charset="0"/>
+              </a:rPr>
+              <a:t>lock: </a:t>
+            </a:r>
+            <a:r>
+              <a:rPr lang="en-US" dirty="0" err="1" smtClean="0">
+                <a:latin typeface="Times New Roman" panose="02020603050405020304" pitchFamily="18" charset="0"/>
+                <a:cs typeface="Times New Roman" panose="02020603050405020304" pitchFamily="18" charset="0"/>
+              </a:rPr>
+              <a:t>Khóa</a:t>
+            </a:r>
+            <a:r>
+              <a:rPr lang="en-US" dirty="0" smtClean="0">
+                <a:latin typeface="Times New Roman" panose="02020603050405020304" pitchFamily="18" charset="0"/>
+                <a:cs typeface="Times New Roman" panose="02020603050405020304" pitchFamily="18" charset="0"/>
+              </a:rPr>
+              <a:t> </a:t>
+            </a:r>
+            <a:r>
+              <a:rPr lang="en-US" dirty="0" err="1" smtClean="0">
+                <a:latin typeface="Times New Roman" panose="02020603050405020304" pitchFamily="18" charset="0"/>
+                <a:cs typeface="Times New Roman" panose="02020603050405020304" pitchFamily="18" charset="0"/>
+              </a:rPr>
+              <a:t>để</a:t>
+            </a:r>
+            <a:r>
+              <a:rPr lang="en-US" dirty="0" smtClean="0">
+                <a:latin typeface="Times New Roman" panose="02020603050405020304" pitchFamily="18" charset="0"/>
+                <a:cs typeface="Times New Roman" panose="02020603050405020304" pitchFamily="18" charset="0"/>
+              </a:rPr>
+              <a:t> </a:t>
+            </a:r>
+            <a:r>
+              <a:rPr lang="en-US" dirty="0" err="1" smtClean="0">
+                <a:latin typeface="Times New Roman" panose="02020603050405020304" pitchFamily="18" charset="0"/>
+                <a:cs typeface="Times New Roman" panose="02020603050405020304" pitchFamily="18" charset="0"/>
+              </a:rPr>
+              <a:t>đảm</a:t>
+            </a:r>
+            <a:r>
+              <a:rPr lang="en-US" dirty="0" smtClean="0">
+                <a:latin typeface="Times New Roman" panose="02020603050405020304" pitchFamily="18" charset="0"/>
+                <a:cs typeface="Times New Roman" panose="02020603050405020304" pitchFamily="18" charset="0"/>
+              </a:rPr>
+              <a:t> </a:t>
+            </a:r>
+            <a:r>
+              <a:rPr lang="en-US" dirty="0" err="1" smtClean="0">
+                <a:latin typeface="Times New Roman" panose="02020603050405020304" pitchFamily="18" charset="0"/>
+                <a:cs typeface="Times New Roman" panose="02020603050405020304" pitchFamily="18" charset="0"/>
+              </a:rPr>
+              <a:t>bảo</a:t>
+            </a:r>
+            <a:r>
+              <a:rPr lang="en-US" dirty="0" smtClean="0">
+                <a:latin typeface="Times New Roman" panose="02020603050405020304" pitchFamily="18" charset="0"/>
+                <a:cs typeface="Times New Roman" panose="02020603050405020304" pitchFamily="18" charset="0"/>
+              </a:rPr>
+              <a:t> </a:t>
+            </a:r>
+            <a:r>
+              <a:rPr lang="en-US" dirty="0" err="1" smtClean="0">
+                <a:latin typeface="Times New Roman" panose="02020603050405020304" pitchFamily="18" charset="0"/>
+                <a:cs typeface="Times New Roman" panose="02020603050405020304" pitchFamily="18" charset="0"/>
+              </a:rPr>
+              <a:t>tính</a:t>
+            </a:r>
+            <a:r>
+              <a:rPr lang="en-US" dirty="0" smtClean="0">
+                <a:latin typeface="Times New Roman" panose="02020603050405020304" pitchFamily="18" charset="0"/>
+                <a:cs typeface="Times New Roman" panose="02020603050405020304" pitchFamily="18" charset="0"/>
+              </a:rPr>
+              <a:t> </a:t>
+            </a:r>
+            <a:r>
+              <a:rPr lang="en-US" dirty="0" err="1" smtClean="0">
+                <a:latin typeface="Times New Roman" panose="02020603050405020304" pitchFamily="18" charset="0"/>
+                <a:cs typeface="Times New Roman" panose="02020603050405020304" pitchFamily="18" charset="0"/>
+              </a:rPr>
+              <a:t>ngữ</a:t>
+            </a:r>
+            <a:r>
+              <a:rPr lang="en-US" dirty="0" smtClean="0">
+                <a:latin typeface="Times New Roman" panose="02020603050405020304" pitchFamily="18" charset="0"/>
+                <a:cs typeface="Times New Roman" panose="02020603050405020304" pitchFamily="18" charset="0"/>
+              </a:rPr>
+              <a:t> </a:t>
+            </a:r>
+            <a:r>
+              <a:rPr lang="en-US" dirty="0" err="1" smtClean="0">
+                <a:latin typeface="Times New Roman" panose="02020603050405020304" pitchFamily="18" charset="0"/>
+                <a:cs typeface="Times New Roman" panose="02020603050405020304" pitchFamily="18" charset="0"/>
+              </a:rPr>
+              <a:t>cảnh</a:t>
+            </a:r>
+            <a:r>
+              <a:rPr lang="en-US" dirty="0" smtClean="0">
+                <a:latin typeface="Times New Roman" panose="02020603050405020304" pitchFamily="18" charset="0"/>
+                <a:cs typeface="Times New Roman" panose="02020603050405020304" pitchFamily="18" charset="0"/>
+              </a:rPr>
+              <a:t>.</a:t>
+            </a:r>
+          </a:p>
+          <a:p>
+            <a:pPr lvl="2">
+              <a:buFont typeface="Arial" panose="020B0604020202020204" pitchFamily="34" charset="0"/>
+              <a:buChar char="•"/>
+            </a:pPr>
+            <a:r>
+              <a:rPr lang="en-US" dirty="0" smtClean="0">
+                <a:latin typeface="Times New Roman" panose="02020603050405020304" pitchFamily="18" charset="0"/>
+                <a:cs typeface="Times New Roman" panose="02020603050405020304" pitchFamily="18" charset="0"/>
+              </a:rPr>
+              <a:t>keys: </a:t>
+            </a:r>
+            <a:r>
+              <a:rPr lang="en-US" dirty="0" err="1" smtClean="0">
+                <a:latin typeface="Times New Roman" panose="02020603050405020304" pitchFamily="18" charset="0"/>
+                <a:cs typeface="Times New Roman" panose="02020603050405020304" pitchFamily="18" charset="0"/>
+              </a:rPr>
+              <a:t>Chìa</a:t>
+            </a:r>
+            <a:r>
+              <a:rPr lang="en-US" dirty="0" smtClean="0">
+                <a:latin typeface="Times New Roman" panose="02020603050405020304" pitchFamily="18" charset="0"/>
+                <a:cs typeface="Times New Roman" panose="02020603050405020304" pitchFamily="18" charset="0"/>
+              </a:rPr>
+              <a:t> </a:t>
+            </a:r>
+            <a:r>
+              <a:rPr lang="en-US" dirty="0" err="1" smtClean="0">
+                <a:latin typeface="Times New Roman" panose="02020603050405020304" pitchFamily="18" charset="0"/>
+                <a:cs typeface="Times New Roman" panose="02020603050405020304" pitchFamily="18" charset="0"/>
+              </a:rPr>
+              <a:t>khóa</a:t>
+            </a:r>
+            <a:r>
+              <a:rPr lang="en-US" dirty="0" smtClean="0">
+                <a:latin typeface="Times New Roman" panose="02020603050405020304" pitchFamily="18" charset="0"/>
+                <a:cs typeface="Times New Roman" panose="02020603050405020304" pitchFamily="18" charset="0"/>
+              </a:rPr>
+              <a:t> </a:t>
+            </a:r>
+            <a:r>
+              <a:rPr lang="en-US" dirty="0" err="1" smtClean="0">
+                <a:latin typeface="Times New Roman" panose="02020603050405020304" pitchFamily="18" charset="0"/>
+                <a:cs typeface="Times New Roman" panose="02020603050405020304" pitchFamily="18" charset="0"/>
+              </a:rPr>
+              <a:t>để</a:t>
+            </a:r>
+            <a:r>
+              <a:rPr lang="en-US" dirty="0" smtClean="0">
+                <a:latin typeface="Times New Roman" panose="02020603050405020304" pitchFamily="18" charset="0"/>
+                <a:cs typeface="Times New Roman" panose="02020603050405020304" pitchFamily="18" charset="0"/>
+              </a:rPr>
+              <a:t> </a:t>
+            </a:r>
+            <a:r>
+              <a:rPr lang="en-US" dirty="0" err="1" smtClean="0">
+                <a:latin typeface="Times New Roman" panose="02020603050405020304" pitchFamily="18" charset="0"/>
+                <a:cs typeface="Times New Roman" panose="02020603050405020304" pitchFamily="18" charset="0"/>
+              </a:rPr>
+              <a:t>trả</a:t>
+            </a:r>
+            <a:r>
+              <a:rPr lang="en-US" dirty="0" smtClean="0">
+                <a:latin typeface="Times New Roman" panose="02020603050405020304" pitchFamily="18" charset="0"/>
+                <a:cs typeface="Times New Roman" panose="02020603050405020304" pitchFamily="18" charset="0"/>
+              </a:rPr>
+              <a:t> </a:t>
+            </a:r>
+            <a:r>
+              <a:rPr lang="en-US" dirty="0" err="1" smtClean="0">
+                <a:latin typeface="Times New Roman" panose="02020603050405020304" pitchFamily="18" charset="0"/>
+                <a:cs typeface="Times New Roman" panose="02020603050405020304" pitchFamily="18" charset="0"/>
+              </a:rPr>
+              <a:t>lời</a:t>
+            </a:r>
+            <a:r>
+              <a:rPr lang="en-US" dirty="0" smtClean="0">
+                <a:latin typeface="Times New Roman" panose="02020603050405020304" pitchFamily="18" charset="0"/>
+                <a:cs typeface="Times New Roman" panose="02020603050405020304" pitchFamily="18" charset="0"/>
+              </a:rPr>
+              <a:t> </a:t>
+            </a:r>
+            <a:r>
+              <a:rPr lang="en-US" dirty="0" err="1" smtClean="0">
+                <a:latin typeface="Times New Roman" panose="02020603050405020304" pitchFamily="18" charset="0"/>
+                <a:cs typeface="Times New Roman" panose="02020603050405020304" pitchFamily="18" charset="0"/>
+              </a:rPr>
+              <a:t>đúng</a:t>
+            </a:r>
+            <a:r>
+              <a:rPr lang="en-US" dirty="0" smtClean="0">
+                <a:latin typeface="Times New Roman" panose="02020603050405020304" pitchFamily="18" charset="0"/>
+                <a:cs typeface="Times New Roman" panose="02020603050405020304" pitchFamily="18" charset="0"/>
+              </a:rPr>
+              <a:t> </a:t>
+            </a:r>
+            <a:r>
+              <a:rPr lang="en-US" dirty="0" err="1" smtClean="0">
+                <a:latin typeface="Times New Roman" panose="02020603050405020304" pitchFamily="18" charset="0"/>
+                <a:cs typeface="Times New Roman" panose="02020603050405020304" pitchFamily="18" charset="0"/>
+              </a:rPr>
+              <a:t>tính</a:t>
+            </a:r>
+            <a:r>
+              <a:rPr lang="en-US" dirty="0" smtClean="0">
+                <a:latin typeface="Times New Roman" panose="02020603050405020304" pitchFamily="18" charset="0"/>
+                <a:cs typeface="Times New Roman" panose="02020603050405020304" pitchFamily="18" charset="0"/>
+              </a:rPr>
+              <a:t> </a:t>
+            </a:r>
+            <a:r>
+              <a:rPr lang="en-US" dirty="0" err="1" smtClean="0">
+                <a:latin typeface="Times New Roman" panose="02020603050405020304" pitchFamily="18" charset="0"/>
+                <a:cs typeface="Times New Roman" panose="02020603050405020304" pitchFamily="18" charset="0"/>
+              </a:rPr>
+              <a:t>ngữ</a:t>
+            </a:r>
+            <a:r>
+              <a:rPr lang="en-US" dirty="0" smtClean="0">
+                <a:latin typeface="Times New Roman" panose="02020603050405020304" pitchFamily="18" charset="0"/>
+                <a:cs typeface="Times New Roman" panose="02020603050405020304" pitchFamily="18" charset="0"/>
+              </a:rPr>
+              <a:t> </a:t>
+            </a:r>
+            <a:r>
+              <a:rPr lang="en-US" dirty="0" err="1" smtClean="0">
+                <a:latin typeface="Times New Roman" panose="02020603050405020304" pitchFamily="18" charset="0"/>
+                <a:cs typeface="Times New Roman" panose="02020603050405020304" pitchFamily="18" charset="0"/>
+              </a:rPr>
+              <a:t>cảnh</a:t>
+            </a:r>
+            <a:r>
+              <a:rPr lang="en-US" dirty="0" smtClean="0">
+                <a:latin typeface="Times New Roman" panose="02020603050405020304" pitchFamily="18" charset="0"/>
+                <a:cs typeface="Times New Roman" panose="02020603050405020304" pitchFamily="18" charset="0"/>
+              </a:rPr>
+              <a:t>.</a:t>
+            </a:r>
+          </a:p>
+          <a:p>
+            <a:pPr lvl="2">
+              <a:buFont typeface="Arial" panose="020B0604020202020204" pitchFamily="34" charset="0"/>
+              <a:buChar char="•"/>
+            </a:pPr>
+            <a:r>
+              <a:rPr lang="en-US" dirty="0" err="1" smtClean="0">
+                <a:latin typeface="Times New Roman" panose="02020603050405020304" pitchFamily="18" charset="0"/>
+                <a:cs typeface="Times New Roman" panose="02020603050405020304" pitchFamily="18" charset="0"/>
+              </a:rPr>
+              <a:t>privateOnly</a:t>
+            </a:r>
+            <a:r>
+              <a:rPr lang="en-US" dirty="0" smtClean="0">
+                <a:latin typeface="Times New Roman" panose="02020603050405020304" pitchFamily="18" charset="0"/>
+                <a:cs typeface="Times New Roman" panose="02020603050405020304" pitchFamily="18" charset="0"/>
+              </a:rPr>
+              <a:t>: </a:t>
+            </a:r>
+            <a:r>
+              <a:rPr lang="en-US" dirty="0" err="1" smtClean="0">
+                <a:latin typeface="Times New Roman" panose="02020603050405020304" pitchFamily="18" charset="0"/>
+                <a:cs typeface="Times New Roman" panose="02020603050405020304" pitchFamily="18" charset="0"/>
+              </a:rPr>
+              <a:t>Có</a:t>
+            </a:r>
+            <a:r>
+              <a:rPr lang="en-US" dirty="0" smtClean="0">
+                <a:latin typeface="Times New Roman" panose="02020603050405020304" pitchFamily="18" charset="0"/>
+                <a:cs typeface="Times New Roman" panose="02020603050405020304" pitchFamily="18" charset="0"/>
+              </a:rPr>
+              <a:t> </a:t>
+            </a:r>
+            <a:r>
+              <a:rPr lang="en-US" dirty="0" err="1" smtClean="0">
+                <a:latin typeface="Times New Roman" panose="02020603050405020304" pitchFamily="18" charset="0"/>
+                <a:cs typeface="Times New Roman" panose="02020603050405020304" pitchFamily="18" charset="0"/>
+              </a:rPr>
+              <a:t>những</a:t>
+            </a:r>
+            <a:r>
+              <a:rPr lang="en-US" dirty="0" smtClean="0">
+                <a:latin typeface="Times New Roman" panose="02020603050405020304" pitchFamily="18" charset="0"/>
+                <a:cs typeface="Times New Roman" panose="02020603050405020304" pitchFamily="18" charset="0"/>
+              </a:rPr>
+              <a:t> tag </a:t>
+            </a:r>
+            <a:r>
+              <a:rPr lang="en-US" dirty="0" err="1" smtClean="0">
+                <a:latin typeface="Times New Roman" panose="02020603050405020304" pitchFamily="18" charset="0"/>
+                <a:cs typeface="Times New Roman" panose="02020603050405020304" pitchFamily="18" charset="0"/>
+              </a:rPr>
+              <a:t>chỉ</a:t>
+            </a:r>
+            <a:r>
+              <a:rPr lang="en-US" dirty="0" smtClean="0">
+                <a:latin typeface="Times New Roman" panose="02020603050405020304" pitchFamily="18" charset="0"/>
+                <a:cs typeface="Times New Roman" panose="02020603050405020304" pitchFamily="18" charset="0"/>
+              </a:rPr>
+              <a:t> </a:t>
+            </a:r>
+            <a:r>
+              <a:rPr lang="en-US" dirty="0" err="1" smtClean="0">
+                <a:latin typeface="Times New Roman" panose="02020603050405020304" pitchFamily="18" charset="0"/>
+                <a:cs typeface="Times New Roman" panose="02020603050405020304" pitchFamily="18" charset="0"/>
+              </a:rPr>
+              <a:t>được</a:t>
+            </a:r>
+            <a:r>
+              <a:rPr lang="en-US" dirty="0" smtClean="0">
+                <a:latin typeface="Times New Roman" panose="02020603050405020304" pitchFamily="18" charset="0"/>
+                <a:cs typeface="Times New Roman" panose="02020603050405020304" pitchFamily="18" charset="0"/>
+              </a:rPr>
+              <a:t> </a:t>
+            </a:r>
+            <a:r>
+              <a:rPr lang="en-US" dirty="0" err="1" smtClean="0">
+                <a:latin typeface="Times New Roman" panose="02020603050405020304" pitchFamily="18" charset="0"/>
+                <a:cs typeface="Times New Roman" panose="02020603050405020304" pitchFamily="18" charset="0"/>
+              </a:rPr>
+              <a:t>truy</a:t>
+            </a:r>
+            <a:r>
+              <a:rPr lang="en-US" dirty="0" smtClean="0">
+                <a:latin typeface="Times New Roman" panose="02020603050405020304" pitchFamily="18" charset="0"/>
+                <a:cs typeface="Times New Roman" panose="02020603050405020304" pitchFamily="18" charset="0"/>
+              </a:rPr>
+              <a:t> </a:t>
+            </a:r>
+            <a:r>
+              <a:rPr lang="en-US" dirty="0" err="1" smtClean="0">
+                <a:latin typeface="Times New Roman" panose="02020603050405020304" pitchFamily="18" charset="0"/>
+                <a:cs typeface="Times New Roman" panose="02020603050405020304" pitchFamily="18" charset="0"/>
+              </a:rPr>
+              <a:t>vấn</a:t>
+            </a:r>
+            <a:r>
+              <a:rPr lang="en-US" dirty="0" smtClean="0">
+                <a:latin typeface="Times New Roman" panose="02020603050405020304" pitchFamily="18" charset="0"/>
+                <a:cs typeface="Times New Roman" panose="02020603050405020304" pitchFamily="18" charset="0"/>
+              </a:rPr>
+              <a:t> </a:t>
+            </a:r>
+            <a:r>
+              <a:rPr lang="en-US" dirty="0" err="1" smtClean="0">
+                <a:latin typeface="Times New Roman" panose="02020603050405020304" pitchFamily="18" charset="0"/>
+                <a:cs typeface="Times New Roman" panose="02020603050405020304" pitchFamily="18" charset="0"/>
+              </a:rPr>
+              <a:t>khi</a:t>
+            </a:r>
+            <a:r>
+              <a:rPr lang="en-US" dirty="0" smtClean="0">
+                <a:latin typeface="Times New Roman" panose="02020603050405020304" pitchFamily="18" charset="0"/>
+                <a:cs typeface="Times New Roman" panose="02020603050405020304" pitchFamily="18" charset="0"/>
+              </a:rPr>
+              <a:t> lock = key.</a:t>
+            </a:r>
+          </a:p>
+          <a:p>
+            <a:pPr lvl="1">
+              <a:buFont typeface="Wingdings" panose="05000000000000000000" pitchFamily="2" charset="2"/>
+              <a:buChar char="Ø"/>
+            </a:pPr>
+            <a:r>
+              <a:rPr lang="en-US" dirty="0" smtClean="0">
+                <a:latin typeface="Times New Roman" panose="02020603050405020304" pitchFamily="18" charset="0"/>
+                <a:cs typeface="Times New Roman" panose="02020603050405020304" pitchFamily="18" charset="0"/>
+              </a:rPr>
+              <a:t>Ta </a:t>
+            </a:r>
+            <a:r>
+              <a:rPr lang="en-US" dirty="0" err="1" smtClean="0">
+                <a:latin typeface="Times New Roman" panose="02020603050405020304" pitchFamily="18" charset="0"/>
+                <a:cs typeface="Times New Roman" panose="02020603050405020304" pitchFamily="18" charset="0"/>
+              </a:rPr>
+              <a:t>lưu</a:t>
+            </a:r>
+            <a:r>
+              <a:rPr lang="en-US" dirty="0" smtClean="0">
+                <a:latin typeface="Times New Roman" panose="02020603050405020304" pitchFamily="18" charset="0"/>
+                <a:cs typeface="Times New Roman" panose="02020603050405020304" pitchFamily="18" charset="0"/>
+              </a:rPr>
+              <a:t> database </a:t>
+            </a:r>
+            <a:r>
+              <a:rPr lang="en-US" dirty="0" err="1" smtClean="0">
+                <a:latin typeface="Times New Roman" panose="02020603050405020304" pitchFamily="18" charset="0"/>
+                <a:cs typeface="Times New Roman" panose="02020603050405020304" pitchFamily="18" charset="0"/>
+              </a:rPr>
+              <a:t>dưới</a:t>
+            </a:r>
+            <a:r>
+              <a:rPr lang="en-US" dirty="0" smtClean="0">
+                <a:latin typeface="Times New Roman" panose="02020603050405020304" pitchFamily="18" charset="0"/>
+                <a:cs typeface="Times New Roman" panose="02020603050405020304" pitchFamily="18" charset="0"/>
+              </a:rPr>
+              <a:t> 2 </a:t>
+            </a:r>
+            <a:r>
+              <a:rPr lang="en-US" dirty="0" err="1" smtClean="0">
+                <a:latin typeface="Times New Roman" panose="02020603050405020304" pitchFamily="18" charset="0"/>
+                <a:cs typeface="Times New Roman" panose="02020603050405020304" pitchFamily="18" charset="0"/>
+              </a:rPr>
+              <a:t>kiểu</a:t>
+            </a:r>
+            <a:endParaRPr lang="en-US" dirty="0">
+              <a:latin typeface="Times New Roman" panose="02020603050405020304" pitchFamily="18" charset="0"/>
+              <a:cs typeface="Times New Roman" panose="02020603050405020304" pitchFamily="18" charset="0"/>
+            </a:endParaRPr>
+          </a:p>
+          <a:p>
+            <a:pPr lvl="2">
+              <a:buFont typeface="Arial" panose="020B0604020202020204" pitchFamily="34" charset="0"/>
+              <a:buChar char="•"/>
+            </a:pPr>
+            <a:r>
+              <a:rPr lang="en-US" dirty="0" err="1" smtClean="0">
+                <a:latin typeface="Times New Roman" panose="02020603050405020304" pitchFamily="18" charset="0"/>
+                <a:cs typeface="Times New Roman" panose="02020603050405020304" pitchFamily="18" charset="0"/>
+              </a:rPr>
+              <a:t>Json</a:t>
+            </a:r>
+            <a:r>
+              <a:rPr lang="en-US" dirty="0" smtClean="0">
+                <a:latin typeface="Times New Roman" panose="02020603050405020304" pitchFamily="18" charset="0"/>
+                <a:cs typeface="Times New Roman" panose="02020603050405020304" pitchFamily="18" charset="0"/>
+              </a:rPr>
+              <a:t>: </a:t>
+            </a:r>
+            <a:r>
+              <a:rPr lang="en-US" dirty="0" err="1" smtClean="0">
+                <a:latin typeface="Times New Roman" panose="02020603050405020304" pitchFamily="18" charset="0"/>
+                <a:cs typeface="Times New Roman" panose="02020603050405020304" pitchFamily="18" charset="0"/>
+              </a:rPr>
+              <a:t>Dùng</a:t>
+            </a:r>
+            <a:r>
+              <a:rPr lang="en-US" dirty="0" smtClean="0">
+                <a:latin typeface="Times New Roman" panose="02020603050405020304" pitchFamily="18" charset="0"/>
+                <a:cs typeface="Times New Roman" panose="02020603050405020304" pitchFamily="18" charset="0"/>
+              </a:rPr>
+              <a:t> </a:t>
+            </a:r>
+            <a:r>
+              <a:rPr lang="en-US" dirty="0" err="1" smtClean="0">
+                <a:latin typeface="Times New Roman" panose="02020603050405020304" pitchFamily="18" charset="0"/>
+                <a:cs typeface="Times New Roman" panose="02020603050405020304" pitchFamily="18" charset="0"/>
+              </a:rPr>
+              <a:t>cho</a:t>
+            </a:r>
+            <a:r>
+              <a:rPr lang="en-US" dirty="0" smtClean="0">
+                <a:latin typeface="Times New Roman" panose="02020603050405020304" pitchFamily="18" charset="0"/>
+                <a:cs typeface="Times New Roman" panose="02020603050405020304" pitchFamily="18" charset="0"/>
+              </a:rPr>
+              <a:t> </a:t>
+            </a:r>
+            <a:r>
+              <a:rPr lang="en-US" dirty="0" err="1" smtClean="0">
+                <a:latin typeface="Times New Roman" panose="02020603050405020304" pitchFamily="18" charset="0"/>
+                <a:cs typeface="Times New Roman" panose="02020603050405020304" pitchFamily="18" charset="0"/>
+              </a:rPr>
+              <a:t>phần</a:t>
+            </a:r>
+            <a:r>
+              <a:rPr lang="en-US" dirty="0" smtClean="0">
+                <a:latin typeface="Times New Roman" panose="02020603050405020304" pitchFamily="18" charset="0"/>
+                <a:cs typeface="Times New Roman" panose="02020603050405020304" pitchFamily="18" charset="0"/>
+              </a:rPr>
+              <a:t> training data.</a:t>
+            </a:r>
+          </a:p>
+          <a:p>
+            <a:pPr lvl="2">
+              <a:buFont typeface="Arial" panose="020B0604020202020204" pitchFamily="34" charset="0"/>
+              <a:buChar char="•"/>
+            </a:pPr>
+            <a:r>
+              <a:rPr lang="en-US" dirty="0" smtClean="0">
+                <a:latin typeface="Times New Roman" panose="02020603050405020304" pitchFamily="18" charset="0"/>
+                <a:cs typeface="Times New Roman" panose="02020603050405020304" pitchFamily="18" charset="0"/>
+              </a:rPr>
+              <a:t>Csv: </a:t>
+            </a:r>
+            <a:r>
+              <a:rPr lang="en-US" dirty="0" err="1" smtClean="0">
+                <a:latin typeface="Times New Roman" panose="02020603050405020304" pitchFamily="18" charset="0"/>
+                <a:cs typeface="Times New Roman" panose="02020603050405020304" pitchFamily="18" charset="0"/>
+              </a:rPr>
+              <a:t>Dùng</a:t>
+            </a:r>
+            <a:r>
+              <a:rPr lang="en-US" dirty="0" smtClean="0">
+                <a:latin typeface="Times New Roman" panose="02020603050405020304" pitchFamily="18" charset="0"/>
+                <a:cs typeface="Times New Roman" panose="02020603050405020304" pitchFamily="18" charset="0"/>
+              </a:rPr>
+              <a:t> </a:t>
+            </a:r>
+            <a:r>
+              <a:rPr lang="en-US" dirty="0" err="1" smtClean="0">
+                <a:latin typeface="Times New Roman" panose="02020603050405020304" pitchFamily="18" charset="0"/>
+                <a:cs typeface="Times New Roman" panose="02020603050405020304" pitchFamily="18" charset="0"/>
+              </a:rPr>
+              <a:t>cho</a:t>
+            </a:r>
+            <a:r>
+              <a:rPr lang="en-US" dirty="0" smtClean="0">
+                <a:latin typeface="Times New Roman" panose="02020603050405020304" pitchFamily="18" charset="0"/>
+                <a:cs typeface="Times New Roman" panose="02020603050405020304" pitchFamily="18" charset="0"/>
+              </a:rPr>
+              <a:t> </a:t>
+            </a:r>
+            <a:r>
+              <a:rPr lang="en-US" dirty="0" err="1" smtClean="0">
+                <a:latin typeface="Times New Roman" panose="02020603050405020304" pitchFamily="18" charset="0"/>
+                <a:cs typeface="Times New Roman" panose="02020603050405020304" pitchFamily="18" charset="0"/>
+              </a:rPr>
+              <a:t>việc</a:t>
+            </a:r>
+            <a:r>
+              <a:rPr lang="en-US" dirty="0" smtClean="0">
+                <a:latin typeface="Times New Roman" panose="02020603050405020304" pitchFamily="18" charset="0"/>
+                <a:cs typeface="Times New Roman" panose="02020603050405020304" pitchFamily="18" charset="0"/>
+              </a:rPr>
+              <a:t> </a:t>
+            </a:r>
+            <a:r>
+              <a:rPr lang="en-US" dirty="0" err="1" smtClean="0">
+                <a:latin typeface="Times New Roman" panose="02020603050405020304" pitchFamily="18" charset="0"/>
+                <a:cs typeface="Times New Roman" panose="02020603050405020304" pitchFamily="18" charset="0"/>
+              </a:rPr>
+              <a:t>thêm</a:t>
+            </a:r>
+            <a:r>
+              <a:rPr lang="en-US" dirty="0" smtClean="0">
+                <a:latin typeface="Times New Roman" panose="02020603050405020304" pitchFamily="18" charset="0"/>
+                <a:cs typeface="Times New Roman" panose="02020603050405020304" pitchFamily="18" charset="0"/>
+              </a:rPr>
+              <a:t> data.</a:t>
+            </a:r>
+          </a:p>
+        </p:txBody>
+      </p:sp>
+      <p:sp>
+        <p:nvSpPr>
+          <p:cNvPr id="4" name="Slide Number Placeholder 3"/>
+          <p:cNvSpPr>
+            <a:spLocks noGrp="1"/>
+          </p:cNvSpPr>
+          <p:nvPr>
+            <p:ph type="sldNum" sz="quarter" idx="10"/>
+          </p:nvPr>
+        </p:nvSpPr>
+        <p:spPr/>
+        <p:txBody>
+          <a:bodyPr/>
+          <a:lstStyle/>
+          <a:p>
+            <a:pPr>
+              <a:defRPr/>
+            </a:pPr>
+            <a:fld id="{DF7D7A9D-6521-4C9C-B98B-0A8DAB95E158}" type="slidenum">
+              <a:rPr lang="en-US" altLang="ja-JP" smtClean="0"/>
+              <a:pPr>
+                <a:defRPr/>
+              </a:pPr>
+              <a:t>18</a:t>
+            </a:fld>
+            <a:endParaRPr lang="en-US" altLang="ja-JP"/>
+          </a:p>
+        </p:txBody>
+      </p:sp>
+      <p:pic>
+        <p:nvPicPr>
+          <p:cNvPr id="5" name="Picture 4"/>
+          <p:cNvPicPr>
+            <a:picLocks noChangeAspect="1"/>
+          </p:cNvPicPr>
+          <p:nvPr/>
+        </p:nvPicPr>
+        <p:blipFill>
+          <a:blip r:embed="rId2"/>
+          <a:stretch>
+            <a:fillRect/>
+          </a:stretch>
+        </p:blipFill>
+        <p:spPr>
+          <a:xfrm>
+            <a:off x="5292100" y="893790"/>
+            <a:ext cx="3764496" cy="5354610"/>
+          </a:xfrm>
+          <a:prstGeom prst="rect">
+            <a:avLst/>
+          </a:prstGeom>
+        </p:spPr>
+      </p:pic>
+    </p:spTree>
+    <p:extLst>
+      <p:ext uri="{BB962C8B-B14F-4D97-AF65-F5344CB8AC3E}">
+        <p14:creationId xmlns:p14="http://schemas.microsoft.com/office/powerpoint/2010/main" val="238726017"/>
       </p:ext>
     </p:extLst>
   </p:cSld>
@@ -5531,6 +10284,1454 @@
   <p:clrMapOvr>
     <a:masterClrMapping/>
   </p:clrMapOvr>
+</p:sld>
+</file>
+
+<file path=ppt/slides/slide20.xml><?xml version="1.0" encoding="utf-8"?>
+<p:sld xmlns:a="http://schemas.openxmlformats.org/drawingml/2006/main" xmlns:r="http://schemas.openxmlformats.org/officeDocument/2006/relationships" xmlns:p="http://schemas.openxmlformats.org/presentationml/2006/main">
+  <p:cSld>
+    <p:spTree>
+      <p:nvGrpSpPr>
+        <p:cNvPr id="1" name=""/>
+        <p:cNvGrpSpPr/>
+        <p:nvPr/>
+      </p:nvGrpSpPr>
+      <p:grpSpPr>
+        <a:xfrm>
+          <a:off x="0" y="0"/>
+          <a:ext cx="0" cy="0"/>
+          <a:chOff x="0" y="0"/>
+          <a:chExt cx="0" cy="0"/>
+        </a:xfrm>
+      </p:grpSpPr>
+      <p:sp>
+        <p:nvSpPr>
+          <p:cNvPr id="2" name="Title 1"/>
+          <p:cNvSpPr>
+            <a:spLocks noGrp="1"/>
+          </p:cNvSpPr>
+          <p:nvPr>
+            <p:ph type="title"/>
+          </p:nvPr>
+        </p:nvSpPr>
+        <p:spPr/>
+        <p:txBody>
+          <a:bodyPr/>
+          <a:lstStyle/>
+          <a:p>
+            <a:r>
+              <a:rPr lang="en-US" dirty="0" err="1" smtClean="0">
+                <a:latin typeface="Times New Roman" panose="02020603050405020304" pitchFamily="18" charset="0"/>
+                <a:cs typeface="Times New Roman" panose="02020603050405020304" pitchFamily="18" charset="0"/>
+              </a:rPr>
+              <a:t>Chatbot</a:t>
+            </a:r>
+            <a:endParaRPr lang="en-US" dirty="0"/>
+          </a:p>
+        </p:txBody>
+      </p:sp>
+      <p:sp>
+        <p:nvSpPr>
+          <p:cNvPr id="3" name="Content Placeholder 2"/>
+          <p:cNvSpPr>
+            <a:spLocks noGrp="1"/>
+          </p:cNvSpPr>
+          <p:nvPr>
+            <p:ph idx="1"/>
+          </p:nvPr>
+        </p:nvSpPr>
+        <p:spPr/>
+        <p:txBody>
+          <a:bodyPr/>
+          <a:lstStyle/>
+          <a:p>
+            <a:r>
+              <a:rPr lang="en-US" b="1" dirty="0" smtClean="0">
+                <a:latin typeface="Times New Roman" panose="02020603050405020304" pitchFamily="18" charset="0"/>
+                <a:cs typeface="Times New Roman" panose="02020603050405020304" pitchFamily="18" charset="0"/>
+              </a:rPr>
+              <a:t>Frontend</a:t>
+            </a:r>
+          </a:p>
+          <a:p>
+            <a:pPr lvl="1"/>
+            <a:r>
+              <a:rPr lang="en-US" dirty="0" err="1">
+                <a:latin typeface="Times New Roman" panose="02020603050405020304" pitchFamily="18" charset="0"/>
+                <a:cs typeface="Times New Roman" panose="02020603050405020304" pitchFamily="18" charset="0"/>
+              </a:rPr>
+              <a:t>Dùng</a:t>
+            </a:r>
+            <a:r>
+              <a:rPr lang="en-US" dirty="0">
+                <a:latin typeface="Times New Roman" panose="02020603050405020304" pitchFamily="18" charset="0"/>
+                <a:cs typeface="Times New Roman" panose="02020603050405020304" pitchFamily="18" charset="0"/>
+              </a:rPr>
+              <a:t> </a:t>
+            </a:r>
+            <a:r>
+              <a:rPr lang="en-US" dirty="0" err="1">
+                <a:latin typeface="Times New Roman" panose="02020603050405020304" pitchFamily="18" charset="0"/>
+                <a:cs typeface="Times New Roman" panose="02020603050405020304" pitchFamily="18" charset="0"/>
+              </a:rPr>
+              <a:t>NodeJs</a:t>
+            </a:r>
+            <a:r>
+              <a:rPr lang="en-US" dirty="0">
+                <a:latin typeface="Times New Roman" panose="02020603050405020304" pitchFamily="18" charset="0"/>
+                <a:cs typeface="Times New Roman" panose="02020603050405020304" pitchFamily="18" charset="0"/>
+              </a:rPr>
+              <a:t> </a:t>
+            </a:r>
+            <a:r>
+              <a:rPr lang="en-US" dirty="0" err="1">
+                <a:latin typeface="Times New Roman" panose="02020603050405020304" pitchFamily="18" charset="0"/>
+                <a:cs typeface="Times New Roman" panose="02020603050405020304" pitchFamily="18" charset="0"/>
+              </a:rPr>
+              <a:t>để</a:t>
+            </a:r>
+            <a:r>
+              <a:rPr lang="en-US" dirty="0">
+                <a:latin typeface="Times New Roman" panose="02020603050405020304" pitchFamily="18" charset="0"/>
+                <a:cs typeface="Times New Roman" panose="02020603050405020304" pitchFamily="18" charset="0"/>
+              </a:rPr>
+              <a:t> </a:t>
+            </a:r>
+            <a:r>
+              <a:rPr lang="en-US" dirty="0" err="1">
+                <a:latin typeface="Times New Roman" panose="02020603050405020304" pitchFamily="18" charset="0"/>
+                <a:cs typeface="Times New Roman" panose="02020603050405020304" pitchFamily="18" charset="0"/>
+              </a:rPr>
+              <a:t>sử</a:t>
+            </a:r>
+            <a:r>
+              <a:rPr lang="en-US" dirty="0">
+                <a:latin typeface="Times New Roman" panose="02020603050405020304" pitchFamily="18" charset="0"/>
+                <a:cs typeface="Times New Roman" panose="02020603050405020304" pitchFamily="18" charset="0"/>
+              </a:rPr>
+              <a:t> </a:t>
+            </a:r>
+            <a:r>
+              <a:rPr lang="en-US" dirty="0" err="1">
+                <a:latin typeface="Times New Roman" panose="02020603050405020304" pitchFamily="18" charset="0"/>
+                <a:cs typeface="Times New Roman" panose="02020603050405020304" pitchFamily="18" charset="0"/>
+              </a:rPr>
+              <a:t>dụng</a:t>
+            </a:r>
+            <a:r>
+              <a:rPr lang="en-US" dirty="0">
+                <a:latin typeface="Times New Roman" panose="02020603050405020304" pitchFamily="18" charset="0"/>
+                <a:cs typeface="Times New Roman" panose="02020603050405020304" pitchFamily="18" charset="0"/>
+              </a:rPr>
+              <a:t> </a:t>
+            </a:r>
+            <a:r>
+              <a:rPr lang="en-US" dirty="0" err="1">
+                <a:latin typeface="Times New Roman" panose="02020603050405020304" pitchFamily="18" charset="0"/>
+                <a:cs typeface="Times New Roman" panose="02020603050405020304" pitchFamily="18" charset="0"/>
+              </a:rPr>
+              <a:t>các</a:t>
+            </a:r>
+            <a:r>
+              <a:rPr lang="en-US" dirty="0">
+                <a:latin typeface="Times New Roman" panose="02020603050405020304" pitchFamily="18" charset="0"/>
+                <a:cs typeface="Times New Roman" panose="02020603050405020304" pitchFamily="18" charset="0"/>
+              </a:rPr>
+              <a:t> </a:t>
+            </a:r>
+            <a:r>
+              <a:rPr lang="en-US" dirty="0" err="1">
+                <a:latin typeface="Times New Roman" panose="02020603050405020304" pitchFamily="18" charset="0"/>
+                <a:cs typeface="Times New Roman" panose="02020603050405020304" pitchFamily="18" charset="0"/>
+              </a:rPr>
+              <a:t>thư</a:t>
+            </a:r>
+            <a:r>
+              <a:rPr lang="en-US" dirty="0">
+                <a:latin typeface="Times New Roman" panose="02020603050405020304" pitchFamily="18" charset="0"/>
+                <a:cs typeface="Times New Roman" panose="02020603050405020304" pitchFamily="18" charset="0"/>
+              </a:rPr>
+              <a:t> </a:t>
+            </a:r>
+            <a:r>
+              <a:rPr lang="en-US" dirty="0" err="1">
+                <a:latin typeface="Times New Roman" panose="02020603050405020304" pitchFamily="18" charset="0"/>
+                <a:cs typeface="Times New Roman" panose="02020603050405020304" pitchFamily="18" charset="0"/>
+              </a:rPr>
+              <a:t>viện</a:t>
+            </a:r>
+            <a:r>
+              <a:rPr lang="en-US" dirty="0">
+                <a:latin typeface="Times New Roman" panose="02020603050405020304" pitchFamily="18" charset="0"/>
+                <a:cs typeface="Times New Roman" panose="02020603050405020304" pitchFamily="18" charset="0"/>
+              </a:rPr>
+              <a:t> </a:t>
+            </a:r>
+            <a:r>
+              <a:rPr lang="en-US" dirty="0" err="1">
+                <a:latin typeface="Times New Roman" panose="02020603050405020304" pitchFamily="18" charset="0"/>
+                <a:cs typeface="Times New Roman" panose="02020603050405020304" pitchFamily="18" charset="0"/>
+              </a:rPr>
+              <a:t>hỗ</a:t>
+            </a:r>
+            <a:r>
+              <a:rPr lang="en-US" dirty="0">
+                <a:latin typeface="Times New Roman" panose="02020603050405020304" pitchFamily="18" charset="0"/>
+                <a:cs typeface="Times New Roman" panose="02020603050405020304" pitchFamily="18" charset="0"/>
+              </a:rPr>
+              <a:t> </a:t>
+            </a:r>
+            <a:r>
+              <a:rPr lang="en-US" dirty="0" err="1">
+                <a:latin typeface="Times New Roman" panose="02020603050405020304" pitchFamily="18" charset="0"/>
+                <a:cs typeface="Times New Roman" panose="02020603050405020304" pitchFamily="18" charset="0"/>
+              </a:rPr>
+              <a:t>trợ</a:t>
+            </a:r>
+            <a:r>
+              <a:rPr lang="en-US" dirty="0">
+                <a:latin typeface="Times New Roman" panose="02020603050405020304" pitchFamily="18" charset="0"/>
+                <a:cs typeface="Times New Roman" panose="02020603050405020304" pitchFamily="18" charset="0"/>
+              </a:rPr>
+              <a:t> </a:t>
+            </a:r>
+            <a:r>
+              <a:rPr lang="en-US" dirty="0" err="1">
+                <a:latin typeface="Times New Roman" panose="02020603050405020304" pitchFamily="18" charset="0"/>
+                <a:cs typeface="Times New Roman" panose="02020603050405020304" pitchFamily="18" charset="0"/>
+              </a:rPr>
+              <a:t>như</a:t>
+            </a:r>
+            <a:r>
+              <a:rPr lang="en-US" dirty="0">
+                <a:latin typeface="Times New Roman" panose="02020603050405020304" pitchFamily="18" charset="0"/>
+                <a:cs typeface="Times New Roman" panose="02020603050405020304" pitchFamily="18" charset="0"/>
+              </a:rPr>
+              <a:t> Socket.io </a:t>
+            </a:r>
+            <a:r>
+              <a:rPr lang="en-US" dirty="0" err="1">
+                <a:latin typeface="Times New Roman" panose="02020603050405020304" pitchFamily="18" charset="0"/>
+                <a:cs typeface="Times New Roman" panose="02020603050405020304" pitchFamily="18" charset="0"/>
+              </a:rPr>
+              <a:t>và</a:t>
+            </a:r>
+            <a:r>
+              <a:rPr lang="en-US" dirty="0">
+                <a:latin typeface="Times New Roman" panose="02020603050405020304" pitchFamily="18" charset="0"/>
+                <a:cs typeface="Times New Roman" panose="02020603050405020304" pitchFamily="18" charset="0"/>
+              </a:rPr>
+              <a:t> </a:t>
+            </a:r>
+            <a:r>
+              <a:rPr lang="en-US" dirty="0" smtClean="0">
+                <a:latin typeface="Times New Roman" panose="02020603050405020304" pitchFamily="18" charset="0"/>
+                <a:cs typeface="Times New Roman" panose="02020603050405020304" pitchFamily="18" charset="0"/>
+              </a:rPr>
+              <a:t>Request-promise.</a:t>
+            </a:r>
+            <a:endParaRPr lang="en-US" dirty="0" smtClean="0">
+              <a:latin typeface="Times New Roman" panose="02020603050405020304" pitchFamily="18" charset="0"/>
+              <a:cs typeface="Times New Roman" panose="02020603050405020304" pitchFamily="18" charset="0"/>
+            </a:endParaRPr>
+          </a:p>
+          <a:p>
+            <a:pPr lvl="1"/>
+            <a:r>
+              <a:rPr lang="en-US" dirty="0" err="1" smtClean="0">
+                <a:latin typeface="Times New Roman" panose="02020603050405020304" pitchFamily="18" charset="0"/>
+                <a:cs typeface="Times New Roman" panose="02020603050405020304" pitchFamily="18" charset="0"/>
+              </a:rPr>
+              <a:t>Vì</a:t>
+            </a:r>
+            <a:r>
+              <a:rPr lang="en-US" dirty="0" smtClean="0">
+                <a:latin typeface="Times New Roman" panose="02020603050405020304" pitchFamily="18" charset="0"/>
+                <a:cs typeface="Times New Roman" panose="02020603050405020304" pitchFamily="18" charset="0"/>
+              </a:rPr>
+              <a:t> </a:t>
+            </a:r>
+            <a:r>
+              <a:rPr lang="en-US" dirty="0" err="1" smtClean="0">
+                <a:latin typeface="Times New Roman" panose="02020603050405020304" pitchFamily="18" charset="0"/>
+                <a:cs typeface="Times New Roman" panose="02020603050405020304" pitchFamily="18" charset="0"/>
+              </a:rPr>
+              <a:t>chỉ</a:t>
+            </a:r>
+            <a:r>
+              <a:rPr lang="en-US" dirty="0" smtClean="0">
+                <a:latin typeface="Times New Roman" panose="02020603050405020304" pitchFamily="18" charset="0"/>
+                <a:cs typeface="Times New Roman" panose="02020603050405020304" pitchFamily="18" charset="0"/>
+              </a:rPr>
+              <a:t> </a:t>
+            </a:r>
+            <a:r>
+              <a:rPr lang="en-US" dirty="0" err="1" smtClean="0">
+                <a:latin typeface="Times New Roman" panose="02020603050405020304" pitchFamily="18" charset="0"/>
+                <a:cs typeface="Times New Roman" panose="02020603050405020304" pitchFamily="18" charset="0"/>
+              </a:rPr>
+              <a:t>đơn</a:t>
+            </a:r>
+            <a:r>
+              <a:rPr lang="en-US" dirty="0" smtClean="0">
+                <a:latin typeface="Times New Roman" panose="02020603050405020304" pitchFamily="18" charset="0"/>
+                <a:cs typeface="Times New Roman" panose="02020603050405020304" pitchFamily="18" charset="0"/>
+              </a:rPr>
+              <a:t> </a:t>
+            </a:r>
+            <a:r>
+              <a:rPr lang="en-US" dirty="0" err="1" smtClean="0">
+                <a:latin typeface="Times New Roman" panose="02020603050405020304" pitchFamily="18" charset="0"/>
+                <a:cs typeface="Times New Roman" panose="02020603050405020304" pitchFamily="18" charset="0"/>
+              </a:rPr>
+              <a:t>giản</a:t>
+            </a:r>
+            <a:r>
+              <a:rPr lang="en-US" dirty="0" smtClean="0">
+                <a:latin typeface="Times New Roman" panose="02020603050405020304" pitchFamily="18" charset="0"/>
+                <a:cs typeface="Times New Roman" panose="02020603050405020304" pitchFamily="18" charset="0"/>
+              </a:rPr>
+              <a:t> </a:t>
+            </a:r>
+            <a:r>
+              <a:rPr lang="en-US" dirty="0" err="1" smtClean="0">
+                <a:latin typeface="Times New Roman" panose="02020603050405020304" pitchFamily="18" charset="0"/>
+                <a:cs typeface="Times New Roman" panose="02020603050405020304" pitchFamily="18" charset="0"/>
+              </a:rPr>
+              <a:t>là</a:t>
+            </a:r>
+            <a:r>
+              <a:rPr lang="en-US" dirty="0" smtClean="0">
+                <a:latin typeface="Times New Roman" panose="02020603050405020304" pitchFamily="18" charset="0"/>
+                <a:cs typeface="Times New Roman" panose="02020603050405020304" pitchFamily="18" charset="0"/>
+              </a:rPr>
+              <a:t> chat </a:t>
+            </a:r>
+            <a:r>
+              <a:rPr lang="en-US" dirty="0" err="1" smtClean="0">
+                <a:latin typeface="Times New Roman" panose="02020603050405020304" pitchFamily="18" charset="0"/>
+                <a:cs typeface="Times New Roman" panose="02020603050405020304" pitchFamily="18" charset="0"/>
+              </a:rPr>
+              <a:t>giữa</a:t>
+            </a:r>
+            <a:r>
+              <a:rPr lang="en-US" dirty="0" smtClean="0">
+                <a:latin typeface="Times New Roman" panose="02020603050405020304" pitchFamily="18" charset="0"/>
+                <a:cs typeface="Times New Roman" panose="02020603050405020304" pitchFamily="18" charset="0"/>
+              </a:rPr>
+              <a:t> bot </a:t>
+            </a:r>
+            <a:r>
+              <a:rPr lang="en-US" dirty="0" err="1" smtClean="0">
+                <a:latin typeface="Times New Roman" panose="02020603050405020304" pitchFamily="18" charset="0"/>
+                <a:cs typeface="Times New Roman" panose="02020603050405020304" pitchFamily="18" charset="0"/>
+              </a:rPr>
+              <a:t>và</a:t>
+            </a:r>
+            <a:r>
+              <a:rPr lang="en-US" dirty="0" smtClean="0">
+                <a:latin typeface="Times New Roman" panose="02020603050405020304" pitchFamily="18" charset="0"/>
+                <a:cs typeface="Times New Roman" panose="02020603050405020304" pitchFamily="18" charset="0"/>
+              </a:rPr>
+              <a:t> user </a:t>
+            </a:r>
+            <a:r>
+              <a:rPr lang="en-US" dirty="0" err="1" smtClean="0">
+                <a:latin typeface="Times New Roman" panose="02020603050405020304" pitchFamily="18" charset="0"/>
+                <a:cs typeface="Times New Roman" panose="02020603050405020304" pitchFamily="18" charset="0"/>
+              </a:rPr>
+              <a:t>nên</a:t>
+            </a:r>
+            <a:r>
+              <a:rPr lang="en-US" dirty="0" smtClean="0">
+                <a:latin typeface="Times New Roman" panose="02020603050405020304" pitchFamily="18" charset="0"/>
+                <a:cs typeface="Times New Roman" panose="02020603050405020304" pitchFamily="18" charset="0"/>
+              </a:rPr>
+              <a:t> </a:t>
+            </a:r>
+            <a:r>
+              <a:rPr lang="en-US" dirty="0" err="1" smtClean="0">
+                <a:latin typeface="Times New Roman" panose="02020603050405020304" pitchFamily="18" charset="0"/>
+                <a:cs typeface="Times New Roman" panose="02020603050405020304" pitchFamily="18" charset="0"/>
+              </a:rPr>
+              <a:t>chỉ</a:t>
+            </a:r>
+            <a:r>
+              <a:rPr lang="en-US" dirty="0" smtClean="0">
+                <a:latin typeface="Times New Roman" panose="02020603050405020304" pitchFamily="18" charset="0"/>
+                <a:cs typeface="Times New Roman" panose="02020603050405020304" pitchFamily="18" charset="0"/>
+              </a:rPr>
+              <a:t> </a:t>
+            </a:r>
+            <a:r>
+              <a:rPr lang="en-US" dirty="0" err="1" smtClean="0">
+                <a:latin typeface="Times New Roman" panose="02020603050405020304" pitchFamily="18" charset="0"/>
+                <a:cs typeface="Times New Roman" panose="02020603050405020304" pitchFamily="18" charset="0"/>
+              </a:rPr>
+              <a:t>cần</a:t>
+            </a:r>
+            <a:r>
+              <a:rPr lang="en-US" dirty="0" smtClean="0">
+                <a:latin typeface="Times New Roman" panose="02020603050405020304" pitchFamily="18" charset="0"/>
+                <a:cs typeface="Times New Roman" panose="02020603050405020304" pitchFamily="18" charset="0"/>
+              </a:rPr>
+              <a:t> 3 file html, </a:t>
+            </a:r>
+            <a:r>
+              <a:rPr lang="en-US" dirty="0" err="1" smtClean="0">
+                <a:latin typeface="Times New Roman" panose="02020603050405020304" pitchFamily="18" charset="0"/>
+                <a:cs typeface="Times New Roman" panose="02020603050405020304" pitchFamily="18" charset="0"/>
+              </a:rPr>
+              <a:t>css</a:t>
+            </a:r>
+            <a:r>
+              <a:rPr lang="en-US" dirty="0" smtClean="0">
+                <a:latin typeface="Times New Roman" panose="02020603050405020304" pitchFamily="18" charset="0"/>
+                <a:cs typeface="Times New Roman" panose="02020603050405020304" pitchFamily="18" charset="0"/>
+              </a:rPr>
+              <a:t> </a:t>
+            </a:r>
+            <a:r>
+              <a:rPr lang="en-US" dirty="0" err="1" smtClean="0">
+                <a:latin typeface="Times New Roman" panose="02020603050405020304" pitchFamily="18" charset="0"/>
+                <a:cs typeface="Times New Roman" panose="02020603050405020304" pitchFamily="18" charset="0"/>
+              </a:rPr>
+              <a:t>và</a:t>
+            </a:r>
+            <a:r>
+              <a:rPr lang="en-US" dirty="0" smtClean="0">
+                <a:latin typeface="Times New Roman" panose="02020603050405020304" pitchFamily="18" charset="0"/>
+                <a:cs typeface="Times New Roman" panose="02020603050405020304" pitchFamily="18" charset="0"/>
+              </a:rPr>
+              <a:t> </a:t>
+            </a:r>
+            <a:r>
+              <a:rPr lang="en-US" dirty="0" err="1" smtClean="0">
+                <a:latin typeface="Times New Roman" panose="02020603050405020304" pitchFamily="18" charset="0"/>
+                <a:cs typeface="Times New Roman" panose="02020603050405020304" pitchFamily="18" charset="0"/>
+              </a:rPr>
+              <a:t>js</a:t>
+            </a:r>
+            <a:r>
+              <a:rPr lang="en-US" dirty="0" smtClean="0">
+                <a:latin typeface="Times New Roman" panose="02020603050405020304" pitchFamily="18" charset="0"/>
+                <a:cs typeface="Times New Roman" panose="02020603050405020304" pitchFamily="18" charset="0"/>
+              </a:rPr>
+              <a:t> </a:t>
+            </a:r>
+            <a:r>
+              <a:rPr lang="en-US" dirty="0" err="1" smtClean="0">
+                <a:latin typeface="Times New Roman" panose="02020603050405020304" pitchFamily="18" charset="0"/>
+                <a:cs typeface="Times New Roman" panose="02020603050405020304" pitchFamily="18" charset="0"/>
+              </a:rPr>
+              <a:t>để</a:t>
+            </a:r>
+            <a:r>
+              <a:rPr lang="en-US" dirty="0" smtClean="0">
+                <a:latin typeface="Times New Roman" panose="02020603050405020304" pitchFamily="18" charset="0"/>
+                <a:cs typeface="Times New Roman" panose="02020603050405020304" pitchFamily="18" charset="0"/>
+              </a:rPr>
+              <a:t> </a:t>
+            </a:r>
+            <a:r>
+              <a:rPr lang="en-US" dirty="0" err="1" smtClean="0">
+                <a:latin typeface="Times New Roman" panose="02020603050405020304" pitchFamily="18" charset="0"/>
+                <a:cs typeface="Times New Roman" panose="02020603050405020304" pitchFamily="18" charset="0"/>
+              </a:rPr>
+              <a:t>tạo</a:t>
+            </a:r>
+            <a:r>
+              <a:rPr lang="en-US" dirty="0" smtClean="0">
+                <a:latin typeface="Times New Roman" panose="02020603050405020304" pitchFamily="18" charset="0"/>
+                <a:cs typeface="Times New Roman" panose="02020603050405020304" pitchFamily="18" charset="0"/>
+              </a:rPr>
+              <a:t> UI.</a:t>
+            </a:r>
+          </a:p>
+          <a:p>
+            <a:r>
+              <a:rPr lang="en-US" b="1" dirty="0" smtClean="0">
+                <a:latin typeface="Times New Roman" panose="02020603050405020304" pitchFamily="18" charset="0"/>
+                <a:cs typeface="Times New Roman" panose="02020603050405020304" pitchFamily="18" charset="0"/>
+              </a:rPr>
+              <a:t>Backend</a:t>
+            </a:r>
+          </a:p>
+          <a:p>
+            <a:pPr lvl="1"/>
+            <a:r>
+              <a:rPr lang="en-US" dirty="0" err="1" smtClean="0">
+                <a:latin typeface="Times New Roman" panose="02020603050405020304" pitchFamily="18" charset="0"/>
+                <a:cs typeface="Times New Roman" panose="02020603050405020304" pitchFamily="18" charset="0"/>
+              </a:rPr>
+              <a:t>Dùng</a:t>
+            </a:r>
+            <a:r>
+              <a:rPr lang="en-US" dirty="0" smtClean="0">
+                <a:latin typeface="Times New Roman" panose="02020603050405020304" pitchFamily="18" charset="0"/>
+                <a:cs typeface="Times New Roman" panose="02020603050405020304" pitchFamily="18" charset="0"/>
+              </a:rPr>
+              <a:t> Python </a:t>
+            </a:r>
+            <a:r>
+              <a:rPr lang="en-US" dirty="0" err="1" smtClean="0">
+                <a:latin typeface="Times New Roman" panose="02020603050405020304" pitchFamily="18" charset="0"/>
+                <a:cs typeface="Times New Roman" panose="02020603050405020304" pitchFamily="18" charset="0"/>
+              </a:rPr>
+              <a:t>để</a:t>
+            </a:r>
+            <a:r>
+              <a:rPr lang="en-US" dirty="0" smtClean="0">
+                <a:latin typeface="Times New Roman" panose="02020603050405020304" pitchFamily="18" charset="0"/>
+                <a:cs typeface="Times New Roman" panose="02020603050405020304" pitchFamily="18" charset="0"/>
+              </a:rPr>
+              <a:t> </a:t>
+            </a:r>
+            <a:r>
+              <a:rPr lang="en-US" dirty="0" err="1" smtClean="0">
+                <a:latin typeface="Times New Roman" panose="02020603050405020304" pitchFamily="18" charset="0"/>
+                <a:cs typeface="Times New Roman" panose="02020603050405020304" pitchFamily="18" charset="0"/>
+              </a:rPr>
+              <a:t>xử</a:t>
+            </a:r>
+            <a:r>
+              <a:rPr lang="en-US" dirty="0" smtClean="0">
+                <a:latin typeface="Times New Roman" panose="02020603050405020304" pitchFamily="18" charset="0"/>
+                <a:cs typeface="Times New Roman" panose="02020603050405020304" pitchFamily="18" charset="0"/>
+              </a:rPr>
+              <a:t> </a:t>
+            </a:r>
+            <a:r>
+              <a:rPr lang="en-US" dirty="0" err="1" smtClean="0">
+                <a:latin typeface="Times New Roman" panose="02020603050405020304" pitchFamily="18" charset="0"/>
+                <a:cs typeface="Times New Roman" panose="02020603050405020304" pitchFamily="18" charset="0"/>
+              </a:rPr>
+              <a:t>lí</a:t>
+            </a:r>
+            <a:r>
+              <a:rPr lang="en-US" dirty="0" smtClean="0">
+                <a:latin typeface="Times New Roman" panose="02020603050405020304" pitchFamily="18" charset="0"/>
+                <a:cs typeface="Times New Roman" panose="02020603050405020304" pitchFamily="18" charset="0"/>
+              </a:rPr>
+              <a:t> </a:t>
+            </a:r>
+            <a:r>
+              <a:rPr lang="en-US" dirty="0" err="1" smtClean="0">
+                <a:latin typeface="Times New Roman" panose="02020603050405020304" pitchFamily="18" charset="0"/>
+                <a:cs typeface="Times New Roman" panose="02020603050405020304" pitchFamily="18" charset="0"/>
+              </a:rPr>
+              <a:t>các</a:t>
+            </a:r>
+            <a:r>
+              <a:rPr lang="en-US" dirty="0" smtClean="0">
+                <a:latin typeface="Times New Roman" panose="02020603050405020304" pitchFamily="18" charset="0"/>
+                <a:cs typeface="Times New Roman" panose="02020603050405020304" pitchFamily="18" charset="0"/>
+              </a:rPr>
+              <a:t> </a:t>
+            </a:r>
+            <a:r>
+              <a:rPr lang="en-US" dirty="0" err="1" smtClean="0">
+                <a:latin typeface="Times New Roman" panose="02020603050405020304" pitchFamily="18" charset="0"/>
+                <a:cs typeface="Times New Roman" panose="02020603050405020304" pitchFamily="18" charset="0"/>
+              </a:rPr>
+              <a:t>bài</a:t>
+            </a:r>
+            <a:r>
+              <a:rPr lang="en-US" dirty="0" smtClean="0">
+                <a:latin typeface="Times New Roman" panose="02020603050405020304" pitchFamily="18" charset="0"/>
+                <a:cs typeface="Times New Roman" panose="02020603050405020304" pitchFamily="18" charset="0"/>
+              </a:rPr>
+              <a:t> </a:t>
+            </a:r>
+            <a:r>
+              <a:rPr lang="en-US" dirty="0" err="1" smtClean="0">
+                <a:latin typeface="Times New Roman" panose="02020603050405020304" pitchFamily="18" charset="0"/>
+                <a:cs typeface="Times New Roman" panose="02020603050405020304" pitchFamily="18" charset="0"/>
+              </a:rPr>
+              <a:t>toán</a:t>
+            </a:r>
+            <a:r>
+              <a:rPr lang="en-US" dirty="0" smtClean="0">
+                <a:latin typeface="Times New Roman" panose="02020603050405020304" pitchFamily="18" charset="0"/>
+                <a:cs typeface="Times New Roman" panose="02020603050405020304" pitchFamily="18" charset="0"/>
+              </a:rPr>
+              <a:t> </a:t>
+            </a:r>
+            <a:r>
+              <a:rPr lang="en-US" dirty="0" err="1" smtClean="0">
+                <a:latin typeface="Times New Roman" panose="02020603050405020304" pitchFamily="18" charset="0"/>
+                <a:cs typeface="Times New Roman" panose="02020603050405020304" pitchFamily="18" charset="0"/>
+              </a:rPr>
+              <a:t>liên</a:t>
+            </a:r>
+            <a:r>
+              <a:rPr lang="en-US" dirty="0" smtClean="0">
+                <a:latin typeface="Times New Roman" panose="02020603050405020304" pitchFamily="18" charset="0"/>
+                <a:cs typeface="Times New Roman" panose="02020603050405020304" pitchFamily="18" charset="0"/>
+              </a:rPr>
+              <a:t> </a:t>
+            </a:r>
+            <a:r>
+              <a:rPr lang="en-US" dirty="0" err="1" smtClean="0">
+                <a:latin typeface="Times New Roman" panose="02020603050405020304" pitchFamily="18" charset="0"/>
+                <a:cs typeface="Times New Roman" panose="02020603050405020304" pitchFamily="18" charset="0"/>
+              </a:rPr>
+              <a:t>quan</a:t>
+            </a:r>
+            <a:r>
+              <a:rPr lang="en-US" dirty="0" smtClean="0">
+                <a:latin typeface="Times New Roman" panose="02020603050405020304" pitchFamily="18" charset="0"/>
+                <a:cs typeface="Times New Roman" panose="02020603050405020304" pitchFamily="18" charset="0"/>
+              </a:rPr>
+              <a:t> </a:t>
+            </a:r>
+            <a:r>
+              <a:rPr lang="en-US" dirty="0" err="1" smtClean="0">
+                <a:latin typeface="Times New Roman" panose="02020603050405020304" pitchFamily="18" charset="0"/>
+                <a:cs typeface="Times New Roman" panose="02020603050405020304" pitchFamily="18" charset="0"/>
+              </a:rPr>
+              <a:t>đến</a:t>
+            </a:r>
+            <a:r>
+              <a:rPr lang="en-US" dirty="0" smtClean="0">
+                <a:latin typeface="Times New Roman" panose="02020603050405020304" pitchFamily="18" charset="0"/>
+                <a:cs typeface="Times New Roman" panose="02020603050405020304" pitchFamily="18" charset="0"/>
+              </a:rPr>
+              <a:t> machine learning.</a:t>
+            </a:r>
+          </a:p>
+          <a:p>
+            <a:pPr lvl="1"/>
+            <a:r>
+              <a:rPr lang="en-US" dirty="0" err="1" smtClean="0">
+                <a:latin typeface="Times New Roman" panose="02020603050405020304" pitchFamily="18" charset="0"/>
+                <a:cs typeface="Times New Roman" panose="02020603050405020304" pitchFamily="18" charset="0"/>
+              </a:rPr>
+              <a:t>Sử</a:t>
+            </a:r>
+            <a:r>
+              <a:rPr lang="en-US" dirty="0" smtClean="0">
+                <a:latin typeface="Times New Roman" panose="02020603050405020304" pitchFamily="18" charset="0"/>
+                <a:cs typeface="Times New Roman" panose="02020603050405020304" pitchFamily="18" charset="0"/>
+              </a:rPr>
+              <a:t> </a:t>
+            </a:r>
+            <a:r>
+              <a:rPr lang="en-US" dirty="0" err="1" smtClean="0">
+                <a:latin typeface="Times New Roman" panose="02020603050405020304" pitchFamily="18" charset="0"/>
+                <a:cs typeface="Times New Roman" panose="02020603050405020304" pitchFamily="18" charset="0"/>
+              </a:rPr>
+              <a:t>dụng</a:t>
+            </a:r>
+            <a:r>
+              <a:rPr lang="en-US" dirty="0" smtClean="0">
+                <a:latin typeface="Times New Roman" panose="02020603050405020304" pitchFamily="18" charset="0"/>
+                <a:cs typeface="Times New Roman" panose="02020603050405020304" pitchFamily="18" charset="0"/>
+              </a:rPr>
+              <a:t> Flask </a:t>
+            </a:r>
+            <a:r>
+              <a:rPr lang="en-US" dirty="0" err="1" smtClean="0">
+                <a:latin typeface="Times New Roman" panose="02020603050405020304" pitchFamily="18" charset="0"/>
+                <a:cs typeface="Times New Roman" panose="02020603050405020304" pitchFamily="18" charset="0"/>
+              </a:rPr>
+              <a:t>để</a:t>
+            </a:r>
+            <a:r>
+              <a:rPr lang="en-US" dirty="0" smtClean="0">
+                <a:latin typeface="Times New Roman" panose="02020603050405020304" pitchFamily="18" charset="0"/>
+                <a:cs typeface="Times New Roman" panose="02020603050405020304" pitchFamily="18" charset="0"/>
+              </a:rPr>
+              <a:t> frontend </a:t>
+            </a:r>
+            <a:r>
+              <a:rPr lang="en-US" dirty="0" err="1" smtClean="0">
+                <a:latin typeface="Times New Roman" panose="02020603050405020304" pitchFamily="18" charset="0"/>
+                <a:cs typeface="Times New Roman" panose="02020603050405020304" pitchFamily="18" charset="0"/>
+              </a:rPr>
+              <a:t>có</a:t>
+            </a:r>
+            <a:r>
+              <a:rPr lang="en-US" dirty="0" smtClean="0">
+                <a:latin typeface="Times New Roman" panose="02020603050405020304" pitchFamily="18" charset="0"/>
+                <a:cs typeface="Times New Roman" panose="02020603050405020304" pitchFamily="18" charset="0"/>
+              </a:rPr>
+              <a:t> </a:t>
+            </a:r>
+            <a:r>
+              <a:rPr lang="en-US" dirty="0" err="1" smtClean="0">
+                <a:latin typeface="Times New Roman" panose="02020603050405020304" pitchFamily="18" charset="0"/>
+                <a:cs typeface="Times New Roman" panose="02020603050405020304" pitchFamily="18" charset="0"/>
+              </a:rPr>
+              <a:t>thể</a:t>
+            </a:r>
+            <a:r>
+              <a:rPr lang="en-US" dirty="0" smtClean="0">
+                <a:latin typeface="Times New Roman" panose="02020603050405020304" pitchFamily="18" charset="0"/>
+                <a:cs typeface="Times New Roman" panose="02020603050405020304" pitchFamily="18" charset="0"/>
+              </a:rPr>
+              <a:t> </a:t>
+            </a:r>
+            <a:r>
+              <a:rPr lang="en-US" dirty="0" err="1" smtClean="0">
+                <a:latin typeface="Times New Roman" panose="02020603050405020304" pitchFamily="18" charset="0"/>
+                <a:cs typeface="Times New Roman" panose="02020603050405020304" pitchFamily="18" charset="0"/>
+              </a:rPr>
+              <a:t>gửi</a:t>
+            </a:r>
+            <a:r>
+              <a:rPr lang="en-US" dirty="0" smtClean="0">
+                <a:latin typeface="Times New Roman" panose="02020603050405020304" pitchFamily="18" charset="0"/>
+                <a:cs typeface="Times New Roman" panose="02020603050405020304" pitchFamily="18" charset="0"/>
+              </a:rPr>
+              <a:t> data </a:t>
+            </a:r>
+            <a:r>
+              <a:rPr lang="en-US" dirty="0" err="1" smtClean="0">
+                <a:latin typeface="Times New Roman" panose="02020603050405020304" pitchFamily="18" charset="0"/>
+                <a:cs typeface="Times New Roman" panose="02020603050405020304" pitchFamily="18" charset="0"/>
+              </a:rPr>
+              <a:t>và</a:t>
+            </a:r>
+            <a:r>
+              <a:rPr lang="en-US" dirty="0" smtClean="0">
+                <a:latin typeface="Times New Roman" panose="02020603050405020304" pitchFamily="18" charset="0"/>
+                <a:cs typeface="Times New Roman" panose="02020603050405020304" pitchFamily="18" charset="0"/>
+              </a:rPr>
+              <a:t> </a:t>
+            </a:r>
+            <a:r>
+              <a:rPr lang="en-US" dirty="0" err="1" smtClean="0">
+                <a:latin typeface="Times New Roman" panose="02020603050405020304" pitchFamily="18" charset="0"/>
+                <a:cs typeface="Times New Roman" panose="02020603050405020304" pitchFamily="18" charset="0"/>
+              </a:rPr>
+              <a:t>nhận</a:t>
+            </a:r>
+            <a:r>
+              <a:rPr lang="en-US" dirty="0" smtClean="0">
+                <a:latin typeface="Times New Roman" panose="02020603050405020304" pitchFamily="18" charset="0"/>
+                <a:cs typeface="Times New Roman" panose="02020603050405020304" pitchFamily="18" charset="0"/>
+              </a:rPr>
+              <a:t> </a:t>
+            </a:r>
+            <a:r>
+              <a:rPr lang="en-US" dirty="0" err="1" smtClean="0">
+                <a:latin typeface="Times New Roman" panose="02020603050405020304" pitchFamily="18" charset="0"/>
+                <a:cs typeface="Times New Roman" panose="02020603050405020304" pitchFamily="18" charset="0"/>
+              </a:rPr>
+              <a:t>kết</a:t>
+            </a:r>
+            <a:r>
+              <a:rPr lang="en-US" dirty="0" smtClean="0">
+                <a:latin typeface="Times New Roman" panose="02020603050405020304" pitchFamily="18" charset="0"/>
+                <a:cs typeface="Times New Roman" panose="02020603050405020304" pitchFamily="18" charset="0"/>
+              </a:rPr>
+              <a:t> </a:t>
+            </a:r>
+            <a:r>
+              <a:rPr lang="en-US" dirty="0" err="1" smtClean="0">
+                <a:latin typeface="Times New Roman" panose="02020603050405020304" pitchFamily="18" charset="0"/>
+                <a:cs typeface="Times New Roman" panose="02020603050405020304" pitchFamily="18" charset="0"/>
+              </a:rPr>
+              <a:t>quả</a:t>
+            </a:r>
+            <a:r>
+              <a:rPr lang="en-US" dirty="0" smtClean="0">
+                <a:latin typeface="Times New Roman" panose="02020603050405020304" pitchFamily="18" charset="0"/>
+                <a:cs typeface="Times New Roman" panose="02020603050405020304" pitchFamily="18" charset="0"/>
+              </a:rPr>
+              <a:t>.</a:t>
+            </a:r>
+          </a:p>
+          <a:p>
+            <a:r>
+              <a:rPr lang="en-US" b="1" dirty="0" smtClean="0">
+                <a:latin typeface="Times New Roman" panose="02020603050405020304" pitchFamily="18" charset="0"/>
+                <a:cs typeface="Times New Roman" panose="02020603050405020304" pitchFamily="18" charset="0"/>
+              </a:rPr>
+              <a:t>Training data</a:t>
+            </a:r>
+          </a:p>
+          <a:p>
+            <a:pPr lvl="1"/>
+            <a:r>
+              <a:rPr lang="en-US" dirty="0" err="1" smtClean="0">
+                <a:latin typeface="Times New Roman" panose="02020603050405020304" pitchFamily="18" charset="0"/>
+                <a:cs typeface="Times New Roman" panose="02020603050405020304" pitchFamily="18" charset="0"/>
+              </a:rPr>
+              <a:t>Tflearn</a:t>
+            </a:r>
+            <a:r>
+              <a:rPr lang="en-US" dirty="0" smtClean="0">
+                <a:latin typeface="Times New Roman" panose="02020603050405020304" pitchFamily="18" charset="0"/>
+                <a:cs typeface="Times New Roman" panose="02020603050405020304" pitchFamily="18" charset="0"/>
+              </a:rPr>
+              <a:t> </a:t>
+            </a:r>
+            <a:r>
+              <a:rPr lang="en-US" dirty="0" err="1" smtClean="0">
+                <a:latin typeface="Times New Roman" panose="02020603050405020304" pitchFamily="18" charset="0"/>
+                <a:cs typeface="Times New Roman" panose="02020603050405020304" pitchFamily="18" charset="0"/>
+              </a:rPr>
+              <a:t>là</a:t>
+            </a:r>
+            <a:r>
+              <a:rPr lang="en-US" dirty="0" smtClean="0">
+                <a:latin typeface="Times New Roman" panose="02020603050405020304" pitchFamily="18" charset="0"/>
+                <a:cs typeface="Times New Roman" panose="02020603050405020304" pitchFamily="18" charset="0"/>
+              </a:rPr>
+              <a:t> </a:t>
+            </a:r>
+            <a:r>
+              <a:rPr lang="en-US" dirty="0" err="1" smtClean="0">
+                <a:latin typeface="Times New Roman" panose="02020603050405020304" pitchFamily="18" charset="0"/>
+                <a:cs typeface="Times New Roman" panose="02020603050405020304" pitchFamily="18" charset="0"/>
+              </a:rPr>
+              <a:t>thư</a:t>
+            </a:r>
+            <a:r>
+              <a:rPr lang="en-US" dirty="0" smtClean="0">
+                <a:latin typeface="Times New Roman" panose="02020603050405020304" pitchFamily="18" charset="0"/>
+                <a:cs typeface="Times New Roman" panose="02020603050405020304" pitchFamily="18" charset="0"/>
+              </a:rPr>
+              <a:t> </a:t>
+            </a:r>
+            <a:r>
+              <a:rPr lang="en-US" dirty="0" err="1" smtClean="0">
+                <a:latin typeface="Times New Roman" panose="02020603050405020304" pitchFamily="18" charset="0"/>
+                <a:cs typeface="Times New Roman" panose="02020603050405020304" pitchFamily="18" charset="0"/>
+              </a:rPr>
+              <a:t>viện</a:t>
+            </a:r>
+            <a:r>
+              <a:rPr lang="en-US" dirty="0" smtClean="0">
+                <a:latin typeface="Times New Roman" panose="02020603050405020304" pitchFamily="18" charset="0"/>
+                <a:cs typeface="Times New Roman" panose="02020603050405020304" pitchFamily="18" charset="0"/>
+              </a:rPr>
+              <a:t> </a:t>
+            </a:r>
+            <a:r>
+              <a:rPr lang="en-US" dirty="0" err="1" smtClean="0">
+                <a:latin typeface="Times New Roman" panose="02020603050405020304" pitchFamily="18" charset="0"/>
+                <a:cs typeface="Times New Roman" panose="02020603050405020304" pitchFamily="18" charset="0"/>
+              </a:rPr>
+              <a:t>hỗ</a:t>
+            </a:r>
+            <a:r>
+              <a:rPr lang="en-US" dirty="0" smtClean="0">
+                <a:latin typeface="Times New Roman" panose="02020603050405020304" pitchFamily="18" charset="0"/>
+                <a:cs typeface="Times New Roman" panose="02020603050405020304" pitchFamily="18" charset="0"/>
+              </a:rPr>
+              <a:t> </a:t>
+            </a:r>
+            <a:r>
+              <a:rPr lang="en-US" dirty="0" err="1" smtClean="0">
+                <a:latin typeface="Times New Roman" panose="02020603050405020304" pitchFamily="18" charset="0"/>
+                <a:cs typeface="Times New Roman" panose="02020603050405020304" pitchFamily="18" charset="0"/>
+              </a:rPr>
+              <a:t>trợ</a:t>
+            </a:r>
+            <a:r>
+              <a:rPr lang="en-US" dirty="0" smtClean="0">
+                <a:latin typeface="Times New Roman" panose="02020603050405020304" pitchFamily="18" charset="0"/>
+                <a:cs typeface="Times New Roman" panose="02020603050405020304" pitchFamily="18" charset="0"/>
+              </a:rPr>
+              <a:t> </a:t>
+            </a:r>
+            <a:r>
+              <a:rPr lang="en-US" dirty="0" err="1" smtClean="0">
+                <a:latin typeface="Times New Roman" panose="02020603050405020304" pitchFamily="18" charset="0"/>
+                <a:cs typeface="Times New Roman" panose="02020603050405020304" pitchFamily="18" charset="0"/>
+              </a:rPr>
+              <a:t>xây</a:t>
+            </a:r>
+            <a:r>
+              <a:rPr lang="en-US" dirty="0" smtClean="0">
+                <a:latin typeface="Times New Roman" panose="02020603050405020304" pitchFamily="18" charset="0"/>
+                <a:cs typeface="Times New Roman" panose="02020603050405020304" pitchFamily="18" charset="0"/>
+              </a:rPr>
+              <a:t> </a:t>
+            </a:r>
+            <a:r>
+              <a:rPr lang="en-US" dirty="0" err="1" smtClean="0">
+                <a:latin typeface="Times New Roman" panose="02020603050405020304" pitchFamily="18" charset="0"/>
+                <a:cs typeface="Times New Roman" panose="02020603050405020304" pitchFamily="18" charset="0"/>
+              </a:rPr>
+              <a:t>dựng</a:t>
+            </a:r>
+            <a:r>
+              <a:rPr lang="en-US" dirty="0" smtClean="0">
+                <a:latin typeface="Times New Roman" panose="02020603050405020304" pitchFamily="18" charset="0"/>
+                <a:cs typeface="Times New Roman" panose="02020603050405020304" pitchFamily="18" charset="0"/>
+              </a:rPr>
+              <a:t> </a:t>
+            </a:r>
+            <a:r>
+              <a:rPr lang="en-US" dirty="0" err="1" smtClean="0">
+                <a:latin typeface="Times New Roman" panose="02020603050405020304" pitchFamily="18" charset="0"/>
+                <a:cs typeface="Times New Roman" panose="02020603050405020304" pitchFamily="18" charset="0"/>
+              </a:rPr>
+              <a:t>mạng</a:t>
+            </a:r>
+            <a:r>
+              <a:rPr lang="en-US" dirty="0" smtClean="0">
+                <a:latin typeface="Times New Roman" panose="02020603050405020304" pitchFamily="18" charset="0"/>
+                <a:cs typeface="Times New Roman" panose="02020603050405020304" pitchFamily="18" charset="0"/>
+              </a:rPr>
+              <a:t> </a:t>
+            </a:r>
+            <a:r>
+              <a:rPr lang="en-US" dirty="0" err="1" smtClean="0">
+                <a:latin typeface="Times New Roman" panose="02020603050405020304" pitchFamily="18" charset="0"/>
+                <a:cs typeface="Times New Roman" panose="02020603050405020304" pitchFamily="18" charset="0"/>
+              </a:rPr>
+              <a:t>neuraul</a:t>
+            </a:r>
+            <a:r>
+              <a:rPr lang="en-US" dirty="0" smtClean="0">
+                <a:latin typeface="Times New Roman" panose="02020603050405020304" pitchFamily="18" charset="0"/>
+                <a:cs typeface="Times New Roman" panose="02020603050405020304" pitchFamily="18" charset="0"/>
+              </a:rPr>
+              <a:t> network.</a:t>
+            </a:r>
+          </a:p>
+          <a:p>
+            <a:pPr lvl="1"/>
+            <a:r>
+              <a:rPr lang="en-US" dirty="0" err="1" smtClean="0">
+                <a:latin typeface="Times New Roman" panose="02020603050405020304" pitchFamily="18" charset="0"/>
+                <a:cs typeface="Times New Roman" panose="02020603050405020304" pitchFamily="18" charset="0"/>
+              </a:rPr>
+              <a:t>Nltk</a:t>
+            </a:r>
+            <a:r>
+              <a:rPr lang="en-US" dirty="0" smtClean="0">
+                <a:latin typeface="Times New Roman" panose="02020603050405020304" pitchFamily="18" charset="0"/>
+                <a:cs typeface="Times New Roman" panose="02020603050405020304" pitchFamily="18" charset="0"/>
+              </a:rPr>
+              <a:t> </a:t>
+            </a:r>
+            <a:r>
+              <a:rPr lang="en-US" dirty="0" err="1" smtClean="0">
+                <a:latin typeface="Times New Roman" panose="02020603050405020304" pitchFamily="18" charset="0"/>
+                <a:cs typeface="Times New Roman" panose="02020603050405020304" pitchFamily="18" charset="0"/>
+              </a:rPr>
+              <a:t>là</a:t>
+            </a:r>
+            <a:r>
+              <a:rPr lang="en-US" dirty="0" smtClean="0">
+                <a:latin typeface="Times New Roman" panose="02020603050405020304" pitchFamily="18" charset="0"/>
+                <a:cs typeface="Times New Roman" panose="02020603050405020304" pitchFamily="18" charset="0"/>
+              </a:rPr>
+              <a:t> </a:t>
+            </a:r>
+            <a:r>
+              <a:rPr lang="en-US" dirty="0" err="1" smtClean="0">
+                <a:latin typeface="Times New Roman" panose="02020603050405020304" pitchFamily="18" charset="0"/>
+                <a:cs typeface="Times New Roman" panose="02020603050405020304" pitchFamily="18" charset="0"/>
+              </a:rPr>
+              <a:t>thư</a:t>
+            </a:r>
+            <a:r>
+              <a:rPr lang="en-US" dirty="0" smtClean="0">
+                <a:latin typeface="Times New Roman" panose="02020603050405020304" pitchFamily="18" charset="0"/>
+                <a:cs typeface="Times New Roman" panose="02020603050405020304" pitchFamily="18" charset="0"/>
+              </a:rPr>
+              <a:t> </a:t>
+            </a:r>
+            <a:r>
+              <a:rPr lang="en-US" dirty="0" err="1" smtClean="0">
+                <a:latin typeface="Times New Roman" panose="02020603050405020304" pitchFamily="18" charset="0"/>
+                <a:cs typeface="Times New Roman" panose="02020603050405020304" pitchFamily="18" charset="0"/>
+              </a:rPr>
+              <a:t>viện</a:t>
+            </a:r>
+            <a:r>
+              <a:rPr lang="en-US" dirty="0" smtClean="0">
+                <a:latin typeface="Times New Roman" panose="02020603050405020304" pitchFamily="18" charset="0"/>
+                <a:cs typeface="Times New Roman" panose="02020603050405020304" pitchFamily="18" charset="0"/>
+              </a:rPr>
+              <a:t> </a:t>
+            </a:r>
+            <a:r>
+              <a:rPr lang="en-US" dirty="0" err="1" smtClean="0">
+                <a:latin typeface="Times New Roman" panose="02020603050405020304" pitchFamily="18" charset="0"/>
+                <a:cs typeface="Times New Roman" panose="02020603050405020304" pitchFamily="18" charset="0"/>
+              </a:rPr>
+              <a:t>xử</a:t>
+            </a:r>
+            <a:r>
+              <a:rPr lang="en-US" dirty="0" smtClean="0">
+                <a:latin typeface="Times New Roman" panose="02020603050405020304" pitchFamily="18" charset="0"/>
+                <a:cs typeface="Times New Roman" panose="02020603050405020304" pitchFamily="18" charset="0"/>
+              </a:rPr>
+              <a:t> </a:t>
+            </a:r>
+            <a:r>
+              <a:rPr lang="en-US" dirty="0" err="1" smtClean="0">
+                <a:latin typeface="Times New Roman" panose="02020603050405020304" pitchFamily="18" charset="0"/>
+                <a:cs typeface="Times New Roman" panose="02020603050405020304" pitchFamily="18" charset="0"/>
+              </a:rPr>
+              <a:t>lí</a:t>
+            </a:r>
+            <a:r>
+              <a:rPr lang="en-US" dirty="0" smtClean="0">
+                <a:latin typeface="Times New Roman" panose="02020603050405020304" pitchFamily="18" charset="0"/>
+                <a:cs typeface="Times New Roman" panose="02020603050405020304" pitchFamily="18" charset="0"/>
+              </a:rPr>
+              <a:t> </a:t>
+            </a:r>
+            <a:r>
+              <a:rPr lang="en-US" dirty="0" err="1" smtClean="0">
+                <a:latin typeface="Times New Roman" panose="02020603050405020304" pitchFamily="18" charset="0"/>
+                <a:cs typeface="Times New Roman" panose="02020603050405020304" pitchFamily="18" charset="0"/>
+              </a:rPr>
+              <a:t>ngôn</a:t>
+            </a:r>
+            <a:r>
+              <a:rPr lang="en-US" dirty="0" smtClean="0">
+                <a:latin typeface="Times New Roman" panose="02020603050405020304" pitchFamily="18" charset="0"/>
+                <a:cs typeface="Times New Roman" panose="02020603050405020304" pitchFamily="18" charset="0"/>
+              </a:rPr>
+              <a:t> </a:t>
+            </a:r>
+            <a:r>
+              <a:rPr lang="en-US" dirty="0" err="1" smtClean="0">
+                <a:latin typeface="Times New Roman" panose="02020603050405020304" pitchFamily="18" charset="0"/>
+                <a:cs typeface="Times New Roman" panose="02020603050405020304" pitchFamily="18" charset="0"/>
+              </a:rPr>
+              <a:t>ngữ</a:t>
+            </a:r>
+            <a:r>
+              <a:rPr lang="en-US" dirty="0" smtClean="0">
+                <a:latin typeface="Times New Roman" panose="02020603050405020304" pitchFamily="18" charset="0"/>
+                <a:cs typeface="Times New Roman" panose="02020603050405020304" pitchFamily="18" charset="0"/>
+              </a:rPr>
+              <a:t> </a:t>
+            </a:r>
+            <a:r>
+              <a:rPr lang="en-US" dirty="0" err="1" smtClean="0">
+                <a:latin typeface="Times New Roman" panose="02020603050405020304" pitchFamily="18" charset="0"/>
+                <a:cs typeface="Times New Roman" panose="02020603050405020304" pitchFamily="18" charset="0"/>
+              </a:rPr>
+              <a:t>tự</a:t>
+            </a:r>
+            <a:r>
+              <a:rPr lang="en-US" dirty="0" smtClean="0">
+                <a:latin typeface="Times New Roman" panose="02020603050405020304" pitchFamily="18" charset="0"/>
+                <a:cs typeface="Times New Roman" panose="02020603050405020304" pitchFamily="18" charset="0"/>
+              </a:rPr>
+              <a:t> </a:t>
+            </a:r>
+            <a:r>
+              <a:rPr lang="en-US" dirty="0" err="1" smtClean="0">
+                <a:latin typeface="Times New Roman" panose="02020603050405020304" pitchFamily="18" charset="0"/>
+                <a:cs typeface="Times New Roman" panose="02020603050405020304" pitchFamily="18" charset="0"/>
+              </a:rPr>
+              <a:t>nhiên</a:t>
+            </a:r>
+            <a:r>
+              <a:rPr lang="en-US" dirty="0" smtClean="0">
+                <a:latin typeface="Times New Roman" panose="02020603050405020304" pitchFamily="18" charset="0"/>
+                <a:cs typeface="Times New Roman" panose="02020603050405020304" pitchFamily="18" charset="0"/>
+              </a:rPr>
+              <a:t>.</a:t>
+            </a:r>
+            <a:endParaRPr lang="en-US" dirty="0">
+              <a:latin typeface="Times New Roman" panose="02020603050405020304" pitchFamily="18" charset="0"/>
+              <a:cs typeface="Times New Roman" panose="02020603050405020304" pitchFamily="18" charset="0"/>
+            </a:endParaRPr>
+          </a:p>
+        </p:txBody>
+      </p:sp>
+      <p:sp>
+        <p:nvSpPr>
+          <p:cNvPr id="4" name="Slide Number Placeholder 3"/>
+          <p:cNvSpPr>
+            <a:spLocks noGrp="1"/>
+          </p:cNvSpPr>
+          <p:nvPr>
+            <p:ph type="sldNum" sz="quarter" idx="10"/>
+          </p:nvPr>
+        </p:nvSpPr>
+        <p:spPr/>
+        <p:txBody>
+          <a:bodyPr/>
+          <a:lstStyle/>
+          <a:p>
+            <a:pPr>
+              <a:defRPr/>
+            </a:pPr>
+            <a:fld id="{DF7D7A9D-6521-4C9C-B98B-0A8DAB95E158}" type="slidenum">
+              <a:rPr lang="en-US" altLang="ja-JP" smtClean="0"/>
+              <a:pPr>
+                <a:defRPr/>
+              </a:pPr>
+              <a:t>19</a:t>
+            </a:fld>
+            <a:endParaRPr lang="en-US" altLang="ja-JP"/>
+          </a:p>
+        </p:txBody>
+      </p:sp>
+    </p:spTree>
+    <p:extLst>
+      <p:ext uri="{BB962C8B-B14F-4D97-AF65-F5344CB8AC3E}">
+        <p14:creationId xmlns:p14="http://schemas.microsoft.com/office/powerpoint/2010/main" val="1925771253"/>
+      </p:ext>
+    </p:extLst>
+  </p:cSld>
+  <p:clrMapOvr>
+    <a:masterClrMapping/>
+  </p:clrMapOvr>
+  <p:timing>
+    <p:tnLst>
+      <p:par>
+        <p:cTn id="1" dur="indefinite" restart="never" nodeType="tmRoot"/>
+      </p:par>
+    </p:tnLst>
+  </p:timing>
+</p:sld>
+</file>
+
+<file path=ppt/slides/slide21.xml><?xml version="1.0" encoding="utf-8"?>
+<p:sld xmlns:a="http://schemas.openxmlformats.org/drawingml/2006/main" xmlns:r="http://schemas.openxmlformats.org/officeDocument/2006/relationships" xmlns:p="http://schemas.openxmlformats.org/presentationml/2006/main">
+  <p:cSld>
+    <p:spTree>
+      <p:nvGrpSpPr>
+        <p:cNvPr id="1" name=""/>
+        <p:cNvGrpSpPr/>
+        <p:nvPr/>
+      </p:nvGrpSpPr>
+      <p:grpSpPr>
+        <a:xfrm>
+          <a:off x="0" y="0"/>
+          <a:ext cx="0" cy="0"/>
+          <a:chOff x="0" y="0"/>
+          <a:chExt cx="0" cy="0"/>
+        </a:xfrm>
+      </p:grpSpPr>
+      <p:sp>
+        <p:nvSpPr>
+          <p:cNvPr id="2" name="Title 1"/>
+          <p:cNvSpPr>
+            <a:spLocks noGrp="1"/>
+          </p:cNvSpPr>
+          <p:nvPr>
+            <p:ph type="title"/>
+          </p:nvPr>
+        </p:nvSpPr>
+        <p:spPr/>
+        <p:txBody>
+          <a:bodyPr/>
+          <a:lstStyle/>
+          <a:p>
+            <a:r>
+              <a:rPr lang="en-US" dirty="0" err="1" smtClean="0">
+                <a:latin typeface="Times New Roman" panose="02020603050405020304" pitchFamily="18" charset="0"/>
+                <a:cs typeface="Times New Roman" panose="02020603050405020304" pitchFamily="18" charset="0"/>
+              </a:rPr>
+              <a:t>Chatbot</a:t>
+            </a:r>
+            <a:endParaRPr lang="en-US" dirty="0"/>
+          </a:p>
+        </p:txBody>
+      </p:sp>
+      <p:sp>
+        <p:nvSpPr>
+          <p:cNvPr id="3" name="Content Placeholder 2"/>
+          <p:cNvSpPr>
+            <a:spLocks noGrp="1"/>
+          </p:cNvSpPr>
+          <p:nvPr>
+            <p:ph idx="1"/>
+          </p:nvPr>
+        </p:nvSpPr>
+        <p:spPr/>
+        <p:txBody>
+          <a:bodyPr/>
+          <a:lstStyle/>
+          <a:p>
+            <a:endParaRPr lang="en-US" dirty="0">
+              <a:latin typeface="Times New Roman" panose="02020603050405020304" pitchFamily="18" charset="0"/>
+              <a:cs typeface="Times New Roman" panose="02020603050405020304" pitchFamily="18" charset="0"/>
+            </a:endParaRPr>
+          </a:p>
+        </p:txBody>
+      </p:sp>
+      <p:sp>
+        <p:nvSpPr>
+          <p:cNvPr id="4" name="Slide Number Placeholder 3"/>
+          <p:cNvSpPr>
+            <a:spLocks noGrp="1"/>
+          </p:cNvSpPr>
+          <p:nvPr>
+            <p:ph type="sldNum" sz="quarter" idx="10"/>
+          </p:nvPr>
+        </p:nvSpPr>
+        <p:spPr/>
+        <p:txBody>
+          <a:bodyPr/>
+          <a:lstStyle/>
+          <a:p>
+            <a:pPr>
+              <a:defRPr/>
+            </a:pPr>
+            <a:fld id="{DF7D7A9D-6521-4C9C-B98B-0A8DAB95E158}" type="slidenum">
+              <a:rPr lang="en-US" altLang="ja-JP" smtClean="0"/>
+              <a:pPr>
+                <a:defRPr/>
+              </a:pPr>
+              <a:t>20</a:t>
+            </a:fld>
+            <a:endParaRPr lang="en-US" altLang="ja-JP"/>
+          </a:p>
+        </p:txBody>
+      </p:sp>
+    </p:spTree>
+    <p:extLst>
+      <p:ext uri="{BB962C8B-B14F-4D97-AF65-F5344CB8AC3E}">
+        <p14:creationId xmlns:p14="http://schemas.microsoft.com/office/powerpoint/2010/main" val="1937361398"/>
+      </p:ext>
+    </p:extLst>
+  </p:cSld>
+  <p:clrMapOvr>
+    <a:masterClrMapping/>
+  </p:clrMapOvr>
+  <p:timing>
+    <p:tnLst>
+      <p:par>
+        <p:cTn id="1" dur="indefinite" restart="never" nodeType="tmRoot"/>
+      </p:par>
+    </p:tnLst>
+  </p:timing>
+</p:sld>
+</file>
+
+<file path=ppt/slides/slide22.xml><?xml version="1.0" encoding="utf-8"?>
+<p:sld xmlns:a="http://schemas.openxmlformats.org/drawingml/2006/main" xmlns:r="http://schemas.openxmlformats.org/officeDocument/2006/relationships" xmlns:p="http://schemas.openxmlformats.org/presentationml/2006/main">
+  <p:cSld>
+    <p:spTree>
+      <p:nvGrpSpPr>
+        <p:cNvPr id="1" name=""/>
+        <p:cNvGrpSpPr/>
+        <p:nvPr/>
+      </p:nvGrpSpPr>
+      <p:grpSpPr>
+        <a:xfrm>
+          <a:off x="0" y="0"/>
+          <a:ext cx="0" cy="0"/>
+          <a:chOff x="0" y="0"/>
+          <a:chExt cx="0" cy="0"/>
+        </a:xfrm>
+      </p:grpSpPr>
+      <p:sp>
+        <p:nvSpPr>
+          <p:cNvPr id="2" name="Title 1"/>
+          <p:cNvSpPr>
+            <a:spLocks noGrp="1"/>
+          </p:cNvSpPr>
+          <p:nvPr>
+            <p:ph type="title"/>
+          </p:nvPr>
+        </p:nvSpPr>
+        <p:spPr/>
+        <p:txBody>
+          <a:bodyPr/>
+          <a:lstStyle/>
+          <a:p>
+            <a:r>
+              <a:rPr lang="en-US" dirty="0" err="1" smtClean="0">
+                <a:latin typeface="Times New Roman" panose="02020603050405020304" pitchFamily="18" charset="0"/>
+                <a:cs typeface="Times New Roman" panose="02020603050405020304" pitchFamily="18" charset="0"/>
+              </a:rPr>
+              <a:t>Chatbot</a:t>
+            </a:r>
+            <a:endParaRPr lang="en-US" dirty="0"/>
+          </a:p>
+        </p:txBody>
+      </p:sp>
+      <p:sp>
+        <p:nvSpPr>
+          <p:cNvPr id="3" name="Content Placeholder 2"/>
+          <p:cNvSpPr>
+            <a:spLocks noGrp="1"/>
+          </p:cNvSpPr>
+          <p:nvPr>
+            <p:ph idx="1"/>
+          </p:nvPr>
+        </p:nvSpPr>
+        <p:spPr/>
+        <p:txBody>
+          <a:bodyPr/>
+          <a:lstStyle/>
+          <a:p>
+            <a:endParaRPr lang="en-US" dirty="0">
+              <a:latin typeface="Times New Roman" panose="02020603050405020304" pitchFamily="18" charset="0"/>
+              <a:cs typeface="Times New Roman" panose="02020603050405020304" pitchFamily="18" charset="0"/>
+            </a:endParaRPr>
+          </a:p>
+        </p:txBody>
+      </p:sp>
+      <p:sp>
+        <p:nvSpPr>
+          <p:cNvPr id="4" name="Slide Number Placeholder 3"/>
+          <p:cNvSpPr>
+            <a:spLocks noGrp="1"/>
+          </p:cNvSpPr>
+          <p:nvPr>
+            <p:ph type="sldNum" sz="quarter" idx="10"/>
+          </p:nvPr>
+        </p:nvSpPr>
+        <p:spPr/>
+        <p:txBody>
+          <a:bodyPr/>
+          <a:lstStyle/>
+          <a:p>
+            <a:pPr>
+              <a:defRPr/>
+            </a:pPr>
+            <a:fld id="{DF7D7A9D-6521-4C9C-B98B-0A8DAB95E158}" type="slidenum">
+              <a:rPr lang="en-US" altLang="ja-JP" smtClean="0"/>
+              <a:pPr>
+                <a:defRPr/>
+              </a:pPr>
+              <a:t>21</a:t>
+            </a:fld>
+            <a:endParaRPr lang="en-US" altLang="ja-JP"/>
+          </a:p>
+        </p:txBody>
+      </p:sp>
+    </p:spTree>
+    <p:extLst>
+      <p:ext uri="{BB962C8B-B14F-4D97-AF65-F5344CB8AC3E}">
+        <p14:creationId xmlns:p14="http://schemas.microsoft.com/office/powerpoint/2010/main" val="393815742"/>
+      </p:ext>
+    </p:extLst>
+  </p:cSld>
+  <p:clrMapOvr>
+    <a:masterClrMapping/>
+  </p:clrMapOvr>
+  <p:timing>
+    <p:tnLst>
+      <p:par>
+        <p:cTn id="1" dur="indefinite" restart="never" nodeType="tmRoot"/>
+      </p:par>
+    </p:tnLst>
+  </p:timing>
+</p:sld>
+</file>
+
+<file path=ppt/slides/slide23.xml><?xml version="1.0" encoding="utf-8"?>
+<p:sld xmlns:a="http://schemas.openxmlformats.org/drawingml/2006/main" xmlns:r="http://schemas.openxmlformats.org/officeDocument/2006/relationships" xmlns:p="http://schemas.openxmlformats.org/presentationml/2006/main">
+  <p:cSld>
+    <p:spTree>
+      <p:nvGrpSpPr>
+        <p:cNvPr id="1" name=""/>
+        <p:cNvGrpSpPr/>
+        <p:nvPr/>
+      </p:nvGrpSpPr>
+      <p:grpSpPr>
+        <a:xfrm>
+          <a:off x="0" y="0"/>
+          <a:ext cx="0" cy="0"/>
+          <a:chOff x="0" y="0"/>
+          <a:chExt cx="0" cy="0"/>
+        </a:xfrm>
+      </p:grpSpPr>
+      <p:sp>
+        <p:nvSpPr>
+          <p:cNvPr id="2" name="Title 1"/>
+          <p:cNvSpPr>
+            <a:spLocks noGrp="1"/>
+          </p:cNvSpPr>
+          <p:nvPr>
+            <p:ph type="title"/>
+          </p:nvPr>
+        </p:nvSpPr>
+        <p:spPr/>
+        <p:txBody>
+          <a:bodyPr/>
+          <a:lstStyle/>
+          <a:p>
+            <a:r>
+              <a:rPr lang="en-US" dirty="0" err="1" smtClean="0">
+                <a:latin typeface="Times New Roman" panose="02020603050405020304" pitchFamily="18" charset="0"/>
+                <a:cs typeface="Times New Roman" panose="02020603050405020304" pitchFamily="18" charset="0"/>
+              </a:rPr>
+              <a:t>Chatbot</a:t>
+            </a:r>
+            <a:endParaRPr lang="en-US" dirty="0"/>
+          </a:p>
+        </p:txBody>
+      </p:sp>
+      <p:sp>
+        <p:nvSpPr>
+          <p:cNvPr id="3" name="Content Placeholder 2"/>
+          <p:cNvSpPr>
+            <a:spLocks noGrp="1"/>
+          </p:cNvSpPr>
+          <p:nvPr>
+            <p:ph idx="1"/>
+          </p:nvPr>
+        </p:nvSpPr>
+        <p:spPr/>
+        <p:txBody>
+          <a:bodyPr/>
+          <a:lstStyle/>
+          <a:p>
+            <a:endParaRPr lang="en-US" dirty="0">
+              <a:latin typeface="Times New Roman" panose="02020603050405020304" pitchFamily="18" charset="0"/>
+              <a:cs typeface="Times New Roman" panose="02020603050405020304" pitchFamily="18" charset="0"/>
+            </a:endParaRPr>
+          </a:p>
+        </p:txBody>
+      </p:sp>
+      <p:sp>
+        <p:nvSpPr>
+          <p:cNvPr id="4" name="Slide Number Placeholder 3"/>
+          <p:cNvSpPr>
+            <a:spLocks noGrp="1"/>
+          </p:cNvSpPr>
+          <p:nvPr>
+            <p:ph type="sldNum" sz="quarter" idx="10"/>
+          </p:nvPr>
+        </p:nvSpPr>
+        <p:spPr/>
+        <p:txBody>
+          <a:bodyPr/>
+          <a:lstStyle/>
+          <a:p>
+            <a:pPr>
+              <a:defRPr/>
+            </a:pPr>
+            <a:fld id="{DF7D7A9D-6521-4C9C-B98B-0A8DAB95E158}" type="slidenum">
+              <a:rPr lang="en-US" altLang="ja-JP" smtClean="0"/>
+              <a:pPr>
+                <a:defRPr/>
+              </a:pPr>
+              <a:t>22</a:t>
+            </a:fld>
+            <a:endParaRPr lang="en-US" altLang="ja-JP"/>
+          </a:p>
+        </p:txBody>
+      </p:sp>
+    </p:spTree>
+    <p:extLst>
+      <p:ext uri="{BB962C8B-B14F-4D97-AF65-F5344CB8AC3E}">
+        <p14:creationId xmlns:p14="http://schemas.microsoft.com/office/powerpoint/2010/main" val="259356723"/>
+      </p:ext>
+    </p:extLst>
+  </p:cSld>
+  <p:clrMapOvr>
+    <a:masterClrMapping/>
+  </p:clrMapOvr>
+  <p:timing>
+    <p:tnLst>
+      <p:par>
+        <p:cTn id="1" dur="indefinite" restart="never" nodeType="tmRoot"/>
+      </p:par>
+    </p:tnLst>
+  </p:timing>
 </p:sld>
 </file>
 
@@ -9314,7 +15515,21 @@
                 <a:latin typeface="Times New Roman" panose="02020603050405020304" pitchFamily="18" charset="0"/>
                 <a:cs typeface="Times New Roman" panose="02020603050405020304" pitchFamily="18" charset="0"/>
               </a:rPr>
-              <a:t>Các bài toán khi chúng ta có một lượng lớn dữ liệu XX nhưng chỉ một phần trong chúng được gán nhãn được gọi là Semi-Supervised Learning. Những bài toán thuộc nhóm này nằm giữa hai nhóm được nêu bên trên</a:t>
+              <a:t>Các bài toán khi chúng ta có một lượng lớn dữ liệu </a:t>
+            </a:r>
+            <a:r>
+              <a:rPr lang="vi-VN" dirty="0" smtClean="0">
+                <a:latin typeface="Times New Roman" panose="02020603050405020304" pitchFamily="18" charset="0"/>
+                <a:cs typeface="Times New Roman" panose="02020603050405020304" pitchFamily="18" charset="0"/>
+              </a:rPr>
+              <a:t>X</a:t>
+            </a:r>
+            <a:r>
+              <a:rPr lang="vi-VN" dirty="0">
+                <a:latin typeface="Times New Roman" panose="02020603050405020304" pitchFamily="18" charset="0"/>
+                <a:cs typeface="Times New Roman" panose="02020603050405020304" pitchFamily="18" charset="0"/>
+              </a:rPr>
+              <a:t> nhưng chỉ một phần trong chúng được gán nhãn được gọi là Semi-Supervised Learning. Những bài toán thuộc nhóm này nằm giữa hai nhóm được nêu bên trên</a:t>
             </a:r>
             <a:r>
               <a:rPr lang="vi-VN" dirty="0" smtClean="0">
@@ -9679,7 +15894,7 @@
         </p:blipFill>
         <p:spPr>
           <a:xfrm>
-            <a:off x="950771" y="2991299"/>
+            <a:off x="1403723" y="2420860"/>
             <a:ext cx="6341316" cy="3257101"/>
           </a:xfrm>
           <a:prstGeom prst="rect">
